--- a/raw/figures/rw/pw-life-cycle-rebuilt.pptx
+++ b/raw/figures/rw/pw-life-cycle-rebuilt.pptx
@@ -6,6 +6,7 @@
   </p:sldMasterIdLst>
   <p:sldIdLst>
     <p:sldId id="257" r:id="rId2"/>
+    <p:sldId id="258" r:id="rId3"/>
   </p:sldIdLst>
   <p:sldSz cx="12192000" cy="6858000"/>
   <p:notesSz cx="6858000" cy="9144000"/>
@@ -104,7 +105,889 @@
       </a:defRPr>
     </a:lvl9pPr>
   </p:defaultTextStyle>
+  <p:extLst>
+    <p:ext uri="{EFAFB233-063F-42B5-8137-9DF3F51BA10A}">
+      <p15:sldGuideLst xmlns:p15="http://schemas.microsoft.com/office/powerpoint/2012/main"/>
+    </p:ext>
+  </p:extLst>
 </p:presentation>
+</file>
+
+<file path=ppt/charts/chart1.xml><?xml version="1.0" encoding="utf-8"?>
+<c:chartSpace xmlns:c="http://schemas.openxmlformats.org/drawingml/2006/chart" xmlns:a="http://schemas.openxmlformats.org/drawingml/2006/main" xmlns:r="http://schemas.openxmlformats.org/officeDocument/2006/relationships">
+  <c:date1904 val="0"/>
+  <c:lang val="en-US"/>
+  <c:roundedCorners val="0"/>
+  <mc:AlternateContent xmlns:mc="http://schemas.openxmlformats.org/markup-compatibility/2006">
+    <mc:Choice xmlns:c14="http://schemas.microsoft.com/office/drawing/2007/8/2/chart" Requires="c14">
+      <c14:style val="102"/>
+    </mc:Choice>
+    <mc:Fallback>
+      <c:style val="2"/>
+    </mc:Fallback>
+  </mc:AlternateContent>
+  <c:chart>
+    <c:autoTitleDeleted val="1"/>
+    <c:plotArea>
+      <c:layout/>
+      <c:barChart>
+        <c:barDir val="bar"/>
+        <c:grouping val="clustered"/>
+        <c:varyColors val="0"/>
+        <c:ser>
+          <c:idx val="0"/>
+          <c:order val="0"/>
+          <c:tx>
+            <c:strRef>
+              <c:f>Sheet1!$B$1</c:f>
+              <c:strCache>
+                <c:ptCount val="1"/>
+                <c:pt idx="0">
+                  <c:v>Series 1</c:v>
+                </c:pt>
+              </c:strCache>
+            </c:strRef>
+          </c:tx>
+          <c:spPr>
+            <a:solidFill>
+              <a:schemeClr val="accent1"/>
+            </a:solidFill>
+            <a:ln>
+              <a:noFill/>
+            </a:ln>
+            <a:effectLst/>
+          </c:spPr>
+          <c:invertIfNegative val="0"/>
+          <c:dLbls>
+            <c:spPr>
+              <a:noFill/>
+              <a:ln>
+                <a:noFill/>
+              </a:ln>
+              <a:effectLst/>
+            </c:spPr>
+            <c:txPr>
+              <a:bodyPr rot="0" spcFirstLastPara="1" vertOverflow="ellipsis" vert="horz" wrap="square" lIns="38100" tIns="19050" rIns="38100" bIns="19050" anchor="ctr" anchorCtr="1">
+                <a:spAutoFit/>
+              </a:bodyPr>
+              <a:lstStyle/>
+              <a:p>
+                <a:pPr>
+                  <a:defRPr sz="1400" b="0" i="0" u="none" strike="noStrike" kern="1200" baseline="0">
+                    <a:solidFill>
+                      <a:schemeClr val="bg1"/>
+                    </a:solidFill>
+                    <a:latin typeface="Arial" charset="0"/>
+                    <a:ea typeface="Arial" charset="0"/>
+                    <a:cs typeface="Arial" charset="0"/>
+                  </a:defRPr>
+                </a:pPr>
+                <a:endParaRPr lang="en-US"/>
+              </a:p>
+            </c:txPr>
+            <c:dLblPos val="inEnd"/>
+            <c:showLegendKey val="0"/>
+            <c:showVal val="1"/>
+            <c:showCatName val="0"/>
+            <c:showSerName val="0"/>
+            <c:showPercent val="0"/>
+            <c:showBubbleSize val="0"/>
+            <c:showLeaderLines val="0"/>
+            <c:extLst>
+              <c:ext xmlns:c15="http://schemas.microsoft.com/office/drawing/2012/chart" uri="{CE6537A1-D6FC-4f65-9D91-7224C49458BB}">
+                <c15:layout/>
+                <c15:showLeaderLines val="1"/>
+                <c15:leaderLines>
+                  <c:spPr>
+                    <a:ln w="9525" cap="flat" cmpd="sng" algn="ctr">
+                      <a:solidFill>
+                        <a:schemeClr val="tx1">
+                          <a:lumMod val="35000"/>
+                          <a:lumOff val="65000"/>
+                        </a:schemeClr>
+                      </a:solidFill>
+                      <a:round/>
+                    </a:ln>
+                    <a:effectLst/>
+                  </c:spPr>
+                </c15:leaderLines>
+              </c:ext>
+            </c:extLst>
+          </c:dLbls>
+          <c:cat>
+            <c:strRef>
+              <c:f>Sheet1!$A$2:$A$11</c:f>
+              <c:strCache>
+                <c:ptCount val="10"/>
+                <c:pt idx="0">
+                  <c:v>None of these</c:v>
+                </c:pt>
+                <c:pt idx="1">
+                  <c:v>Some other technique</c:v>
+                </c:pt>
+                <c:pt idx="2">
+                  <c:v>Passwords are generated by specialist software</c:v>
+                </c:pt>
+                <c:pt idx="3">
+                  <c:v>Spelling words backwards</c:v>
+                </c:pt>
+                <c:pt idx="4">
+                  <c:v>Based on a mnemonic / acronym of a phrase</c:v>
+                </c:pt>
+                <c:pt idx="5">
+                  <c:v>Substituting numbers for letters</c:v>
+                </c:pt>
+                <c:pt idx="6">
+                  <c:v>Avoid using dictionary words or names</c:v>
+                </c:pt>
+                <c:pt idx="7">
+                  <c:v>Use non–alphabetical / numeric characters</c:v>
+                </c:pt>
+                <c:pt idx="8">
+                  <c:v>Use upper and lower case letters</c:v>
+                </c:pt>
+                <c:pt idx="9">
+                  <c:v>Combination of letters and numbers</c:v>
+                </c:pt>
+              </c:strCache>
+            </c:strRef>
+          </c:cat>
+          <c:val>
+            <c:numRef>
+              <c:f>Sheet1!$B$2:$B$11</c:f>
+              <c:numCache>
+                <c:formatCode>General</c:formatCode>
+                <c:ptCount val="10"/>
+                <c:pt idx="0">
+                  <c:v>12.0</c:v>
+                </c:pt>
+                <c:pt idx="1">
+                  <c:v>2.0</c:v>
+                </c:pt>
+                <c:pt idx="2">
+                  <c:v>4.0</c:v>
+                </c:pt>
+                <c:pt idx="3">
+                  <c:v>6.0</c:v>
+                </c:pt>
+                <c:pt idx="4">
+                  <c:v>8.0</c:v>
+                </c:pt>
+                <c:pt idx="5">
+                  <c:v>11.0</c:v>
+                </c:pt>
+                <c:pt idx="6">
+                  <c:v>13.0</c:v>
+                </c:pt>
+                <c:pt idx="7">
+                  <c:v>37.0</c:v>
+                </c:pt>
+                <c:pt idx="8">
+                  <c:v>47.0</c:v>
+                </c:pt>
+                <c:pt idx="9">
+                  <c:v>64.0</c:v>
+                </c:pt>
+              </c:numCache>
+            </c:numRef>
+          </c:val>
+        </c:ser>
+        <c:dLbls>
+          <c:showLegendKey val="0"/>
+          <c:showVal val="0"/>
+          <c:showCatName val="0"/>
+          <c:showSerName val="0"/>
+          <c:showPercent val="0"/>
+          <c:showBubbleSize val="0"/>
+        </c:dLbls>
+        <c:gapWidth val="32"/>
+        <c:axId val="-1189948048"/>
+        <c:axId val="-1189182512"/>
+      </c:barChart>
+      <c:catAx>
+        <c:axId val="-1189948048"/>
+        <c:scaling>
+          <c:orientation val="minMax"/>
+        </c:scaling>
+        <c:delete val="0"/>
+        <c:axPos val="l"/>
+        <c:numFmt formatCode="General" sourceLinked="1"/>
+        <c:majorTickMark val="none"/>
+        <c:minorTickMark val="none"/>
+        <c:tickLblPos val="nextTo"/>
+        <c:spPr>
+          <a:noFill/>
+          <a:ln w="9525" cap="flat" cmpd="sng" algn="ctr">
+            <a:solidFill>
+              <a:schemeClr val="tx1">
+                <a:lumMod val="15000"/>
+                <a:lumOff val="85000"/>
+              </a:schemeClr>
+            </a:solidFill>
+            <a:round/>
+          </a:ln>
+          <a:effectLst/>
+        </c:spPr>
+        <c:txPr>
+          <a:bodyPr rot="-60000000" spcFirstLastPara="1" vertOverflow="ellipsis" vert="horz" wrap="square" anchor="ctr" anchorCtr="1"/>
+          <a:lstStyle/>
+          <a:p>
+            <a:pPr>
+              <a:defRPr sz="2000" b="0" i="0" u="none" strike="noStrike" kern="1200" baseline="0">
+                <a:solidFill>
+                  <a:schemeClr val="tx1">
+                    <a:lumMod val="65000"/>
+                    <a:lumOff val="35000"/>
+                  </a:schemeClr>
+                </a:solidFill>
+                <a:latin typeface="Arial" charset="0"/>
+                <a:ea typeface="Arial" charset="0"/>
+                <a:cs typeface="Arial" charset="0"/>
+              </a:defRPr>
+            </a:pPr>
+            <a:endParaRPr lang="en-US"/>
+          </a:p>
+        </c:txPr>
+        <c:crossAx val="-1189182512"/>
+        <c:crosses val="autoZero"/>
+        <c:auto val="1"/>
+        <c:lblAlgn val="ctr"/>
+        <c:lblOffset val="100"/>
+        <c:noMultiLvlLbl val="0"/>
+      </c:catAx>
+      <c:valAx>
+        <c:axId val="-1189182512"/>
+        <c:scaling>
+          <c:orientation val="minMax"/>
+        </c:scaling>
+        <c:delete val="0"/>
+        <c:axPos val="b"/>
+        <c:majorGridlines>
+          <c:spPr>
+            <a:ln w="9525" cap="flat" cmpd="sng" algn="ctr">
+              <a:solidFill>
+                <a:schemeClr val="tx1">
+                  <a:lumMod val="15000"/>
+                  <a:lumOff val="85000"/>
+                </a:schemeClr>
+              </a:solidFill>
+              <a:round/>
+            </a:ln>
+            <a:effectLst/>
+          </c:spPr>
+        </c:majorGridlines>
+        <c:majorTickMark val="none"/>
+        <c:minorTickMark val="none"/>
+        <c:tickLblPos val="nextTo"/>
+        <c:spPr>
+          <a:noFill/>
+          <a:ln>
+            <a:noFill/>
+          </a:ln>
+          <a:effectLst/>
+        </c:spPr>
+        <c:txPr>
+          <a:bodyPr rot="-60000000" spcFirstLastPara="1" vertOverflow="ellipsis" vert="horz" wrap="square" anchor="ctr" anchorCtr="1"/>
+          <a:lstStyle/>
+          <a:p>
+            <a:pPr>
+              <a:defRPr sz="1400" b="0" i="0" u="none" strike="noStrike" kern="1200" baseline="0">
+                <a:solidFill>
+                  <a:schemeClr val="tx1">
+                    <a:lumMod val="65000"/>
+                    <a:lumOff val="35000"/>
+                  </a:schemeClr>
+                </a:solidFill>
+                <a:latin typeface="Arial" charset="0"/>
+                <a:ea typeface="Arial" charset="0"/>
+                <a:cs typeface="Arial" charset="0"/>
+              </a:defRPr>
+            </a:pPr>
+            <a:endParaRPr lang="en-US"/>
+          </a:p>
+        </c:txPr>
+        <c:crossAx val="-1189948048"/>
+        <c:crosses val="autoZero"/>
+        <c:crossBetween val="between"/>
+      </c:valAx>
+      <c:spPr>
+        <a:noFill/>
+        <a:ln>
+          <a:noFill/>
+        </a:ln>
+        <a:effectLst/>
+      </c:spPr>
+    </c:plotArea>
+    <c:plotVisOnly val="1"/>
+    <c:dispBlanksAs val="gap"/>
+    <c:showDLblsOverMax val="0"/>
+  </c:chart>
+  <c:spPr>
+    <a:noFill/>
+    <a:ln>
+      <a:noFill/>
+    </a:ln>
+    <a:effectLst/>
+  </c:spPr>
+  <c:txPr>
+    <a:bodyPr/>
+    <a:lstStyle/>
+    <a:p>
+      <a:pPr>
+        <a:defRPr/>
+      </a:pPr>
+      <a:endParaRPr lang="en-US"/>
+    </a:p>
+  </c:txPr>
+  <c:externalData r:id="rId3">
+    <c:autoUpdate val="0"/>
+  </c:externalData>
+</c:chartSpace>
+</file>
+
+<file path=ppt/charts/colors1.xml><?xml version="1.0" encoding="utf-8"?>
+<cs:colorStyle xmlns:cs="http://schemas.microsoft.com/office/drawing/2012/chartStyle" xmlns:a="http://schemas.openxmlformats.org/drawingml/2006/main" meth="cycle" id="10">
+  <a:schemeClr val="accent1"/>
+  <a:schemeClr val="accent2"/>
+  <a:schemeClr val="accent3"/>
+  <a:schemeClr val="accent4"/>
+  <a:schemeClr val="accent5"/>
+  <a:schemeClr val="accent6"/>
+  <cs:variation/>
+  <cs:variation>
+    <a:lumMod val="60000"/>
+  </cs:variation>
+  <cs:variation>
+    <a:lumMod val="80000"/>
+    <a:lumOff val="20000"/>
+  </cs:variation>
+  <cs:variation>
+    <a:lumMod val="80000"/>
+  </cs:variation>
+  <cs:variation>
+    <a:lumMod val="60000"/>
+    <a:lumOff val="40000"/>
+  </cs:variation>
+  <cs:variation>
+    <a:lumMod val="50000"/>
+  </cs:variation>
+  <cs:variation>
+    <a:lumMod val="70000"/>
+    <a:lumOff val="30000"/>
+  </cs:variation>
+  <cs:variation>
+    <a:lumMod val="70000"/>
+  </cs:variation>
+  <cs:variation>
+    <a:lumMod val="50000"/>
+    <a:lumOff val="50000"/>
+  </cs:variation>
+</cs:colorStyle>
+</file>
+
+<file path=ppt/charts/style1.xml><?xml version="1.0" encoding="utf-8"?>
+<cs:chartStyle xmlns:cs="http://schemas.microsoft.com/office/drawing/2012/chartStyle" xmlns:a="http://schemas.openxmlformats.org/drawingml/2006/main" id="216">
+  <cs:axisTitle>
+    <cs:lnRef idx="0"/>
+    <cs:fillRef idx="0"/>
+    <cs:effectRef idx="0"/>
+    <cs:fontRef idx="minor">
+      <a:schemeClr val="tx1">
+        <a:lumMod val="65000"/>
+        <a:lumOff val="35000"/>
+      </a:schemeClr>
+    </cs:fontRef>
+    <cs:defRPr sz="1330" kern="1200"/>
+  </cs:axisTitle>
+  <cs:categoryAxis>
+    <cs:lnRef idx="0"/>
+    <cs:fillRef idx="0"/>
+    <cs:effectRef idx="0"/>
+    <cs:fontRef idx="minor">
+      <a:schemeClr val="tx1">
+        <a:lumMod val="65000"/>
+        <a:lumOff val="35000"/>
+      </a:schemeClr>
+    </cs:fontRef>
+    <cs:spPr>
+      <a:ln w="9525" cap="flat" cmpd="sng" algn="ctr">
+        <a:solidFill>
+          <a:schemeClr val="tx1">
+            <a:lumMod val="15000"/>
+            <a:lumOff val="85000"/>
+          </a:schemeClr>
+        </a:solidFill>
+        <a:round/>
+      </a:ln>
+    </cs:spPr>
+    <cs:defRPr sz="1197" kern="1200"/>
+  </cs:categoryAxis>
+  <cs:chartArea mods="allowNoFillOverride allowNoLineOverride">
+    <cs:lnRef idx="0"/>
+    <cs:fillRef idx="0"/>
+    <cs:effectRef idx="0"/>
+    <cs:fontRef idx="minor">
+      <a:schemeClr val="tx1"/>
+    </cs:fontRef>
+    <cs:spPr>
+      <a:solidFill>
+        <a:schemeClr val="bg1"/>
+      </a:solidFill>
+      <a:ln w="9525" cap="flat" cmpd="sng" algn="ctr">
+        <a:solidFill>
+          <a:schemeClr val="tx1">
+            <a:lumMod val="15000"/>
+            <a:lumOff val="85000"/>
+          </a:schemeClr>
+        </a:solidFill>
+        <a:round/>
+      </a:ln>
+    </cs:spPr>
+    <cs:defRPr sz="1330" kern="1200"/>
+  </cs:chartArea>
+  <cs:dataLabel>
+    <cs:lnRef idx="0"/>
+    <cs:fillRef idx="0"/>
+    <cs:effectRef idx="0"/>
+    <cs:fontRef idx="minor">
+      <a:schemeClr val="tx1">
+        <a:lumMod val="75000"/>
+        <a:lumOff val="25000"/>
+      </a:schemeClr>
+    </cs:fontRef>
+    <cs:defRPr sz="1197" kern="1200"/>
+  </cs:dataLabel>
+  <cs:dataLabelCallout>
+    <cs:lnRef idx="0"/>
+    <cs:fillRef idx="0"/>
+    <cs:effectRef idx="0"/>
+    <cs:fontRef idx="minor">
+      <a:schemeClr val="dk1">
+        <a:lumMod val="65000"/>
+        <a:lumOff val="35000"/>
+      </a:schemeClr>
+    </cs:fontRef>
+    <cs:spPr>
+      <a:solidFill>
+        <a:schemeClr val="lt1"/>
+      </a:solidFill>
+      <a:ln>
+        <a:solidFill>
+          <a:schemeClr val="dk1">
+            <a:lumMod val="25000"/>
+            <a:lumOff val="75000"/>
+          </a:schemeClr>
+        </a:solidFill>
+      </a:ln>
+    </cs:spPr>
+    <cs:defRPr sz="1197" kern="1200"/>
+    <cs:bodyPr rot="0" spcFirstLastPara="1" vertOverflow="clip" horzOverflow="clip" vert="horz" wrap="square" lIns="36576" tIns="18288" rIns="36576" bIns="18288" anchor="ctr" anchorCtr="1">
+      <a:spAutoFit/>
+    </cs:bodyPr>
+  </cs:dataLabelCallout>
+  <cs:dataPoint>
+    <cs:lnRef idx="0"/>
+    <cs:fillRef idx="1">
+      <cs:styleClr val="auto"/>
+    </cs:fillRef>
+    <cs:effectRef idx="0"/>
+    <cs:fontRef idx="minor">
+      <a:schemeClr val="tx1"/>
+    </cs:fontRef>
+  </cs:dataPoint>
+  <cs:dataPoint3D>
+    <cs:lnRef idx="0"/>
+    <cs:fillRef idx="1">
+      <cs:styleClr val="auto"/>
+    </cs:fillRef>
+    <cs:effectRef idx="0"/>
+    <cs:fontRef idx="minor">
+      <a:schemeClr val="tx1"/>
+    </cs:fontRef>
+  </cs:dataPoint3D>
+  <cs:dataPointLine>
+    <cs:lnRef idx="0">
+      <cs:styleClr val="auto"/>
+    </cs:lnRef>
+    <cs:fillRef idx="1"/>
+    <cs:effectRef idx="0"/>
+    <cs:fontRef idx="minor">
+      <a:schemeClr val="tx1"/>
+    </cs:fontRef>
+    <cs:spPr>
+      <a:ln w="28575" cap="rnd">
+        <a:solidFill>
+          <a:schemeClr val="phClr"/>
+        </a:solidFill>
+        <a:round/>
+      </a:ln>
+    </cs:spPr>
+  </cs:dataPointLine>
+  <cs:dataPointMarker>
+    <cs:lnRef idx="0">
+      <cs:styleClr val="auto"/>
+    </cs:lnRef>
+    <cs:fillRef idx="1">
+      <cs:styleClr val="auto"/>
+    </cs:fillRef>
+    <cs:effectRef idx="0"/>
+    <cs:fontRef idx="minor">
+      <a:schemeClr val="tx1"/>
+    </cs:fontRef>
+    <cs:spPr>
+      <a:ln w="9525">
+        <a:solidFill>
+          <a:schemeClr val="phClr"/>
+        </a:solidFill>
+      </a:ln>
+    </cs:spPr>
+  </cs:dataPointMarker>
+  <cs:dataPointMarkerLayout symbol="circle" size="5"/>
+  <cs:dataPointWireframe>
+    <cs:lnRef idx="0">
+      <cs:styleClr val="auto"/>
+    </cs:lnRef>
+    <cs:fillRef idx="1"/>
+    <cs:effectRef idx="0"/>
+    <cs:fontRef idx="minor">
+      <a:schemeClr val="tx1"/>
+    </cs:fontRef>
+    <cs:spPr>
+      <a:ln w="9525" cap="rnd">
+        <a:solidFill>
+          <a:schemeClr val="phClr"/>
+        </a:solidFill>
+        <a:round/>
+      </a:ln>
+    </cs:spPr>
+  </cs:dataPointWireframe>
+  <cs:dataTable>
+    <cs:lnRef idx="0"/>
+    <cs:fillRef idx="0"/>
+    <cs:effectRef idx="0"/>
+    <cs:fontRef idx="minor">
+      <a:schemeClr val="tx1">
+        <a:lumMod val="65000"/>
+        <a:lumOff val="35000"/>
+      </a:schemeClr>
+    </cs:fontRef>
+    <cs:spPr>
+      <a:noFill/>
+      <a:ln w="9525" cap="flat" cmpd="sng" algn="ctr">
+        <a:solidFill>
+          <a:schemeClr val="tx1">
+            <a:lumMod val="15000"/>
+            <a:lumOff val="85000"/>
+          </a:schemeClr>
+        </a:solidFill>
+        <a:round/>
+      </a:ln>
+    </cs:spPr>
+    <cs:defRPr sz="1197" kern="1200"/>
+  </cs:dataTable>
+  <cs:downBar>
+    <cs:lnRef idx="0"/>
+    <cs:fillRef idx="0"/>
+    <cs:effectRef idx="0"/>
+    <cs:fontRef idx="minor">
+      <a:schemeClr val="tx1"/>
+    </cs:fontRef>
+    <cs:spPr>
+      <a:solidFill>
+        <a:schemeClr val="dk1">
+          <a:lumMod val="75000"/>
+          <a:lumOff val="25000"/>
+        </a:schemeClr>
+      </a:solidFill>
+      <a:ln w="9525" cap="flat" cmpd="sng" algn="ctr">
+        <a:solidFill>
+          <a:schemeClr val="tx1">
+            <a:lumMod val="65000"/>
+            <a:lumOff val="35000"/>
+          </a:schemeClr>
+        </a:solidFill>
+        <a:round/>
+      </a:ln>
+    </cs:spPr>
+  </cs:downBar>
+  <cs:dropLine>
+    <cs:lnRef idx="0"/>
+    <cs:fillRef idx="0"/>
+    <cs:effectRef idx="0"/>
+    <cs:fontRef idx="minor">
+      <a:schemeClr val="tx1"/>
+    </cs:fontRef>
+    <cs:spPr>
+      <a:ln w="9525" cap="flat" cmpd="sng" algn="ctr">
+        <a:solidFill>
+          <a:schemeClr val="tx1">
+            <a:lumMod val="35000"/>
+            <a:lumOff val="65000"/>
+          </a:schemeClr>
+        </a:solidFill>
+        <a:round/>
+      </a:ln>
+    </cs:spPr>
+  </cs:dropLine>
+  <cs:errorBar>
+    <cs:lnRef idx="0"/>
+    <cs:fillRef idx="0"/>
+    <cs:effectRef idx="0"/>
+    <cs:fontRef idx="minor">
+      <a:schemeClr val="tx1"/>
+    </cs:fontRef>
+    <cs:spPr>
+      <a:ln w="9525" cap="flat" cmpd="sng" algn="ctr">
+        <a:solidFill>
+          <a:schemeClr val="tx1">
+            <a:lumMod val="65000"/>
+            <a:lumOff val="35000"/>
+          </a:schemeClr>
+        </a:solidFill>
+        <a:round/>
+      </a:ln>
+    </cs:spPr>
+  </cs:errorBar>
+  <cs:floor>
+    <cs:lnRef idx="0"/>
+    <cs:fillRef idx="0"/>
+    <cs:effectRef idx="0"/>
+    <cs:fontRef idx="minor">
+      <a:schemeClr val="tx1"/>
+    </cs:fontRef>
+    <cs:spPr>
+      <a:noFill/>
+      <a:ln>
+        <a:noFill/>
+      </a:ln>
+    </cs:spPr>
+  </cs:floor>
+  <cs:gridlineMajor>
+    <cs:lnRef idx="0"/>
+    <cs:fillRef idx="0"/>
+    <cs:effectRef idx="0"/>
+    <cs:fontRef idx="minor">
+      <a:schemeClr val="tx1"/>
+    </cs:fontRef>
+    <cs:spPr>
+      <a:ln w="9525" cap="flat" cmpd="sng" algn="ctr">
+        <a:solidFill>
+          <a:schemeClr val="tx1">
+            <a:lumMod val="15000"/>
+            <a:lumOff val="85000"/>
+          </a:schemeClr>
+        </a:solidFill>
+        <a:round/>
+      </a:ln>
+    </cs:spPr>
+  </cs:gridlineMajor>
+  <cs:gridlineMinor>
+    <cs:lnRef idx="0"/>
+    <cs:fillRef idx="0"/>
+    <cs:effectRef idx="0"/>
+    <cs:fontRef idx="minor">
+      <a:schemeClr val="tx1"/>
+    </cs:fontRef>
+    <cs:spPr>
+      <a:ln w="9525" cap="flat" cmpd="sng" algn="ctr">
+        <a:solidFill>
+          <a:schemeClr val="tx1">
+            <a:lumMod val="5000"/>
+            <a:lumOff val="95000"/>
+          </a:schemeClr>
+        </a:solidFill>
+        <a:round/>
+      </a:ln>
+    </cs:spPr>
+  </cs:gridlineMinor>
+  <cs:hiLoLine>
+    <cs:lnRef idx="0"/>
+    <cs:fillRef idx="0"/>
+    <cs:effectRef idx="0"/>
+    <cs:fontRef idx="minor">
+      <a:schemeClr val="tx1"/>
+    </cs:fontRef>
+    <cs:spPr>
+      <a:ln w="9525" cap="flat" cmpd="sng" algn="ctr">
+        <a:solidFill>
+          <a:schemeClr val="tx1">
+            <a:lumMod val="50000"/>
+            <a:lumOff val="50000"/>
+          </a:schemeClr>
+        </a:solidFill>
+        <a:round/>
+      </a:ln>
+    </cs:spPr>
+  </cs:hiLoLine>
+  <cs:leaderLine>
+    <cs:lnRef idx="0"/>
+    <cs:fillRef idx="0"/>
+    <cs:effectRef idx="0"/>
+    <cs:fontRef idx="minor">
+      <a:schemeClr val="tx1"/>
+    </cs:fontRef>
+    <cs:spPr>
+      <a:ln w="9525" cap="flat" cmpd="sng" algn="ctr">
+        <a:solidFill>
+          <a:schemeClr val="tx1">
+            <a:lumMod val="35000"/>
+            <a:lumOff val="65000"/>
+          </a:schemeClr>
+        </a:solidFill>
+        <a:round/>
+      </a:ln>
+    </cs:spPr>
+  </cs:leaderLine>
+  <cs:legend>
+    <cs:lnRef idx="0"/>
+    <cs:fillRef idx="0"/>
+    <cs:effectRef idx="0"/>
+    <cs:fontRef idx="minor">
+      <a:schemeClr val="tx1">
+        <a:lumMod val="65000"/>
+        <a:lumOff val="35000"/>
+      </a:schemeClr>
+    </cs:fontRef>
+    <cs:defRPr sz="1197" kern="1200"/>
+  </cs:legend>
+  <cs:plotArea mods="allowNoFillOverride allowNoLineOverride">
+    <cs:lnRef idx="0"/>
+    <cs:fillRef idx="0"/>
+    <cs:effectRef idx="0"/>
+    <cs:fontRef idx="minor">
+      <a:schemeClr val="tx1"/>
+    </cs:fontRef>
+  </cs:plotArea>
+  <cs:plotArea3D mods="allowNoFillOverride allowNoLineOverride">
+    <cs:lnRef idx="0"/>
+    <cs:fillRef idx="0"/>
+    <cs:effectRef idx="0"/>
+    <cs:fontRef idx="minor">
+      <a:schemeClr val="tx1"/>
+    </cs:fontRef>
+  </cs:plotArea3D>
+  <cs:seriesAxis>
+    <cs:lnRef idx="0"/>
+    <cs:fillRef idx="0"/>
+    <cs:effectRef idx="0"/>
+    <cs:fontRef idx="minor">
+      <a:schemeClr val="tx1">
+        <a:lumMod val="65000"/>
+        <a:lumOff val="35000"/>
+      </a:schemeClr>
+    </cs:fontRef>
+    <cs:defRPr sz="1197" kern="1200"/>
+  </cs:seriesAxis>
+  <cs:seriesLine>
+    <cs:lnRef idx="0"/>
+    <cs:fillRef idx="0"/>
+    <cs:effectRef idx="0"/>
+    <cs:fontRef idx="minor">
+      <a:schemeClr val="tx1"/>
+    </cs:fontRef>
+    <cs:spPr>
+      <a:ln w="9525" cap="flat" cmpd="sng" algn="ctr">
+        <a:solidFill>
+          <a:schemeClr val="tx1">
+            <a:lumMod val="35000"/>
+            <a:lumOff val="65000"/>
+          </a:schemeClr>
+        </a:solidFill>
+        <a:round/>
+      </a:ln>
+    </cs:spPr>
+  </cs:seriesLine>
+  <cs:title>
+    <cs:lnRef idx="0"/>
+    <cs:fillRef idx="0"/>
+    <cs:effectRef idx="0"/>
+    <cs:fontRef idx="minor">
+      <a:schemeClr val="tx1">
+        <a:lumMod val="65000"/>
+        <a:lumOff val="35000"/>
+      </a:schemeClr>
+    </cs:fontRef>
+    <cs:defRPr sz="1862" b="0" kern="1200" spc="0" baseline="0"/>
+  </cs:title>
+  <cs:trendline>
+    <cs:lnRef idx="0">
+      <cs:styleClr val="auto"/>
+    </cs:lnRef>
+    <cs:fillRef idx="0"/>
+    <cs:effectRef idx="0"/>
+    <cs:fontRef idx="minor">
+      <a:schemeClr val="tx1"/>
+    </cs:fontRef>
+    <cs:spPr>
+      <a:ln w="19050" cap="rnd">
+        <a:solidFill>
+          <a:schemeClr val="phClr"/>
+        </a:solidFill>
+        <a:prstDash val="sysDot"/>
+      </a:ln>
+    </cs:spPr>
+  </cs:trendline>
+  <cs:trendlineLabel>
+    <cs:lnRef idx="0"/>
+    <cs:fillRef idx="0"/>
+    <cs:effectRef idx="0"/>
+    <cs:fontRef idx="minor">
+      <a:schemeClr val="tx1">
+        <a:lumMod val="65000"/>
+        <a:lumOff val="35000"/>
+      </a:schemeClr>
+    </cs:fontRef>
+    <cs:defRPr sz="1197" kern="1200"/>
+  </cs:trendlineLabel>
+  <cs:upBar>
+    <cs:lnRef idx="0"/>
+    <cs:fillRef idx="0"/>
+    <cs:effectRef idx="0"/>
+    <cs:fontRef idx="minor">
+      <a:schemeClr val="tx1"/>
+    </cs:fontRef>
+    <cs:spPr>
+      <a:solidFill>
+        <a:schemeClr val="lt1"/>
+      </a:solidFill>
+      <a:ln w="9525" cap="flat" cmpd="sng" algn="ctr">
+        <a:solidFill>
+          <a:schemeClr val="tx1">
+            <a:lumMod val="65000"/>
+            <a:lumOff val="35000"/>
+          </a:schemeClr>
+        </a:solidFill>
+        <a:round/>
+      </a:ln>
+    </cs:spPr>
+  </cs:upBar>
+  <cs:valueAxis>
+    <cs:lnRef idx="0"/>
+    <cs:fillRef idx="0"/>
+    <cs:effectRef idx="0"/>
+    <cs:fontRef idx="minor">
+      <a:schemeClr val="tx1">
+        <a:lumMod val="65000"/>
+        <a:lumOff val="35000"/>
+      </a:schemeClr>
+    </cs:fontRef>
+    <cs:defRPr sz="1197" kern="1200"/>
+  </cs:valueAxis>
+  <cs:wall>
+    <cs:lnRef idx="0"/>
+    <cs:fillRef idx="0"/>
+    <cs:effectRef idx="0"/>
+    <cs:fontRef idx="minor">
+      <a:schemeClr val="tx1"/>
+    </cs:fontRef>
+    <cs:spPr>
+      <a:noFill/>
+      <a:ln>
+        <a:noFill/>
+      </a:ln>
+    </cs:spPr>
+  </cs:wall>
+</cs:chartStyle>
 </file>
 
 <file path=ppt/slideLayouts/slideLayout1.xml><?xml version="1.0" encoding="utf-8"?>
@@ -238,7 +1121,7 @@
           <a:p>
             <a:fld id="{BCCC3F5F-73A4-A245-A21B-40DFEEF01980}" type="datetimeFigureOut">
               <a:rPr lang="en-US" smtClean="0"/>
-              <a:t>1/11/18</a:t>
+              <a:t>1/12/18</a:t>
             </a:fld>
             <a:endParaRPr lang="en-US"/>
           </a:p>
@@ -408,7 +1291,7 @@
           <a:p>
             <a:fld id="{BCCC3F5F-73A4-A245-A21B-40DFEEF01980}" type="datetimeFigureOut">
               <a:rPr lang="en-US" smtClean="0"/>
-              <a:t>1/11/18</a:t>
+              <a:t>1/12/18</a:t>
             </a:fld>
             <a:endParaRPr lang="en-US"/>
           </a:p>
@@ -588,7 +1471,7 @@
           <a:p>
             <a:fld id="{BCCC3F5F-73A4-A245-A21B-40DFEEF01980}" type="datetimeFigureOut">
               <a:rPr lang="en-US" smtClean="0"/>
-              <a:t>1/11/18</a:t>
+              <a:t>1/12/18</a:t>
             </a:fld>
             <a:endParaRPr lang="en-US"/>
           </a:p>
@@ -758,7 +1641,7 @@
           <a:p>
             <a:fld id="{BCCC3F5F-73A4-A245-A21B-40DFEEF01980}" type="datetimeFigureOut">
               <a:rPr lang="en-US" smtClean="0"/>
-              <a:t>1/11/18</a:t>
+              <a:t>1/12/18</a:t>
             </a:fld>
             <a:endParaRPr lang="en-US"/>
           </a:p>
@@ -1004,7 +1887,7 @@
           <a:p>
             <a:fld id="{BCCC3F5F-73A4-A245-A21B-40DFEEF01980}" type="datetimeFigureOut">
               <a:rPr lang="en-US" smtClean="0"/>
-              <a:t>1/11/18</a:t>
+              <a:t>1/12/18</a:t>
             </a:fld>
             <a:endParaRPr lang="en-US"/>
           </a:p>
@@ -1236,7 +2119,7 @@
           <a:p>
             <a:fld id="{BCCC3F5F-73A4-A245-A21B-40DFEEF01980}" type="datetimeFigureOut">
               <a:rPr lang="en-US" smtClean="0"/>
-              <a:t>1/11/18</a:t>
+              <a:t>1/12/18</a:t>
             </a:fld>
             <a:endParaRPr lang="en-US"/>
           </a:p>
@@ -1603,7 +2486,7 @@
           <a:p>
             <a:fld id="{BCCC3F5F-73A4-A245-A21B-40DFEEF01980}" type="datetimeFigureOut">
               <a:rPr lang="en-US" smtClean="0"/>
-              <a:t>1/11/18</a:t>
+              <a:t>1/12/18</a:t>
             </a:fld>
             <a:endParaRPr lang="en-US"/>
           </a:p>
@@ -1721,7 +2604,7 @@
           <a:p>
             <a:fld id="{BCCC3F5F-73A4-A245-A21B-40DFEEF01980}" type="datetimeFigureOut">
               <a:rPr lang="en-US" smtClean="0"/>
-              <a:t>1/11/18</a:t>
+              <a:t>1/12/18</a:t>
             </a:fld>
             <a:endParaRPr lang="en-US"/>
           </a:p>
@@ -1816,7 +2699,7 @@
           <a:p>
             <a:fld id="{BCCC3F5F-73A4-A245-A21B-40DFEEF01980}" type="datetimeFigureOut">
               <a:rPr lang="en-US" smtClean="0"/>
-              <a:t>1/11/18</a:t>
+              <a:t>1/12/18</a:t>
             </a:fld>
             <a:endParaRPr lang="en-US"/>
           </a:p>
@@ -2093,7 +2976,7 @@
           <a:p>
             <a:fld id="{BCCC3F5F-73A4-A245-A21B-40DFEEF01980}" type="datetimeFigureOut">
               <a:rPr lang="en-US" smtClean="0"/>
-              <a:t>1/11/18</a:t>
+              <a:t>1/12/18</a:t>
             </a:fld>
             <a:endParaRPr lang="en-US"/>
           </a:p>
@@ -2346,7 +3229,7 @@
           <a:p>
             <a:fld id="{BCCC3F5F-73A4-A245-A21B-40DFEEF01980}" type="datetimeFigureOut">
               <a:rPr lang="en-US" smtClean="0"/>
-              <a:t>1/11/18</a:t>
+              <a:t>1/12/18</a:t>
             </a:fld>
             <a:endParaRPr lang="en-US"/>
           </a:p>
@@ -2559,7 +3442,7 @@
           <a:p>
             <a:fld id="{BCCC3F5F-73A4-A245-A21B-40DFEEF01980}" type="datetimeFigureOut">
               <a:rPr lang="en-US" smtClean="0"/>
-              <a:t>1/11/18</a:t>
+              <a:t>1/12/18</a:t>
             </a:fld>
             <a:endParaRPr lang="en-US"/>
           </a:p>
@@ -3747,6 +4630,58 @@
 </p:sld>
 </file>
 
+<file path=ppt/slides/slide2.xml><?xml version="1.0" encoding="utf-8"?>
+<p:sld xmlns:a="http://schemas.openxmlformats.org/drawingml/2006/main" xmlns:r="http://schemas.openxmlformats.org/officeDocument/2006/relationships" xmlns:p="http://schemas.openxmlformats.org/presentationml/2006/main">
+  <p:cSld>
+    <p:spTree>
+      <p:nvGrpSpPr>
+        <p:cNvPr id="1" name=""/>
+        <p:cNvGrpSpPr/>
+        <p:nvPr/>
+      </p:nvGrpSpPr>
+      <p:grpSpPr>
+        <a:xfrm>
+          <a:off x="0" y="0"/>
+          <a:ext cx="0" cy="0"/>
+          <a:chOff x="0" y="0"/>
+          <a:chExt cx="0" cy="0"/>
+        </a:xfrm>
+      </p:grpSpPr>
+      <p:graphicFrame>
+        <p:nvGraphicFramePr>
+          <p:cNvPr id="2" name="Chart 1"/>
+          <p:cNvGraphicFramePr/>
+          <p:nvPr>
+            <p:extLst>
+              <p:ext uri="{D42A27DB-BD31-4B8C-83A1-F6EECF244321}">
+                <p14:modId xmlns:p14="http://schemas.microsoft.com/office/powerpoint/2010/main" val="1976075291"/>
+              </p:ext>
+            </p:extLst>
+          </p:nvPr>
+        </p:nvGraphicFramePr>
+        <p:xfrm>
+          <a:off x="218363" y="733313"/>
+          <a:ext cx="11859905" cy="5418667"/>
+        </p:xfrm>
+        <a:graphic>
+          <a:graphicData uri="http://schemas.openxmlformats.org/drawingml/2006/chart">
+            <c:chart xmlns:c="http://schemas.openxmlformats.org/drawingml/2006/chart" xmlns:r="http://schemas.openxmlformats.org/officeDocument/2006/relationships" r:id="rId2"/>
+          </a:graphicData>
+        </a:graphic>
+      </p:graphicFrame>
+    </p:spTree>
+    <p:extLst>
+      <p:ext uri="{BB962C8B-B14F-4D97-AF65-F5344CB8AC3E}">
+        <p14:creationId xmlns:p14="http://schemas.microsoft.com/office/powerpoint/2010/main" val="1442388757"/>
+      </p:ext>
+    </p:extLst>
+  </p:cSld>
+  <p:clrMapOvr>
+    <a:masterClrMapping/>
+  </p:clrMapOvr>
+</p:sld>
+</file>
+
 <file path=ppt/theme/theme1.xml><?xml version="1.0" encoding="utf-8"?>
 <a:theme xmlns:a="http://schemas.openxmlformats.org/drawingml/2006/main" name="Office Theme">
   <a:themeElements>

--- a/raw/figures/rw/pw-life-cycle-rebuilt.pptx
+++ b/raw/figures/rw/pw-life-cycle-rebuilt.pptx
@@ -7,6 +7,7 @@
   <p:sldIdLst>
     <p:sldId id="257" r:id="rId2"/>
     <p:sldId id="258" r:id="rId3"/>
+    <p:sldId id="259" r:id="rId4"/>
   </p:sldIdLst>
   <p:sldSz cx="12192000" cy="6858000"/>
   <p:notesSz cx="6858000" cy="9144000"/>
@@ -4682,6 +4683,485 @@
 </p:sld>
 </file>
 
+<file path=ppt/slides/slide3.xml><?xml version="1.0" encoding="utf-8"?>
+<p:sld xmlns:a="http://schemas.openxmlformats.org/drawingml/2006/main" xmlns:r="http://schemas.openxmlformats.org/officeDocument/2006/relationships" xmlns:p="http://schemas.openxmlformats.org/presentationml/2006/main">
+  <p:cSld>
+    <p:spTree>
+      <p:nvGrpSpPr>
+        <p:cNvPr id="1" name=""/>
+        <p:cNvGrpSpPr/>
+        <p:nvPr/>
+      </p:nvGrpSpPr>
+      <p:grpSpPr>
+        <a:xfrm>
+          <a:off x="0" y="0"/>
+          <a:ext cx="0" cy="0"/>
+          <a:chOff x="0" y="0"/>
+          <a:chExt cx="0" cy="0"/>
+        </a:xfrm>
+      </p:grpSpPr>
+      <p:sp>
+        <p:nvSpPr>
+          <p:cNvPr id="5" name="Rectangle 4"/>
+          <p:cNvSpPr/>
+          <p:nvPr/>
+        </p:nvSpPr>
+        <p:spPr>
+          <a:xfrm>
+            <a:off x="3684895" y="573206"/>
+            <a:ext cx="4121624" cy="914400"/>
+          </a:xfrm>
+          <a:prstGeom prst="rect">
+            <a:avLst/>
+          </a:prstGeom>
+        </p:spPr>
+        <p:style>
+          <a:lnRef idx="2">
+            <a:schemeClr val="accent1">
+              <a:shade val="50000"/>
+            </a:schemeClr>
+          </a:lnRef>
+          <a:fillRef idx="1">
+            <a:schemeClr val="accent1"/>
+          </a:fillRef>
+          <a:effectRef idx="0">
+            <a:schemeClr val="accent1"/>
+          </a:effectRef>
+          <a:fontRef idx="minor">
+            <a:schemeClr val="lt1"/>
+          </a:fontRef>
+        </p:style>
+        <p:txBody>
+          <a:bodyPr rtlCol="0" anchor="ctr"/>
+          <a:lstStyle/>
+          <a:p>
+            <a:pPr algn="ctr"/>
+            <a:r>
+              <a:rPr lang="en-US" dirty="0" smtClean="0">
+                <a:latin typeface="Arial" charset="0"/>
+                <a:ea typeface="Arial" charset="0"/>
+                <a:cs typeface="Arial" charset="0"/>
+              </a:rPr>
+              <a:t>Persuasive Authentication Framework</a:t>
+            </a:r>
+            <a:endParaRPr lang="en-US" dirty="0">
+              <a:latin typeface="Arial" charset="0"/>
+              <a:ea typeface="Arial" charset="0"/>
+              <a:cs typeface="Arial" charset="0"/>
+            </a:endParaRPr>
+          </a:p>
+        </p:txBody>
+      </p:sp>
+      <p:sp>
+        <p:nvSpPr>
+          <p:cNvPr id="6" name="Rectangle 5"/>
+          <p:cNvSpPr/>
+          <p:nvPr/>
+        </p:nvSpPr>
+        <p:spPr>
+          <a:xfrm>
+            <a:off x="152400" y="2281451"/>
+            <a:ext cx="2699982" cy="914400"/>
+          </a:xfrm>
+          <a:prstGeom prst="rect">
+            <a:avLst/>
+          </a:prstGeom>
+        </p:spPr>
+        <p:style>
+          <a:lnRef idx="2">
+            <a:schemeClr val="accent1">
+              <a:shade val="50000"/>
+            </a:schemeClr>
+          </a:lnRef>
+          <a:fillRef idx="1">
+            <a:schemeClr val="accent1"/>
+          </a:fillRef>
+          <a:effectRef idx="0">
+            <a:schemeClr val="accent1"/>
+          </a:effectRef>
+          <a:fontRef idx="minor">
+            <a:schemeClr val="lt1"/>
+          </a:fontRef>
+        </p:style>
+        <p:txBody>
+          <a:bodyPr rtlCol="0" anchor="ctr"/>
+          <a:lstStyle/>
+          <a:p>
+            <a:pPr algn="ctr"/>
+            <a:r>
+              <a:rPr lang="en-US" dirty="0" smtClean="0">
+                <a:latin typeface="Arial" charset="0"/>
+                <a:ea typeface="Arial" charset="0"/>
+                <a:cs typeface="Arial" charset="0"/>
+              </a:rPr>
+              <a:t>Simplification</a:t>
+            </a:r>
+          </a:p>
+        </p:txBody>
+      </p:sp>
+      <p:sp>
+        <p:nvSpPr>
+          <p:cNvPr id="7" name="Rectangle 6"/>
+          <p:cNvSpPr/>
+          <p:nvPr/>
+        </p:nvSpPr>
+        <p:spPr>
+          <a:xfrm>
+            <a:off x="3045725" y="2281451"/>
+            <a:ext cx="2699982" cy="914400"/>
+          </a:xfrm>
+          <a:prstGeom prst="rect">
+            <a:avLst/>
+          </a:prstGeom>
+        </p:spPr>
+        <p:style>
+          <a:lnRef idx="2">
+            <a:schemeClr val="accent1">
+              <a:shade val="50000"/>
+            </a:schemeClr>
+          </a:lnRef>
+          <a:fillRef idx="1">
+            <a:schemeClr val="accent1"/>
+          </a:fillRef>
+          <a:effectRef idx="0">
+            <a:schemeClr val="accent1"/>
+          </a:effectRef>
+          <a:fontRef idx="minor">
+            <a:schemeClr val="lt1"/>
+          </a:fontRef>
+        </p:style>
+        <p:txBody>
+          <a:bodyPr rtlCol="0" anchor="ctr"/>
+          <a:lstStyle/>
+          <a:p>
+            <a:pPr algn="ctr"/>
+            <a:r>
+              <a:rPr lang="en-US" dirty="0" smtClean="0">
+                <a:latin typeface="Arial" charset="0"/>
+                <a:ea typeface="Arial" charset="0"/>
+                <a:cs typeface="Arial" charset="0"/>
+              </a:rPr>
+              <a:t>Personalization</a:t>
+            </a:r>
+          </a:p>
+        </p:txBody>
+      </p:sp>
+      <p:sp>
+        <p:nvSpPr>
+          <p:cNvPr id="8" name="Rectangle 7"/>
+          <p:cNvSpPr/>
+          <p:nvPr/>
+        </p:nvSpPr>
+        <p:spPr>
+          <a:xfrm>
+            <a:off x="5939050" y="2281451"/>
+            <a:ext cx="2699982" cy="914400"/>
+          </a:xfrm>
+          <a:prstGeom prst="rect">
+            <a:avLst/>
+          </a:prstGeom>
+        </p:spPr>
+        <p:style>
+          <a:lnRef idx="2">
+            <a:schemeClr val="accent1">
+              <a:shade val="50000"/>
+            </a:schemeClr>
+          </a:lnRef>
+          <a:fillRef idx="1">
+            <a:schemeClr val="accent1"/>
+          </a:fillRef>
+          <a:effectRef idx="0">
+            <a:schemeClr val="accent1"/>
+          </a:effectRef>
+          <a:fontRef idx="minor">
+            <a:schemeClr val="lt1"/>
+          </a:fontRef>
+        </p:style>
+        <p:txBody>
+          <a:bodyPr rtlCol="0" anchor="ctr"/>
+          <a:lstStyle/>
+          <a:p>
+            <a:pPr algn="ctr"/>
+            <a:r>
+              <a:rPr lang="en-US" dirty="0" smtClean="0">
+                <a:latin typeface="Arial" charset="0"/>
+                <a:ea typeface="Arial" charset="0"/>
+                <a:cs typeface="Arial" charset="0"/>
+              </a:rPr>
+              <a:t>Monitoring</a:t>
+            </a:r>
+          </a:p>
+        </p:txBody>
+      </p:sp>
+      <p:sp>
+        <p:nvSpPr>
+          <p:cNvPr id="9" name="Rectangle 8"/>
+          <p:cNvSpPr/>
+          <p:nvPr/>
+        </p:nvSpPr>
+        <p:spPr>
+          <a:xfrm>
+            <a:off x="8832375" y="2281451"/>
+            <a:ext cx="2699982" cy="914400"/>
+          </a:xfrm>
+          <a:prstGeom prst="rect">
+            <a:avLst/>
+          </a:prstGeom>
+        </p:spPr>
+        <p:style>
+          <a:lnRef idx="2">
+            <a:schemeClr val="accent1">
+              <a:shade val="50000"/>
+            </a:schemeClr>
+          </a:lnRef>
+          <a:fillRef idx="1">
+            <a:schemeClr val="accent1"/>
+          </a:fillRef>
+          <a:effectRef idx="0">
+            <a:schemeClr val="accent1"/>
+          </a:effectRef>
+          <a:fontRef idx="minor">
+            <a:schemeClr val="lt1"/>
+          </a:fontRef>
+        </p:style>
+        <p:txBody>
+          <a:bodyPr rtlCol="0" anchor="ctr"/>
+          <a:lstStyle/>
+          <a:p>
+            <a:pPr algn="ctr"/>
+            <a:r>
+              <a:rPr lang="en-US" dirty="0" smtClean="0">
+                <a:latin typeface="Arial" charset="0"/>
+                <a:ea typeface="Arial" charset="0"/>
+                <a:cs typeface="Arial" charset="0"/>
+              </a:rPr>
+              <a:t>Conditioning</a:t>
+            </a:r>
+          </a:p>
+        </p:txBody>
+      </p:sp>
+      <p:sp>
+        <p:nvSpPr>
+          <p:cNvPr id="10" name="Rectangle 9"/>
+          <p:cNvSpPr/>
+          <p:nvPr/>
+        </p:nvSpPr>
+        <p:spPr>
+          <a:xfrm>
+            <a:off x="11725700" y="2281451"/>
+            <a:ext cx="2699982" cy="914400"/>
+          </a:xfrm>
+          <a:prstGeom prst="rect">
+            <a:avLst/>
+          </a:prstGeom>
+        </p:spPr>
+        <p:style>
+          <a:lnRef idx="2">
+            <a:schemeClr val="accent1">
+              <a:shade val="50000"/>
+            </a:schemeClr>
+          </a:lnRef>
+          <a:fillRef idx="1">
+            <a:schemeClr val="accent1"/>
+          </a:fillRef>
+          <a:effectRef idx="0">
+            <a:schemeClr val="accent1"/>
+          </a:effectRef>
+          <a:fontRef idx="minor">
+            <a:schemeClr val="lt1"/>
+          </a:fontRef>
+        </p:style>
+        <p:txBody>
+          <a:bodyPr rtlCol="0" anchor="ctr"/>
+          <a:lstStyle/>
+          <a:p>
+            <a:pPr algn="ctr"/>
+            <a:r>
+              <a:rPr lang="en-US" dirty="0" smtClean="0">
+                <a:latin typeface="Arial" charset="0"/>
+                <a:ea typeface="Arial" charset="0"/>
+                <a:cs typeface="Arial" charset="0"/>
+              </a:rPr>
+              <a:t>Social Interaction</a:t>
+            </a:r>
+          </a:p>
+        </p:txBody>
+      </p:sp>
+      <p:sp>
+        <p:nvSpPr>
+          <p:cNvPr id="11" name="TextBox 10"/>
+          <p:cNvSpPr txBox="1"/>
+          <p:nvPr/>
+        </p:nvSpPr>
+        <p:spPr>
+          <a:xfrm>
+            <a:off x="890685" y="3807725"/>
+            <a:ext cx="1223412" cy="369332"/>
+          </a:xfrm>
+          <a:prstGeom prst="rect">
+            <a:avLst/>
+          </a:prstGeom>
+          <a:noFill/>
+        </p:spPr>
+        <p:txBody>
+          <a:bodyPr wrap="none" rtlCol="0">
+            <a:spAutoFit/>
+          </a:bodyPr>
+          <a:lstStyle/>
+          <a:p>
+            <a:r>
+              <a:rPr lang="en-US" dirty="0" smtClean="0">
+                <a:latin typeface="Arial" charset="0"/>
+                <a:ea typeface="Arial" charset="0"/>
+                <a:cs typeface="Arial" charset="0"/>
+              </a:rPr>
+              <a:t>Reduction</a:t>
+            </a:r>
+            <a:endParaRPr lang="en-US" dirty="0">
+              <a:latin typeface="Arial" charset="0"/>
+              <a:ea typeface="Arial" charset="0"/>
+              <a:cs typeface="Arial" charset="0"/>
+            </a:endParaRPr>
+          </a:p>
+        </p:txBody>
+      </p:sp>
+      <p:sp>
+        <p:nvSpPr>
+          <p:cNvPr id="12" name="TextBox 11"/>
+          <p:cNvSpPr txBox="1"/>
+          <p:nvPr/>
+        </p:nvSpPr>
+        <p:spPr>
+          <a:xfrm>
+            <a:off x="890685" y="4287671"/>
+            <a:ext cx="1240532" cy="369332"/>
+          </a:xfrm>
+          <a:prstGeom prst="rect">
+            <a:avLst/>
+          </a:prstGeom>
+          <a:noFill/>
+        </p:spPr>
+        <p:txBody>
+          <a:bodyPr wrap="none" rtlCol="0">
+            <a:spAutoFit/>
+          </a:bodyPr>
+          <a:lstStyle/>
+          <a:p>
+            <a:r>
+              <a:rPr lang="en-US" dirty="0" err="1" smtClean="0">
+                <a:latin typeface="Arial" charset="0"/>
+                <a:ea typeface="Arial" charset="0"/>
+                <a:cs typeface="Arial" charset="0"/>
+              </a:rPr>
+              <a:t>Tunnelling</a:t>
+            </a:r>
+            <a:endParaRPr lang="en-US" dirty="0">
+              <a:latin typeface="Arial" charset="0"/>
+              <a:ea typeface="Arial" charset="0"/>
+              <a:cs typeface="Arial" charset="0"/>
+            </a:endParaRPr>
+          </a:p>
+        </p:txBody>
+      </p:sp>
+      <p:cxnSp>
+        <p:nvCxnSpPr>
+          <p:cNvPr id="14" name="Elbow Connector 13"/>
+          <p:cNvCxnSpPr>
+            <a:stCxn id="6" idx="2"/>
+            <a:endCxn id="11" idx="1"/>
+          </p:cNvCxnSpPr>
+          <p:nvPr/>
+        </p:nvCxnSpPr>
+        <p:spPr>
+          <a:xfrm rot="5400000">
+            <a:off x="798268" y="3288268"/>
+            <a:ext cx="796540" cy="611706"/>
+          </a:xfrm>
+          <a:prstGeom prst="bentConnector4">
+            <a:avLst>
+              <a:gd name="adj1" fmla="val 38408"/>
+              <a:gd name="adj2" fmla="val 137371"/>
+            </a:avLst>
+          </a:prstGeom>
+          <a:ln w="19050">
+            <a:solidFill>
+              <a:schemeClr val="accent1">
+                <a:lumMod val="50000"/>
+              </a:schemeClr>
+            </a:solidFill>
+          </a:ln>
+        </p:spPr>
+        <p:style>
+          <a:lnRef idx="1">
+            <a:schemeClr val="accent1"/>
+          </a:lnRef>
+          <a:fillRef idx="0">
+            <a:schemeClr val="accent1"/>
+          </a:fillRef>
+          <a:effectRef idx="0">
+            <a:schemeClr val="accent1"/>
+          </a:effectRef>
+          <a:fontRef idx="minor">
+            <a:schemeClr val="tx1"/>
+          </a:fontRef>
+        </p:style>
+      </p:cxnSp>
+      <p:cxnSp>
+        <p:nvCxnSpPr>
+          <p:cNvPr id="15" name="Elbow Connector 14"/>
+          <p:cNvCxnSpPr>
+            <a:stCxn id="6" idx="2"/>
+            <a:endCxn id="12" idx="1"/>
+          </p:cNvCxnSpPr>
+          <p:nvPr/>
+        </p:nvCxnSpPr>
+        <p:spPr>
+          <a:xfrm rot="5400000">
+            <a:off x="558295" y="3528241"/>
+            <a:ext cx="1276486" cy="611706"/>
+          </a:xfrm>
+          <a:prstGeom prst="bentConnector4">
+            <a:avLst>
+              <a:gd name="adj1" fmla="val 42767"/>
+              <a:gd name="adj2" fmla="val 137371"/>
+            </a:avLst>
+          </a:prstGeom>
+          <a:ln w="19050">
+            <a:solidFill>
+              <a:schemeClr val="accent1">
+                <a:lumMod val="50000"/>
+              </a:schemeClr>
+            </a:solidFill>
+          </a:ln>
+        </p:spPr>
+        <p:style>
+          <a:lnRef idx="1">
+            <a:schemeClr val="accent1"/>
+          </a:lnRef>
+          <a:fillRef idx="0">
+            <a:schemeClr val="accent1"/>
+          </a:fillRef>
+          <a:effectRef idx="0">
+            <a:schemeClr val="accent1"/>
+          </a:effectRef>
+          <a:fontRef idx="minor">
+            <a:schemeClr val="tx1"/>
+          </a:fontRef>
+        </p:style>
+      </p:cxnSp>
+    </p:spTree>
+    <p:extLst>
+      <p:ext uri="{BB962C8B-B14F-4D97-AF65-F5344CB8AC3E}">
+        <p14:creationId xmlns:p14="http://schemas.microsoft.com/office/powerpoint/2010/main" val="876788303"/>
+      </p:ext>
+    </p:extLst>
+  </p:cSld>
+  <p:clrMapOvr>
+    <a:masterClrMapping/>
+  </p:clrMapOvr>
+</p:sld>
+</file>
+
 <file path=ppt/theme/theme1.xml><?xml version="1.0" encoding="utf-8"?>
 <a:theme xmlns:a="http://schemas.openxmlformats.org/drawingml/2006/main" name="Office Theme">
   <a:themeElements>

--- a/raw/figures/rw/pw-life-cycle-rebuilt.pptx
+++ b/raw/figures/rw/pw-life-cycle-rebuilt.pptx
@@ -8,6 +8,7 @@
     <p:sldId id="257" r:id="rId2"/>
     <p:sldId id="258" r:id="rId3"/>
     <p:sldId id="259" r:id="rId4"/>
+    <p:sldId id="260" r:id="rId5"/>
   </p:sldIdLst>
   <p:sldSz cx="12192000" cy="6858000"/>
   <p:notesSz cx="6858000" cy="9144000"/>
@@ -302,11 +303,11 @@
           <c:showBubbleSize val="0"/>
         </c:dLbls>
         <c:gapWidth val="32"/>
-        <c:axId val="-1189948048"/>
-        <c:axId val="-1189182512"/>
+        <c:axId val="1153454256"/>
+        <c:axId val="1239684592"/>
       </c:barChart>
       <c:catAx>
-        <c:axId val="-1189948048"/>
+        <c:axId val="1153454256"/>
         <c:scaling>
           <c:orientation val="minMax"/>
         </c:scaling>
@@ -349,7 +350,7 @@
             <a:endParaRPr lang="en-US"/>
           </a:p>
         </c:txPr>
-        <c:crossAx val="-1189182512"/>
+        <c:crossAx val="1239684592"/>
         <c:crosses val="autoZero"/>
         <c:auto val="1"/>
         <c:lblAlgn val="ctr"/>
@@ -357,7 +358,7 @@
         <c:noMultiLvlLbl val="0"/>
       </c:catAx>
       <c:valAx>
-        <c:axId val="-1189182512"/>
+        <c:axId val="1239684592"/>
         <c:scaling>
           <c:orientation val="minMax"/>
         </c:scaling>
@@ -407,7 +408,7 @@
             <a:endParaRPr lang="en-US"/>
           </a:p>
         </c:txPr>
-        <c:crossAx val="-1189948048"/>
+        <c:crossAx val="1153454256"/>
         <c:crosses val="autoZero"/>
         <c:crossBetween val="between"/>
       </c:valAx>
@@ -1122,7 +1123,7 @@
           <a:p>
             <a:fld id="{BCCC3F5F-73A4-A245-A21B-40DFEEF01980}" type="datetimeFigureOut">
               <a:rPr lang="en-US" smtClean="0"/>
-              <a:t>1/12/18</a:t>
+              <a:t>1/19/18</a:t>
             </a:fld>
             <a:endParaRPr lang="en-US"/>
           </a:p>
@@ -1292,7 +1293,7 @@
           <a:p>
             <a:fld id="{BCCC3F5F-73A4-A245-A21B-40DFEEF01980}" type="datetimeFigureOut">
               <a:rPr lang="en-US" smtClean="0"/>
-              <a:t>1/12/18</a:t>
+              <a:t>1/19/18</a:t>
             </a:fld>
             <a:endParaRPr lang="en-US"/>
           </a:p>
@@ -1472,7 +1473,7 @@
           <a:p>
             <a:fld id="{BCCC3F5F-73A4-A245-A21B-40DFEEF01980}" type="datetimeFigureOut">
               <a:rPr lang="en-US" smtClean="0"/>
-              <a:t>1/12/18</a:t>
+              <a:t>1/19/18</a:t>
             </a:fld>
             <a:endParaRPr lang="en-US"/>
           </a:p>
@@ -1642,7 +1643,7 @@
           <a:p>
             <a:fld id="{BCCC3F5F-73A4-A245-A21B-40DFEEF01980}" type="datetimeFigureOut">
               <a:rPr lang="en-US" smtClean="0"/>
-              <a:t>1/12/18</a:t>
+              <a:t>1/19/18</a:t>
             </a:fld>
             <a:endParaRPr lang="en-US"/>
           </a:p>
@@ -1888,7 +1889,7 @@
           <a:p>
             <a:fld id="{BCCC3F5F-73A4-A245-A21B-40DFEEF01980}" type="datetimeFigureOut">
               <a:rPr lang="en-US" smtClean="0"/>
-              <a:t>1/12/18</a:t>
+              <a:t>1/19/18</a:t>
             </a:fld>
             <a:endParaRPr lang="en-US"/>
           </a:p>
@@ -2120,7 +2121,7 @@
           <a:p>
             <a:fld id="{BCCC3F5F-73A4-A245-A21B-40DFEEF01980}" type="datetimeFigureOut">
               <a:rPr lang="en-US" smtClean="0"/>
-              <a:t>1/12/18</a:t>
+              <a:t>1/19/18</a:t>
             </a:fld>
             <a:endParaRPr lang="en-US"/>
           </a:p>
@@ -2487,7 +2488,7 @@
           <a:p>
             <a:fld id="{BCCC3F5F-73A4-A245-A21B-40DFEEF01980}" type="datetimeFigureOut">
               <a:rPr lang="en-US" smtClean="0"/>
-              <a:t>1/12/18</a:t>
+              <a:t>1/19/18</a:t>
             </a:fld>
             <a:endParaRPr lang="en-US"/>
           </a:p>
@@ -2605,7 +2606,7 @@
           <a:p>
             <a:fld id="{BCCC3F5F-73A4-A245-A21B-40DFEEF01980}" type="datetimeFigureOut">
               <a:rPr lang="en-US" smtClean="0"/>
-              <a:t>1/12/18</a:t>
+              <a:t>1/19/18</a:t>
             </a:fld>
             <a:endParaRPr lang="en-US"/>
           </a:p>
@@ -2700,7 +2701,7 @@
           <a:p>
             <a:fld id="{BCCC3F5F-73A4-A245-A21B-40DFEEF01980}" type="datetimeFigureOut">
               <a:rPr lang="en-US" smtClean="0"/>
-              <a:t>1/12/18</a:t>
+              <a:t>1/19/18</a:t>
             </a:fld>
             <a:endParaRPr lang="en-US"/>
           </a:p>
@@ -2977,7 +2978,7 @@
           <a:p>
             <a:fld id="{BCCC3F5F-73A4-A245-A21B-40DFEEF01980}" type="datetimeFigureOut">
               <a:rPr lang="en-US" smtClean="0"/>
-              <a:t>1/12/18</a:t>
+              <a:t>1/19/18</a:t>
             </a:fld>
             <a:endParaRPr lang="en-US"/>
           </a:p>
@@ -3230,7 +3231,7 @@
           <a:p>
             <a:fld id="{BCCC3F5F-73A4-A245-A21B-40DFEEF01980}" type="datetimeFigureOut">
               <a:rPr lang="en-US" smtClean="0"/>
-              <a:t>1/12/18</a:t>
+              <a:t>1/19/18</a:t>
             </a:fld>
             <a:endParaRPr lang="en-US"/>
           </a:p>
@@ -3443,7 +3444,7 @@
           <a:p>
             <a:fld id="{BCCC3F5F-73A4-A245-A21B-40DFEEF01980}" type="datetimeFigureOut">
               <a:rPr lang="en-US" smtClean="0"/>
-              <a:t>1/12/18</a:t>
+              <a:t>1/19/18</a:t>
             </a:fld>
             <a:endParaRPr lang="en-US"/>
           </a:p>
@@ -5162,6 +5163,489 @@
 </p:sld>
 </file>
 
+<file path=ppt/slides/slide4.xml><?xml version="1.0" encoding="utf-8"?>
+<p:sld xmlns:a="http://schemas.openxmlformats.org/drawingml/2006/main" xmlns:r="http://schemas.openxmlformats.org/officeDocument/2006/relationships" xmlns:p="http://schemas.openxmlformats.org/presentationml/2006/main">
+  <p:cSld>
+    <p:spTree>
+      <p:nvGrpSpPr>
+        <p:cNvPr id="1" name=""/>
+        <p:cNvGrpSpPr/>
+        <p:nvPr/>
+      </p:nvGrpSpPr>
+      <p:grpSpPr>
+        <a:xfrm>
+          <a:off x="0" y="0"/>
+          <a:ext cx="0" cy="0"/>
+          <a:chOff x="0" y="0"/>
+          <a:chExt cx="0" cy="0"/>
+        </a:xfrm>
+      </p:grpSpPr>
+      <p:sp>
+        <p:nvSpPr>
+          <p:cNvPr id="2" name="Rectangle 1"/>
+          <p:cNvSpPr/>
+          <p:nvPr/>
+        </p:nvSpPr>
+        <p:spPr>
+          <a:xfrm>
+            <a:off x="222914" y="1353868"/>
+            <a:ext cx="2861480" cy="5078313"/>
+          </a:xfrm>
+          <a:prstGeom prst="rect">
+            <a:avLst/>
+          </a:prstGeom>
+          <a:solidFill>
+            <a:schemeClr val="bg1"/>
+          </a:solidFill>
+          <a:ln>
+            <a:solidFill>
+              <a:schemeClr val="accent1"/>
+            </a:solidFill>
+          </a:ln>
+        </p:spPr>
+        <p:txBody>
+          <a:bodyPr wrap="square">
+            <a:spAutoFit/>
+          </a:bodyPr>
+          <a:lstStyle/>
+          <a:p>
+            <a:r>
+              <a:rPr lang="en-US" dirty="0">
+                <a:latin typeface="Arial" charset="0"/>
+                <a:ea typeface="Arial" charset="0"/>
+                <a:cs typeface="Arial" charset="0"/>
+              </a:rPr>
+              <a:t>Loss </a:t>
+            </a:r>
+            <a:r>
+              <a:rPr lang="en-US" dirty="0" smtClean="0">
+                <a:latin typeface="Arial" charset="0"/>
+                <a:ea typeface="Arial" charset="0"/>
+                <a:cs typeface="Arial" charset="0"/>
+              </a:rPr>
+              <a:t>Aversion</a:t>
+            </a:r>
+          </a:p>
+          <a:p>
+            <a:r>
+              <a:rPr lang="en-US" dirty="0" smtClean="0">
+                <a:latin typeface="Arial" charset="0"/>
+                <a:ea typeface="Arial" charset="0"/>
+                <a:cs typeface="Arial" charset="0"/>
+              </a:rPr>
+              <a:t>Loss Aversion</a:t>
+            </a:r>
+          </a:p>
+          <a:p>
+            <a:r>
+              <a:rPr lang="en-US" dirty="0" smtClean="0">
+                <a:latin typeface="Arial" charset="0"/>
+                <a:ea typeface="Arial" charset="0"/>
+                <a:cs typeface="Arial" charset="0"/>
+              </a:rPr>
+              <a:t>Status-Quo Bias</a:t>
+            </a:r>
+          </a:p>
+          <a:p>
+            <a:r>
+              <a:rPr lang="en-US" dirty="0" smtClean="0">
+                <a:latin typeface="Arial" charset="0"/>
+                <a:ea typeface="Arial" charset="0"/>
+                <a:cs typeface="Arial" charset="0"/>
+              </a:rPr>
+              <a:t>Framing Mini</a:t>
+            </a:r>
+          </a:p>
+          <a:p>
+            <a:r>
+              <a:rPr lang="en-US" dirty="0" smtClean="0">
+                <a:latin typeface="Arial" charset="0"/>
+                <a:ea typeface="Arial" charset="0"/>
+                <a:cs typeface="Arial" charset="0"/>
+              </a:rPr>
+              <a:t>Endowment Effect</a:t>
+            </a:r>
+          </a:p>
+          <a:p>
+            <a:r>
+              <a:rPr lang="en-US" dirty="0" smtClean="0">
+                <a:latin typeface="Arial" charset="0"/>
+                <a:ea typeface="Arial" charset="0"/>
+                <a:cs typeface="Arial" charset="0"/>
+              </a:rPr>
+              <a:t>Negativity bias</a:t>
+            </a:r>
+          </a:p>
+          <a:p>
+            <a:r>
+              <a:rPr lang="en-US" dirty="0" smtClean="0">
+                <a:latin typeface="Arial" charset="0"/>
+                <a:ea typeface="Arial" charset="0"/>
+                <a:cs typeface="Arial" charset="0"/>
+              </a:rPr>
+              <a:t>Optimism </a:t>
+            </a:r>
+            <a:r>
+              <a:rPr lang="en-US" dirty="0">
+                <a:latin typeface="Arial" charset="0"/>
+                <a:ea typeface="Arial" charset="0"/>
+                <a:cs typeface="Arial" charset="0"/>
+              </a:rPr>
+              <a:t>Bias </a:t>
+            </a:r>
+            <a:r>
+              <a:rPr lang="en-US" dirty="0" smtClean="0">
+                <a:latin typeface="Arial" charset="0"/>
+                <a:ea typeface="Arial" charset="0"/>
+                <a:cs typeface="Arial" charset="0"/>
+              </a:rPr>
+              <a:t>Mini</a:t>
+            </a:r>
+          </a:p>
+          <a:p>
+            <a:r>
+              <a:rPr lang="en-US" dirty="0" smtClean="0">
+                <a:latin typeface="Arial" charset="0"/>
+                <a:ea typeface="Arial" charset="0"/>
+                <a:cs typeface="Arial" charset="0"/>
+              </a:rPr>
+              <a:t>Other </a:t>
+            </a:r>
+            <a:r>
+              <a:rPr lang="en-US" dirty="0">
+                <a:latin typeface="Arial" charset="0"/>
+                <a:ea typeface="Arial" charset="0"/>
+                <a:cs typeface="Arial" charset="0"/>
+              </a:rPr>
+              <a:t>cognitive </a:t>
+            </a:r>
+            <a:r>
+              <a:rPr lang="en-US" dirty="0" smtClean="0">
+                <a:latin typeface="Arial" charset="0"/>
+                <a:ea typeface="Arial" charset="0"/>
+                <a:cs typeface="Arial" charset="0"/>
+              </a:rPr>
+              <a:t>biases</a:t>
+            </a:r>
+          </a:p>
+          <a:p>
+            <a:r>
+              <a:rPr lang="en-US" dirty="0" smtClean="0">
+                <a:latin typeface="Arial" charset="0"/>
+                <a:ea typeface="Arial" charset="0"/>
+                <a:cs typeface="Arial" charset="0"/>
+              </a:rPr>
+              <a:t>Illusion </a:t>
+            </a:r>
+            <a:r>
+              <a:rPr lang="en-US" dirty="0">
+                <a:latin typeface="Arial" charset="0"/>
+                <a:ea typeface="Arial" charset="0"/>
+                <a:cs typeface="Arial" charset="0"/>
+              </a:rPr>
+              <a:t>of </a:t>
+            </a:r>
+            <a:r>
+              <a:rPr lang="en-US" dirty="0" smtClean="0">
+                <a:latin typeface="Arial" charset="0"/>
+                <a:ea typeface="Arial" charset="0"/>
+                <a:cs typeface="Arial" charset="0"/>
+              </a:rPr>
+              <a:t>control</a:t>
+            </a:r>
+          </a:p>
+          <a:p>
+            <a:r>
+              <a:rPr lang="en-US" dirty="0" smtClean="0">
+                <a:latin typeface="Arial" charset="0"/>
+                <a:ea typeface="Arial" charset="0"/>
+                <a:cs typeface="Arial" charset="0"/>
+              </a:rPr>
+              <a:t>Need </a:t>
+            </a:r>
+            <a:r>
+              <a:rPr lang="en-US" dirty="0">
+                <a:latin typeface="Arial" charset="0"/>
+                <a:ea typeface="Arial" charset="0"/>
+                <a:cs typeface="Arial" charset="0"/>
+              </a:rPr>
+              <a:t>for </a:t>
+            </a:r>
+            <a:r>
+              <a:rPr lang="en-US" dirty="0" smtClean="0">
+                <a:latin typeface="Arial" charset="0"/>
+                <a:ea typeface="Arial" charset="0"/>
+                <a:cs typeface="Arial" charset="0"/>
+              </a:rPr>
+              <a:t>closure</a:t>
+            </a:r>
+          </a:p>
+          <a:p>
+            <a:r>
+              <a:rPr lang="en-US" dirty="0" smtClean="0">
+                <a:latin typeface="Arial" charset="0"/>
+                <a:ea typeface="Arial" charset="0"/>
+                <a:cs typeface="Arial" charset="0"/>
+              </a:rPr>
+              <a:t>Peak-end rule</a:t>
+            </a:r>
+          </a:p>
+          <a:p>
+            <a:r>
+              <a:rPr lang="en-US" dirty="0" smtClean="0">
+                <a:latin typeface="Arial" charset="0"/>
+                <a:ea typeface="Arial" charset="0"/>
+                <a:cs typeface="Arial" charset="0"/>
+              </a:rPr>
+              <a:t>Curiosity Mini</a:t>
+            </a:r>
+          </a:p>
+          <a:p>
+            <a:r>
+              <a:rPr lang="en-US" dirty="0" smtClean="0">
+                <a:latin typeface="Arial" charset="0"/>
+                <a:ea typeface="Arial" charset="0"/>
+                <a:cs typeface="Arial" charset="0"/>
+              </a:rPr>
+              <a:t>Value </a:t>
+            </a:r>
+            <a:r>
+              <a:rPr lang="en-US" dirty="0">
+                <a:latin typeface="Arial" charset="0"/>
+                <a:ea typeface="Arial" charset="0"/>
+                <a:cs typeface="Arial" charset="0"/>
+              </a:rPr>
+              <a:t>attribution </a:t>
+            </a:r>
+            <a:r>
+              <a:rPr lang="en-US" dirty="0" smtClean="0">
+                <a:latin typeface="Arial" charset="0"/>
+                <a:ea typeface="Arial" charset="0"/>
+                <a:cs typeface="Arial" charset="0"/>
+              </a:rPr>
+              <a:t>Mini</a:t>
+            </a:r>
+          </a:p>
+          <a:p>
+            <a:r>
+              <a:rPr lang="en-US" dirty="0" smtClean="0">
+                <a:latin typeface="Arial" charset="0"/>
+                <a:ea typeface="Arial" charset="0"/>
+                <a:cs typeface="Arial" charset="0"/>
+              </a:rPr>
+              <a:t>Set </a:t>
+            </a:r>
+            <a:r>
+              <a:rPr lang="en-US" dirty="0">
+                <a:latin typeface="Arial" charset="0"/>
+                <a:ea typeface="Arial" charset="0"/>
+                <a:cs typeface="Arial" charset="0"/>
+              </a:rPr>
+              <a:t>Completion </a:t>
+            </a:r>
+            <a:r>
+              <a:rPr lang="en-US" dirty="0" smtClean="0">
+                <a:latin typeface="Arial" charset="0"/>
+                <a:ea typeface="Arial" charset="0"/>
+                <a:cs typeface="Arial" charset="0"/>
+              </a:rPr>
+              <a:t>Mini</a:t>
+            </a:r>
+          </a:p>
+          <a:p>
+            <a:r>
+              <a:rPr lang="en-US" dirty="0" smtClean="0">
+                <a:latin typeface="Arial" charset="0"/>
+                <a:ea typeface="Arial" charset="0"/>
+                <a:cs typeface="Arial" charset="0"/>
+              </a:rPr>
+              <a:t>Scarcity</a:t>
+            </a:r>
+          </a:p>
+          <a:p>
+            <a:r>
+              <a:rPr lang="en-US" dirty="0" smtClean="0">
+                <a:latin typeface="Arial" charset="0"/>
+                <a:ea typeface="Arial" charset="0"/>
+                <a:cs typeface="Arial" charset="0"/>
+              </a:rPr>
+              <a:t>Limited </a:t>
+            </a:r>
+            <a:r>
+              <a:rPr lang="en-US" dirty="0">
+                <a:latin typeface="Arial" charset="0"/>
+                <a:ea typeface="Arial" charset="0"/>
+                <a:cs typeface="Arial" charset="0"/>
+              </a:rPr>
+              <a:t>choice </a:t>
+            </a:r>
+            <a:r>
+              <a:rPr lang="en-US" dirty="0" smtClean="0">
+                <a:latin typeface="Arial" charset="0"/>
+                <a:ea typeface="Arial" charset="0"/>
+                <a:cs typeface="Arial" charset="0"/>
+              </a:rPr>
+              <a:t>Mini</a:t>
+            </a:r>
+          </a:p>
+          <a:p>
+            <a:r>
+              <a:rPr lang="en-US" dirty="0" smtClean="0">
+                <a:latin typeface="Arial" charset="0"/>
+                <a:ea typeface="Arial" charset="0"/>
+                <a:cs typeface="Arial" charset="0"/>
+              </a:rPr>
+              <a:t>Scarcity</a:t>
+            </a:r>
+          </a:p>
+          <a:p>
+            <a:r>
+              <a:rPr lang="en-US" dirty="0" smtClean="0">
+                <a:latin typeface="Arial" charset="0"/>
+                <a:ea typeface="Arial" charset="0"/>
+                <a:cs typeface="Arial" charset="0"/>
+              </a:rPr>
+              <a:t>Limited duration</a:t>
+            </a:r>
+            <a:endParaRPr lang="en-US" dirty="0">
+              <a:latin typeface="Arial" charset="0"/>
+              <a:ea typeface="Arial" charset="0"/>
+              <a:cs typeface="Arial" charset="0"/>
+            </a:endParaRPr>
+          </a:p>
+        </p:txBody>
+      </p:sp>
+      <p:sp>
+        <p:nvSpPr>
+          <p:cNvPr id="4" name="Rectangle 3"/>
+          <p:cNvSpPr/>
+          <p:nvPr/>
+        </p:nvSpPr>
+        <p:spPr>
+          <a:xfrm>
+            <a:off x="222914" y="573206"/>
+            <a:ext cx="2861480" cy="780662"/>
+          </a:xfrm>
+          <a:prstGeom prst="rect">
+            <a:avLst/>
+          </a:prstGeom>
+        </p:spPr>
+        <p:style>
+          <a:lnRef idx="2">
+            <a:schemeClr val="accent1">
+              <a:shade val="50000"/>
+            </a:schemeClr>
+          </a:lnRef>
+          <a:fillRef idx="1">
+            <a:schemeClr val="accent1"/>
+          </a:fillRef>
+          <a:effectRef idx="0">
+            <a:schemeClr val="accent1"/>
+          </a:effectRef>
+          <a:fontRef idx="minor">
+            <a:schemeClr val="lt1"/>
+          </a:fontRef>
+        </p:style>
+        <p:txBody>
+          <a:bodyPr rtlCol="0" anchor="ctr"/>
+          <a:lstStyle/>
+          <a:p>
+            <a:pPr algn="ctr"/>
+            <a:r>
+              <a:rPr lang="en-US" dirty="0" smtClean="0">
+                <a:latin typeface="Arial" charset="0"/>
+                <a:ea typeface="Arial" charset="0"/>
+                <a:cs typeface="Arial" charset="0"/>
+              </a:rPr>
+              <a:t>Cognitive</a:t>
+            </a:r>
+            <a:endParaRPr lang="en-US" dirty="0">
+              <a:latin typeface="Arial" charset="0"/>
+              <a:ea typeface="Arial" charset="0"/>
+              <a:cs typeface="Arial" charset="0"/>
+            </a:endParaRPr>
+          </a:p>
+        </p:txBody>
+      </p:sp>
+      <p:sp>
+        <p:nvSpPr>
+          <p:cNvPr id="5" name="Rectangle 4"/>
+          <p:cNvSpPr/>
+          <p:nvPr/>
+        </p:nvSpPr>
+        <p:spPr>
+          <a:xfrm>
+            <a:off x="3084394" y="1353868"/>
+            <a:ext cx="2861480" cy="420341"/>
+          </a:xfrm>
+          <a:prstGeom prst="rect">
+            <a:avLst/>
+          </a:prstGeom>
+          <a:solidFill>
+            <a:schemeClr val="bg1">
+              <a:lumMod val="95000"/>
+            </a:schemeClr>
+          </a:solidFill>
+          <a:ln>
+            <a:noFill/>
+          </a:ln>
+        </p:spPr>
+        <p:style>
+          <a:lnRef idx="2">
+            <a:schemeClr val="accent1">
+              <a:shade val="50000"/>
+            </a:schemeClr>
+          </a:lnRef>
+          <a:fillRef idx="1">
+            <a:schemeClr val="accent1"/>
+          </a:fillRef>
+          <a:effectRef idx="0">
+            <a:schemeClr val="accent1"/>
+          </a:effectRef>
+          <a:fontRef idx="minor">
+            <a:schemeClr val="lt1"/>
+          </a:fontRef>
+        </p:style>
+        <p:txBody>
+          <a:bodyPr rtlCol="0" anchor="ctr"/>
+          <a:lstStyle/>
+          <a:p>
+            <a:pPr algn="ctr"/>
+            <a:r>
+              <a:rPr lang="en-US" smtClean="0">
+                <a:solidFill>
+                  <a:schemeClr val="tx1"/>
+                </a:solidFill>
+                <a:latin typeface="Arial" charset="0"/>
+                <a:ea typeface="Arial" charset="0"/>
+                <a:cs typeface="Arial" charset="0"/>
+              </a:rPr>
+              <a:t>Loss Aversion</a:t>
+            </a:r>
+            <a:endParaRPr lang="en-US" dirty="0">
+              <a:solidFill>
+                <a:schemeClr val="tx1"/>
+              </a:solidFill>
+              <a:latin typeface="Arial" charset="0"/>
+              <a:ea typeface="Arial" charset="0"/>
+              <a:cs typeface="Arial" charset="0"/>
+            </a:endParaRPr>
+          </a:p>
+        </p:txBody>
+      </p:sp>
+    </p:spTree>
+    <p:extLst>
+      <p:ext uri="{BB962C8B-B14F-4D97-AF65-F5344CB8AC3E}">
+        <p14:creationId xmlns:p14="http://schemas.microsoft.com/office/powerpoint/2010/main" val="1216767035"/>
+      </p:ext>
+    </p:extLst>
+  </p:cSld>
+  <p:clrMapOvr>
+    <a:masterClrMapping/>
+  </p:clrMapOvr>
+</p:sld>
+</file>
+
 <file path=ppt/theme/theme1.xml><?xml version="1.0" encoding="utf-8"?>
 <a:theme xmlns:a="http://schemas.openxmlformats.org/drawingml/2006/main" name="Office Theme">
   <a:themeElements>

--- a/raw/figures/rw/pw-life-cycle-rebuilt.pptx
+++ b/raw/figures/rw/pw-life-cycle-rebuilt.pptx
@@ -8,7 +8,9 @@
     <p:sldId id="257" r:id="rId2"/>
     <p:sldId id="258" r:id="rId3"/>
     <p:sldId id="259" r:id="rId4"/>
-    <p:sldId id="260" r:id="rId5"/>
+    <p:sldId id="261" r:id="rId5"/>
+    <p:sldId id="262" r:id="rId6"/>
+    <p:sldId id="260" r:id="rId7"/>
   </p:sldIdLst>
   <p:sldSz cx="12192000" cy="6858000"/>
   <p:notesSz cx="6858000" cy="9144000"/>
@@ -303,11 +305,11 @@
           <c:showBubbleSize val="0"/>
         </c:dLbls>
         <c:gapWidth val="32"/>
-        <c:axId val="1153454256"/>
-        <c:axId val="1239684592"/>
+        <c:axId val="-673258608"/>
+        <c:axId val="-633196656"/>
       </c:barChart>
       <c:catAx>
-        <c:axId val="1153454256"/>
+        <c:axId val="-673258608"/>
         <c:scaling>
           <c:orientation val="minMax"/>
         </c:scaling>
@@ -350,7 +352,7 @@
             <a:endParaRPr lang="en-US"/>
           </a:p>
         </c:txPr>
-        <c:crossAx val="1239684592"/>
+        <c:crossAx val="-633196656"/>
         <c:crosses val="autoZero"/>
         <c:auto val="1"/>
         <c:lblAlgn val="ctr"/>
@@ -358,7 +360,7 @@
         <c:noMultiLvlLbl val="0"/>
       </c:catAx>
       <c:valAx>
-        <c:axId val="1239684592"/>
+        <c:axId val="-633196656"/>
         <c:scaling>
           <c:orientation val="minMax"/>
         </c:scaling>
@@ -408,7 +410,7 @@
             <a:endParaRPr lang="en-US"/>
           </a:p>
         </c:txPr>
-        <c:crossAx val="1153454256"/>
+        <c:crossAx val="-673258608"/>
         <c:crosses val="autoZero"/>
         <c:crossBetween val="between"/>
       </c:valAx>
@@ -990,6 +992,5583 @@
     </cs:spPr>
   </cs:wall>
 </cs:chartStyle>
+</file>
+
+<file path=ppt/diagrams/colors1.xml><?xml version="1.0" encoding="utf-8"?>
+<dgm:colorsDef xmlns:dgm="http://schemas.openxmlformats.org/drawingml/2006/diagram" xmlns:a="http://schemas.openxmlformats.org/drawingml/2006/main" uniqueId="urn:microsoft.com/office/officeart/2005/8/colors/accent1_2">
+  <dgm:title val=""/>
+  <dgm:desc val=""/>
+  <dgm:catLst>
+    <dgm:cat type="accent1" pri="11200"/>
+  </dgm:catLst>
+  <dgm:styleLbl name="node0">
+    <dgm:fillClrLst meth="repeat">
+      <a:schemeClr val="accent1"/>
+    </dgm:fillClrLst>
+    <dgm:linClrLst meth="repeat">
+      <a:schemeClr val="lt1"/>
+    </dgm:linClrLst>
+    <dgm:effectClrLst/>
+    <dgm:txLinClrLst/>
+    <dgm:txFillClrLst/>
+    <dgm:txEffectClrLst/>
+  </dgm:styleLbl>
+  <dgm:styleLbl name="alignNode1">
+    <dgm:fillClrLst meth="repeat">
+      <a:schemeClr val="accent1"/>
+    </dgm:fillClrLst>
+    <dgm:linClrLst meth="repeat">
+      <a:schemeClr val="accent1"/>
+    </dgm:linClrLst>
+    <dgm:effectClrLst/>
+    <dgm:txLinClrLst/>
+    <dgm:txFillClrLst/>
+    <dgm:txEffectClrLst/>
+  </dgm:styleLbl>
+  <dgm:styleLbl name="node1">
+    <dgm:fillClrLst meth="repeat">
+      <a:schemeClr val="accent1"/>
+    </dgm:fillClrLst>
+    <dgm:linClrLst meth="repeat">
+      <a:schemeClr val="lt1"/>
+    </dgm:linClrLst>
+    <dgm:effectClrLst/>
+    <dgm:txLinClrLst/>
+    <dgm:txFillClrLst/>
+    <dgm:txEffectClrLst/>
+  </dgm:styleLbl>
+  <dgm:styleLbl name="lnNode1">
+    <dgm:fillClrLst meth="repeat">
+      <a:schemeClr val="accent1"/>
+    </dgm:fillClrLst>
+    <dgm:linClrLst meth="repeat">
+      <a:schemeClr val="lt1"/>
+    </dgm:linClrLst>
+    <dgm:effectClrLst/>
+    <dgm:txLinClrLst/>
+    <dgm:txFillClrLst/>
+    <dgm:txEffectClrLst/>
+  </dgm:styleLbl>
+  <dgm:styleLbl name="vennNode1">
+    <dgm:fillClrLst meth="repeat">
+      <a:schemeClr val="accent1">
+        <a:alpha val="50000"/>
+      </a:schemeClr>
+    </dgm:fillClrLst>
+    <dgm:linClrLst meth="repeat">
+      <a:schemeClr val="lt1"/>
+    </dgm:linClrLst>
+    <dgm:effectClrLst/>
+    <dgm:txLinClrLst/>
+    <dgm:txFillClrLst/>
+    <dgm:txEffectClrLst/>
+  </dgm:styleLbl>
+  <dgm:styleLbl name="node2">
+    <dgm:fillClrLst meth="repeat">
+      <a:schemeClr val="accent1"/>
+    </dgm:fillClrLst>
+    <dgm:linClrLst meth="repeat">
+      <a:schemeClr val="lt1"/>
+    </dgm:linClrLst>
+    <dgm:effectClrLst/>
+    <dgm:txLinClrLst/>
+    <dgm:txFillClrLst/>
+    <dgm:txEffectClrLst/>
+  </dgm:styleLbl>
+  <dgm:styleLbl name="node3">
+    <dgm:fillClrLst meth="repeat">
+      <a:schemeClr val="accent1"/>
+    </dgm:fillClrLst>
+    <dgm:linClrLst meth="repeat">
+      <a:schemeClr val="lt1"/>
+    </dgm:linClrLst>
+    <dgm:effectClrLst/>
+    <dgm:txLinClrLst/>
+    <dgm:txFillClrLst/>
+    <dgm:txEffectClrLst/>
+  </dgm:styleLbl>
+  <dgm:styleLbl name="node4">
+    <dgm:fillClrLst meth="repeat">
+      <a:schemeClr val="accent1"/>
+    </dgm:fillClrLst>
+    <dgm:linClrLst meth="repeat">
+      <a:schemeClr val="lt1"/>
+    </dgm:linClrLst>
+    <dgm:effectClrLst/>
+    <dgm:txLinClrLst/>
+    <dgm:txFillClrLst/>
+    <dgm:txEffectClrLst/>
+  </dgm:styleLbl>
+  <dgm:styleLbl name="fgImgPlace1">
+    <dgm:fillClrLst meth="repeat">
+      <a:schemeClr val="accent1">
+        <a:tint val="50000"/>
+      </a:schemeClr>
+    </dgm:fillClrLst>
+    <dgm:linClrLst meth="repeat">
+      <a:schemeClr val="lt1"/>
+    </dgm:linClrLst>
+    <dgm:effectClrLst/>
+    <dgm:txLinClrLst/>
+    <dgm:txFillClrLst meth="repeat">
+      <a:schemeClr val="lt1"/>
+    </dgm:txFillClrLst>
+    <dgm:txEffectClrLst/>
+  </dgm:styleLbl>
+  <dgm:styleLbl name="alignImgPlace1">
+    <dgm:fillClrLst meth="repeat">
+      <a:schemeClr val="accent1">
+        <a:tint val="50000"/>
+      </a:schemeClr>
+    </dgm:fillClrLst>
+    <dgm:linClrLst meth="repeat">
+      <a:schemeClr val="lt1"/>
+    </dgm:linClrLst>
+    <dgm:effectClrLst/>
+    <dgm:txLinClrLst/>
+    <dgm:txFillClrLst meth="repeat">
+      <a:schemeClr val="lt1"/>
+    </dgm:txFillClrLst>
+    <dgm:txEffectClrLst/>
+  </dgm:styleLbl>
+  <dgm:styleLbl name="bgImgPlace1">
+    <dgm:fillClrLst meth="repeat">
+      <a:schemeClr val="accent1">
+        <a:tint val="50000"/>
+      </a:schemeClr>
+    </dgm:fillClrLst>
+    <dgm:linClrLst meth="repeat">
+      <a:schemeClr val="lt1"/>
+    </dgm:linClrLst>
+    <dgm:effectClrLst/>
+    <dgm:txLinClrLst/>
+    <dgm:txFillClrLst meth="repeat">
+      <a:schemeClr val="lt1"/>
+    </dgm:txFillClrLst>
+    <dgm:txEffectClrLst/>
+  </dgm:styleLbl>
+  <dgm:styleLbl name="sibTrans2D1">
+    <dgm:fillClrLst meth="repeat">
+      <a:schemeClr val="accent1">
+        <a:tint val="60000"/>
+      </a:schemeClr>
+    </dgm:fillClrLst>
+    <dgm:linClrLst meth="repeat">
+      <a:schemeClr val="accent1">
+        <a:tint val="60000"/>
+      </a:schemeClr>
+    </dgm:linClrLst>
+    <dgm:effectClrLst/>
+    <dgm:txLinClrLst/>
+    <dgm:txFillClrLst/>
+    <dgm:txEffectClrLst/>
+  </dgm:styleLbl>
+  <dgm:styleLbl name="fgSibTrans2D1">
+    <dgm:fillClrLst meth="repeat">
+      <a:schemeClr val="accent1">
+        <a:tint val="60000"/>
+      </a:schemeClr>
+    </dgm:fillClrLst>
+    <dgm:linClrLst meth="repeat">
+      <a:schemeClr val="accent1">
+        <a:tint val="60000"/>
+      </a:schemeClr>
+    </dgm:linClrLst>
+    <dgm:effectClrLst/>
+    <dgm:txLinClrLst/>
+    <dgm:txFillClrLst/>
+    <dgm:txEffectClrLst/>
+  </dgm:styleLbl>
+  <dgm:styleLbl name="bgSibTrans2D1">
+    <dgm:fillClrLst meth="repeat">
+      <a:schemeClr val="accent1">
+        <a:tint val="60000"/>
+      </a:schemeClr>
+    </dgm:fillClrLst>
+    <dgm:linClrLst meth="repeat">
+      <a:schemeClr val="accent1">
+        <a:tint val="60000"/>
+      </a:schemeClr>
+    </dgm:linClrLst>
+    <dgm:effectClrLst/>
+    <dgm:txLinClrLst/>
+    <dgm:txFillClrLst/>
+    <dgm:txEffectClrLst/>
+  </dgm:styleLbl>
+  <dgm:styleLbl name="sibTrans1D1">
+    <dgm:fillClrLst meth="repeat">
+      <a:schemeClr val="accent1"/>
+    </dgm:fillClrLst>
+    <dgm:linClrLst meth="repeat">
+      <a:schemeClr val="accent1"/>
+    </dgm:linClrLst>
+    <dgm:effectClrLst/>
+    <dgm:txLinClrLst/>
+    <dgm:txFillClrLst meth="repeat">
+      <a:schemeClr val="tx1"/>
+    </dgm:txFillClrLst>
+    <dgm:txEffectClrLst/>
+  </dgm:styleLbl>
+  <dgm:styleLbl name="callout">
+    <dgm:fillClrLst meth="repeat">
+      <a:schemeClr val="accent1"/>
+    </dgm:fillClrLst>
+    <dgm:linClrLst meth="repeat">
+      <a:schemeClr val="accent1">
+        <a:tint val="50000"/>
+      </a:schemeClr>
+    </dgm:linClrLst>
+    <dgm:effectClrLst/>
+    <dgm:txLinClrLst/>
+    <dgm:txFillClrLst meth="repeat">
+      <a:schemeClr val="tx1"/>
+    </dgm:txFillClrLst>
+    <dgm:txEffectClrLst/>
+  </dgm:styleLbl>
+  <dgm:styleLbl name="asst0">
+    <dgm:fillClrLst meth="repeat">
+      <a:schemeClr val="accent1"/>
+    </dgm:fillClrLst>
+    <dgm:linClrLst meth="repeat">
+      <a:schemeClr val="lt1"/>
+    </dgm:linClrLst>
+    <dgm:effectClrLst/>
+    <dgm:txLinClrLst/>
+    <dgm:txFillClrLst/>
+    <dgm:txEffectClrLst/>
+  </dgm:styleLbl>
+  <dgm:styleLbl name="asst1">
+    <dgm:fillClrLst meth="repeat">
+      <a:schemeClr val="accent1"/>
+    </dgm:fillClrLst>
+    <dgm:linClrLst meth="repeat">
+      <a:schemeClr val="lt1"/>
+    </dgm:linClrLst>
+    <dgm:effectClrLst/>
+    <dgm:txLinClrLst/>
+    <dgm:txFillClrLst/>
+    <dgm:txEffectClrLst/>
+  </dgm:styleLbl>
+  <dgm:styleLbl name="asst2">
+    <dgm:fillClrLst meth="repeat">
+      <a:schemeClr val="accent1"/>
+    </dgm:fillClrLst>
+    <dgm:linClrLst meth="repeat">
+      <a:schemeClr val="lt1"/>
+    </dgm:linClrLst>
+    <dgm:effectClrLst/>
+    <dgm:txLinClrLst/>
+    <dgm:txFillClrLst/>
+    <dgm:txEffectClrLst/>
+  </dgm:styleLbl>
+  <dgm:styleLbl name="asst3">
+    <dgm:fillClrLst meth="repeat">
+      <a:schemeClr val="accent1"/>
+    </dgm:fillClrLst>
+    <dgm:linClrLst meth="repeat">
+      <a:schemeClr val="lt1"/>
+    </dgm:linClrLst>
+    <dgm:effectClrLst/>
+    <dgm:txLinClrLst/>
+    <dgm:txFillClrLst/>
+    <dgm:txEffectClrLst/>
+  </dgm:styleLbl>
+  <dgm:styleLbl name="asst4">
+    <dgm:fillClrLst meth="repeat">
+      <a:schemeClr val="accent1"/>
+    </dgm:fillClrLst>
+    <dgm:linClrLst meth="repeat">
+      <a:schemeClr val="lt1"/>
+    </dgm:linClrLst>
+    <dgm:effectClrLst/>
+    <dgm:txLinClrLst/>
+    <dgm:txFillClrLst/>
+    <dgm:txEffectClrLst/>
+  </dgm:styleLbl>
+  <dgm:styleLbl name="parChTrans2D1">
+    <dgm:fillClrLst meth="repeat">
+      <a:schemeClr val="accent1">
+        <a:tint val="60000"/>
+      </a:schemeClr>
+    </dgm:fillClrLst>
+    <dgm:linClrLst meth="repeat">
+      <a:schemeClr val="accent1">
+        <a:tint val="60000"/>
+      </a:schemeClr>
+    </dgm:linClrLst>
+    <dgm:effectClrLst/>
+    <dgm:txLinClrLst/>
+    <dgm:txFillClrLst meth="repeat">
+      <a:schemeClr val="lt1"/>
+    </dgm:txFillClrLst>
+    <dgm:txEffectClrLst/>
+  </dgm:styleLbl>
+  <dgm:styleLbl name="parChTrans2D2">
+    <dgm:fillClrLst meth="repeat">
+      <a:schemeClr val="accent1"/>
+    </dgm:fillClrLst>
+    <dgm:linClrLst meth="repeat">
+      <a:schemeClr val="accent1"/>
+    </dgm:linClrLst>
+    <dgm:effectClrLst/>
+    <dgm:txLinClrLst/>
+    <dgm:txFillClrLst meth="repeat">
+      <a:schemeClr val="lt1"/>
+    </dgm:txFillClrLst>
+    <dgm:txEffectClrLst/>
+  </dgm:styleLbl>
+  <dgm:styleLbl name="parChTrans2D3">
+    <dgm:fillClrLst meth="repeat">
+      <a:schemeClr val="accent1"/>
+    </dgm:fillClrLst>
+    <dgm:linClrLst meth="repeat">
+      <a:schemeClr val="accent1"/>
+    </dgm:linClrLst>
+    <dgm:effectClrLst/>
+    <dgm:txLinClrLst/>
+    <dgm:txFillClrLst meth="repeat">
+      <a:schemeClr val="lt1"/>
+    </dgm:txFillClrLst>
+    <dgm:txEffectClrLst/>
+  </dgm:styleLbl>
+  <dgm:styleLbl name="parChTrans2D4">
+    <dgm:fillClrLst meth="repeat">
+      <a:schemeClr val="accent1"/>
+    </dgm:fillClrLst>
+    <dgm:linClrLst meth="repeat">
+      <a:schemeClr val="accent1"/>
+    </dgm:linClrLst>
+    <dgm:effectClrLst/>
+    <dgm:txLinClrLst/>
+    <dgm:txFillClrLst meth="repeat">
+      <a:schemeClr val="lt1"/>
+    </dgm:txFillClrLst>
+    <dgm:txEffectClrLst/>
+  </dgm:styleLbl>
+  <dgm:styleLbl name="parChTrans1D1">
+    <dgm:fillClrLst meth="repeat">
+      <a:schemeClr val="accent1"/>
+    </dgm:fillClrLst>
+    <dgm:linClrLst meth="repeat">
+      <a:schemeClr val="accent1">
+        <a:shade val="60000"/>
+      </a:schemeClr>
+    </dgm:linClrLst>
+    <dgm:effectClrLst/>
+    <dgm:txLinClrLst/>
+    <dgm:txFillClrLst meth="repeat">
+      <a:schemeClr val="tx1"/>
+    </dgm:txFillClrLst>
+    <dgm:txEffectClrLst/>
+  </dgm:styleLbl>
+  <dgm:styleLbl name="parChTrans1D2">
+    <dgm:fillClrLst meth="repeat">
+      <a:schemeClr val="accent1"/>
+    </dgm:fillClrLst>
+    <dgm:linClrLst meth="repeat">
+      <a:schemeClr val="accent1">
+        <a:shade val="60000"/>
+      </a:schemeClr>
+    </dgm:linClrLst>
+    <dgm:effectClrLst/>
+    <dgm:txLinClrLst/>
+    <dgm:txFillClrLst meth="repeat">
+      <a:schemeClr val="tx1"/>
+    </dgm:txFillClrLst>
+    <dgm:txEffectClrLst/>
+  </dgm:styleLbl>
+  <dgm:styleLbl name="parChTrans1D3">
+    <dgm:fillClrLst meth="repeat">
+      <a:schemeClr val="accent1"/>
+    </dgm:fillClrLst>
+    <dgm:linClrLst meth="repeat">
+      <a:schemeClr val="accent1">
+        <a:shade val="80000"/>
+      </a:schemeClr>
+    </dgm:linClrLst>
+    <dgm:effectClrLst/>
+    <dgm:txLinClrLst/>
+    <dgm:txFillClrLst meth="repeat">
+      <a:schemeClr val="tx1"/>
+    </dgm:txFillClrLst>
+    <dgm:txEffectClrLst/>
+  </dgm:styleLbl>
+  <dgm:styleLbl name="parChTrans1D4">
+    <dgm:fillClrLst meth="repeat">
+      <a:schemeClr val="accent1"/>
+    </dgm:fillClrLst>
+    <dgm:linClrLst meth="repeat">
+      <a:schemeClr val="accent1">
+        <a:shade val="80000"/>
+      </a:schemeClr>
+    </dgm:linClrLst>
+    <dgm:effectClrLst/>
+    <dgm:txLinClrLst/>
+    <dgm:txFillClrLst meth="repeat">
+      <a:schemeClr val="tx1"/>
+    </dgm:txFillClrLst>
+    <dgm:txEffectClrLst/>
+  </dgm:styleLbl>
+  <dgm:styleLbl name="fgAcc1">
+    <dgm:fillClrLst meth="repeat">
+      <a:schemeClr val="lt1">
+        <a:alpha val="90000"/>
+      </a:schemeClr>
+    </dgm:fillClrLst>
+    <dgm:linClrLst meth="repeat">
+      <a:schemeClr val="accent1"/>
+    </dgm:linClrLst>
+    <dgm:effectClrLst/>
+    <dgm:txLinClrLst/>
+    <dgm:txFillClrLst meth="repeat">
+      <a:schemeClr val="dk1"/>
+    </dgm:txFillClrLst>
+    <dgm:txEffectClrLst/>
+  </dgm:styleLbl>
+  <dgm:styleLbl name="conFgAcc1">
+    <dgm:fillClrLst meth="repeat">
+      <a:schemeClr val="lt1">
+        <a:alpha val="90000"/>
+      </a:schemeClr>
+    </dgm:fillClrLst>
+    <dgm:linClrLst meth="repeat">
+      <a:schemeClr val="accent1"/>
+    </dgm:linClrLst>
+    <dgm:effectClrLst/>
+    <dgm:txLinClrLst/>
+    <dgm:txFillClrLst meth="repeat">
+      <a:schemeClr val="dk1"/>
+    </dgm:txFillClrLst>
+    <dgm:txEffectClrLst/>
+  </dgm:styleLbl>
+  <dgm:styleLbl name="alignAcc1">
+    <dgm:fillClrLst meth="repeat">
+      <a:schemeClr val="lt1">
+        <a:alpha val="90000"/>
+      </a:schemeClr>
+    </dgm:fillClrLst>
+    <dgm:linClrLst meth="repeat">
+      <a:schemeClr val="accent1"/>
+    </dgm:linClrLst>
+    <dgm:effectClrLst/>
+    <dgm:txLinClrLst/>
+    <dgm:txFillClrLst meth="repeat">
+      <a:schemeClr val="dk1"/>
+    </dgm:txFillClrLst>
+    <dgm:txEffectClrLst/>
+  </dgm:styleLbl>
+  <dgm:styleLbl name="trAlignAcc1">
+    <dgm:fillClrLst meth="repeat">
+      <a:schemeClr val="lt1">
+        <a:alpha val="40000"/>
+      </a:schemeClr>
+    </dgm:fillClrLst>
+    <dgm:linClrLst meth="repeat">
+      <a:schemeClr val="accent1"/>
+    </dgm:linClrLst>
+    <dgm:effectClrLst/>
+    <dgm:txLinClrLst/>
+    <dgm:txFillClrLst meth="repeat">
+      <a:schemeClr val="dk1"/>
+    </dgm:txFillClrLst>
+    <dgm:txEffectClrLst/>
+  </dgm:styleLbl>
+  <dgm:styleLbl name="bgAcc1">
+    <dgm:fillClrLst meth="repeat">
+      <a:schemeClr val="lt1">
+        <a:alpha val="90000"/>
+      </a:schemeClr>
+    </dgm:fillClrLst>
+    <dgm:linClrLst meth="repeat">
+      <a:schemeClr val="accent1"/>
+    </dgm:linClrLst>
+    <dgm:effectClrLst/>
+    <dgm:txLinClrLst/>
+    <dgm:txFillClrLst meth="repeat">
+      <a:schemeClr val="dk1"/>
+    </dgm:txFillClrLst>
+    <dgm:txEffectClrLst/>
+  </dgm:styleLbl>
+  <dgm:styleLbl name="solidFgAcc1">
+    <dgm:fillClrLst meth="repeat">
+      <a:schemeClr val="lt1"/>
+    </dgm:fillClrLst>
+    <dgm:linClrLst meth="repeat">
+      <a:schemeClr val="accent1"/>
+    </dgm:linClrLst>
+    <dgm:effectClrLst/>
+    <dgm:txLinClrLst/>
+    <dgm:txFillClrLst meth="repeat">
+      <a:schemeClr val="dk1"/>
+    </dgm:txFillClrLst>
+    <dgm:txEffectClrLst/>
+  </dgm:styleLbl>
+  <dgm:styleLbl name="solidAlignAcc1">
+    <dgm:fillClrLst meth="repeat">
+      <a:schemeClr val="lt1"/>
+    </dgm:fillClrLst>
+    <dgm:linClrLst meth="repeat">
+      <a:schemeClr val="accent1"/>
+    </dgm:linClrLst>
+    <dgm:effectClrLst/>
+    <dgm:txLinClrLst/>
+    <dgm:txFillClrLst meth="repeat">
+      <a:schemeClr val="dk1"/>
+    </dgm:txFillClrLst>
+    <dgm:txEffectClrLst/>
+  </dgm:styleLbl>
+  <dgm:styleLbl name="solidBgAcc1">
+    <dgm:fillClrLst meth="repeat">
+      <a:schemeClr val="lt1"/>
+    </dgm:fillClrLst>
+    <dgm:linClrLst meth="repeat">
+      <a:schemeClr val="accent1"/>
+    </dgm:linClrLst>
+    <dgm:effectClrLst/>
+    <dgm:txLinClrLst/>
+    <dgm:txFillClrLst meth="repeat">
+      <a:schemeClr val="dk1"/>
+    </dgm:txFillClrLst>
+    <dgm:txEffectClrLst/>
+  </dgm:styleLbl>
+  <dgm:styleLbl name="fgAccFollowNode1">
+    <dgm:fillClrLst meth="repeat">
+      <a:schemeClr val="accent1">
+        <a:alpha val="90000"/>
+        <a:tint val="40000"/>
+      </a:schemeClr>
+    </dgm:fillClrLst>
+    <dgm:linClrLst meth="repeat">
+      <a:schemeClr val="accent1">
+        <a:alpha val="90000"/>
+        <a:tint val="40000"/>
+      </a:schemeClr>
+    </dgm:linClrLst>
+    <dgm:effectClrLst/>
+    <dgm:txLinClrLst/>
+    <dgm:txFillClrLst meth="repeat">
+      <a:schemeClr val="dk1"/>
+    </dgm:txFillClrLst>
+    <dgm:txEffectClrLst/>
+  </dgm:styleLbl>
+  <dgm:styleLbl name="alignAccFollowNode1">
+    <dgm:fillClrLst meth="repeat">
+      <a:schemeClr val="accent1">
+        <a:alpha val="90000"/>
+        <a:tint val="40000"/>
+      </a:schemeClr>
+    </dgm:fillClrLst>
+    <dgm:linClrLst meth="repeat">
+      <a:schemeClr val="accent1">
+        <a:alpha val="90000"/>
+        <a:tint val="40000"/>
+      </a:schemeClr>
+    </dgm:linClrLst>
+    <dgm:effectClrLst/>
+    <dgm:txLinClrLst/>
+    <dgm:txFillClrLst meth="repeat">
+      <a:schemeClr val="dk1"/>
+    </dgm:txFillClrLst>
+    <dgm:txEffectClrLst/>
+  </dgm:styleLbl>
+  <dgm:styleLbl name="bgAccFollowNode1">
+    <dgm:fillClrLst meth="repeat">
+      <a:schemeClr val="accent1">
+        <a:alpha val="90000"/>
+        <a:tint val="40000"/>
+      </a:schemeClr>
+    </dgm:fillClrLst>
+    <dgm:linClrLst meth="repeat">
+      <a:schemeClr val="accent1">
+        <a:alpha val="90000"/>
+        <a:tint val="40000"/>
+      </a:schemeClr>
+    </dgm:linClrLst>
+    <dgm:effectClrLst/>
+    <dgm:txLinClrLst/>
+    <dgm:txFillClrLst meth="repeat">
+      <a:schemeClr val="dk1"/>
+    </dgm:txFillClrLst>
+    <dgm:txEffectClrLst/>
+  </dgm:styleLbl>
+  <dgm:styleLbl name="fgAcc0">
+    <dgm:fillClrLst meth="repeat">
+      <a:schemeClr val="lt1">
+        <a:alpha val="90000"/>
+      </a:schemeClr>
+    </dgm:fillClrLst>
+    <dgm:linClrLst meth="repeat">
+      <a:schemeClr val="accent1"/>
+    </dgm:linClrLst>
+    <dgm:effectClrLst/>
+    <dgm:txLinClrLst/>
+    <dgm:txFillClrLst meth="repeat">
+      <a:schemeClr val="dk1"/>
+    </dgm:txFillClrLst>
+    <dgm:txEffectClrLst/>
+  </dgm:styleLbl>
+  <dgm:styleLbl name="fgAcc2">
+    <dgm:fillClrLst meth="repeat">
+      <a:schemeClr val="lt1">
+        <a:alpha val="90000"/>
+      </a:schemeClr>
+    </dgm:fillClrLst>
+    <dgm:linClrLst meth="repeat">
+      <a:schemeClr val="accent1"/>
+    </dgm:linClrLst>
+    <dgm:effectClrLst/>
+    <dgm:txLinClrLst/>
+    <dgm:txFillClrLst meth="repeat">
+      <a:schemeClr val="dk1"/>
+    </dgm:txFillClrLst>
+    <dgm:txEffectClrLst/>
+  </dgm:styleLbl>
+  <dgm:styleLbl name="fgAcc3">
+    <dgm:fillClrLst meth="repeat">
+      <a:schemeClr val="lt1">
+        <a:alpha val="90000"/>
+      </a:schemeClr>
+    </dgm:fillClrLst>
+    <dgm:linClrLst meth="repeat">
+      <a:schemeClr val="accent1"/>
+    </dgm:linClrLst>
+    <dgm:effectClrLst/>
+    <dgm:txLinClrLst/>
+    <dgm:txFillClrLst meth="repeat">
+      <a:schemeClr val="dk1"/>
+    </dgm:txFillClrLst>
+    <dgm:txEffectClrLst/>
+  </dgm:styleLbl>
+  <dgm:styleLbl name="fgAcc4">
+    <dgm:fillClrLst meth="repeat">
+      <a:schemeClr val="lt1">
+        <a:alpha val="90000"/>
+      </a:schemeClr>
+    </dgm:fillClrLst>
+    <dgm:linClrLst meth="repeat">
+      <a:schemeClr val="accent1"/>
+    </dgm:linClrLst>
+    <dgm:effectClrLst/>
+    <dgm:txLinClrLst/>
+    <dgm:txFillClrLst meth="repeat">
+      <a:schemeClr val="dk1"/>
+    </dgm:txFillClrLst>
+    <dgm:txEffectClrLst/>
+  </dgm:styleLbl>
+  <dgm:styleLbl name="bgShp">
+    <dgm:fillClrLst meth="repeat">
+      <a:schemeClr val="accent1">
+        <a:tint val="40000"/>
+      </a:schemeClr>
+    </dgm:fillClrLst>
+    <dgm:linClrLst meth="repeat">
+      <a:schemeClr val="accent1"/>
+    </dgm:linClrLst>
+    <dgm:effectClrLst/>
+    <dgm:txLinClrLst/>
+    <dgm:txFillClrLst meth="repeat">
+      <a:schemeClr val="dk1"/>
+    </dgm:txFillClrLst>
+    <dgm:txEffectClrLst/>
+  </dgm:styleLbl>
+  <dgm:styleLbl name="dkBgShp">
+    <dgm:fillClrLst meth="repeat">
+      <a:schemeClr val="accent1">
+        <a:shade val="80000"/>
+      </a:schemeClr>
+    </dgm:fillClrLst>
+    <dgm:linClrLst meth="repeat">
+      <a:schemeClr val="accent1"/>
+    </dgm:linClrLst>
+    <dgm:effectClrLst/>
+    <dgm:txLinClrLst/>
+    <dgm:txFillClrLst meth="repeat">
+      <a:schemeClr val="lt1"/>
+    </dgm:txFillClrLst>
+    <dgm:txEffectClrLst/>
+  </dgm:styleLbl>
+  <dgm:styleLbl name="trBgShp">
+    <dgm:fillClrLst meth="repeat">
+      <a:schemeClr val="accent1">
+        <a:tint val="50000"/>
+        <a:alpha val="40000"/>
+      </a:schemeClr>
+    </dgm:fillClrLst>
+    <dgm:linClrLst meth="repeat">
+      <a:schemeClr val="accent1"/>
+    </dgm:linClrLst>
+    <dgm:effectClrLst/>
+    <dgm:txLinClrLst/>
+    <dgm:txFillClrLst meth="repeat">
+      <a:schemeClr val="lt1"/>
+    </dgm:txFillClrLst>
+    <dgm:txEffectClrLst/>
+  </dgm:styleLbl>
+  <dgm:styleLbl name="fgShp">
+    <dgm:fillClrLst meth="repeat">
+      <a:schemeClr val="accent1">
+        <a:tint val="60000"/>
+      </a:schemeClr>
+    </dgm:fillClrLst>
+    <dgm:linClrLst meth="repeat">
+      <a:schemeClr val="lt1"/>
+    </dgm:linClrLst>
+    <dgm:effectClrLst/>
+    <dgm:txLinClrLst/>
+    <dgm:txFillClrLst meth="repeat">
+      <a:schemeClr val="dk1"/>
+    </dgm:txFillClrLst>
+    <dgm:txEffectClrLst/>
+  </dgm:styleLbl>
+  <dgm:styleLbl name="revTx">
+    <dgm:fillClrLst meth="repeat">
+      <a:schemeClr val="lt1">
+        <a:alpha val="0"/>
+      </a:schemeClr>
+    </dgm:fillClrLst>
+    <dgm:linClrLst meth="repeat">
+      <a:schemeClr val="dk1">
+        <a:alpha val="0"/>
+      </a:schemeClr>
+    </dgm:linClrLst>
+    <dgm:effectClrLst/>
+    <dgm:txLinClrLst/>
+    <dgm:txFillClrLst meth="repeat">
+      <a:schemeClr val="tx1"/>
+    </dgm:txFillClrLst>
+    <dgm:txEffectClrLst/>
+  </dgm:styleLbl>
+</dgm:colorsDef>
+</file>
+
+<file path=ppt/diagrams/data1.xml><?xml version="1.0" encoding="utf-8"?>
+<dgm:dataModel xmlns:dgm="http://schemas.openxmlformats.org/drawingml/2006/diagram" xmlns:a="http://schemas.openxmlformats.org/drawingml/2006/main">
+  <dgm:ptLst>
+    <dgm:pt modelId="{BC6DDA23-9483-9E44-A253-ED42E2F8CF81}" type="doc">
+      <dgm:prSet loTypeId="urn:microsoft.com/office/officeart/2005/8/layout/hierarchy3" loCatId="" qsTypeId="urn:microsoft.com/office/officeart/2005/8/quickstyle/simple1" qsCatId="simple" csTypeId="urn:microsoft.com/office/officeart/2005/8/colors/accent1_2" csCatId="accent1" phldr="1"/>
+      <dgm:spPr/>
+      <dgm:t>
+        <a:bodyPr/>
+        <a:lstStyle/>
+        <a:p>
+          <a:endParaRPr lang="en-US"/>
+        </a:p>
+      </dgm:t>
+    </dgm:pt>
+    <dgm:pt modelId="{7C0D8BF0-1B2E-9C42-B1DE-7A8A6B4D5354}">
+      <dgm:prSet phldrT="[Text]"/>
+      <dgm:spPr/>
+      <dgm:t>
+        <a:bodyPr/>
+        <a:lstStyle/>
+        <a:p>
+          <a:r>
+            <a:rPr lang="en-US" dirty="0" smtClean="0">
+              <a:latin typeface="Arial" charset="0"/>
+              <a:ea typeface="Arial" charset="0"/>
+              <a:cs typeface="Arial" charset="0"/>
+            </a:rPr>
+            <a:t>Simplification</a:t>
+          </a:r>
+          <a:endParaRPr lang="en-US" dirty="0">
+            <a:latin typeface="Arial" charset="0"/>
+            <a:ea typeface="Arial" charset="0"/>
+            <a:cs typeface="Arial" charset="0"/>
+          </a:endParaRPr>
+        </a:p>
+      </dgm:t>
+    </dgm:pt>
+    <dgm:pt modelId="{C048261D-ABF8-6744-9C60-7A40058B8D4E}" type="parTrans" cxnId="{82DD100E-AB05-5F40-9F73-68AA402CCCDB}">
+      <dgm:prSet/>
+      <dgm:spPr/>
+      <dgm:t>
+        <a:bodyPr/>
+        <a:lstStyle/>
+        <a:p>
+          <a:endParaRPr lang="en-US"/>
+        </a:p>
+      </dgm:t>
+    </dgm:pt>
+    <dgm:pt modelId="{72F33744-5EDD-8948-A100-A0873804437B}" type="sibTrans" cxnId="{82DD100E-AB05-5F40-9F73-68AA402CCCDB}">
+      <dgm:prSet/>
+      <dgm:spPr/>
+      <dgm:t>
+        <a:bodyPr/>
+        <a:lstStyle/>
+        <a:p>
+          <a:endParaRPr lang="en-US"/>
+        </a:p>
+      </dgm:t>
+    </dgm:pt>
+    <dgm:pt modelId="{DEB1BB08-DB14-F449-AABA-61D8B4638A0E}">
+      <dgm:prSet phldrT="[Text]"/>
+      <dgm:spPr/>
+      <dgm:t>
+        <a:bodyPr/>
+        <a:lstStyle/>
+        <a:p>
+          <a:r>
+            <a:rPr lang="en-US" dirty="0" smtClean="0">
+              <a:latin typeface="Arial" charset="0"/>
+              <a:ea typeface="Arial" charset="0"/>
+              <a:cs typeface="Arial" charset="0"/>
+            </a:rPr>
+            <a:t>Social Roles</a:t>
+          </a:r>
+          <a:endParaRPr lang="en-US" dirty="0">
+            <a:latin typeface="Arial" charset="0"/>
+            <a:ea typeface="Arial" charset="0"/>
+            <a:cs typeface="Arial" charset="0"/>
+          </a:endParaRPr>
+        </a:p>
+      </dgm:t>
+    </dgm:pt>
+    <dgm:pt modelId="{F7262678-F0B3-E847-91E2-C462D47B1028}">
+      <dgm:prSet phldrT="[Text]"/>
+      <dgm:spPr/>
+      <dgm:t>
+        <a:bodyPr/>
+        <a:lstStyle/>
+        <a:p>
+          <a:r>
+            <a:rPr lang="en-US" dirty="0" smtClean="0">
+              <a:latin typeface="Arial" charset="0"/>
+              <a:ea typeface="Arial" charset="0"/>
+              <a:cs typeface="Arial" charset="0"/>
+            </a:rPr>
+            <a:t>Social Dynamics</a:t>
+          </a:r>
+          <a:endParaRPr lang="en-US" dirty="0">
+            <a:latin typeface="Arial" charset="0"/>
+            <a:ea typeface="Arial" charset="0"/>
+            <a:cs typeface="Arial" charset="0"/>
+          </a:endParaRPr>
+        </a:p>
+      </dgm:t>
+    </dgm:pt>
+    <dgm:pt modelId="{FF0DD8F4-A3A1-7F4D-92EF-4747C16CB7A0}">
+      <dgm:prSet phldrT="[Text]"/>
+      <dgm:spPr/>
+      <dgm:t>
+        <a:bodyPr/>
+        <a:lstStyle/>
+        <a:p>
+          <a:r>
+            <a:rPr lang="en-US" dirty="0" smtClean="0">
+              <a:latin typeface="Arial" charset="0"/>
+              <a:ea typeface="Arial" charset="0"/>
+              <a:cs typeface="Arial" charset="0"/>
+            </a:rPr>
+            <a:t>Psychological</a:t>
+          </a:r>
+        </a:p>
+      </dgm:t>
+    </dgm:pt>
+    <dgm:pt modelId="{A7DB3D77-581B-F344-9CC2-70F3A74E6292}">
+      <dgm:prSet phldrT="[Text]"/>
+      <dgm:spPr/>
+      <dgm:t>
+        <a:bodyPr/>
+        <a:lstStyle/>
+        <a:p>
+          <a:r>
+            <a:rPr lang="en-US" dirty="0" smtClean="0">
+              <a:latin typeface="Arial" charset="0"/>
+              <a:ea typeface="Arial" charset="0"/>
+              <a:cs typeface="Arial" charset="0"/>
+            </a:rPr>
+            <a:t>Language</a:t>
+          </a:r>
+          <a:endParaRPr lang="en-US" dirty="0">
+            <a:latin typeface="Arial" charset="0"/>
+            <a:ea typeface="Arial" charset="0"/>
+            <a:cs typeface="Arial" charset="0"/>
+          </a:endParaRPr>
+        </a:p>
+      </dgm:t>
+    </dgm:pt>
+    <dgm:pt modelId="{358DEE03-0A7E-AC4A-869D-DC6AA9128949}">
+      <dgm:prSet phldrT="[Text]"/>
+      <dgm:spPr/>
+      <dgm:t>
+        <a:bodyPr/>
+        <a:lstStyle/>
+        <a:p>
+          <a:r>
+            <a:rPr lang="en-US" dirty="0" smtClean="0">
+              <a:latin typeface="Arial" charset="0"/>
+              <a:ea typeface="Arial" charset="0"/>
+              <a:cs typeface="Arial" charset="0"/>
+            </a:rPr>
+            <a:t>Physical</a:t>
+          </a:r>
+          <a:endParaRPr lang="en-US" dirty="0">
+            <a:latin typeface="Arial" charset="0"/>
+            <a:ea typeface="Arial" charset="0"/>
+            <a:cs typeface="Arial" charset="0"/>
+          </a:endParaRPr>
+        </a:p>
+      </dgm:t>
+    </dgm:pt>
+    <dgm:pt modelId="{04F82EDC-2A5D-9048-92F7-6DF3B4CF1BED}">
+      <dgm:prSet phldrT="[Text]"/>
+      <dgm:spPr/>
+      <dgm:t>
+        <a:bodyPr/>
+        <a:lstStyle/>
+        <a:p>
+          <a:r>
+            <a:rPr lang="en-US" dirty="0" smtClean="0">
+              <a:latin typeface="Arial" charset="0"/>
+              <a:ea typeface="Arial" charset="0"/>
+              <a:cs typeface="Arial" charset="0"/>
+            </a:rPr>
+            <a:t>Social Interactions</a:t>
+          </a:r>
+          <a:endParaRPr lang="en-US" dirty="0">
+            <a:latin typeface="Arial" charset="0"/>
+            <a:ea typeface="Arial" charset="0"/>
+            <a:cs typeface="Arial" charset="0"/>
+          </a:endParaRPr>
+        </a:p>
+      </dgm:t>
+    </dgm:pt>
+    <dgm:pt modelId="{83CB27F0-C95D-8F4D-A211-C8220B7FB3F7}" type="sibTrans" cxnId="{E473B57C-702F-A34B-A341-BF97769A8A6E}">
+      <dgm:prSet/>
+      <dgm:spPr/>
+      <dgm:t>
+        <a:bodyPr/>
+        <a:lstStyle/>
+        <a:p>
+          <a:endParaRPr lang="en-US"/>
+        </a:p>
+      </dgm:t>
+    </dgm:pt>
+    <dgm:pt modelId="{B9E429C9-68EF-1E47-8843-F5FAEC922C39}" type="parTrans" cxnId="{E473B57C-702F-A34B-A341-BF97769A8A6E}">
+      <dgm:prSet/>
+      <dgm:spPr/>
+      <dgm:t>
+        <a:bodyPr/>
+        <a:lstStyle/>
+        <a:p>
+          <a:endParaRPr lang="en-US"/>
+        </a:p>
+      </dgm:t>
+    </dgm:pt>
+    <dgm:pt modelId="{741494C1-4459-6E4C-873D-12A7B07E5604}" type="sibTrans" cxnId="{7FF8FF3E-D587-A148-849F-AFF7A12D6A89}">
+      <dgm:prSet/>
+      <dgm:spPr/>
+      <dgm:t>
+        <a:bodyPr/>
+        <a:lstStyle/>
+        <a:p>
+          <a:endParaRPr lang="en-US"/>
+        </a:p>
+      </dgm:t>
+    </dgm:pt>
+    <dgm:pt modelId="{C80069DB-A433-7B44-A9CD-A5C1463A949A}" type="parTrans" cxnId="{7FF8FF3E-D587-A148-849F-AFF7A12D6A89}">
+      <dgm:prSet/>
+      <dgm:spPr/>
+      <dgm:t>
+        <a:bodyPr/>
+        <a:lstStyle/>
+        <a:p>
+          <a:endParaRPr lang="en-US">
+            <a:latin typeface="Arial" charset="0"/>
+            <a:ea typeface="Arial" charset="0"/>
+            <a:cs typeface="Arial" charset="0"/>
+          </a:endParaRPr>
+        </a:p>
+      </dgm:t>
+    </dgm:pt>
+    <dgm:pt modelId="{C665ED9D-915C-9345-836A-A526541A81BA}" type="sibTrans" cxnId="{26A688BB-198D-3D46-AE4F-DA0353D5255C}">
+      <dgm:prSet/>
+      <dgm:spPr/>
+      <dgm:t>
+        <a:bodyPr/>
+        <a:lstStyle/>
+        <a:p>
+          <a:endParaRPr lang="en-US"/>
+        </a:p>
+      </dgm:t>
+    </dgm:pt>
+    <dgm:pt modelId="{36C2DADC-8EF2-2349-A877-35538701350B}" type="parTrans" cxnId="{26A688BB-198D-3D46-AE4F-DA0353D5255C}">
+      <dgm:prSet/>
+      <dgm:spPr/>
+      <dgm:t>
+        <a:bodyPr/>
+        <a:lstStyle/>
+        <a:p>
+          <a:endParaRPr lang="en-US">
+            <a:latin typeface="Arial" charset="0"/>
+            <a:ea typeface="Arial" charset="0"/>
+            <a:cs typeface="Arial" charset="0"/>
+          </a:endParaRPr>
+        </a:p>
+      </dgm:t>
+    </dgm:pt>
+    <dgm:pt modelId="{126AF306-37FE-1545-AD4B-3A5CCF2AF11F}" type="sibTrans" cxnId="{04CA7BF9-4FB2-8949-8387-4AEC96B9324F}">
+      <dgm:prSet/>
+      <dgm:spPr/>
+      <dgm:t>
+        <a:bodyPr/>
+        <a:lstStyle/>
+        <a:p>
+          <a:endParaRPr lang="en-US"/>
+        </a:p>
+      </dgm:t>
+    </dgm:pt>
+    <dgm:pt modelId="{0F64DF61-8EA3-3B43-8796-3B0532B6DD9C}" type="parTrans" cxnId="{04CA7BF9-4FB2-8949-8387-4AEC96B9324F}">
+      <dgm:prSet/>
+      <dgm:spPr/>
+      <dgm:t>
+        <a:bodyPr/>
+        <a:lstStyle/>
+        <a:p>
+          <a:endParaRPr lang="en-US">
+            <a:latin typeface="Arial" charset="0"/>
+            <a:ea typeface="Arial" charset="0"/>
+            <a:cs typeface="Arial" charset="0"/>
+          </a:endParaRPr>
+        </a:p>
+      </dgm:t>
+    </dgm:pt>
+    <dgm:pt modelId="{51D39AEF-9346-C546-B3F3-EB9BAE6BBC07}" type="sibTrans" cxnId="{8773377E-2582-C442-B52D-66501625A158}">
+      <dgm:prSet/>
+      <dgm:spPr/>
+      <dgm:t>
+        <a:bodyPr/>
+        <a:lstStyle/>
+        <a:p>
+          <a:endParaRPr lang="en-US"/>
+        </a:p>
+      </dgm:t>
+    </dgm:pt>
+    <dgm:pt modelId="{4C41D731-391C-F344-B709-0D5C62528594}" type="parTrans" cxnId="{8773377E-2582-C442-B52D-66501625A158}">
+      <dgm:prSet/>
+      <dgm:spPr/>
+      <dgm:t>
+        <a:bodyPr/>
+        <a:lstStyle/>
+        <a:p>
+          <a:endParaRPr lang="en-US">
+            <a:latin typeface="Arial" charset="0"/>
+            <a:ea typeface="Arial" charset="0"/>
+            <a:cs typeface="Arial" charset="0"/>
+          </a:endParaRPr>
+        </a:p>
+      </dgm:t>
+    </dgm:pt>
+    <dgm:pt modelId="{A0015D0D-FAAD-4D49-8C8A-20540E56B794}" type="sibTrans" cxnId="{9367E664-81F0-0A47-AC84-E5C5CBE76A1E}">
+      <dgm:prSet/>
+      <dgm:spPr/>
+      <dgm:t>
+        <a:bodyPr/>
+        <a:lstStyle/>
+        <a:p>
+          <a:endParaRPr lang="en-US"/>
+        </a:p>
+      </dgm:t>
+    </dgm:pt>
+    <dgm:pt modelId="{DE09F620-CC00-EE45-AE29-E8C39B3B4D5A}" type="parTrans" cxnId="{9367E664-81F0-0A47-AC84-E5C5CBE76A1E}">
+      <dgm:prSet/>
+      <dgm:spPr/>
+      <dgm:t>
+        <a:bodyPr/>
+        <a:lstStyle/>
+        <a:p>
+          <a:endParaRPr lang="en-US">
+            <a:latin typeface="Arial" charset="0"/>
+            <a:ea typeface="Arial" charset="0"/>
+            <a:cs typeface="Arial" charset="0"/>
+          </a:endParaRPr>
+        </a:p>
+      </dgm:t>
+    </dgm:pt>
+    <dgm:pt modelId="{054CCF4E-70B4-3540-BC71-40311AEB9B94}">
+      <dgm:prSet phldrT="[Text]"/>
+      <dgm:spPr/>
+      <dgm:t>
+        <a:bodyPr/>
+        <a:lstStyle/>
+        <a:p>
+          <a:r>
+            <a:rPr lang="en-US" dirty="0" smtClean="0">
+              <a:latin typeface="Arial" charset="0"/>
+              <a:ea typeface="Arial" charset="0"/>
+              <a:cs typeface="Arial" charset="0"/>
+            </a:rPr>
+            <a:t>Conditioning</a:t>
+          </a:r>
+          <a:endParaRPr lang="en-US" dirty="0">
+            <a:latin typeface="Arial" charset="0"/>
+            <a:ea typeface="Arial" charset="0"/>
+            <a:cs typeface="Arial" charset="0"/>
+          </a:endParaRPr>
+        </a:p>
+      </dgm:t>
+    </dgm:pt>
+    <dgm:pt modelId="{C0FBEB39-43F6-2D4B-B2EA-C02C019D2C14}">
+      <dgm:prSet phldrT="[Text]"/>
+      <dgm:spPr/>
+      <dgm:t>
+        <a:bodyPr/>
+        <a:lstStyle/>
+        <a:p>
+          <a:r>
+            <a:rPr lang="en-US" dirty="0" smtClean="0">
+              <a:latin typeface="Arial" charset="0"/>
+              <a:ea typeface="Arial" charset="0"/>
+              <a:cs typeface="Arial" charset="0"/>
+            </a:rPr>
+            <a:t>Conditioning</a:t>
+          </a:r>
+          <a:endParaRPr lang="en-US" dirty="0">
+            <a:latin typeface="Arial" charset="0"/>
+            <a:ea typeface="Arial" charset="0"/>
+            <a:cs typeface="Arial" charset="0"/>
+          </a:endParaRPr>
+        </a:p>
+      </dgm:t>
+    </dgm:pt>
+    <dgm:pt modelId="{EB4125C3-E716-404A-8B4C-B49C28208BCF}" type="sibTrans" cxnId="{2893F525-4D74-7745-A1F1-681C03ADF84C}">
+      <dgm:prSet/>
+      <dgm:spPr/>
+      <dgm:t>
+        <a:bodyPr/>
+        <a:lstStyle/>
+        <a:p>
+          <a:endParaRPr lang="en-US"/>
+        </a:p>
+      </dgm:t>
+    </dgm:pt>
+    <dgm:pt modelId="{787B37BE-262F-414B-A0D5-400A003D85B9}" type="parTrans" cxnId="{2893F525-4D74-7745-A1F1-681C03ADF84C}">
+      <dgm:prSet/>
+      <dgm:spPr/>
+      <dgm:t>
+        <a:bodyPr/>
+        <a:lstStyle/>
+        <a:p>
+          <a:endParaRPr lang="en-US"/>
+        </a:p>
+      </dgm:t>
+    </dgm:pt>
+    <dgm:pt modelId="{24EFCFF7-D6C6-0F44-AE0F-E5768EE2F0C1}" type="sibTrans" cxnId="{23D2C9C7-5A51-E140-84E2-A74C0B99F82D}">
+      <dgm:prSet/>
+      <dgm:spPr/>
+      <dgm:t>
+        <a:bodyPr/>
+        <a:lstStyle/>
+        <a:p>
+          <a:endParaRPr lang="en-US"/>
+        </a:p>
+      </dgm:t>
+    </dgm:pt>
+    <dgm:pt modelId="{B59F56B3-7B31-1A4E-839A-7F833E434F0F}" type="parTrans" cxnId="{23D2C9C7-5A51-E140-84E2-A74C0B99F82D}">
+      <dgm:prSet/>
+      <dgm:spPr/>
+      <dgm:t>
+        <a:bodyPr/>
+        <a:lstStyle/>
+        <a:p>
+          <a:endParaRPr lang="en-US">
+            <a:latin typeface="Arial" charset="0"/>
+            <a:ea typeface="Arial" charset="0"/>
+            <a:cs typeface="Arial" charset="0"/>
+          </a:endParaRPr>
+        </a:p>
+      </dgm:t>
+    </dgm:pt>
+    <dgm:pt modelId="{1AE0A7A6-61E8-B84F-8577-D399BE5FAA9A}">
+      <dgm:prSet phldrT="[Text]"/>
+      <dgm:spPr/>
+      <dgm:t>
+        <a:bodyPr/>
+        <a:lstStyle/>
+        <a:p>
+          <a:r>
+            <a:rPr lang="en-US" dirty="0" smtClean="0">
+              <a:latin typeface="Arial" charset="0"/>
+              <a:ea typeface="Arial" charset="0"/>
+              <a:cs typeface="Arial" charset="0"/>
+            </a:rPr>
+            <a:t>Surveillance</a:t>
+          </a:r>
+          <a:endParaRPr lang="en-US" dirty="0">
+            <a:latin typeface="Arial" charset="0"/>
+            <a:ea typeface="Arial" charset="0"/>
+            <a:cs typeface="Arial" charset="0"/>
+          </a:endParaRPr>
+        </a:p>
+      </dgm:t>
+    </dgm:pt>
+    <dgm:pt modelId="{54DF901E-EE87-284A-B53B-C2EA2D130DFF}">
+      <dgm:prSet phldrT="[Text]"/>
+      <dgm:spPr/>
+      <dgm:t>
+        <a:bodyPr/>
+        <a:lstStyle/>
+        <a:p>
+          <a:r>
+            <a:rPr lang="en-US" dirty="0" smtClean="0">
+              <a:latin typeface="Arial" charset="0"/>
+              <a:ea typeface="Arial" charset="0"/>
+              <a:cs typeface="Arial" charset="0"/>
+            </a:rPr>
+            <a:t>Self-monitoring</a:t>
+          </a:r>
+          <a:endParaRPr lang="en-US" dirty="0">
+            <a:latin typeface="Arial" charset="0"/>
+            <a:ea typeface="Arial" charset="0"/>
+            <a:cs typeface="Arial" charset="0"/>
+          </a:endParaRPr>
+        </a:p>
+      </dgm:t>
+    </dgm:pt>
+    <dgm:pt modelId="{F57D6CF8-3DDD-3240-A719-66296F11108D}">
+      <dgm:prSet phldrT="[Text]"/>
+      <dgm:spPr/>
+      <dgm:t>
+        <a:bodyPr/>
+        <a:lstStyle/>
+        <a:p>
+          <a:r>
+            <a:rPr lang="en-US" dirty="0" smtClean="0">
+              <a:latin typeface="Arial" charset="0"/>
+              <a:ea typeface="Arial" charset="0"/>
+              <a:cs typeface="Arial" charset="0"/>
+            </a:rPr>
+            <a:t>Monitoring</a:t>
+          </a:r>
+          <a:endParaRPr lang="en-US" dirty="0">
+            <a:latin typeface="Arial" charset="0"/>
+            <a:ea typeface="Arial" charset="0"/>
+            <a:cs typeface="Arial" charset="0"/>
+          </a:endParaRPr>
+        </a:p>
+      </dgm:t>
+    </dgm:pt>
+    <dgm:pt modelId="{F0557E8E-EA53-FC44-89B8-F4EB12823C83}" type="sibTrans" cxnId="{8536D252-9141-FD4D-90BD-FB81E6102964}">
+      <dgm:prSet/>
+      <dgm:spPr/>
+      <dgm:t>
+        <a:bodyPr/>
+        <a:lstStyle/>
+        <a:p>
+          <a:endParaRPr lang="en-US"/>
+        </a:p>
+      </dgm:t>
+    </dgm:pt>
+    <dgm:pt modelId="{9F5A5ED1-1023-ED4F-863F-A1DC37A7525A}" type="parTrans" cxnId="{8536D252-9141-FD4D-90BD-FB81E6102964}">
+      <dgm:prSet/>
+      <dgm:spPr/>
+      <dgm:t>
+        <a:bodyPr/>
+        <a:lstStyle/>
+        <a:p>
+          <a:endParaRPr lang="en-US"/>
+        </a:p>
+      </dgm:t>
+    </dgm:pt>
+    <dgm:pt modelId="{F0C0DDB3-C1D5-D341-A969-A365927E9C81}" type="sibTrans" cxnId="{15CBDDCD-DB8A-3F45-B9CC-231365AB5691}">
+      <dgm:prSet/>
+      <dgm:spPr/>
+      <dgm:t>
+        <a:bodyPr/>
+        <a:lstStyle/>
+        <a:p>
+          <a:endParaRPr lang="en-US"/>
+        </a:p>
+      </dgm:t>
+    </dgm:pt>
+    <dgm:pt modelId="{5FFA7C77-8647-5442-BFFE-D077D368AD5B}" type="parTrans" cxnId="{15CBDDCD-DB8A-3F45-B9CC-231365AB5691}">
+      <dgm:prSet/>
+      <dgm:spPr/>
+      <dgm:t>
+        <a:bodyPr/>
+        <a:lstStyle/>
+        <a:p>
+          <a:endParaRPr lang="en-US">
+            <a:latin typeface="Arial" charset="0"/>
+            <a:ea typeface="Arial" charset="0"/>
+            <a:cs typeface="Arial" charset="0"/>
+          </a:endParaRPr>
+        </a:p>
+      </dgm:t>
+    </dgm:pt>
+    <dgm:pt modelId="{3A5DC72C-3C7A-204C-9B5F-F7393619AD56}" type="sibTrans" cxnId="{2E55F73C-EB82-4E43-9A96-4416D59CCE14}">
+      <dgm:prSet/>
+      <dgm:spPr/>
+      <dgm:t>
+        <a:bodyPr/>
+        <a:lstStyle/>
+        <a:p>
+          <a:endParaRPr lang="en-US"/>
+        </a:p>
+      </dgm:t>
+    </dgm:pt>
+    <dgm:pt modelId="{BA7264F2-3357-6442-A701-3E23FA5074D3}" type="parTrans" cxnId="{2E55F73C-EB82-4E43-9A96-4416D59CCE14}">
+      <dgm:prSet/>
+      <dgm:spPr/>
+      <dgm:t>
+        <a:bodyPr/>
+        <a:lstStyle/>
+        <a:p>
+          <a:endParaRPr lang="en-US">
+            <a:latin typeface="Arial" charset="0"/>
+            <a:ea typeface="Arial" charset="0"/>
+            <a:cs typeface="Arial" charset="0"/>
+          </a:endParaRPr>
+        </a:p>
+      </dgm:t>
+    </dgm:pt>
+    <dgm:pt modelId="{08F59E6A-7C2C-2448-B39E-34A29338DD88}">
+      <dgm:prSet phldrT="[Text]"/>
+      <dgm:spPr/>
+      <dgm:t>
+        <a:bodyPr/>
+        <a:lstStyle/>
+        <a:p>
+          <a:r>
+            <a:rPr lang="en-US" dirty="0" smtClean="0">
+              <a:latin typeface="Arial" charset="0"/>
+              <a:ea typeface="Arial" charset="0"/>
+              <a:cs typeface="Arial" charset="0"/>
+            </a:rPr>
+            <a:t>Suggestion</a:t>
+          </a:r>
+          <a:endParaRPr lang="en-US" dirty="0">
+            <a:latin typeface="Arial" charset="0"/>
+            <a:ea typeface="Arial" charset="0"/>
+            <a:cs typeface="Arial" charset="0"/>
+          </a:endParaRPr>
+        </a:p>
+      </dgm:t>
+    </dgm:pt>
+    <dgm:pt modelId="{65F289E9-3AD2-3849-BA08-81187B8F3D03}">
+      <dgm:prSet phldrT="[Text]"/>
+      <dgm:spPr/>
+      <dgm:t>
+        <a:bodyPr/>
+        <a:lstStyle/>
+        <a:p>
+          <a:r>
+            <a:rPr lang="en-US" dirty="0" smtClean="0">
+              <a:latin typeface="Arial" charset="0"/>
+              <a:ea typeface="Arial" charset="0"/>
+              <a:cs typeface="Arial" charset="0"/>
+            </a:rPr>
+            <a:t>Tailoring</a:t>
+          </a:r>
+          <a:endParaRPr lang="en-US" dirty="0">
+            <a:latin typeface="Arial" charset="0"/>
+            <a:ea typeface="Arial" charset="0"/>
+            <a:cs typeface="Arial" charset="0"/>
+          </a:endParaRPr>
+        </a:p>
+      </dgm:t>
+    </dgm:pt>
+    <dgm:pt modelId="{C1C92BB9-C43D-E74A-B94A-2C42725A9D0D}">
+      <dgm:prSet phldrT="[Text]"/>
+      <dgm:spPr/>
+      <dgm:t>
+        <a:bodyPr/>
+        <a:lstStyle/>
+        <a:p>
+          <a:r>
+            <a:rPr lang="en-US" dirty="0" smtClean="0">
+              <a:latin typeface="Arial" charset="0"/>
+              <a:ea typeface="Arial" charset="0"/>
+              <a:cs typeface="Arial" charset="0"/>
+            </a:rPr>
+            <a:t>Personalization</a:t>
+          </a:r>
+          <a:endParaRPr lang="en-US" dirty="0">
+            <a:latin typeface="Arial" charset="0"/>
+            <a:ea typeface="Arial" charset="0"/>
+            <a:cs typeface="Arial" charset="0"/>
+          </a:endParaRPr>
+        </a:p>
+      </dgm:t>
+    </dgm:pt>
+    <dgm:pt modelId="{D8FBD9EE-3D88-434A-927E-334376E3E460}" type="sibTrans" cxnId="{3F4D3841-21A9-D343-ACB3-A881BD455F0D}">
+      <dgm:prSet/>
+      <dgm:spPr/>
+      <dgm:t>
+        <a:bodyPr/>
+        <a:lstStyle/>
+        <a:p>
+          <a:endParaRPr lang="en-US"/>
+        </a:p>
+      </dgm:t>
+    </dgm:pt>
+    <dgm:pt modelId="{4BAD7E42-C5E8-3F4A-9E4A-312CC8A65789}" type="parTrans" cxnId="{3F4D3841-21A9-D343-ACB3-A881BD455F0D}">
+      <dgm:prSet/>
+      <dgm:spPr/>
+      <dgm:t>
+        <a:bodyPr/>
+        <a:lstStyle/>
+        <a:p>
+          <a:endParaRPr lang="en-US"/>
+        </a:p>
+      </dgm:t>
+    </dgm:pt>
+    <dgm:pt modelId="{94B02334-A2CB-634C-A34B-8084170EF09D}" type="sibTrans" cxnId="{86C79295-1C5D-8B48-969C-6CAEB4FE7BE1}">
+      <dgm:prSet/>
+      <dgm:spPr/>
+      <dgm:t>
+        <a:bodyPr/>
+        <a:lstStyle/>
+        <a:p>
+          <a:endParaRPr lang="en-US"/>
+        </a:p>
+      </dgm:t>
+    </dgm:pt>
+    <dgm:pt modelId="{1249A159-2E71-5F41-BA68-6749D13324D0}" type="parTrans" cxnId="{86C79295-1C5D-8B48-969C-6CAEB4FE7BE1}">
+      <dgm:prSet/>
+      <dgm:spPr/>
+      <dgm:t>
+        <a:bodyPr/>
+        <a:lstStyle/>
+        <a:p>
+          <a:endParaRPr lang="en-US">
+            <a:latin typeface="Arial" charset="0"/>
+            <a:ea typeface="Arial" charset="0"/>
+            <a:cs typeface="Arial" charset="0"/>
+          </a:endParaRPr>
+        </a:p>
+      </dgm:t>
+    </dgm:pt>
+    <dgm:pt modelId="{A69B70A9-01D3-D64D-BE07-F648853A1367}" type="sibTrans" cxnId="{726C9C16-CD82-BE4C-9674-7AE469A3B127}">
+      <dgm:prSet/>
+      <dgm:spPr/>
+      <dgm:t>
+        <a:bodyPr/>
+        <a:lstStyle/>
+        <a:p>
+          <a:endParaRPr lang="en-US"/>
+        </a:p>
+      </dgm:t>
+    </dgm:pt>
+    <dgm:pt modelId="{34BF130B-9B11-3045-8A09-EDF8256043DA}" type="parTrans" cxnId="{726C9C16-CD82-BE4C-9674-7AE469A3B127}">
+      <dgm:prSet/>
+      <dgm:spPr/>
+      <dgm:t>
+        <a:bodyPr/>
+        <a:lstStyle/>
+        <a:p>
+          <a:endParaRPr lang="en-US">
+            <a:latin typeface="Arial" charset="0"/>
+            <a:ea typeface="Arial" charset="0"/>
+            <a:cs typeface="Arial" charset="0"/>
+          </a:endParaRPr>
+        </a:p>
+      </dgm:t>
+    </dgm:pt>
+    <dgm:pt modelId="{3E96658A-2D49-5C49-A5C5-AD269AA2D717}">
+      <dgm:prSet phldrT="[Text]"/>
+      <dgm:spPr/>
+      <dgm:t>
+        <a:bodyPr/>
+        <a:lstStyle/>
+        <a:p>
+          <a:r>
+            <a:rPr lang="en-US" dirty="0" err="1" smtClean="0">
+              <a:latin typeface="Arial" charset="0"/>
+              <a:ea typeface="Arial" charset="0"/>
+              <a:cs typeface="Arial" charset="0"/>
+            </a:rPr>
+            <a:t>Tunnellng</a:t>
+          </a:r>
+          <a:endParaRPr lang="en-US" dirty="0">
+            <a:latin typeface="Arial" charset="0"/>
+            <a:ea typeface="Arial" charset="0"/>
+            <a:cs typeface="Arial" charset="0"/>
+          </a:endParaRPr>
+        </a:p>
+      </dgm:t>
+    </dgm:pt>
+    <dgm:pt modelId="{F75024CD-5FFA-3C41-93F8-4890386580B6}" type="sibTrans" cxnId="{2FF41404-41C9-B742-AB90-EABADA895FBA}">
+      <dgm:prSet/>
+      <dgm:spPr/>
+      <dgm:t>
+        <a:bodyPr/>
+        <a:lstStyle/>
+        <a:p>
+          <a:endParaRPr lang="en-US"/>
+        </a:p>
+      </dgm:t>
+    </dgm:pt>
+    <dgm:pt modelId="{9C026401-8AD6-9B40-A80F-E4EA815B69FE}" type="parTrans" cxnId="{2FF41404-41C9-B742-AB90-EABADA895FBA}">
+      <dgm:prSet/>
+      <dgm:spPr/>
+      <dgm:t>
+        <a:bodyPr/>
+        <a:lstStyle/>
+        <a:p>
+          <a:endParaRPr lang="en-US">
+            <a:latin typeface="Arial" charset="0"/>
+            <a:ea typeface="Arial" charset="0"/>
+            <a:cs typeface="Arial" charset="0"/>
+          </a:endParaRPr>
+        </a:p>
+      </dgm:t>
+    </dgm:pt>
+    <dgm:pt modelId="{AB653237-3BBA-1C41-990E-60FCF34C6AC4}">
+      <dgm:prSet phldrT="[Text]"/>
+      <dgm:spPr/>
+      <dgm:t>
+        <a:bodyPr/>
+        <a:lstStyle/>
+        <a:p>
+          <a:r>
+            <a:rPr lang="en-US" dirty="0" smtClean="0">
+              <a:latin typeface="Arial" charset="0"/>
+              <a:ea typeface="Arial" charset="0"/>
+              <a:cs typeface="Arial" charset="0"/>
+            </a:rPr>
+            <a:t>Reduction</a:t>
+          </a:r>
+          <a:endParaRPr lang="en-US" dirty="0">
+            <a:latin typeface="Arial" charset="0"/>
+            <a:ea typeface="Arial" charset="0"/>
+            <a:cs typeface="Arial" charset="0"/>
+          </a:endParaRPr>
+        </a:p>
+      </dgm:t>
+    </dgm:pt>
+    <dgm:pt modelId="{80403974-0438-C94B-8515-5FC6D57A64B4}" type="sibTrans" cxnId="{42BFB67C-444E-B542-A3EC-45735C875873}">
+      <dgm:prSet/>
+      <dgm:spPr/>
+      <dgm:t>
+        <a:bodyPr/>
+        <a:lstStyle/>
+        <a:p>
+          <a:endParaRPr lang="en-US"/>
+        </a:p>
+      </dgm:t>
+    </dgm:pt>
+    <dgm:pt modelId="{A0E1E0D7-C8CD-2B48-9915-E3D8C94117B6}" type="parTrans" cxnId="{42BFB67C-444E-B542-A3EC-45735C875873}">
+      <dgm:prSet/>
+      <dgm:spPr/>
+      <dgm:t>
+        <a:bodyPr/>
+        <a:lstStyle/>
+        <a:p>
+          <a:endParaRPr lang="en-US">
+            <a:latin typeface="Arial" charset="0"/>
+            <a:ea typeface="Arial" charset="0"/>
+            <a:cs typeface="Arial" charset="0"/>
+          </a:endParaRPr>
+        </a:p>
+      </dgm:t>
+    </dgm:pt>
+    <dgm:pt modelId="{3D2DCE18-6253-4645-81B2-870C00FE61D8}" type="pres">
+      <dgm:prSet presAssocID="{BC6DDA23-9483-9E44-A253-ED42E2F8CF81}" presName="diagram" presStyleCnt="0">
+        <dgm:presLayoutVars>
+          <dgm:chPref val="1"/>
+          <dgm:dir/>
+          <dgm:animOne val="branch"/>
+          <dgm:animLvl val="lvl"/>
+          <dgm:resizeHandles/>
+        </dgm:presLayoutVars>
+      </dgm:prSet>
+      <dgm:spPr/>
+    </dgm:pt>
+    <dgm:pt modelId="{33BB5BFD-C17B-BE4D-AECB-721DC495074A}" type="pres">
+      <dgm:prSet presAssocID="{7C0D8BF0-1B2E-9C42-B1DE-7A8A6B4D5354}" presName="root" presStyleCnt="0"/>
+      <dgm:spPr/>
+    </dgm:pt>
+    <dgm:pt modelId="{D2200B5A-1281-FF4B-8AD3-2899633E00D8}" type="pres">
+      <dgm:prSet presAssocID="{7C0D8BF0-1B2E-9C42-B1DE-7A8A6B4D5354}" presName="rootComposite" presStyleCnt="0"/>
+      <dgm:spPr/>
+    </dgm:pt>
+    <dgm:pt modelId="{DAF70D7D-7EDA-244E-89B4-D888EF5E7319}" type="pres">
+      <dgm:prSet presAssocID="{7C0D8BF0-1B2E-9C42-B1DE-7A8A6B4D5354}" presName="rootText" presStyleLbl="node1" presStyleIdx="0" presStyleCnt="5"/>
+      <dgm:spPr/>
+      <dgm:t>
+        <a:bodyPr/>
+        <a:lstStyle/>
+        <a:p>
+          <a:endParaRPr lang="en-US"/>
+        </a:p>
+      </dgm:t>
+    </dgm:pt>
+    <dgm:pt modelId="{E60E6935-DC36-C74F-B8A3-DBDB4675306D}" type="pres">
+      <dgm:prSet presAssocID="{7C0D8BF0-1B2E-9C42-B1DE-7A8A6B4D5354}" presName="rootConnector" presStyleLbl="node1" presStyleIdx="0" presStyleCnt="5"/>
+      <dgm:spPr/>
+    </dgm:pt>
+    <dgm:pt modelId="{579E66C3-A003-9F4E-ACD9-EF036349B03C}" type="pres">
+      <dgm:prSet presAssocID="{7C0D8BF0-1B2E-9C42-B1DE-7A8A6B4D5354}" presName="childShape" presStyleCnt="0"/>
+      <dgm:spPr/>
+    </dgm:pt>
+    <dgm:pt modelId="{868E81A1-D01B-D04B-A716-CDFF6029B37B}" type="pres">
+      <dgm:prSet presAssocID="{A0E1E0D7-C8CD-2B48-9915-E3D8C94117B6}" presName="Name13" presStyleLbl="parChTrans1D2" presStyleIdx="0" presStyleCnt="12"/>
+      <dgm:spPr/>
+    </dgm:pt>
+    <dgm:pt modelId="{DAF06F7F-6DD6-654A-A6BA-9EAAAC68791B}" type="pres">
+      <dgm:prSet presAssocID="{AB653237-3BBA-1C41-990E-60FCF34C6AC4}" presName="childText" presStyleLbl="bgAcc1" presStyleIdx="0" presStyleCnt="12">
+        <dgm:presLayoutVars>
+          <dgm:bulletEnabled val="1"/>
+        </dgm:presLayoutVars>
+      </dgm:prSet>
+      <dgm:spPr/>
+      <dgm:t>
+        <a:bodyPr/>
+        <a:lstStyle/>
+        <a:p>
+          <a:endParaRPr lang="en-US"/>
+        </a:p>
+      </dgm:t>
+    </dgm:pt>
+    <dgm:pt modelId="{425ADCAB-5AEE-654D-A16F-9EC7D39403DE}" type="pres">
+      <dgm:prSet presAssocID="{9C026401-8AD6-9B40-A80F-E4EA815B69FE}" presName="Name13" presStyleLbl="parChTrans1D2" presStyleIdx="1" presStyleCnt="12"/>
+      <dgm:spPr/>
+    </dgm:pt>
+    <dgm:pt modelId="{EACE30C1-74D4-0D4B-8FB6-99C2A1EB92E0}" type="pres">
+      <dgm:prSet presAssocID="{3E96658A-2D49-5C49-A5C5-AD269AA2D717}" presName="childText" presStyleLbl="bgAcc1" presStyleIdx="1" presStyleCnt="12">
+        <dgm:presLayoutVars>
+          <dgm:bulletEnabled val="1"/>
+        </dgm:presLayoutVars>
+      </dgm:prSet>
+      <dgm:spPr/>
+      <dgm:t>
+        <a:bodyPr/>
+        <a:lstStyle/>
+        <a:p>
+          <a:endParaRPr lang="en-US"/>
+        </a:p>
+      </dgm:t>
+    </dgm:pt>
+    <dgm:pt modelId="{7966823E-626A-C043-A804-810EE4CE66A1}" type="pres">
+      <dgm:prSet presAssocID="{C1C92BB9-C43D-E74A-B94A-2C42725A9D0D}" presName="root" presStyleCnt="0"/>
+      <dgm:spPr/>
+    </dgm:pt>
+    <dgm:pt modelId="{4176C44D-725D-8F41-9E28-177CC86F71F3}" type="pres">
+      <dgm:prSet presAssocID="{C1C92BB9-C43D-E74A-B94A-2C42725A9D0D}" presName="rootComposite" presStyleCnt="0"/>
+      <dgm:spPr/>
+    </dgm:pt>
+    <dgm:pt modelId="{1B4E0D8A-F788-A248-B28C-3684EC21B9BA}" type="pres">
+      <dgm:prSet presAssocID="{C1C92BB9-C43D-E74A-B94A-2C42725A9D0D}" presName="rootText" presStyleLbl="node1" presStyleIdx="1" presStyleCnt="5"/>
+      <dgm:spPr/>
+      <dgm:t>
+        <a:bodyPr/>
+        <a:lstStyle/>
+        <a:p>
+          <a:endParaRPr lang="en-US"/>
+        </a:p>
+      </dgm:t>
+    </dgm:pt>
+    <dgm:pt modelId="{5BEBFA50-8951-2641-AEB3-1FDF1994251A}" type="pres">
+      <dgm:prSet presAssocID="{C1C92BB9-C43D-E74A-B94A-2C42725A9D0D}" presName="rootConnector" presStyleLbl="node1" presStyleIdx="1" presStyleCnt="5"/>
+      <dgm:spPr/>
+    </dgm:pt>
+    <dgm:pt modelId="{A3B50CC5-0BC2-894F-9AE2-8CDD7FCA0A2E}" type="pres">
+      <dgm:prSet presAssocID="{C1C92BB9-C43D-E74A-B94A-2C42725A9D0D}" presName="childShape" presStyleCnt="0"/>
+      <dgm:spPr/>
+    </dgm:pt>
+    <dgm:pt modelId="{F8FA0428-6C95-0444-8995-3D8D6A034DB8}" type="pres">
+      <dgm:prSet presAssocID="{34BF130B-9B11-3045-8A09-EDF8256043DA}" presName="Name13" presStyleLbl="parChTrans1D2" presStyleIdx="2" presStyleCnt="12"/>
+      <dgm:spPr/>
+    </dgm:pt>
+    <dgm:pt modelId="{82DD8AD6-A35F-334B-8D8A-354AED7702C5}" type="pres">
+      <dgm:prSet presAssocID="{65F289E9-3AD2-3849-BA08-81187B8F3D03}" presName="childText" presStyleLbl="bgAcc1" presStyleIdx="2" presStyleCnt="12">
+        <dgm:presLayoutVars>
+          <dgm:bulletEnabled val="1"/>
+        </dgm:presLayoutVars>
+      </dgm:prSet>
+      <dgm:spPr/>
+      <dgm:t>
+        <a:bodyPr/>
+        <a:lstStyle/>
+        <a:p>
+          <a:endParaRPr lang="en-US"/>
+        </a:p>
+      </dgm:t>
+    </dgm:pt>
+    <dgm:pt modelId="{74975D5A-293D-3E4C-AE79-964A430B678B}" type="pres">
+      <dgm:prSet presAssocID="{1249A159-2E71-5F41-BA68-6749D13324D0}" presName="Name13" presStyleLbl="parChTrans1D2" presStyleIdx="3" presStyleCnt="12"/>
+      <dgm:spPr/>
+    </dgm:pt>
+    <dgm:pt modelId="{8A40A707-657B-0447-B0E4-F0A2B8F7E91C}" type="pres">
+      <dgm:prSet presAssocID="{08F59E6A-7C2C-2448-B39E-34A29338DD88}" presName="childText" presStyleLbl="bgAcc1" presStyleIdx="3" presStyleCnt="12">
+        <dgm:presLayoutVars>
+          <dgm:bulletEnabled val="1"/>
+        </dgm:presLayoutVars>
+      </dgm:prSet>
+      <dgm:spPr/>
+      <dgm:t>
+        <a:bodyPr/>
+        <a:lstStyle/>
+        <a:p>
+          <a:endParaRPr lang="en-US"/>
+        </a:p>
+      </dgm:t>
+    </dgm:pt>
+    <dgm:pt modelId="{C61927D2-596F-DF48-A5B4-3E5598E541CD}" type="pres">
+      <dgm:prSet presAssocID="{F57D6CF8-3DDD-3240-A719-66296F11108D}" presName="root" presStyleCnt="0"/>
+      <dgm:spPr/>
+    </dgm:pt>
+    <dgm:pt modelId="{14D825EF-ED4E-BA4B-8288-75678EF16EF9}" type="pres">
+      <dgm:prSet presAssocID="{F57D6CF8-3DDD-3240-A719-66296F11108D}" presName="rootComposite" presStyleCnt="0"/>
+      <dgm:spPr/>
+    </dgm:pt>
+    <dgm:pt modelId="{ECD01222-A7A5-B34E-AE7B-45CD8422F0EB}" type="pres">
+      <dgm:prSet presAssocID="{F57D6CF8-3DDD-3240-A719-66296F11108D}" presName="rootText" presStyleLbl="node1" presStyleIdx="2" presStyleCnt="5"/>
+      <dgm:spPr/>
+      <dgm:t>
+        <a:bodyPr/>
+        <a:lstStyle/>
+        <a:p>
+          <a:endParaRPr lang="en-US"/>
+        </a:p>
+      </dgm:t>
+    </dgm:pt>
+    <dgm:pt modelId="{7CCE81B3-C580-2542-B6D7-DCF47BA4EA11}" type="pres">
+      <dgm:prSet presAssocID="{F57D6CF8-3DDD-3240-A719-66296F11108D}" presName="rootConnector" presStyleLbl="node1" presStyleIdx="2" presStyleCnt="5"/>
+      <dgm:spPr/>
+    </dgm:pt>
+    <dgm:pt modelId="{D779FB26-D595-7048-A4EA-49F4D85901F5}" type="pres">
+      <dgm:prSet presAssocID="{F57D6CF8-3DDD-3240-A719-66296F11108D}" presName="childShape" presStyleCnt="0"/>
+      <dgm:spPr/>
+    </dgm:pt>
+    <dgm:pt modelId="{0D696BF3-4D4D-EC45-9AC5-5B2EEA731470}" type="pres">
+      <dgm:prSet presAssocID="{BA7264F2-3357-6442-A701-3E23FA5074D3}" presName="Name13" presStyleLbl="parChTrans1D2" presStyleIdx="4" presStyleCnt="12"/>
+      <dgm:spPr/>
+    </dgm:pt>
+    <dgm:pt modelId="{FA54DEE1-1F92-6544-8E5B-7C1CF77C0E58}" type="pres">
+      <dgm:prSet presAssocID="{54DF901E-EE87-284A-B53B-C2EA2D130DFF}" presName="childText" presStyleLbl="bgAcc1" presStyleIdx="4" presStyleCnt="12">
+        <dgm:presLayoutVars>
+          <dgm:bulletEnabled val="1"/>
+        </dgm:presLayoutVars>
+      </dgm:prSet>
+      <dgm:spPr/>
+      <dgm:t>
+        <a:bodyPr/>
+        <a:lstStyle/>
+        <a:p>
+          <a:endParaRPr lang="en-US"/>
+        </a:p>
+      </dgm:t>
+    </dgm:pt>
+    <dgm:pt modelId="{57F603E1-D558-7742-9936-60A25E7A7733}" type="pres">
+      <dgm:prSet presAssocID="{5FFA7C77-8647-5442-BFFE-D077D368AD5B}" presName="Name13" presStyleLbl="parChTrans1D2" presStyleIdx="5" presStyleCnt="12"/>
+      <dgm:spPr/>
+    </dgm:pt>
+    <dgm:pt modelId="{E1F6D5CA-21AA-0347-A80B-9F15C53D595B}" type="pres">
+      <dgm:prSet presAssocID="{1AE0A7A6-61E8-B84F-8577-D399BE5FAA9A}" presName="childText" presStyleLbl="bgAcc1" presStyleIdx="5" presStyleCnt="12">
+        <dgm:presLayoutVars>
+          <dgm:bulletEnabled val="1"/>
+        </dgm:presLayoutVars>
+      </dgm:prSet>
+      <dgm:spPr/>
+      <dgm:t>
+        <a:bodyPr/>
+        <a:lstStyle/>
+        <a:p>
+          <a:endParaRPr lang="en-US"/>
+        </a:p>
+      </dgm:t>
+    </dgm:pt>
+    <dgm:pt modelId="{FD1102DF-D517-9D4E-9924-113A1417A5AF}" type="pres">
+      <dgm:prSet presAssocID="{C0FBEB39-43F6-2D4B-B2EA-C02C019D2C14}" presName="root" presStyleCnt="0"/>
+      <dgm:spPr/>
+    </dgm:pt>
+    <dgm:pt modelId="{F6179D39-4B21-C847-B93C-A2C5A5105841}" type="pres">
+      <dgm:prSet presAssocID="{C0FBEB39-43F6-2D4B-B2EA-C02C019D2C14}" presName="rootComposite" presStyleCnt="0"/>
+      <dgm:spPr/>
+    </dgm:pt>
+    <dgm:pt modelId="{DAC803F2-4C9D-304C-B6B9-CFD9C895BA80}" type="pres">
+      <dgm:prSet presAssocID="{C0FBEB39-43F6-2D4B-B2EA-C02C019D2C14}" presName="rootText" presStyleLbl="node1" presStyleIdx="3" presStyleCnt="5"/>
+      <dgm:spPr/>
+      <dgm:t>
+        <a:bodyPr/>
+        <a:lstStyle/>
+        <a:p>
+          <a:endParaRPr lang="en-US"/>
+        </a:p>
+      </dgm:t>
+    </dgm:pt>
+    <dgm:pt modelId="{0440835F-CB2D-7D40-9E8B-BF49C24FA65D}" type="pres">
+      <dgm:prSet presAssocID="{C0FBEB39-43F6-2D4B-B2EA-C02C019D2C14}" presName="rootConnector" presStyleLbl="node1" presStyleIdx="3" presStyleCnt="5"/>
+      <dgm:spPr/>
+    </dgm:pt>
+    <dgm:pt modelId="{4F5E2F34-5141-444C-9716-D3B1D283401E}" type="pres">
+      <dgm:prSet presAssocID="{C0FBEB39-43F6-2D4B-B2EA-C02C019D2C14}" presName="childShape" presStyleCnt="0"/>
+      <dgm:spPr/>
+    </dgm:pt>
+    <dgm:pt modelId="{569C69C0-4B8F-CB4A-B348-98874F5F220D}" type="pres">
+      <dgm:prSet presAssocID="{B59F56B3-7B31-1A4E-839A-7F833E434F0F}" presName="Name13" presStyleLbl="parChTrans1D2" presStyleIdx="6" presStyleCnt="12"/>
+      <dgm:spPr/>
+    </dgm:pt>
+    <dgm:pt modelId="{6044E130-D541-744F-88ED-F7D7FFDA4C7D}" type="pres">
+      <dgm:prSet presAssocID="{054CCF4E-70B4-3540-BC71-40311AEB9B94}" presName="childText" presStyleLbl="bgAcc1" presStyleIdx="6" presStyleCnt="12">
+        <dgm:presLayoutVars>
+          <dgm:bulletEnabled val="1"/>
+        </dgm:presLayoutVars>
+      </dgm:prSet>
+      <dgm:spPr/>
+      <dgm:t>
+        <a:bodyPr/>
+        <a:lstStyle/>
+        <a:p>
+          <a:endParaRPr lang="en-US"/>
+        </a:p>
+      </dgm:t>
+    </dgm:pt>
+    <dgm:pt modelId="{7F74521A-036C-C84E-BFE8-28D39FF16E28}" type="pres">
+      <dgm:prSet presAssocID="{04F82EDC-2A5D-9048-92F7-6DF3B4CF1BED}" presName="root" presStyleCnt="0"/>
+      <dgm:spPr/>
+    </dgm:pt>
+    <dgm:pt modelId="{CF66E835-B217-4E40-A7C1-62A37A2766A5}" type="pres">
+      <dgm:prSet presAssocID="{04F82EDC-2A5D-9048-92F7-6DF3B4CF1BED}" presName="rootComposite" presStyleCnt="0"/>
+      <dgm:spPr/>
+    </dgm:pt>
+    <dgm:pt modelId="{20A5258F-3293-A44C-98CF-417D0AD3C7EC}" type="pres">
+      <dgm:prSet presAssocID="{04F82EDC-2A5D-9048-92F7-6DF3B4CF1BED}" presName="rootText" presStyleLbl="node1" presStyleIdx="4" presStyleCnt="5" custLinFactNeighborX="22953"/>
+      <dgm:spPr/>
+      <dgm:t>
+        <a:bodyPr/>
+        <a:lstStyle/>
+        <a:p>
+          <a:endParaRPr lang="en-US"/>
+        </a:p>
+      </dgm:t>
+    </dgm:pt>
+    <dgm:pt modelId="{BD533A70-59A5-124E-A7F1-41305688E7EA}" type="pres">
+      <dgm:prSet presAssocID="{04F82EDC-2A5D-9048-92F7-6DF3B4CF1BED}" presName="rootConnector" presStyleLbl="node1" presStyleIdx="4" presStyleCnt="5"/>
+      <dgm:spPr/>
+    </dgm:pt>
+    <dgm:pt modelId="{4EA73F92-83ED-134A-8A66-DEC23F481C7F}" type="pres">
+      <dgm:prSet presAssocID="{04F82EDC-2A5D-9048-92F7-6DF3B4CF1BED}" presName="childShape" presStyleCnt="0"/>
+      <dgm:spPr/>
+    </dgm:pt>
+    <dgm:pt modelId="{121EEA73-2743-C248-B1E8-8184161B6D93}" type="pres">
+      <dgm:prSet presAssocID="{DE09F620-CC00-EE45-AE29-E8C39B3B4D5A}" presName="Name13" presStyleLbl="parChTrans1D2" presStyleIdx="7" presStyleCnt="12"/>
+      <dgm:spPr/>
+    </dgm:pt>
+    <dgm:pt modelId="{39445053-7360-DA48-AEB9-07F2FD7B54C7}" type="pres">
+      <dgm:prSet presAssocID="{358DEE03-0A7E-AC4A-869D-DC6AA9128949}" presName="childText" presStyleLbl="bgAcc1" presStyleIdx="7" presStyleCnt="12" custLinFactNeighborX="80730">
+        <dgm:presLayoutVars>
+          <dgm:bulletEnabled val="1"/>
+        </dgm:presLayoutVars>
+      </dgm:prSet>
+      <dgm:spPr/>
+      <dgm:t>
+        <a:bodyPr/>
+        <a:lstStyle/>
+        <a:p>
+          <a:endParaRPr lang="en-US"/>
+        </a:p>
+      </dgm:t>
+    </dgm:pt>
+    <dgm:pt modelId="{8E91B9D2-2447-7346-B58E-4F0D9F3F3A6D}" type="pres">
+      <dgm:prSet presAssocID="{4C41D731-391C-F344-B709-0D5C62528594}" presName="Name13" presStyleLbl="parChTrans1D2" presStyleIdx="8" presStyleCnt="12"/>
+      <dgm:spPr/>
+    </dgm:pt>
+    <dgm:pt modelId="{1B911BA6-754C-9146-80F0-1AF6120E60AB}" type="pres">
+      <dgm:prSet presAssocID="{A7DB3D77-581B-F344-9CC2-70F3A74E6292}" presName="childText" presStyleLbl="bgAcc1" presStyleIdx="8" presStyleCnt="12" custLinFactY="12500" custLinFactNeighborX="-41448" custLinFactNeighborY="100000">
+        <dgm:presLayoutVars>
+          <dgm:bulletEnabled val="1"/>
+        </dgm:presLayoutVars>
+      </dgm:prSet>
+      <dgm:spPr/>
+      <dgm:t>
+        <a:bodyPr/>
+        <a:lstStyle/>
+        <a:p>
+          <a:endParaRPr lang="en-US"/>
+        </a:p>
+      </dgm:t>
+    </dgm:pt>
+    <dgm:pt modelId="{FA9E8C03-F4F5-6745-BD12-E9E5867A878E}" type="pres">
+      <dgm:prSet presAssocID="{0F64DF61-8EA3-3B43-8796-3B0532B6DD9C}" presName="Name13" presStyleLbl="parChTrans1D2" presStyleIdx="9" presStyleCnt="12"/>
+      <dgm:spPr/>
+    </dgm:pt>
+    <dgm:pt modelId="{F4DD8FCC-EA79-3D4B-AC2A-A1D151F51E5F}" type="pres">
+      <dgm:prSet presAssocID="{FF0DD8F4-A3A1-7F4D-92EF-4747C16CB7A0}" presName="childText" presStyleLbl="bgAcc1" presStyleIdx="9" presStyleCnt="12" custLinFactY="-27490" custLinFactNeighborX="-43573" custLinFactNeighborY="-100000">
+        <dgm:presLayoutVars>
+          <dgm:bulletEnabled val="1"/>
+        </dgm:presLayoutVars>
+      </dgm:prSet>
+      <dgm:spPr/>
+      <dgm:t>
+        <a:bodyPr/>
+        <a:lstStyle/>
+        <a:p>
+          <a:endParaRPr lang="en-US"/>
+        </a:p>
+      </dgm:t>
+    </dgm:pt>
+    <dgm:pt modelId="{7179267B-045A-B446-8187-E278D4005E00}" type="pres">
+      <dgm:prSet presAssocID="{36C2DADC-8EF2-2349-A877-35538701350B}" presName="Name13" presStyleLbl="parChTrans1D2" presStyleIdx="10" presStyleCnt="12"/>
+      <dgm:spPr/>
+    </dgm:pt>
+    <dgm:pt modelId="{F9AEC0E3-482D-B542-B042-6988C0EF11B7}" type="pres">
+      <dgm:prSet presAssocID="{F7262678-F0B3-E847-91E2-C462D47B1028}" presName="childText" presStyleLbl="bgAcc1" presStyleIdx="10" presStyleCnt="12" custLinFactY="-100000" custLinFactNeighborX="80730" custLinFactNeighborY="-153091">
+        <dgm:presLayoutVars>
+          <dgm:bulletEnabled val="1"/>
+        </dgm:presLayoutVars>
+      </dgm:prSet>
+      <dgm:spPr/>
+      <dgm:t>
+        <a:bodyPr/>
+        <a:lstStyle/>
+        <a:p>
+          <a:endParaRPr lang="en-US"/>
+        </a:p>
+      </dgm:t>
+    </dgm:pt>
+    <dgm:pt modelId="{D1D1FA55-B075-A74F-9250-4C017824FA89}" type="pres">
+      <dgm:prSet presAssocID="{C80069DB-A433-7B44-A9CD-A5C1463A949A}" presName="Name13" presStyleLbl="parChTrans1D2" presStyleIdx="11" presStyleCnt="12"/>
+      <dgm:spPr/>
+    </dgm:pt>
+    <dgm:pt modelId="{FB28FB68-8CE3-8B44-BA7E-9EE942F0B9A3}" type="pres">
+      <dgm:prSet presAssocID="{DEB1BB08-DB14-F449-AABA-61D8B4638A0E}" presName="childText" presStyleLbl="bgAcc1" presStyleIdx="11" presStyleCnt="12" custLinFactY="-100000" custLinFactNeighborX="79668" custLinFactNeighborY="-162500">
+        <dgm:presLayoutVars>
+          <dgm:bulletEnabled val="1"/>
+        </dgm:presLayoutVars>
+      </dgm:prSet>
+      <dgm:spPr/>
+      <dgm:t>
+        <a:bodyPr/>
+        <a:lstStyle/>
+        <a:p>
+          <a:endParaRPr lang="en-US"/>
+        </a:p>
+      </dgm:t>
+    </dgm:pt>
+  </dgm:ptLst>
+  <dgm:cxnLst>
+    <dgm:cxn modelId="{2893F525-4D74-7745-A1F1-681C03ADF84C}" srcId="{BC6DDA23-9483-9E44-A253-ED42E2F8CF81}" destId="{C0FBEB39-43F6-2D4B-B2EA-C02C019D2C14}" srcOrd="3" destOrd="0" parTransId="{787B37BE-262F-414B-A0D5-400A003D85B9}" sibTransId="{EB4125C3-E716-404A-8B4C-B49C28208BCF}"/>
+    <dgm:cxn modelId="{C1ECCC96-E827-3248-9AB0-766197728BD0}" type="presOf" srcId="{65F289E9-3AD2-3849-BA08-81187B8F3D03}" destId="{82DD8AD6-A35F-334B-8D8A-354AED7702C5}" srcOrd="0" destOrd="0" presId="urn:microsoft.com/office/officeart/2005/8/layout/hierarchy3"/>
+    <dgm:cxn modelId="{A0668822-68A8-0B40-8DB0-071E95291A47}" type="presOf" srcId="{BC6DDA23-9483-9E44-A253-ED42E2F8CF81}" destId="{3D2DCE18-6253-4645-81B2-870C00FE61D8}" srcOrd="0" destOrd="0" presId="urn:microsoft.com/office/officeart/2005/8/layout/hierarchy3"/>
+    <dgm:cxn modelId="{8536D252-9141-FD4D-90BD-FB81E6102964}" srcId="{BC6DDA23-9483-9E44-A253-ED42E2F8CF81}" destId="{F57D6CF8-3DDD-3240-A719-66296F11108D}" srcOrd="2" destOrd="0" parTransId="{9F5A5ED1-1023-ED4F-863F-A1DC37A7525A}" sibTransId="{F0557E8E-EA53-FC44-89B8-F4EB12823C83}"/>
+    <dgm:cxn modelId="{4043D6E8-F163-6144-8624-2130FB43D9A6}" type="presOf" srcId="{054CCF4E-70B4-3540-BC71-40311AEB9B94}" destId="{6044E130-D541-744F-88ED-F7D7FFDA4C7D}" srcOrd="0" destOrd="0" presId="urn:microsoft.com/office/officeart/2005/8/layout/hierarchy3"/>
+    <dgm:cxn modelId="{4FE8F51D-A7A7-3443-B732-371A8937E052}" type="presOf" srcId="{F57D6CF8-3DDD-3240-A719-66296F11108D}" destId="{ECD01222-A7A5-B34E-AE7B-45CD8422F0EB}" srcOrd="0" destOrd="0" presId="urn:microsoft.com/office/officeart/2005/8/layout/hierarchy3"/>
+    <dgm:cxn modelId="{6F9E16B5-A9C7-1F42-A2FE-97CC0581F00E}" type="presOf" srcId="{5FFA7C77-8647-5442-BFFE-D077D368AD5B}" destId="{57F603E1-D558-7742-9936-60A25E7A7733}" srcOrd="0" destOrd="0" presId="urn:microsoft.com/office/officeart/2005/8/layout/hierarchy3"/>
+    <dgm:cxn modelId="{A7645190-4036-3247-8089-DE42BD7C3F86}" type="presOf" srcId="{A7DB3D77-581B-F344-9CC2-70F3A74E6292}" destId="{1B911BA6-754C-9146-80F0-1AF6120E60AB}" srcOrd="0" destOrd="0" presId="urn:microsoft.com/office/officeart/2005/8/layout/hierarchy3"/>
+    <dgm:cxn modelId="{82DD100E-AB05-5F40-9F73-68AA402CCCDB}" srcId="{BC6DDA23-9483-9E44-A253-ED42E2F8CF81}" destId="{7C0D8BF0-1B2E-9C42-B1DE-7A8A6B4D5354}" srcOrd="0" destOrd="0" parTransId="{C048261D-ABF8-6744-9C60-7A40058B8D4E}" sibTransId="{72F33744-5EDD-8948-A100-A0873804437B}"/>
+    <dgm:cxn modelId="{726C9C16-CD82-BE4C-9674-7AE469A3B127}" srcId="{C1C92BB9-C43D-E74A-B94A-2C42725A9D0D}" destId="{65F289E9-3AD2-3849-BA08-81187B8F3D03}" srcOrd="0" destOrd="0" parTransId="{34BF130B-9B11-3045-8A09-EDF8256043DA}" sibTransId="{A69B70A9-01D3-D64D-BE07-F648853A1367}"/>
+    <dgm:cxn modelId="{9367E664-81F0-0A47-AC84-E5C5CBE76A1E}" srcId="{04F82EDC-2A5D-9048-92F7-6DF3B4CF1BED}" destId="{358DEE03-0A7E-AC4A-869D-DC6AA9128949}" srcOrd="0" destOrd="0" parTransId="{DE09F620-CC00-EE45-AE29-E8C39B3B4D5A}" sibTransId="{A0015D0D-FAAD-4D49-8C8A-20540E56B794}"/>
+    <dgm:cxn modelId="{5D9203BB-DA14-D243-9FD9-C6A1FA1D62EB}" type="presOf" srcId="{7C0D8BF0-1B2E-9C42-B1DE-7A8A6B4D5354}" destId="{DAF70D7D-7EDA-244E-89B4-D888EF5E7319}" srcOrd="0" destOrd="0" presId="urn:microsoft.com/office/officeart/2005/8/layout/hierarchy3"/>
+    <dgm:cxn modelId="{FC3D3B96-5193-0A46-B859-D0379C4B8672}" type="presOf" srcId="{4C41D731-391C-F344-B709-0D5C62528594}" destId="{8E91B9D2-2447-7346-B58E-4F0D9F3F3A6D}" srcOrd="0" destOrd="0" presId="urn:microsoft.com/office/officeart/2005/8/layout/hierarchy3"/>
+    <dgm:cxn modelId="{40D300F8-2EA8-6240-8EDD-7B91FA5ED899}" type="presOf" srcId="{C0FBEB39-43F6-2D4B-B2EA-C02C019D2C14}" destId="{0440835F-CB2D-7D40-9E8B-BF49C24FA65D}" srcOrd="1" destOrd="0" presId="urn:microsoft.com/office/officeart/2005/8/layout/hierarchy3"/>
+    <dgm:cxn modelId="{86C79295-1C5D-8B48-969C-6CAEB4FE7BE1}" srcId="{C1C92BB9-C43D-E74A-B94A-2C42725A9D0D}" destId="{08F59E6A-7C2C-2448-B39E-34A29338DD88}" srcOrd="1" destOrd="0" parTransId="{1249A159-2E71-5F41-BA68-6749D13324D0}" sibTransId="{94B02334-A2CB-634C-A34B-8084170EF09D}"/>
+    <dgm:cxn modelId="{AC19AFE2-9306-8744-BE4E-3EB3F39515C3}" type="presOf" srcId="{FF0DD8F4-A3A1-7F4D-92EF-4747C16CB7A0}" destId="{F4DD8FCC-EA79-3D4B-AC2A-A1D151F51E5F}" srcOrd="0" destOrd="0" presId="urn:microsoft.com/office/officeart/2005/8/layout/hierarchy3"/>
+    <dgm:cxn modelId="{F8661C32-F651-744D-A704-D12558D00F91}" type="presOf" srcId="{3E96658A-2D49-5C49-A5C5-AD269AA2D717}" destId="{EACE30C1-74D4-0D4B-8FB6-99C2A1EB92E0}" srcOrd="0" destOrd="0" presId="urn:microsoft.com/office/officeart/2005/8/layout/hierarchy3"/>
+    <dgm:cxn modelId="{26A688BB-198D-3D46-AE4F-DA0353D5255C}" srcId="{04F82EDC-2A5D-9048-92F7-6DF3B4CF1BED}" destId="{F7262678-F0B3-E847-91E2-C462D47B1028}" srcOrd="3" destOrd="0" parTransId="{36C2DADC-8EF2-2349-A877-35538701350B}" sibTransId="{C665ED9D-915C-9345-836A-A526541A81BA}"/>
+    <dgm:cxn modelId="{15CBDDCD-DB8A-3F45-B9CC-231365AB5691}" srcId="{F57D6CF8-3DDD-3240-A719-66296F11108D}" destId="{1AE0A7A6-61E8-B84F-8577-D399BE5FAA9A}" srcOrd="1" destOrd="0" parTransId="{5FFA7C77-8647-5442-BFFE-D077D368AD5B}" sibTransId="{F0C0DDB3-C1D5-D341-A969-A365927E9C81}"/>
+    <dgm:cxn modelId="{2FF41404-41C9-B742-AB90-EABADA895FBA}" srcId="{7C0D8BF0-1B2E-9C42-B1DE-7A8A6B4D5354}" destId="{3E96658A-2D49-5C49-A5C5-AD269AA2D717}" srcOrd="1" destOrd="0" parTransId="{9C026401-8AD6-9B40-A80F-E4EA815B69FE}" sibTransId="{F75024CD-5FFA-3C41-93F8-4890386580B6}"/>
+    <dgm:cxn modelId="{7FF8FF3E-D587-A148-849F-AFF7A12D6A89}" srcId="{04F82EDC-2A5D-9048-92F7-6DF3B4CF1BED}" destId="{DEB1BB08-DB14-F449-AABA-61D8B4638A0E}" srcOrd="4" destOrd="0" parTransId="{C80069DB-A433-7B44-A9CD-A5C1463A949A}" sibTransId="{741494C1-4459-6E4C-873D-12A7B07E5604}"/>
+    <dgm:cxn modelId="{392EC735-9755-294A-A5A9-0ECC3ABB6179}" type="presOf" srcId="{04F82EDC-2A5D-9048-92F7-6DF3B4CF1BED}" destId="{20A5258F-3293-A44C-98CF-417D0AD3C7EC}" srcOrd="0" destOrd="0" presId="urn:microsoft.com/office/officeart/2005/8/layout/hierarchy3"/>
+    <dgm:cxn modelId="{304397C9-C399-4043-80D4-5CA77A6A73E2}" type="presOf" srcId="{7C0D8BF0-1B2E-9C42-B1DE-7A8A6B4D5354}" destId="{E60E6935-DC36-C74F-B8A3-DBDB4675306D}" srcOrd="1" destOrd="0" presId="urn:microsoft.com/office/officeart/2005/8/layout/hierarchy3"/>
+    <dgm:cxn modelId="{E72F526E-0D1C-324E-B0BB-97D89CDC6644}" type="presOf" srcId="{54DF901E-EE87-284A-B53B-C2EA2D130DFF}" destId="{FA54DEE1-1F92-6544-8E5B-7C1CF77C0E58}" srcOrd="0" destOrd="0" presId="urn:microsoft.com/office/officeart/2005/8/layout/hierarchy3"/>
+    <dgm:cxn modelId="{AF632653-7D34-4344-BF75-D64D1FE11E1A}" type="presOf" srcId="{358DEE03-0A7E-AC4A-869D-DC6AA9128949}" destId="{39445053-7360-DA48-AEB9-07F2FD7B54C7}" srcOrd="0" destOrd="0" presId="urn:microsoft.com/office/officeart/2005/8/layout/hierarchy3"/>
+    <dgm:cxn modelId="{4E8D53EE-4631-EF44-B5FD-0FC3A8A5E0F6}" type="presOf" srcId="{DE09F620-CC00-EE45-AE29-E8C39B3B4D5A}" destId="{121EEA73-2743-C248-B1E8-8184161B6D93}" srcOrd="0" destOrd="0" presId="urn:microsoft.com/office/officeart/2005/8/layout/hierarchy3"/>
+    <dgm:cxn modelId="{551FD06E-796D-5844-AA9B-8FFEB23311C2}" type="presOf" srcId="{C80069DB-A433-7B44-A9CD-A5C1463A949A}" destId="{D1D1FA55-B075-A74F-9250-4C017824FA89}" srcOrd="0" destOrd="0" presId="urn:microsoft.com/office/officeart/2005/8/layout/hierarchy3"/>
+    <dgm:cxn modelId="{E473B57C-702F-A34B-A341-BF97769A8A6E}" srcId="{BC6DDA23-9483-9E44-A253-ED42E2F8CF81}" destId="{04F82EDC-2A5D-9048-92F7-6DF3B4CF1BED}" srcOrd="4" destOrd="0" parTransId="{B9E429C9-68EF-1E47-8843-F5FAEC922C39}" sibTransId="{83CB27F0-C95D-8F4D-A211-C8220B7FB3F7}"/>
+    <dgm:cxn modelId="{689E52AB-7993-034F-A7E1-9520FCACA6A9}" type="presOf" srcId="{F7262678-F0B3-E847-91E2-C462D47B1028}" destId="{F9AEC0E3-482D-B542-B042-6988C0EF11B7}" srcOrd="0" destOrd="0" presId="urn:microsoft.com/office/officeart/2005/8/layout/hierarchy3"/>
+    <dgm:cxn modelId="{D92AB3EE-DA15-AB4A-A432-D950AF7A2A9A}" type="presOf" srcId="{BA7264F2-3357-6442-A701-3E23FA5074D3}" destId="{0D696BF3-4D4D-EC45-9AC5-5B2EEA731470}" srcOrd="0" destOrd="0" presId="urn:microsoft.com/office/officeart/2005/8/layout/hierarchy3"/>
+    <dgm:cxn modelId="{71FE5DF6-95F8-6B48-BDC3-A3C13F6712B5}" type="presOf" srcId="{F57D6CF8-3DDD-3240-A719-66296F11108D}" destId="{7CCE81B3-C580-2542-B6D7-DCF47BA4EA11}" srcOrd="1" destOrd="0" presId="urn:microsoft.com/office/officeart/2005/8/layout/hierarchy3"/>
+    <dgm:cxn modelId="{88EABC9F-2FCE-D64B-B035-426EF4631781}" type="presOf" srcId="{B59F56B3-7B31-1A4E-839A-7F833E434F0F}" destId="{569C69C0-4B8F-CB4A-B348-98874F5F220D}" srcOrd="0" destOrd="0" presId="urn:microsoft.com/office/officeart/2005/8/layout/hierarchy3"/>
+    <dgm:cxn modelId="{8E15F3D0-07B7-774D-A8C6-6670C7418451}" type="presOf" srcId="{9C026401-8AD6-9B40-A80F-E4EA815B69FE}" destId="{425ADCAB-5AEE-654D-A16F-9EC7D39403DE}" srcOrd="0" destOrd="0" presId="urn:microsoft.com/office/officeart/2005/8/layout/hierarchy3"/>
+    <dgm:cxn modelId="{42BFB67C-444E-B542-A3EC-45735C875873}" srcId="{7C0D8BF0-1B2E-9C42-B1DE-7A8A6B4D5354}" destId="{AB653237-3BBA-1C41-990E-60FCF34C6AC4}" srcOrd="0" destOrd="0" parTransId="{A0E1E0D7-C8CD-2B48-9915-E3D8C94117B6}" sibTransId="{80403974-0438-C94B-8515-5FC6D57A64B4}"/>
+    <dgm:cxn modelId="{04CA7BF9-4FB2-8949-8387-4AEC96B9324F}" srcId="{04F82EDC-2A5D-9048-92F7-6DF3B4CF1BED}" destId="{FF0DD8F4-A3A1-7F4D-92EF-4747C16CB7A0}" srcOrd="2" destOrd="0" parTransId="{0F64DF61-8EA3-3B43-8796-3B0532B6DD9C}" sibTransId="{126AF306-37FE-1545-AD4B-3A5CCF2AF11F}"/>
+    <dgm:cxn modelId="{9CF9C496-B1BD-D045-A5FC-7D03DC9A8C82}" type="presOf" srcId="{36C2DADC-8EF2-2349-A877-35538701350B}" destId="{7179267B-045A-B446-8187-E278D4005E00}" srcOrd="0" destOrd="0" presId="urn:microsoft.com/office/officeart/2005/8/layout/hierarchy3"/>
+    <dgm:cxn modelId="{5AB8F5DC-7F22-C04E-BFFD-2DA2E58241AD}" type="presOf" srcId="{C0FBEB39-43F6-2D4B-B2EA-C02C019D2C14}" destId="{DAC803F2-4C9D-304C-B6B9-CFD9C895BA80}" srcOrd="0" destOrd="0" presId="urn:microsoft.com/office/officeart/2005/8/layout/hierarchy3"/>
+    <dgm:cxn modelId="{23E8ADF6-6BDA-864E-92E3-58AFA9A58C59}" type="presOf" srcId="{AB653237-3BBA-1C41-990E-60FCF34C6AC4}" destId="{DAF06F7F-6DD6-654A-A6BA-9EAAAC68791B}" srcOrd="0" destOrd="0" presId="urn:microsoft.com/office/officeart/2005/8/layout/hierarchy3"/>
+    <dgm:cxn modelId="{2E55F73C-EB82-4E43-9A96-4416D59CCE14}" srcId="{F57D6CF8-3DDD-3240-A719-66296F11108D}" destId="{54DF901E-EE87-284A-B53B-C2EA2D130DFF}" srcOrd="0" destOrd="0" parTransId="{BA7264F2-3357-6442-A701-3E23FA5074D3}" sibTransId="{3A5DC72C-3C7A-204C-9B5F-F7393619AD56}"/>
+    <dgm:cxn modelId="{DBBA8B1F-709E-B24B-BBBB-513122FAB8F2}" type="presOf" srcId="{34BF130B-9B11-3045-8A09-EDF8256043DA}" destId="{F8FA0428-6C95-0444-8995-3D8D6A034DB8}" srcOrd="0" destOrd="0" presId="urn:microsoft.com/office/officeart/2005/8/layout/hierarchy3"/>
+    <dgm:cxn modelId="{1F009CBB-2BB7-5E4D-8A24-620496D52388}" type="presOf" srcId="{0F64DF61-8EA3-3B43-8796-3B0532B6DD9C}" destId="{FA9E8C03-F4F5-6745-BD12-E9E5867A878E}" srcOrd="0" destOrd="0" presId="urn:microsoft.com/office/officeart/2005/8/layout/hierarchy3"/>
+    <dgm:cxn modelId="{8773377E-2582-C442-B52D-66501625A158}" srcId="{04F82EDC-2A5D-9048-92F7-6DF3B4CF1BED}" destId="{A7DB3D77-581B-F344-9CC2-70F3A74E6292}" srcOrd="1" destOrd="0" parTransId="{4C41D731-391C-F344-B709-0D5C62528594}" sibTransId="{51D39AEF-9346-C546-B3F3-EB9BAE6BBC07}"/>
+    <dgm:cxn modelId="{9FCDBCCA-9195-214D-B126-320963E0A2FD}" type="presOf" srcId="{C1C92BB9-C43D-E74A-B94A-2C42725A9D0D}" destId="{5BEBFA50-8951-2641-AEB3-1FDF1994251A}" srcOrd="1" destOrd="0" presId="urn:microsoft.com/office/officeart/2005/8/layout/hierarchy3"/>
+    <dgm:cxn modelId="{3F4D3841-21A9-D343-ACB3-A881BD455F0D}" srcId="{BC6DDA23-9483-9E44-A253-ED42E2F8CF81}" destId="{C1C92BB9-C43D-E74A-B94A-2C42725A9D0D}" srcOrd="1" destOrd="0" parTransId="{4BAD7E42-C5E8-3F4A-9E4A-312CC8A65789}" sibTransId="{D8FBD9EE-3D88-434A-927E-334376E3E460}"/>
+    <dgm:cxn modelId="{CE893076-8666-C34A-B1CE-8F33C9AA303F}" type="presOf" srcId="{1AE0A7A6-61E8-B84F-8577-D399BE5FAA9A}" destId="{E1F6D5CA-21AA-0347-A80B-9F15C53D595B}" srcOrd="0" destOrd="0" presId="urn:microsoft.com/office/officeart/2005/8/layout/hierarchy3"/>
+    <dgm:cxn modelId="{3374DA78-6ED0-9142-A70E-EBC846F9CFE9}" type="presOf" srcId="{08F59E6A-7C2C-2448-B39E-34A29338DD88}" destId="{8A40A707-657B-0447-B0E4-F0A2B8F7E91C}" srcOrd="0" destOrd="0" presId="urn:microsoft.com/office/officeart/2005/8/layout/hierarchy3"/>
+    <dgm:cxn modelId="{23D2C9C7-5A51-E140-84E2-A74C0B99F82D}" srcId="{C0FBEB39-43F6-2D4B-B2EA-C02C019D2C14}" destId="{054CCF4E-70B4-3540-BC71-40311AEB9B94}" srcOrd="0" destOrd="0" parTransId="{B59F56B3-7B31-1A4E-839A-7F833E434F0F}" sibTransId="{24EFCFF7-D6C6-0F44-AE0F-E5768EE2F0C1}"/>
+    <dgm:cxn modelId="{D34F60E2-FBF0-3245-8298-176DFA66F5FC}" type="presOf" srcId="{04F82EDC-2A5D-9048-92F7-6DF3B4CF1BED}" destId="{BD533A70-59A5-124E-A7F1-41305688E7EA}" srcOrd="1" destOrd="0" presId="urn:microsoft.com/office/officeart/2005/8/layout/hierarchy3"/>
+    <dgm:cxn modelId="{85A12200-D146-CF4B-B117-78CE60F6FA42}" type="presOf" srcId="{1249A159-2E71-5F41-BA68-6749D13324D0}" destId="{74975D5A-293D-3E4C-AE79-964A430B678B}" srcOrd="0" destOrd="0" presId="urn:microsoft.com/office/officeart/2005/8/layout/hierarchy3"/>
+    <dgm:cxn modelId="{2381F046-EDF2-934E-99C4-E9DAAE14D8EF}" type="presOf" srcId="{DEB1BB08-DB14-F449-AABA-61D8B4638A0E}" destId="{FB28FB68-8CE3-8B44-BA7E-9EE942F0B9A3}" srcOrd="0" destOrd="0" presId="urn:microsoft.com/office/officeart/2005/8/layout/hierarchy3"/>
+    <dgm:cxn modelId="{BB575FE7-0745-F946-9F0D-7755F274DB72}" type="presOf" srcId="{A0E1E0D7-C8CD-2B48-9915-E3D8C94117B6}" destId="{868E81A1-D01B-D04B-A716-CDFF6029B37B}" srcOrd="0" destOrd="0" presId="urn:microsoft.com/office/officeart/2005/8/layout/hierarchy3"/>
+    <dgm:cxn modelId="{079D5B1C-A30A-6648-8B91-10AAE6FA95B4}" type="presOf" srcId="{C1C92BB9-C43D-E74A-B94A-2C42725A9D0D}" destId="{1B4E0D8A-F788-A248-B28C-3684EC21B9BA}" srcOrd="0" destOrd="0" presId="urn:microsoft.com/office/officeart/2005/8/layout/hierarchy3"/>
+    <dgm:cxn modelId="{780F5E57-828D-104D-9FA3-CE13986B8E39}" type="presParOf" srcId="{3D2DCE18-6253-4645-81B2-870C00FE61D8}" destId="{33BB5BFD-C17B-BE4D-AECB-721DC495074A}" srcOrd="0" destOrd="0" presId="urn:microsoft.com/office/officeart/2005/8/layout/hierarchy3"/>
+    <dgm:cxn modelId="{C6982848-C4D5-D444-B8F4-BB4F30FCE97E}" type="presParOf" srcId="{33BB5BFD-C17B-BE4D-AECB-721DC495074A}" destId="{D2200B5A-1281-FF4B-8AD3-2899633E00D8}" srcOrd="0" destOrd="0" presId="urn:microsoft.com/office/officeart/2005/8/layout/hierarchy3"/>
+    <dgm:cxn modelId="{30E17859-246A-874C-B7AD-3BAEA0C3C2EA}" type="presParOf" srcId="{D2200B5A-1281-FF4B-8AD3-2899633E00D8}" destId="{DAF70D7D-7EDA-244E-89B4-D888EF5E7319}" srcOrd="0" destOrd="0" presId="urn:microsoft.com/office/officeart/2005/8/layout/hierarchy3"/>
+    <dgm:cxn modelId="{336D464F-ED38-184A-AD18-58AB3F16443A}" type="presParOf" srcId="{D2200B5A-1281-FF4B-8AD3-2899633E00D8}" destId="{E60E6935-DC36-C74F-B8A3-DBDB4675306D}" srcOrd="1" destOrd="0" presId="urn:microsoft.com/office/officeart/2005/8/layout/hierarchy3"/>
+    <dgm:cxn modelId="{5C678DF1-6F4C-534F-881F-3989231E7BE7}" type="presParOf" srcId="{33BB5BFD-C17B-BE4D-AECB-721DC495074A}" destId="{579E66C3-A003-9F4E-ACD9-EF036349B03C}" srcOrd="1" destOrd="0" presId="urn:microsoft.com/office/officeart/2005/8/layout/hierarchy3"/>
+    <dgm:cxn modelId="{3DADA764-CBC4-9146-91B9-2FAE958C8731}" type="presParOf" srcId="{579E66C3-A003-9F4E-ACD9-EF036349B03C}" destId="{868E81A1-D01B-D04B-A716-CDFF6029B37B}" srcOrd="0" destOrd="0" presId="urn:microsoft.com/office/officeart/2005/8/layout/hierarchy3"/>
+    <dgm:cxn modelId="{266DCD3D-2EB6-EB4D-8253-2D5215F8696A}" type="presParOf" srcId="{579E66C3-A003-9F4E-ACD9-EF036349B03C}" destId="{DAF06F7F-6DD6-654A-A6BA-9EAAAC68791B}" srcOrd="1" destOrd="0" presId="urn:microsoft.com/office/officeart/2005/8/layout/hierarchy3"/>
+    <dgm:cxn modelId="{6507BAC5-5816-CF45-86D8-532A2BB4DAB4}" type="presParOf" srcId="{579E66C3-A003-9F4E-ACD9-EF036349B03C}" destId="{425ADCAB-5AEE-654D-A16F-9EC7D39403DE}" srcOrd="2" destOrd="0" presId="urn:microsoft.com/office/officeart/2005/8/layout/hierarchy3"/>
+    <dgm:cxn modelId="{FC05FA4A-33E0-3F4E-AF93-CD17FBAF36A4}" type="presParOf" srcId="{579E66C3-A003-9F4E-ACD9-EF036349B03C}" destId="{EACE30C1-74D4-0D4B-8FB6-99C2A1EB92E0}" srcOrd="3" destOrd="0" presId="urn:microsoft.com/office/officeart/2005/8/layout/hierarchy3"/>
+    <dgm:cxn modelId="{03C77A51-0B39-BA4C-BC92-1220795AEA8B}" type="presParOf" srcId="{3D2DCE18-6253-4645-81B2-870C00FE61D8}" destId="{7966823E-626A-C043-A804-810EE4CE66A1}" srcOrd="1" destOrd="0" presId="urn:microsoft.com/office/officeart/2005/8/layout/hierarchy3"/>
+    <dgm:cxn modelId="{5FF6A90A-C7C3-2D45-87F3-E4566BFD8C7B}" type="presParOf" srcId="{7966823E-626A-C043-A804-810EE4CE66A1}" destId="{4176C44D-725D-8F41-9E28-177CC86F71F3}" srcOrd="0" destOrd="0" presId="urn:microsoft.com/office/officeart/2005/8/layout/hierarchy3"/>
+    <dgm:cxn modelId="{B1ECB586-156C-B743-A600-28626E4B4F6F}" type="presParOf" srcId="{4176C44D-725D-8F41-9E28-177CC86F71F3}" destId="{1B4E0D8A-F788-A248-B28C-3684EC21B9BA}" srcOrd="0" destOrd="0" presId="urn:microsoft.com/office/officeart/2005/8/layout/hierarchy3"/>
+    <dgm:cxn modelId="{A3B7B4D4-84CC-9940-9CC1-9B60D1BDF545}" type="presParOf" srcId="{4176C44D-725D-8F41-9E28-177CC86F71F3}" destId="{5BEBFA50-8951-2641-AEB3-1FDF1994251A}" srcOrd="1" destOrd="0" presId="urn:microsoft.com/office/officeart/2005/8/layout/hierarchy3"/>
+    <dgm:cxn modelId="{55AC6651-D147-5941-9D02-080C2B370790}" type="presParOf" srcId="{7966823E-626A-C043-A804-810EE4CE66A1}" destId="{A3B50CC5-0BC2-894F-9AE2-8CDD7FCA0A2E}" srcOrd="1" destOrd="0" presId="urn:microsoft.com/office/officeart/2005/8/layout/hierarchy3"/>
+    <dgm:cxn modelId="{B1E935E5-F8FB-D74E-B0D3-8F48B8105D5A}" type="presParOf" srcId="{A3B50CC5-0BC2-894F-9AE2-8CDD7FCA0A2E}" destId="{F8FA0428-6C95-0444-8995-3D8D6A034DB8}" srcOrd="0" destOrd="0" presId="urn:microsoft.com/office/officeart/2005/8/layout/hierarchy3"/>
+    <dgm:cxn modelId="{D5C1B455-69FD-2B43-92F1-C43BFCDCCC91}" type="presParOf" srcId="{A3B50CC5-0BC2-894F-9AE2-8CDD7FCA0A2E}" destId="{82DD8AD6-A35F-334B-8D8A-354AED7702C5}" srcOrd="1" destOrd="0" presId="urn:microsoft.com/office/officeart/2005/8/layout/hierarchy3"/>
+    <dgm:cxn modelId="{26C803D9-CBBF-1049-B001-35F4610BBF5C}" type="presParOf" srcId="{A3B50CC5-0BC2-894F-9AE2-8CDD7FCA0A2E}" destId="{74975D5A-293D-3E4C-AE79-964A430B678B}" srcOrd="2" destOrd="0" presId="urn:microsoft.com/office/officeart/2005/8/layout/hierarchy3"/>
+    <dgm:cxn modelId="{97755F7D-A1FE-C749-B85D-5D472042160E}" type="presParOf" srcId="{A3B50CC5-0BC2-894F-9AE2-8CDD7FCA0A2E}" destId="{8A40A707-657B-0447-B0E4-F0A2B8F7E91C}" srcOrd="3" destOrd="0" presId="urn:microsoft.com/office/officeart/2005/8/layout/hierarchy3"/>
+    <dgm:cxn modelId="{4BFC2A12-DAAB-1947-B9CC-2EB666C0A786}" type="presParOf" srcId="{3D2DCE18-6253-4645-81B2-870C00FE61D8}" destId="{C61927D2-596F-DF48-A5B4-3E5598E541CD}" srcOrd="2" destOrd="0" presId="urn:microsoft.com/office/officeart/2005/8/layout/hierarchy3"/>
+    <dgm:cxn modelId="{E35E9DF4-3C0A-6449-8ED2-37C6EF171BE0}" type="presParOf" srcId="{C61927D2-596F-DF48-A5B4-3E5598E541CD}" destId="{14D825EF-ED4E-BA4B-8288-75678EF16EF9}" srcOrd="0" destOrd="0" presId="urn:microsoft.com/office/officeart/2005/8/layout/hierarchy3"/>
+    <dgm:cxn modelId="{E62BD934-051C-EB40-9E56-33EEA596789B}" type="presParOf" srcId="{14D825EF-ED4E-BA4B-8288-75678EF16EF9}" destId="{ECD01222-A7A5-B34E-AE7B-45CD8422F0EB}" srcOrd="0" destOrd="0" presId="urn:microsoft.com/office/officeart/2005/8/layout/hierarchy3"/>
+    <dgm:cxn modelId="{52DDFD95-6E98-1B45-B7F8-2235DFF1FF42}" type="presParOf" srcId="{14D825EF-ED4E-BA4B-8288-75678EF16EF9}" destId="{7CCE81B3-C580-2542-B6D7-DCF47BA4EA11}" srcOrd="1" destOrd="0" presId="urn:microsoft.com/office/officeart/2005/8/layout/hierarchy3"/>
+    <dgm:cxn modelId="{DCBDDAAB-6D33-8A4D-8C27-9169A9E559D3}" type="presParOf" srcId="{C61927D2-596F-DF48-A5B4-3E5598E541CD}" destId="{D779FB26-D595-7048-A4EA-49F4D85901F5}" srcOrd="1" destOrd="0" presId="urn:microsoft.com/office/officeart/2005/8/layout/hierarchy3"/>
+    <dgm:cxn modelId="{A6680E14-2B8F-7A47-8993-B873CD0B9F62}" type="presParOf" srcId="{D779FB26-D595-7048-A4EA-49F4D85901F5}" destId="{0D696BF3-4D4D-EC45-9AC5-5B2EEA731470}" srcOrd="0" destOrd="0" presId="urn:microsoft.com/office/officeart/2005/8/layout/hierarchy3"/>
+    <dgm:cxn modelId="{D0259FA5-FB10-D444-B289-AB983BF78575}" type="presParOf" srcId="{D779FB26-D595-7048-A4EA-49F4D85901F5}" destId="{FA54DEE1-1F92-6544-8E5B-7C1CF77C0E58}" srcOrd="1" destOrd="0" presId="urn:microsoft.com/office/officeart/2005/8/layout/hierarchy3"/>
+    <dgm:cxn modelId="{992458E9-AA8B-EA46-81BA-EBAAC0F7C32D}" type="presParOf" srcId="{D779FB26-D595-7048-A4EA-49F4D85901F5}" destId="{57F603E1-D558-7742-9936-60A25E7A7733}" srcOrd="2" destOrd="0" presId="urn:microsoft.com/office/officeart/2005/8/layout/hierarchy3"/>
+    <dgm:cxn modelId="{8F8D1A01-127B-6744-940E-67506FC0AACD}" type="presParOf" srcId="{D779FB26-D595-7048-A4EA-49F4D85901F5}" destId="{E1F6D5CA-21AA-0347-A80B-9F15C53D595B}" srcOrd="3" destOrd="0" presId="urn:microsoft.com/office/officeart/2005/8/layout/hierarchy3"/>
+    <dgm:cxn modelId="{5478283C-166F-8E46-B51E-EC4638834301}" type="presParOf" srcId="{3D2DCE18-6253-4645-81B2-870C00FE61D8}" destId="{FD1102DF-D517-9D4E-9924-113A1417A5AF}" srcOrd="3" destOrd="0" presId="urn:microsoft.com/office/officeart/2005/8/layout/hierarchy3"/>
+    <dgm:cxn modelId="{CB678694-3841-624D-8BB3-922BE4BE872E}" type="presParOf" srcId="{FD1102DF-D517-9D4E-9924-113A1417A5AF}" destId="{F6179D39-4B21-C847-B93C-A2C5A5105841}" srcOrd="0" destOrd="0" presId="urn:microsoft.com/office/officeart/2005/8/layout/hierarchy3"/>
+    <dgm:cxn modelId="{E3131E0D-1AC2-0845-A3A7-6F87BD76CB53}" type="presParOf" srcId="{F6179D39-4B21-C847-B93C-A2C5A5105841}" destId="{DAC803F2-4C9D-304C-B6B9-CFD9C895BA80}" srcOrd="0" destOrd="0" presId="urn:microsoft.com/office/officeart/2005/8/layout/hierarchy3"/>
+    <dgm:cxn modelId="{9066A5DF-F489-074E-A99E-93A5F509B118}" type="presParOf" srcId="{F6179D39-4B21-C847-B93C-A2C5A5105841}" destId="{0440835F-CB2D-7D40-9E8B-BF49C24FA65D}" srcOrd="1" destOrd="0" presId="urn:microsoft.com/office/officeart/2005/8/layout/hierarchy3"/>
+    <dgm:cxn modelId="{2B75CEB6-17F6-B044-A86C-8D426F7A771F}" type="presParOf" srcId="{FD1102DF-D517-9D4E-9924-113A1417A5AF}" destId="{4F5E2F34-5141-444C-9716-D3B1D283401E}" srcOrd="1" destOrd="0" presId="urn:microsoft.com/office/officeart/2005/8/layout/hierarchy3"/>
+    <dgm:cxn modelId="{220A552E-5A22-484D-A899-8E93DA469E11}" type="presParOf" srcId="{4F5E2F34-5141-444C-9716-D3B1D283401E}" destId="{569C69C0-4B8F-CB4A-B348-98874F5F220D}" srcOrd="0" destOrd="0" presId="urn:microsoft.com/office/officeart/2005/8/layout/hierarchy3"/>
+    <dgm:cxn modelId="{7BECA1C3-DCD1-9241-8D80-B5710482A465}" type="presParOf" srcId="{4F5E2F34-5141-444C-9716-D3B1D283401E}" destId="{6044E130-D541-744F-88ED-F7D7FFDA4C7D}" srcOrd="1" destOrd="0" presId="urn:microsoft.com/office/officeart/2005/8/layout/hierarchy3"/>
+    <dgm:cxn modelId="{CD99F0AE-C1C6-2848-8D37-19FB9E1CB017}" type="presParOf" srcId="{3D2DCE18-6253-4645-81B2-870C00FE61D8}" destId="{7F74521A-036C-C84E-BFE8-28D39FF16E28}" srcOrd="4" destOrd="0" presId="urn:microsoft.com/office/officeart/2005/8/layout/hierarchy3"/>
+    <dgm:cxn modelId="{340F5BA1-CA9A-EE46-A2A4-0DEBE08ABA8E}" type="presParOf" srcId="{7F74521A-036C-C84E-BFE8-28D39FF16E28}" destId="{CF66E835-B217-4E40-A7C1-62A37A2766A5}" srcOrd="0" destOrd="0" presId="urn:microsoft.com/office/officeart/2005/8/layout/hierarchy3"/>
+    <dgm:cxn modelId="{1FA423E0-D9B3-2A40-B4F1-F58C011CDCB6}" type="presParOf" srcId="{CF66E835-B217-4E40-A7C1-62A37A2766A5}" destId="{20A5258F-3293-A44C-98CF-417D0AD3C7EC}" srcOrd="0" destOrd="0" presId="urn:microsoft.com/office/officeart/2005/8/layout/hierarchy3"/>
+    <dgm:cxn modelId="{C0C4AE97-E5E2-B942-8376-4DC44E5A1466}" type="presParOf" srcId="{CF66E835-B217-4E40-A7C1-62A37A2766A5}" destId="{BD533A70-59A5-124E-A7F1-41305688E7EA}" srcOrd="1" destOrd="0" presId="urn:microsoft.com/office/officeart/2005/8/layout/hierarchy3"/>
+    <dgm:cxn modelId="{172F409E-DB57-4C4A-9D8E-7BEE6F7137C7}" type="presParOf" srcId="{7F74521A-036C-C84E-BFE8-28D39FF16E28}" destId="{4EA73F92-83ED-134A-8A66-DEC23F481C7F}" srcOrd="1" destOrd="0" presId="urn:microsoft.com/office/officeart/2005/8/layout/hierarchy3"/>
+    <dgm:cxn modelId="{D255993F-A0D6-8649-948B-9127F3309FDF}" type="presParOf" srcId="{4EA73F92-83ED-134A-8A66-DEC23F481C7F}" destId="{121EEA73-2743-C248-B1E8-8184161B6D93}" srcOrd="0" destOrd="0" presId="urn:microsoft.com/office/officeart/2005/8/layout/hierarchy3"/>
+    <dgm:cxn modelId="{1D18650C-4EA7-8541-9986-6AF5A84590A4}" type="presParOf" srcId="{4EA73F92-83ED-134A-8A66-DEC23F481C7F}" destId="{39445053-7360-DA48-AEB9-07F2FD7B54C7}" srcOrd="1" destOrd="0" presId="urn:microsoft.com/office/officeart/2005/8/layout/hierarchy3"/>
+    <dgm:cxn modelId="{070CA86A-4536-E940-A90C-B8A4D6106D9E}" type="presParOf" srcId="{4EA73F92-83ED-134A-8A66-DEC23F481C7F}" destId="{8E91B9D2-2447-7346-B58E-4F0D9F3F3A6D}" srcOrd="2" destOrd="0" presId="urn:microsoft.com/office/officeart/2005/8/layout/hierarchy3"/>
+    <dgm:cxn modelId="{BFEA11A4-BE87-954D-8A00-01C5259AE734}" type="presParOf" srcId="{4EA73F92-83ED-134A-8A66-DEC23F481C7F}" destId="{1B911BA6-754C-9146-80F0-1AF6120E60AB}" srcOrd="3" destOrd="0" presId="urn:microsoft.com/office/officeart/2005/8/layout/hierarchy3"/>
+    <dgm:cxn modelId="{6A4330C5-E880-3544-A1EC-0AC4676A425C}" type="presParOf" srcId="{4EA73F92-83ED-134A-8A66-DEC23F481C7F}" destId="{FA9E8C03-F4F5-6745-BD12-E9E5867A878E}" srcOrd="4" destOrd="0" presId="urn:microsoft.com/office/officeart/2005/8/layout/hierarchy3"/>
+    <dgm:cxn modelId="{33EFFBB3-8722-F644-9F3F-6A1F5908CC70}" type="presParOf" srcId="{4EA73F92-83ED-134A-8A66-DEC23F481C7F}" destId="{F4DD8FCC-EA79-3D4B-AC2A-A1D151F51E5F}" srcOrd="5" destOrd="0" presId="urn:microsoft.com/office/officeart/2005/8/layout/hierarchy3"/>
+    <dgm:cxn modelId="{92982DA0-FBE1-9A43-8CC2-CCF4C212C813}" type="presParOf" srcId="{4EA73F92-83ED-134A-8A66-DEC23F481C7F}" destId="{7179267B-045A-B446-8187-E278D4005E00}" srcOrd="6" destOrd="0" presId="urn:microsoft.com/office/officeart/2005/8/layout/hierarchy3"/>
+    <dgm:cxn modelId="{1A0495B1-3C37-0948-9B55-1BAF0159BDCE}" type="presParOf" srcId="{4EA73F92-83ED-134A-8A66-DEC23F481C7F}" destId="{F9AEC0E3-482D-B542-B042-6988C0EF11B7}" srcOrd="7" destOrd="0" presId="urn:microsoft.com/office/officeart/2005/8/layout/hierarchy3"/>
+    <dgm:cxn modelId="{DB75CEA1-3DFD-B149-B592-4D631A85E6F0}" type="presParOf" srcId="{4EA73F92-83ED-134A-8A66-DEC23F481C7F}" destId="{D1D1FA55-B075-A74F-9250-4C017824FA89}" srcOrd="8" destOrd="0" presId="urn:microsoft.com/office/officeart/2005/8/layout/hierarchy3"/>
+    <dgm:cxn modelId="{FD77CC2D-694D-3449-A9AC-291FB4DBE77C}" type="presParOf" srcId="{4EA73F92-83ED-134A-8A66-DEC23F481C7F}" destId="{FB28FB68-8CE3-8B44-BA7E-9EE942F0B9A3}" srcOrd="9" destOrd="0" presId="urn:microsoft.com/office/officeart/2005/8/layout/hierarchy3"/>
+  </dgm:cxnLst>
+  <dgm:bg/>
+  <dgm:whole/>
+  <dgm:extLst>
+    <a:ext uri="http://schemas.microsoft.com/office/drawing/2008/diagram">
+      <dsp:dataModelExt xmlns:dsp="http://schemas.microsoft.com/office/drawing/2008/diagram" relId="rId6" minVer="http://schemas.openxmlformats.org/drawingml/2006/diagram"/>
+    </a:ext>
+  </dgm:extLst>
+</dgm:dataModel>
+</file>
+
+<file path=ppt/diagrams/drawing1.xml><?xml version="1.0" encoding="utf-8"?>
+<dsp:drawing xmlns:dgm="http://schemas.openxmlformats.org/drawingml/2006/diagram" xmlns:dsp="http://schemas.microsoft.com/office/drawing/2008/diagram" xmlns:a="http://schemas.openxmlformats.org/drawingml/2006/main">
+  <dsp:spTree>
+    <dsp:nvGrpSpPr>
+      <dsp:cNvPr id="0" name=""/>
+      <dsp:cNvGrpSpPr/>
+    </dsp:nvGrpSpPr>
+    <dsp:grpSpPr/>
+    <dsp:sp modelId="{DAF70D7D-7EDA-244E-89B4-D888EF5E7319}">
+      <dsp:nvSpPr>
+        <dsp:cNvPr id="0" name=""/>
+        <dsp:cNvSpPr/>
+      </dsp:nvSpPr>
+      <dsp:spPr>
+        <a:xfrm>
+          <a:off x="1613296" y="1033"/>
+          <a:ext cx="1494234" cy="747117"/>
+        </a:xfrm>
+        <a:prstGeom prst="roundRect">
+          <a:avLst>
+            <a:gd name="adj" fmla="val 10000"/>
+          </a:avLst>
+        </a:prstGeom>
+        <a:solidFill>
+          <a:schemeClr val="accent1">
+            <a:hueOff val="0"/>
+            <a:satOff val="0"/>
+            <a:lumOff val="0"/>
+            <a:alphaOff val="0"/>
+          </a:schemeClr>
+        </a:solidFill>
+        <a:ln w="12700" cap="flat" cmpd="sng" algn="ctr">
+          <a:solidFill>
+            <a:schemeClr val="lt1">
+              <a:hueOff val="0"/>
+              <a:satOff val="0"/>
+              <a:lumOff val="0"/>
+              <a:alphaOff val="0"/>
+            </a:schemeClr>
+          </a:solidFill>
+          <a:prstDash val="solid"/>
+          <a:miter lim="800000"/>
+        </a:ln>
+        <a:effectLst/>
+      </dsp:spPr>
+      <dsp:style>
+        <a:lnRef idx="2">
+          <a:scrgbClr r="0" g="0" b="0"/>
+        </a:lnRef>
+        <a:fillRef idx="1">
+          <a:scrgbClr r="0" g="0" b="0"/>
+        </a:fillRef>
+        <a:effectRef idx="0">
+          <a:scrgbClr r="0" g="0" b="0"/>
+        </a:effectRef>
+        <a:fontRef idx="minor">
+          <a:schemeClr val="lt1"/>
+        </a:fontRef>
+      </dsp:style>
+      <dsp:txBody>
+        <a:bodyPr spcFirstLastPara="0" vert="horz" wrap="square" lIns="30480" tIns="20320" rIns="30480" bIns="20320" numCol="1" spcCol="1270" anchor="ctr" anchorCtr="0">
+          <a:noAutofit/>
+        </a:bodyPr>
+        <a:lstStyle/>
+        <a:p>
+          <a:pPr lvl="0" algn="ctr" defTabSz="711200">
+            <a:lnSpc>
+              <a:spcPct val="90000"/>
+            </a:lnSpc>
+            <a:spcBef>
+              <a:spcPct val="0"/>
+            </a:spcBef>
+            <a:spcAft>
+              <a:spcPct val="35000"/>
+            </a:spcAft>
+          </a:pPr>
+          <a:r>
+            <a:rPr lang="en-US" sz="1600" kern="1200" dirty="0" smtClean="0">
+              <a:latin typeface="Arial" charset="0"/>
+              <a:ea typeface="Arial" charset="0"/>
+              <a:cs typeface="Arial" charset="0"/>
+            </a:rPr>
+            <a:t>Simplification</a:t>
+          </a:r>
+          <a:endParaRPr lang="en-US" sz="1600" kern="1200" dirty="0">
+            <a:latin typeface="Arial" charset="0"/>
+            <a:ea typeface="Arial" charset="0"/>
+            <a:cs typeface="Arial" charset="0"/>
+          </a:endParaRPr>
+        </a:p>
+      </dsp:txBody>
+      <dsp:txXfrm>
+        <a:off x="1635178" y="22915"/>
+        <a:ext cx="1450470" cy="703353"/>
+      </dsp:txXfrm>
+    </dsp:sp>
+    <dsp:sp modelId="{868E81A1-D01B-D04B-A716-CDFF6029B37B}">
+      <dsp:nvSpPr>
+        <dsp:cNvPr id="0" name=""/>
+        <dsp:cNvSpPr/>
+      </dsp:nvSpPr>
+      <dsp:spPr>
+        <a:xfrm>
+          <a:off x="1762720" y="748150"/>
+          <a:ext cx="149423" cy="560337"/>
+        </a:xfrm>
+        <a:custGeom>
+          <a:avLst/>
+          <a:gdLst/>
+          <a:ahLst/>
+          <a:cxnLst/>
+          <a:rect l="0" t="0" r="0" b="0"/>
+          <a:pathLst>
+            <a:path>
+              <a:moveTo>
+                <a:pt x="0" y="0"/>
+              </a:moveTo>
+              <a:lnTo>
+                <a:pt x="0" y="560337"/>
+              </a:lnTo>
+              <a:lnTo>
+                <a:pt x="149423" y="560337"/>
+              </a:lnTo>
+            </a:path>
+          </a:pathLst>
+        </a:custGeom>
+        <a:noFill/>
+        <a:ln w="12700" cap="flat" cmpd="sng" algn="ctr">
+          <a:solidFill>
+            <a:schemeClr val="accent1">
+              <a:shade val="60000"/>
+              <a:hueOff val="0"/>
+              <a:satOff val="0"/>
+              <a:lumOff val="0"/>
+              <a:alphaOff val="0"/>
+            </a:schemeClr>
+          </a:solidFill>
+          <a:prstDash val="solid"/>
+          <a:miter lim="800000"/>
+        </a:ln>
+        <a:effectLst/>
+      </dsp:spPr>
+      <dsp:style>
+        <a:lnRef idx="2">
+          <a:scrgbClr r="0" g="0" b="0"/>
+        </a:lnRef>
+        <a:fillRef idx="0">
+          <a:scrgbClr r="0" g="0" b="0"/>
+        </a:fillRef>
+        <a:effectRef idx="0">
+          <a:scrgbClr r="0" g="0" b="0"/>
+        </a:effectRef>
+        <a:fontRef idx="minor"/>
+      </dsp:style>
+    </dsp:sp>
+    <dsp:sp modelId="{DAF06F7F-6DD6-654A-A6BA-9EAAAC68791B}">
+      <dsp:nvSpPr>
+        <dsp:cNvPr id="0" name=""/>
+        <dsp:cNvSpPr/>
+      </dsp:nvSpPr>
+      <dsp:spPr>
+        <a:xfrm>
+          <a:off x="1912143" y="934930"/>
+          <a:ext cx="1195387" cy="747117"/>
+        </a:xfrm>
+        <a:prstGeom prst="roundRect">
+          <a:avLst>
+            <a:gd name="adj" fmla="val 10000"/>
+          </a:avLst>
+        </a:prstGeom>
+        <a:solidFill>
+          <a:schemeClr val="lt1">
+            <a:alpha val="90000"/>
+            <a:hueOff val="0"/>
+            <a:satOff val="0"/>
+            <a:lumOff val="0"/>
+            <a:alphaOff val="0"/>
+          </a:schemeClr>
+        </a:solidFill>
+        <a:ln w="12700" cap="flat" cmpd="sng" algn="ctr">
+          <a:solidFill>
+            <a:schemeClr val="accent1">
+              <a:hueOff val="0"/>
+              <a:satOff val="0"/>
+              <a:lumOff val="0"/>
+              <a:alphaOff val="0"/>
+            </a:schemeClr>
+          </a:solidFill>
+          <a:prstDash val="solid"/>
+          <a:miter lim="800000"/>
+        </a:ln>
+        <a:effectLst/>
+      </dsp:spPr>
+      <dsp:style>
+        <a:lnRef idx="2">
+          <a:scrgbClr r="0" g="0" b="0"/>
+        </a:lnRef>
+        <a:fillRef idx="1">
+          <a:scrgbClr r="0" g="0" b="0"/>
+        </a:fillRef>
+        <a:effectRef idx="0">
+          <a:scrgbClr r="0" g="0" b="0"/>
+        </a:effectRef>
+        <a:fontRef idx="minor"/>
+      </dsp:style>
+      <dsp:txBody>
+        <a:bodyPr spcFirstLastPara="0" vert="horz" wrap="square" lIns="26670" tIns="17780" rIns="26670" bIns="17780" numCol="1" spcCol="1270" anchor="ctr" anchorCtr="0">
+          <a:noAutofit/>
+        </a:bodyPr>
+        <a:lstStyle/>
+        <a:p>
+          <a:pPr lvl="0" algn="ctr" defTabSz="622300">
+            <a:lnSpc>
+              <a:spcPct val="90000"/>
+            </a:lnSpc>
+            <a:spcBef>
+              <a:spcPct val="0"/>
+            </a:spcBef>
+            <a:spcAft>
+              <a:spcPct val="35000"/>
+            </a:spcAft>
+          </a:pPr>
+          <a:r>
+            <a:rPr lang="en-US" sz="1400" kern="1200" dirty="0" smtClean="0">
+              <a:latin typeface="Arial" charset="0"/>
+              <a:ea typeface="Arial" charset="0"/>
+              <a:cs typeface="Arial" charset="0"/>
+            </a:rPr>
+            <a:t>Reduction</a:t>
+          </a:r>
+          <a:endParaRPr lang="en-US" sz="1400" kern="1200" dirty="0">
+            <a:latin typeface="Arial" charset="0"/>
+            <a:ea typeface="Arial" charset="0"/>
+            <a:cs typeface="Arial" charset="0"/>
+          </a:endParaRPr>
+        </a:p>
+      </dsp:txBody>
+      <dsp:txXfrm>
+        <a:off x="1934025" y="956812"/>
+        <a:ext cx="1151623" cy="703353"/>
+      </dsp:txXfrm>
+    </dsp:sp>
+    <dsp:sp modelId="{425ADCAB-5AEE-654D-A16F-9EC7D39403DE}">
+      <dsp:nvSpPr>
+        <dsp:cNvPr id="0" name=""/>
+        <dsp:cNvSpPr/>
+      </dsp:nvSpPr>
+      <dsp:spPr>
+        <a:xfrm>
+          <a:off x="1762720" y="748150"/>
+          <a:ext cx="149423" cy="1494234"/>
+        </a:xfrm>
+        <a:custGeom>
+          <a:avLst/>
+          <a:gdLst/>
+          <a:ahLst/>
+          <a:cxnLst/>
+          <a:rect l="0" t="0" r="0" b="0"/>
+          <a:pathLst>
+            <a:path>
+              <a:moveTo>
+                <a:pt x="0" y="0"/>
+              </a:moveTo>
+              <a:lnTo>
+                <a:pt x="0" y="1494234"/>
+              </a:lnTo>
+              <a:lnTo>
+                <a:pt x="149423" y="1494234"/>
+              </a:lnTo>
+            </a:path>
+          </a:pathLst>
+        </a:custGeom>
+        <a:noFill/>
+        <a:ln w="12700" cap="flat" cmpd="sng" algn="ctr">
+          <a:solidFill>
+            <a:schemeClr val="accent1">
+              <a:shade val="60000"/>
+              <a:hueOff val="0"/>
+              <a:satOff val="0"/>
+              <a:lumOff val="0"/>
+              <a:alphaOff val="0"/>
+            </a:schemeClr>
+          </a:solidFill>
+          <a:prstDash val="solid"/>
+          <a:miter lim="800000"/>
+        </a:ln>
+        <a:effectLst/>
+      </dsp:spPr>
+      <dsp:style>
+        <a:lnRef idx="2">
+          <a:scrgbClr r="0" g="0" b="0"/>
+        </a:lnRef>
+        <a:fillRef idx="0">
+          <a:scrgbClr r="0" g="0" b="0"/>
+        </a:fillRef>
+        <a:effectRef idx="0">
+          <a:scrgbClr r="0" g="0" b="0"/>
+        </a:effectRef>
+        <a:fontRef idx="minor"/>
+      </dsp:style>
+    </dsp:sp>
+    <dsp:sp modelId="{EACE30C1-74D4-0D4B-8FB6-99C2A1EB92E0}">
+      <dsp:nvSpPr>
+        <dsp:cNvPr id="0" name=""/>
+        <dsp:cNvSpPr/>
+      </dsp:nvSpPr>
+      <dsp:spPr>
+        <a:xfrm>
+          <a:off x="1912143" y="1868826"/>
+          <a:ext cx="1195387" cy="747117"/>
+        </a:xfrm>
+        <a:prstGeom prst="roundRect">
+          <a:avLst>
+            <a:gd name="adj" fmla="val 10000"/>
+          </a:avLst>
+        </a:prstGeom>
+        <a:solidFill>
+          <a:schemeClr val="lt1">
+            <a:alpha val="90000"/>
+            <a:hueOff val="0"/>
+            <a:satOff val="0"/>
+            <a:lumOff val="0"/>
+            <a:alphaOff val="0"/>
+          </a:schemeClr>
+        </a:solidFill>
+        <a:ln w="12700" cap="flat" cmpd="sng" algn="ctr">
+          <a:solidFill>
+            <a:schemeClr val="accent1">
+              <a:hueOff val="0"/>
+              <a:satOff val="0"/>
+              <a:lumOff val="0"/>
+              <a:alphaOff val="0"/>
+            </a:schemeClr>
+          </a:solidFill>
+          <a:prstDash val="solid"/>
+          <a:miter lim="800000"/>
+        </a:ln>
+        <a:effectLst/>
+      </dsp:spPr>
+      <dsp:style>
+        <a:lnRef idx="2">
+          <a:scrgbClr r="0" g="0" b="0"/>
+        </a:lnRef>
+        <a:fillRef idx="1">
+          <a:scrgbClr r="0" g="0" b="0"/>
+        </a:fillRef>
+        <a:effectRef idx="0">
+          <a:scrgbClr r="0" g="0" b="0"/>
+        </a:effectRef>
+        <a:fontRef idx="minor"/>
+      </dsp:style>
+      <dsp:txBody>
+        <a:bodyPr spcFirstLastPara="0" vert="horz" wrap="square" lIns="26670" tIns="17780" rIns="26670" bIns="17780" numCol="1" spcCol="1270" anchor="ctr" anchorCtr="0">
+          <a:noAutofit/>
+        </a:bodyPr>
+        <a:lstStyle/>
+        <a:p>
+          <a:pPr lvl="0" algn="ctr" defTabSz="622300">
+            <a:lnSpc>
+              <a:spcPct val="90000"/>
+            </a:lnSpc>
+            <a:spcBef>
+              <a:spcPct val="0"/>
+            </a:spcBef>
+            <a:spcAft>
+              <a:spcPct val="35000"/>
+            </a:spcAft>
+          </a:pPr>
+          <a:r>
+            <a:rPr lang="en-US" sz="1400" kern="1200" dirty="0" err="1" smtClean="0">
+              <a:latin typeface="Arial" charset="0"/>
+              <a:ea typeface="Arial" charset="0"/>
+              <a:cs typeface="Arial" charset="0"/>
+            </a:rPr>
+            <a:t>Tunnellng</a:t>
+          </a:r>
+          <a:endParaRPr lang="en-US" sz="1400" kern="1200" dirty="0">
+            <a:latin typeface="Arial" charset="0"/>
+            <a:ea typeface="Arial" charset="0"/>
+            <a:cs typeface="Arial" charset="0"/>
+          </a:endParaRPr>
+        </a:p>
+      </dsp:txBody>
+      <dsp:txXfrm>
+        <a:off x="1934025" y="1890708"/>
+        <a:ext cx="1151623" cy="703353"/>
+      </dsp:txXfrm>
+    </dsp:sp>
+    <dsp:sp modelId="{1B4E0D8A-F788-A248-B28C-3684EC21B9BA}">
+      <dsp:nvSpPr>
+        <dsp:cNvPr id="0" name=""/>
+        <dsp:cNvSpPr/>
+      </dsp:nvSpPr>
+      <dsp:spPr>
+        <a:xfrm>
+          <a:off x="3481089" y="1033"/>
+          <a:ext cx="1494234" cy="747117"/>
+        </a:xfrm>
+        <a:prstGeom prst="roundRect">
+          <a:avLst>
+            <a:gd name="adj" fmla="val 10000"/>
+          </a:avLst>
+        </a:prstGeom>
+        <a:solidFill>
+          <a:schemeClr val="accent1">
+            <a:hueOff val="0"/>
+            <a:satOff val="0"/>
+            <a:lumOff val="0"/>
+            <a:alphaOff val="0"/>
+          </a:schemeClr>
+        </a:solidFill>
+        <a:ln w="12700" cap="flat" cmpd="sng" algn="ctr">
+          <a:solidFill>
+            <a:schemeClr val="lt1">
+              <a:hueOff val="0"/>
+              <a:satOff val="0"/>
+              <a:lumOff val="0"/>
+              <a:alphaOff val="0"/>
+            </a:schemeClr>
+          </a:solidFill>
+          <a:prstDash val="solid"/>
+          <a:miter lim="800000"/>
+        </a:ln>
+        <a:effectLst/>
+      </dsp:spPr>
+      <dsp:style>
+        <a:lnRef idx="2">
+          <a:scrgbClr r="0" g="0" b="0"/>
+        </a:lnRef>
+        <a:fillRef idx="1">
+          <a:scrgbClr r="0" g="0" b="0"/>
+        </a:fillRef>
+        <a:effectRef idx="0">
+          <a:scrgbClr r="0" g="0" b="0"/>
+        </a:effectRef>
+        <a:fontRef idx="minor">
+          <a:schemeClr val="lt1"/>
+        </a:fontRef>
+      </dsp:style>
+      <dsp:txBody>
+        <a:bodyPr spcFirstLastPara="0" vert="horz" wrap="square" lIns="30480" tIns="20320" rIns="30480" bIns="20320" numCol="1" spcCol="1270" anchor="ctr" anchorCtr="0">
+          <a:noAutofit/>
+        </a:bodyPr>
+        <a:lstStyle/>
+        <a:p>
+          <a:pPr lvl="0" algn="ctr" defTabSz="711200">
+            <a:lnSpc>
+              <a:spcPct val="90000"/>
+            </a:lnSpc>
+            <a:spcBef>
+              <a:spcPct val="0"/>
+            </a:spcBef>
+            <a:spcAft>
+              <a:spcPct val="35000"/>
+            </a:spcAft>
+          </a:pPr>
+          <a:r>
+            <a:rPr lang="en-US" sz="1600" kern="1200" dirty="0" smtClean="0">
+              <a:latin typeface="Arial" charset="0"/>
+              <a:ea typeface="Arial" charset="0"/>
+              <a:cs typeface="Arial" charset="0"/>
+            </a:rPr>
+            <a:t>Personalization</a:t>
+          </a:r>
+          <a:endParaRPr lang="en-US" sz="1600" kern="1200" dirty="0">
+            <a:latin typeface="Arial" charset="0"/>
+            <a:ea typeface="Arial" charset="0"/>
+            <a:cs typeface="Arial" charset="0"/>
+          </a:endParaRPr>
+        </a:p>
+      </dsp:txBody>
+      <dsp:txXfrm>
+        <a:off x="3502971" y="22915"/>
+        <a:ext cx="1450470" cy="703353"/>
+      </dsp:txXfrm>
+    </dsp:sp>
+    <dsp:sp modelId="{F8FA0428-6C95-0444-8995-3D8D6A034DB8}">
+      <dsp:nvSpPr>
+        <dsp:cNvPr id="0" name=""/>
+        <dsp:cNvSpPr/>
+      </dsp:nvSpPr>
+      <dsp:spPr>
+        <a:xfrm>
+          <a:off x="3630513" y="748150"/>
+          <a:ext cx="149423" cy="560337"/>
+        </a:xfrm>
+        <a:custGeom>
+          <a:avLst/>
+          <a:gdLst/>
+          <a:ahLst/>
+          <a:cxnLst/>
+          <a:rect l="0" t="0" r="0" b="0"/>
+          <a:pathLst>
+            <a:path>
+              <a:moveTo>
+                <a:pt x="0" y="0"/>
+              </a:moveTo>
+              <a:lnTo>
+                <a:pt x="0" y="560337"/>
+              </a:lnTo>
+              <a:lnTo>
+                <a:pt x="149423" y="560337"/>
+              </a:lnTo>
+            </a:path>
+          </a:pathLst>
+        </a:custGeom>
+        <a:noFill/>
+        <a:ln w="12700" cap="flat" cmpd="sng" algn="ctr">
+          <a:solidFill>
+            <a:schemeClr val="accent1">
+              <a:shade val="60000"/>
+              <a:hueOff val="0"/>
+              <a:satOff val="0"/>
+              <a:lumOff val="0"/>
+              <a:alphaOff val="0"/>
+            </a:schemeClr>
+          </a:solidFill>
+          <a:prstDash val="solid"/>
+          <a:miter lim="800000"/>
+        </a:ln>
+        <a:effectLst/>
+      </dsp:spPr>
+      <dsp:style>
+        <a:lnRef idx="2">
+          <a:scrgbClr r="0" g="0" b="0"/>
+        </a:lnRef>
+        <a:fillRef idx="0">
+          <a:scrgbClr r="0" g="0" b="0"/>
+        </a:fillRef>
+        <a:effectRef idx="0">
+          <a:scrgbClr r="0" g="0" b="0"/>
+        </a:effectRef>
+        <a:fontRef idx="minor"/>
+      </dsp:style>
+    </dsp:sp>
+    <dsp:sp modelId="{82DD8AD6-A35F-334B-8D8A-354AED7702C5}">
+      <dsp:nvSpPr>
+        <dsp:cNvPr id="0" name=""/>
+        <dsp:cNvSpPr/>
+      </dsp:nvSpPr>
+      <dsp:spPr>
+        <a:xfrm>
+          <a:off x="3779936" y="934930"/>
+          <a:ext cx="1195387" cy="747117"/>
+        </a:xfrm>
+        <a:prstGeom prst="roundRect">
+          <a:avLst>
+            <a:gd name="adj" fmla="val 10000"/>
+          </a:avLst>
+        </a:prstGeom>
+        <a:solidFill>
+          <a:schemeClr val="lt1">
+            <a:alpha val="90000"/>
+            <a:hueOff val="0"/>
+            <a:satOff val="0"/>
+            <a:lumOff val="0"/>
+            <a:alphaOff val="0"/>
+          </a:schemeClr>
+        </a:solidFill>
+        <a:ln w="12700" cap="flat" cmpd="sng" algn="ctr">
+          <a:solidFill>
+            <a:schemeClr val="accent1">
+              <a:hueOff val="0"/>
+              <a:satOff val="0"/>
+              <a:lumOff val="0"/>
+              <a:alphaOff val="0"/>
+            </a:schemeClr>
+          </a:solidFill>
+          <a:prstDash val="solid"/>
+          <a:miter lim="800000"/>
+        </a:ln>
+        <a:effectLst/>
+      </dsp:spPr>
+      <dsp:style>
+        <a:lnRef idx="2">
+          <a:scrgbClr r="0" g="0" b="0"/>
+        </a:lnRef>
+        <a:fillRef idx="1">
+          <a:scrgbClr r="0" g="0" b="0"/>
+        </a:fillRef>
+        <a:effectRef idx="0">
+          <a:scrgbClr r="0" g="0" b="0"/>
+        </a:effectRef>
+        <a:fontRef idx="minor"/>
+      </dsp:style>
+      <dsp:txBody>
+        <a:bodyPr spcFirstLastPara="0" vert="horz" wrap="square" lIns="26670" tIns="17780" rIns="26670" bIns="17780" numCol="1" spcCol="1270" anchor="ctr" anchorCtr="0">
+          <a:noAutofit/>
+        </a:bodyPr>
+        <a:lstStyle/>
+        <a:p>
+          <a:pPr lvl="0" algn="ctr" defTabSz="622300">
+            <a:lnSpc>
+              <a:spcPct val="90000"/>
+            </a:lnSpc>
+            <a:spcBef>
+              <a:spcPct val="0"/>
+            </a:spcBef>
+            <a:spcAft>
+              <a:spcPct val="35000"/>
+            </a:spcAft>
+          </a:pPr>
+          <a:r>
+            <a:rPr lang="en-US" sz="1400" kern="1200" dirty="0" smtClean="0">
+              <a:latin typeface="Arial" charset="0"/>
+              <a:ea typeface="Arial" charset="0"/>
+              <a:cs typeface="Arial" charset="0"/>
+            </a:rPr>
+            <a:t>Tailoring</a:t>
+          </a:r>
+          <a:endParaRPr lang="en-US" sz="1400" kern="1200" dirty="0">
+            <a:latin typeface="Arial" charset="0"/>
+            <a:ea typeface="Arial" charset="0"/>
+            <a:cs typeface="Arial" charset="0"/>
+          </a:endParaRPr>
+        </a:p>
+      </dsp:txBody>
+      <dsp:txXfrm>
+        <a:off x="3801818" y="956812"/>
+        <a:ext cx="1151623" cy="703353"/>
+      </dsp:txXfrm>
+    </dsp:sp>
+    <dsp:sp modelId="{74975D5A-293D-3E4C-AE79-964A430B678B}">
+      <dsp:nvSpPr>
+        <dsp:cNvPr id="0" name=""/>
+        <dsp:cNvSpPr/>
+      </dsp:nvSpPr>
+      <dsp:spPr>
+        <a:xfrm>
+          <a:off x="3630513" y="748150"/>
+          <a:ext cx="149423" cy="1494234"/>
+        </a:xfrm>
+        <a:custGeom>
+          <a:avLst/>
+          <a:gdLst/>
+          <a:ahLst/>
+          <a:cxnLst/>
+          <a:rect l="0" t="0" r="0" b="0"/>
+          <a:pathLst>
+            <a:path>
+              <a:moveTo>
+                <a:pt x="0" y="0"/>
+              </a:moveTo>
+              <a:lnTo>
+                <a:pt x="0" y="1494234"/>
+              </a:lnTo>
+              <a:lnTo>
+                <a:pt x="149423" y="1494234"/>
+              </a:lnTo>
+            </a:path>
+          </a:pathLst>
+        </a:custGeom>
+        <a:noFill/>
+        <a:ln w="12700" cap="flat" cmpd="sng" algn="ctr">
+          <a:solidFill>
+            <a:schemeClr val="accent1">
+              <a:shade val="60000"/>
+              <a:hueOff val="0"/>
+              <a:satOff val="0"/>
+              <a:lumOff val="0"/>
+              <a:alphaOff val="0"/>
+            </a:schemeClr>
+          </a:solidFill>
+          <a:prstDash val="solid"/>
+          <a:miter lim="800000"/>
+        </a:ln>
+        <a:effectLst/>
+      </dsp:spPr>
+      <dsp:style>
+        <a:lnRef idx="2">
+          <a:scrgbClr r="0" g="0" b="0"/>
+        </a:lnRef>
+        <a:fillRef idx="0">
+          <a:scrgbClr r="0" g="0" b="0"/>
+        </a:fillRef>
+        <a:effectRef idx="0">
+          <a:scrgbClr r="0" g="0" b="0"/>
+        </a:effectRef>
+        <a:fontRef idx="minor"/>
+      </dsp:style>
+    </dsp:sp>
+    <dsp:sp modelId="{8A40A707-657B-0447-B0E4-F0A2B8F7E91C}">
+      <dsp:nvSpPr>
+        <dsp:cNvPr id="0" name=""/>
+        <dsp:cNvSpPr/>
+      </dsp:nvSpPr>
+      <dsp:spPr>
+        <a:xfrm>
+          <a:off x="3779936" y="1868826"/>
+          <a:ext cx="1195387" cy="747117"/>
+        </a:xfrm>
+        <a:prstGeom prst="roundRect">
+          <a:avLst>
+            <a:gd name="adj" fmla="val 10000"/>
+          </a:avLst>
+        </a:prstGeom>
+        <a:solidFill>
+          <a:schemeClr val="lt1">
+            <a:alpha val="90000"/>
+            <a:hueOff val="0"/>
+            <a:satOff val="0"/>
+            <a:lumOff val="0"/>
+            <a:alphaOff val="0"/>
+          </a:schemeClr>
+        </a:solidFill>
+        <a:ln w="12700" cap="flat" cmpd="sng" algn="ctr">
+          <a:solidFill>
+            <a:schemeClr val="accent1">
+              <a:hueOff val="0"/>
+              <a:satOff val="0"/>
+              <a:lumOff val="0"/>
+              <a:alphaOff val="0"/>
+            </a:schemeClr>
+          </a:solidFill>
+          <a:prstDash val="solid"/>
+          <a:miter lim="800000"/>
+        </a:ln>
+        <a:effectLst/>
+      </dsp:spPr>
+      <dsp:style>
+        <a:lnRef idx="2">
+          <a:scrgbClr r="0" g="0" b="0"/>
+        </a:lnRef>
+        <a:fillRef idx="1">
+          <a:scrgbClr r="0" g="0" b="0"/>
+        </a:fillRef>
+        <a:effectRef idx="0">
+          <a:scrgbClr r="0" g="0" b="0"/>
+        </a:effectRef>
+        <a:fontRef idx="minor"/>
+      </dsp:style>
+      <dsp:txBody>
+        <a:bodyPr spcFirstLastPara="0" vert="horz" wrap="square" lIns="26670" tIns="17780" rIns="26670" bIns="17780" numCol="1" spcCol="1270" anchor="ctr" anchorCtr="0">
+          <a:noAutofit/>
+        </a:bodyPr>
+        <a:lstStyle/>
+        <a:p>
+          <a:pPr lvl="0" algn="ctr" defTabSz="622300">
+            <a:lnSpc>
+              <a:spcPct val="90000"/>
+            </a:lnSpc>
+            <a:spcBef>
+              <a:spcPct val="0"/>
+            </a:spcBef>
+            <a:spcAft>
+              <a:spcPct val="35000"/>
+            </a:spcAft>
+          </a:pPr>
+          <a:r>
+            <a:rPr lang="en-US" sz="1400" kern="1200" dirty="0" smtClean="0">
+              <a:latin typeface="Arial" charset="0"/>
+              <a:ea typeface="Arial" charset="0"/>
+              <a:cs typeface="Arial" charset="0"/>
+            </a:rPr>
+            <a:t>Suggestion</a:t>
+          </a:r>
+          <a:endParaRPr lang="en-US" sz="1400" kern="1200" dirty="0">
+            <a:latin typeface="Arial" charset="0"/>
+            <a:ea typeface="Arial" charset="0"/>
+            <a:cs typeface="Arial" charset="0"/>
+          </a:endParaRPr>
+        </a:p>
+      </dsp:txBody>
+      <dsp:txXfrm>
+        <a:off x="3801818" y="1890708"/>
+        <a:ext cx="1151623" cy="703353"/>
+      </dsp:txXfrm>
+    </dsp:sp>
+    <dsp:sp modelId="{ECD01222-A7A5-B34E-AE7B-45CD8422F0EB}">
+      <dsp:nvSpPr>
+        <dsp:cNvPr id="0" name=""/>
+        <dsp:cNvSpPr/>
+      </dsp:nvSpPr>
+      <dsp:spPr>
+        <a:xfrm>
+          <a:off x="5348882" y="1033"/>
+          <a:ext cx="1494234" cy="747117"/>
+        </a:xfrm>
+        <a:prstGeom prst="roundRect">
+          <a:avLst>
+            <a:gd name="adj" fmla="val 10000"/>
+          </a:avLst>
+        </a:prstGeom>
+        <a:solidFill>
+          <a:schemeClr val="accent1">
+            <a:hueOff val="0"/>
+            <a:satOff val="0"/>
+            <a:lumOff val="0"/>
+            <a:alphaOff val="0"/>
+          </a:schemeClr>
+        </a:solidFill>
+        <a:ln w="12700" cap="flat" cmpd="sng" algn="ctr">
+          <a:solidFill>
+            <a:schemeClr val="lt1">
+              <a:hueOff val="0"/>
+              <a:satOff val="0"/>
+              <a:lumOff val="0"/>
+              <a:alphaOff val="0"/>
+            </a:schemeClr>
+          </a:solidFill>
+          <a:prstDash val="solid"/>
+          <a:miter lim="800000"/>
+        </a:ln>
+        <a:effectLst/>
+      </dsp:spPr>
+      <dsp:style>
+        <a:lnRef idx="2">
+          <a:scrgbClr r="0" g="0" b="0"/>
+        </a:lnRef>
+        <a:fillRef idx="1">
+          <a:scrgbClr r="0" g="0" b="0"/>
+        </a:fillRef>
+        <a:effectRef idx="0">
+          <a:scrgbClr r="0" g="0" b="0"/>
+        </a:effectRef>
+        <a:fontRef idx="minor">
+          <a:schemeClr val="lt1"/>
+        </a:fontRef>
+      </dsp:style>
+      <dsp:txBody>
+        <a:bodyPr spcFirstLastPara="0" vert="horz" wrap="square" lIns="30480" tIns="20320" rIns="30480" bIns="20320" numCol="1" spcCol="1270" anchor="ctr" anchorCtr="0">
+          <a:noAutofit/>
+        </a:bodyPr>
+        <a:lstStyle/>
+        <a:p>
+          <a:pPr lvl="0" algn="ctr" defTabSz="711200">
+            <a:lnSpc>
+              <a:spcPct val="90000"/>
+            </a:lnSpc>
+            <a:spcBef>
+              <a:spcPct val="0"/>
+            </a:spcBef>
+            <a:spcAft>
+              <a:spcPct val="35000"/>
+            </a:spcAft>
+          </a:pPr>
+          <a:r>
+            <a:rPr lang="en-US" sz="1600" kern="1200" dirty="0" smtClean="0">
+              <a:latin typeface="Arial" charset="0"/>
+              <a:ea typeface="Arial" charset="0"/>
+              <a:cs typeface="Arial" charset="0"/>
+            </a:rPr>
+            <a:t>Monitoring</a:t>
+          </a:r>
+          <a:endParaRPr lang="en-US" sz="1600" kern="1200" dirty="0">
+            <a:latin typeface="Arial" charset="0"/>
+            <a:ea typeface="Arial" charset="0"/>
+            <a:cs typeface="Arial" charset="0"/>
+          </a:endParaRPr>
+        </a:p>
+      </dsp:txBody>
+      <dsp:txXfrm>
+        <a:off x="5370764" y="22915"/>
+        <a:ext cx="1450470" cy="703353"/>
+      </dsp:txXfrm>
+    </dsp:sp>
+    <dsp:sp modelId="{0D696BF3-4D4D-EC45-9AC5-5B2EEA731470}">
+      <dsp:nvSpPr>
+        <dsp:cNvPr id="0" name=""/>
+        <dsp:cNvSpPr/>
+      </dsp:nvSpPr>
+      <dsp:spPr>
+        <a:xfrm>
+          <a:off x="5498306" y="748150"/>
+          <a:ext cx="149423" cy="560337"/>
+        </a:xfrm>
+        <a:custGeom>
+          <a:avLst/>
+          <a:gdLst/>
+          <a:ahLst/>
+          <a:cxnLst/>
+          <a:rect l="0" t="0" r="0" b="0"/>
+          <a:pathLst>
+            <a:path>
+              <a:moveTo>
+                <a:pt x="0" y="0"/>
+              </a:moveTo>
+              <a:lnTo>
+                <a:pt x="0" y="560337"/>
+              </a:lnTo>
+              <a:lnTo>
+                <a:pt x="149423" y="560337"/>
+              </a:lnTo>
+            </a:path>
+          </a:pathLst>
+        </a:custGeom>
+        <a:noFill/>
+        <a:ln w="12700" cap="flat" cmpd="sng" algn="ctr">
+          <a:solidFill>
+            <a:schemeClr val="accent1">
+              <a:shade val="60000"/>
+              <a:hueOff val="0"/>
+              <a:satOff val="0"/>
+              <a:lumOff val="0"/>
+              <a:alphaOff val="0"/>
+            </a:schemeClr>
+          </a:solidFill>
+          <a:prstDash val="solid"/>
+          <a:miter lim="800000"/>
+        </a:ln>
+        <a:effectLst/>
+      </dsp:spPr>
+      <dsp:style>
+        <a:lnRef idx="2">
+          <a:scrgbClr r="0" g="0" b="0"/>
+        </a:lnRef>
+        <a:fillRef idx="0">
+          <a:scrgbClr r="0" g="0" b="0"/>
+        </a:fillRef>
+        <a:effectRef idx="0">
+          <a:scrgbClr r="0" g="0" b="0"/>
+        </a:effectRef>
+        <a:fontRef idx="minor"/>
+      </dsp:style>
+    </dsp:sp>
+    <dsp:sp modelId="{FA54DEE1-1F92-6544-8E5B-7C1CF77C0E58}">
+      <dsp:nvSpPr>
+        <dsp:cNvPr id="0" name=""/>
+        <dsp:cNvSpPr/>
+      </dsp:nvSpPr>
+      <dsp:spPr>
+        <a:xfrm>
+          <a:off x="5647729" y="934930"/>
+          <a:ext cx="1195387" cy="747117"/>
+        </a:xfrm>
+        <a:prstGeom prst="roundRect">
+          <a:avLst>
+            <a:gd name="adj" fmla="val 10000"/>
+          </a:avLst>
+        </a:prstGeom>
+        <a:solidFill>
+          <a:schemeClr val="lt1">
+            <a:alpha val="90000"/>
+            <a:hueOff val="0"/>
+            <a:satOff val="0"/>
+            <a:lumOff val="0"/>
+            <a:alphaOff val="0"/>
+          </a:schemeClr>
+        </a:solidFill>
+        <a:ln w="12700" cap="flat" cmpd="sng" algn="ctr">
+          <a:solidFill>
+            <a:schemeClr val="accent1">
+              <a:hueOff val="0"/>
+              <a:satOff val="0"/>
+              <a:lumOff val="0"/>
+              <a:alphaOff val="0"/>
+            </a:schemeClr>
+          </a:solidFill>
+          <a:prstDash val="solid"/>
+          <a:miter lim="800000"/>
+        </a:ln>
+        <a:effectLst/>
+      </dsp:spPr>
+      <dsp:style>
+        <a:lnRef idx="2">
+          <a:scrgbClr r="0" g="0" b="0"/>
+        </a:lnRef>
+        <a:fillRef idx="1">
+          <a:scrgbClr r="0" g="0" b="0"/>
+        </a:fillRef>
+        <a:effectRef idx="0">
+          <a:scrgbClr r="0" g="0" b="0"/>
+        </a:effectRef>
+        <a:fontRef idx="minor"/>
+      </dsp:style>
+      <dsp:txBody>
+        <a:bodyPr spcFirstLastPara="0" vert="horz" wrap="square" lIns="26670" tIns="17780" rIns="26670" bIns="17780" numCol="1" spcCol="1270" anchor="ctr" anchorCtr="0">
+          <a:noAutofit/>
+        </a:bodyPr>
+        <a:lstStyle/>
+        <a:p>
+          <a:pPr lvl="0" algn="ctr" defTabSz="622300">
+            <a:lnSpc>
+              <a:spcPct val="90000"/>
+            </a:lnSpc>
+            <a:spcBef>
+              <a:spcPct val="0"/>
+            </a:spcBef>
+            <a:spcAft>
+              <a:spcPct val="35000"/>
+            </a:spcAft>
+          </a:pPr>
+          <a:r>
+            <a:rPr lang="en-US" sz="1400" kern="1200" dirty="0" smtClean="0">
+              <a:latin typeface="Arial" charset="0"/>
+              <a:ea typeface="Arial" charset="0"/>
+              <a:cs typeface="Arial" charset="0"/>
+            </a:rPr>
+            <a:t>Self-monitoring</a:t>
+          </a:r>
+          <a:endParaRPr lang="en-US" sz="1400" kern="1200" dirty="0">
+            <a:latin typeface="Arial" charset="0"/>
+            <a:ea typeface="Arial" charset="0"/>
+            <a:cs typeface="Arial" charset="0"/>
+          </a:endParaRPr>
+        </a:p>
+      </dsp:txBody>
+      <dsp:txXfrm>
+        <a:off x="5669611" y="956812"/>
+        <a:ext cx="1151623" cy="703353"/>
+      </dsp:txXfrm>
+    </dsp:sp>
+    <dsp:sp modelId="{57F603E1-D558-7742-9936-60A25E7A7733}">
+      <dsp:nvSpPr>
+        <dsp:cNvPr id="0" name=""/>
+        <dsp:cNvSpPr/>
+      </dsp:nvSpPr>
+      <dsp:spPr>
+        <a:xfrm>
+          <a:off x="5498306" y="748150"/>
+          <a:ext cx="149423" cy="1494234"/>
+        </a:xfrm>
+        <a:custGeom>
+          <a:avLst/>
+          <a:gdLst/>
+          <a:ahLst/>
+          <a:cxnLst/>
+          <a:rect l="0" t="0" r="0" b="0"/>
+          <a:pathLst>
+            <a:path>
+              <a:moveTo>
+                <a:pt x="0" y="0"/>
+              </a:moveTo>
+              <a:lnTo>
+                <a:pt x="0" y="1494234"/>
+              </a:lnTo>
+              <a:lnTo>
+                <a:pt x="149423" y="1494234"/>
+              </a:lnTo>
+            </a:path>
+          </a:pathLst>
+        </a:custGeom>
+        <a:noFill/>
+        <a:ln w="12700" cap="flat" cmpd="sng" algn="ctr">
+          <a:solidFill>
+            <a:schemeClr val="accent1">
+              <a:shade val="60000"/>
+              <a:hueOff val="0"/>
+              <a:satOff val="0"/>
+              <a:lumOff val="0"/>
+              <a:alphaOff val="0"/>
+            </a:schemeClr>
+          </a:solidFill>
+          <a:prstDash val="solid"/>
+          <a:miter lim="800000"/>
+        </a:ln>
+        <a:effectLst/>
+      </dsp:spPr>
+      <dsp:style>
+        <a:lnRef idx="2">
+          <a:scrgbClr r="0" g="0" b="0"/>
+        </a:lnRef>
+        <a:fillRef idx="0">
+          <a:scrgbClr r="0" g="0" b="0"/>
+        </a:fillRef>
+        <a:effectRef idx="0">
+          <a:scrgbClr r="0" g="0" b="0"/>
+        </a:effectRef>
+        <a:fontRef idx="minor"/>
+      </dsp:style>
+    </dsp:sp>
+    <dsp:sp modelId="{E1F6D5CA-21AA-0347-A80B-9F15C53D595B}">
+      <dsp:nvSpPr>
+        <dsp:cNvPr id="0" name=""/>
+        <dsp:cNvSpPr/>
+      </dsp:nvSpPr>
+      <dsp:spPr>
+        <a:xfrm>
+          <a:off x="5647729" y="1868826"/>
+          <a:ext cx="1195387" cy="747117"/>
+        </a:xfrm>
+        <a:prstGeom prst="roundRect">
+          <a:avLst>
+            <a:gd name="adj" fmla="val 10000"/>
+          </a:avLst>
+        </a:prstGeom>
+        <a:solidFill>
+          <a:schemeClr val="lt1">
+            <a:alpha val="90000"/>
+            <a:hueOff val="0"/>
+            <a:satOff val="0"/>
+            <a:lumOff val="0"/>
+            <a:alphaOff val="0"/>
+          </a:schemeClr>
+        </a:solidFill>
+        <a:ln w="12700" cap="flat" cmpd="sng" algn="ctr">
+          <a:solidFill>
+            <a:schemeClr val="accent1">
+              <a:hueOff val="0"/>
+              <a:satOff val="0"/>
+              <a:lumOff val="0"/>
+              <a:alphaOff val="0"/>
+            </a:schemeClr>
+          </a:solidFill>
+          <a:prstDash val="solid"/>
+          <a:miter lim="800000"/>
+        </a:ln>
+        <a:effectLst/>
+      </dsp:spPr>
+      <dsp:style>
+        <a:lnRef idx="2">
+          <a:scrgbClr r="0" g="0" b="0"/>
+        </a:lnRef>
+        <a:fillRef idx="1">
+          <a:scrgbClr r="0" g="0" b="0"/>
+        </a:fillRef>
+        <a:effectRef idx="0">
+          <a:scrgbClr r="0" g="0" b="0"/>
+        </a:effectRef>
+        <a:fontRef idx="minor"/>
+      </dsp:style>
+      <dsp:txBody>
+        <a:bodyPr spcFirstLastPara="0" vert="horz" wrap="square" lIns="26670" tIns="17780" rIns="26670" bIns="17780" numCol="1" spcCol="1270" anchor="ctr" anchorCtr="0">
+          <a:noAutofit/>
+        </a:bodyPr>
+        <a:lstStyle/>
+        <a:p>
+          <a:pPr lvl="0" algn="ctr" defTabSz="622300">
+            <a:lnSpc>
+              <a:spcPct val="90000"/>
+            </a:lnSpc>
+            <a:spcBef>
+              <a:spcPct val="0"/>
+            </a:spcBef>
+            <a:spcAft>
+              <a:spcPct val="35000"/>
+            </a:spcAft>
+          </a:pPr>
+          <a:r>
+            <a:rPr lang="en-US" sz="1400" kern="1200" dirty="0" smtClean="0">
+              <a:latin typeface="Arial" charset="0"/>
+              <a:ea typeface="Arial" charset="0"/>
+              <a:cs typeface="Arial" charset="0"/>
+            </a:rPr>
+            <a:t>Surveillance</a:t>
+          </a:r>
+          <a:endParaRPr lang="en-US" sz="1400" kern="1200" dirty="0">
+            <a:latin typeface="Arial" charset="0"/>
+            <a:ea typeface="Arial" charset="0"/>
+            <a:cs typeface="Arial" charset="0"/>
+          </a:endParaRPr>
+        </a:p>
+      </dsp:txBody>
+      <dsp:txXfrm>
+        <a:off x="5669611" y="1890708"/>
+        <a:ext cx="1151623" cy="703353"/>
+      </dsp:txXfrm>
+    </dsp:sp>
+    <dsp:sp modelId="{DAC803F2-4C9D-304C-B6B9-CFD9C895BA80}">
+      <dsp:nvSpPr>
+        <dsp:cNvPr id="0" name=""/>
+        <dsp:cNvSpPr/>
+      </dsp:nvSpPr>
+      <dsp:spPr>
+        <a:xfrm>
+          <a:off x="7216675" y="1033"/>
+          <a:ext cx="1494234" cy="747117"/>
+        </a:xfrm>
+        <a:prstGeom prst="roundRect">
+          <a:avLst>
+            <a:gd name="adj" fmla="val 10000"/>
+          </a:avLst>
+        </a:prstGeom>
+        <a:solidFill>
+          <a:schemeClr val="accent1">
+            <a:hueOff val="0"/>
+            <a:satOff val="0"/>
+            <a:lumOff val="0"/>
+            <a:alphaOff val="0"/>
+          </a:schemeClr>
+        </a:solidFill>
+        <a:ln w="12700" cap="flat" cmpd="sng" algn="ctr">
+          <a:solidFill>
+            <a:schemeClr val="lt1">
+              <a:hueOff val="0"/>
+              <a:satOff val="0"/>
+              <a:lumOff val="0"/>
+              <a:alphaOff val="0"/>
+            </a:schemeClr>
+          </a:solidFill>
+          <a:prstDash val="solid"/>
+          <a:miter lim="800000"/>
+        </a:ln>
+        <a:effectLst/>
+      </dsp:spPr>
+      <dsp:style>
+        <a:lnRef idx="2">
+          <a:scrgbClr r="0" g="0" b="0"/>
+        </a:lnRef>
+        <a:fillRef idx="1">
+          <a:scrgbClr r="0" g="0" b="0"/>
+        </a:fillRef>
+        <a:effectRef idx="0">
+          <a:scrgbClr r="0" g="0" b="0"/>
+        </a:effectRef>
+        <a:fontRef idx="minor">
+          <a:schemeClr val="lt1"/>
+        </a:fontRef>
+      </dsp:style>
+      <dsp:txBody>
+        <a:bodyPr spcFirstLastPara="0" vert="horz" wrap="square" lIns="30480" tIns="20320" rIns="30480" bIns="20320" numCol="1" spcCol="1270" anchor="ctr" anchorCtr="0">
+          <a:noAutofit/>
+        </a:bodyPr>
+        <a:lstStyle/>
+        <a:p>
+          <a:pPr lvl="0" algn="ctr" defTabSz="711200">
+            <a:lnSpc>
+              <a:spcPct val="90000"/>
+            </a:lnSpc>
+            <a:spcBef>
+              <a:spcPct val="0"/>
+            </a:spcBef>
+            <a:spcAft>
+              <a:spcPct val="35000"/>
+            </a:spcAft>
+          </a:pPr>
+          <a:r>
+            <a:rPr lang="en-US" sz="1600" kern="1200" dirty="0" smtClean="0">
+              <a:latin typeface="Arial" charset="0"/>
+              <a:ea typeface="Arial" charset="0"/>
+              <a:cs typeface="Arial" charset="0"/>
+            </a:rPr>
+            <a:t>Conditioning</a:t>
+          </a:r>
+          <a:endParaRPr lang="en-US" sz="1600" kern="1200" dirty="0">
+            <a:latin typeface="Arial" charset="0"/>
+            <a:ea typeface="Arial" charset="0"/>
+            <a:cs typeface="Arial" charset="0"/>
+          </a:endParaRPr>
+        </a:p>
+      </dsp:txBody>
+      <dsp:txXfrm>
+        <a:off x="7238557" y="22915"/>
+        <a:ext cx="1450470" cy="703353"/>
+      </dsp:txXfrm>
+    </dsp:sp>
+    <dsp:sp modelId="{569C69C0-4B8F-CB4A-B348-98874F5F220D}">
+      <dsp:nvSpPr>
+        <dsp:cNvPr id="0" name=""/>
+        <dsp:cNvSpPr/>
+      </dsp:nvSpPr>
+      <dsp:spPr>
+        <a:xfrm>
+          <a:off x="7366099" y="748150"/>
+          <a:ext cx="149423" cy="560337"/>
+        </a:xfrm>
+        <a:custGeom>
+          <a:avLst/>
+          <a:gdLst/>
+          <a:ahLst/>
+          <a:cxnLst/>
+          <a:rect l="0" t="0" r="0" b="0"/>
+          <a:pathLst>
+            <a:path>
+              <a:moveTo>
+                <a:pt x="0" y="0"/>
+              </a:moveTo>
+              <a:lnTo>
+                <a:pt x="0" y="560337"/>
+              </a:lnTo>
+              <a:lnTo>
+                <a:pt x="149423" y="560337"/>
+              </a:lnTo>
+            </a:path>
+          </a:pathLst>
+        </a:custGeom>
+        <a:noFill/>
+        <a:ln w="12700" cap="flat" cmpd="sng" algn="ctr">
+          <a:solidFill>
+            <a:schemeClr val="accent1">
+              <a:shade val="60000"/>
+              <a:hueOff val="0"/>
+              <a:satOff val="0"/>
+              <a:lumOff val="0"/>
+              <a:alphaOff val="0"/>
+            </a:schemeClr>
+          </a:solidFill>
+          <a:prstDash val="solid"/>
+          <a:miter lim="800000"/>
+        </a:ln>
+        <a:effectLst/>
+      </dsp:spPr>
+      <dsp:style>
+        <a:lnRef idx="2">
+          <a:scrgbClr r="0" g="0" b="0"/>
+        </a:lnRef>
+        <a:fillRef idx="0">
+          <a:scrgbClr r="0" g="0" b="0"/>
+        </a:fillRef>
+        <a:effectRef idx="0">
+          <a:scrgbClr r="0" g="0" b="0"/>
+        </a:effectRef>
+        <a:fontRef idx="minor"/>
+      </dsp:style>
+    </dsp:sp>
+    <dsp:sp modelId="{6044E130-D541-744F-88ED-F7D7FFDA4C7D}">
+      <dsp:nvSpPr>
+        <dsp:cNvPr id="0" name=""/>
+        <dsp:cNvSpPr/>
+      </dsp:nvSpPr>
+      <dsp:spPr>
+        <a:xfrm>
+          <a:off x="7515522" y="934930"/>
+          <a:ext cx="1195387" cy="747117"/>
+        </a:xfrm>
+        <a:prstGeom prst="roundRect">
+          <a:avLst>
+            <a:gd name="adj" fmla="val 10000"/>
+          </a:avLst>
+        </a:prstGeom>
+        <a:solidFill>
+          <a:schemeClr val="lt1">
+            <a:alpha val="90000"/>
+            <a:hueOff val="0"/>
+            <a:satOff val="0"/>
+            <a:lumOff val="0"/>
+            <a:alphaOff val="0"/>
+          </a:schemeClr>
+        </a:solidFill>
+        <a:ln w="12700" cap="flat" cmpd="sng" algn="ctr">
+          <a:solidFill>
+            <a:schemeClr val="accent1">
+              <a:hueOff val="0"/>
+              <a:satOff val="0"/>
+              <a:lumOff val="0"/>
+              <a:alphaOff val="0"/>
+            </a:schemeClr>
+          </a:solidFill>
+          <a:prstDash val="solid"/>
+          <a:miter lim="800000"/>
+        </a:ln>
+        <a:effectLst/>
+      </dsp:spPr>
+      <dsp:style>
+        <a:lnRef idx="2">
+          <a:scrgbClr r="0" g="0" b="0"/>
+        </a:lnRef>
+        <a:fillRef idx="1">
+          <a:scrgbClr r="0" g="0" b="0"/>
+        </a:fillRef>
+        <a:effectRef idx="0">
+          <a:scrgbClr r="0" g="0" b="0"/>
+        </a:effectRef>
+        <a:fontRef idx="minor"/>
+      </dsp:style>
+      <dsp:txBody>
+        <a:bodyPr spcFirstLastPara="0" vert="horz" wrap="square" lIns="26670" tIns="17780" rIns="26670" bIns="17780" numCol="1" spcCol="1270" anchor="ctr" anchorCtr="0">
+          <a:noAutofit/>
+        </a:bodyPr>
+        <a:lstStyle/>
+        <a:p>
+          <a:pPr lvl="0" algn="ctr" defTabSz="622300">
+            <a:lnSpc>
+              <a:spcPct val="90000"/>
+            </a:lnSpc>
+            <a:spcBef>
+              <a:spcPct val="0"/>
+            </a:spcBef>
+            <a:spcAft>
+              <a:spcPct val="35000"/>
+            </a:spcAft>
+          </a:pPr>
+          <a:r>
+            <a:rPr lang="en-US" sz="1400" kern="1200" dirty="0" smtClean="0">
+              <a:latin typeface="Arial" charset="0"/>
+              <a:ea typeface="Arial" charset="0"/>
+              <a:cs typeface="Arial" charset="0"/>
+            </a:rPr>
+            <a:t>Conditioning</a:t>
+          </a:r>
+          <a:endParaRPr lang="en-US" sz="1400" kern="1200" dirty="0">
+            <a:latin typeface="Arial" charset="0"/>
+            <a:ea typeface="Arial" charset="0"/>
+            <a:cs typeface="Arial" charset="0"/>
+          </a:endParaRPr>
+        </a:p>
+      </dsp:txBody>
+      <dsp:txXfrm>
+        <a:off x="7537404" y="956812"/>
+        <a:ext cx="1151623" cy="703353"/>
+      </dsp:txXfrm>
+    </dsp:sp>
+    <dsp:sp modelId="{20A5258F-3293-A44C-98CF-417D0AD3C7EC}">
+      <dsp:nvSpPr>
+        <dsp:cNvPr id="0" name=""/>
+        <dsp:cNvSpPr/>
+      </dsp:nvSpPr>
+      <dsp:spPr>
+        <a:xfrm>
+          <a:off x="9427440" y="1033"/>
+          <a:ext cx="1494234" cy="747117"/>
+        </a:xfrm>
+        <a:prstGeom prst="roundRect">
+          <a:avLst>
+            <a:gd name="adj" fmla="val 10000"/>
+          </a:avLst>
+        </a:prstGeom>
+        <a:solidFill>
+          <a:schemeClr val="accent1">
+            <a:hueOff val="0"/>
+            <a:satOff val="0"/>
+            <a:lumOff val="0"/>
+            <a:alphaOff val="0"/>
+          </a:schemeClr>
+        </a:solidFill>
+        <a:ln w="12700" cap="flat" cmpd="sng" algn="ctr">
+          <a:solidFill>
+            <a:schemeClr val="lt1">
+              <a:hueOff val="0"/>
+              <a:satOff val="0"/>
+              <a:lumOff val="0"/>
+              <a:alphaOff val="0"/>
+            </a:schemeClr>
+          </a:solidFill>
+          <a:prstDash val="solid"/>
+          <a:miter lim="800000"/>
+        </a:ln>
+        <a:effectLst/>
+      </dsp:spPr>
+      <dsp:style>
+        <a:lnRef idx="2">
+          <a:scrgbClr r="0" g="0" b="0"/>
+        </a:lnRef>
+        <a:fillRef idx="1">
+          <a:scrgbClr r="0" g="0" b="0"/>
+        </a:fillRef>
+        <a:effectRef idx="0">
+          <a:scrgbClr r="0" g="0" b="0"/>
+        </a:effectRef>
+        <a:fontRef idx="minor">
+          <a:schemeClr val="lt1"/>
+        </a:fontRef>
+      </dsp:style>
+      <dsp:txBody>
+        <a:bodyPr spcFirstLastPara="0" vert="horz" wrap="square" lIns="30480" tIns="20320" rIns="30480" bIns="20320" numCol="1" spcCol="1270" anchor="ctr" anchorCtr="0">
+          <a:noAutofit/>
+        </a:bodyPr>
+        <a:lstStyle/>
+        <a:p>
+          <a:pPr lvl="0" algn="ctr" defTabSz="711200">
+            <a:lnSpc>
+              <a:spcPct val="90000"/>
+            </a:lnSpc>
+            <a:spcBef>
+              <a:spcPct val="0"/>
+            </a:spcBef>
+            <a:spcAft>
+              <a:spcPct val="35000"/>
+            </a:spcAft>
+          </a:pPr>
+          <a:r>
+            <a:rPr lang="en-US" sz="1600" kern="1200" dirty="0" smtClean="0">
+              <a:latin typeface="Arial" charset="0"/>
+              <a:ea typeface="Arial" charset="0"/>
+              <a:cs typeface="Arial" charset="0"/>
+            </a:rPr>
+            <a:t>Social Interactions</a:t>
+          </a:r>
+          <a:endParaRPr lang="en-US" sz="1600" kern="1200" dirty="0">
+            <a:latin typeface="Arial" charset="0"/>
+            <a:ea typeface="Arial" charset="0"/>
+            <a:cs typeface="Arial" charset="0"/>
+          </a:endParaRPr>
+        </a:p>
+      </dsp:txBody>
+      <dsp:txXfrm>
+        <a:off x="9449322" y="22915"/>
+        <a:ext cx="1450470" cy="703353"/>
+      </dsp:txXfrm>
+    </dsp:sp>
+    <dsp:sp modelId="{121EEA73-2743-C248-B1E8-8184161B6D93}">
+      <dsp:nvSpPr>
+        <dsp:cNvPr id="0" name=""/>
+        <dsp:cNvSpPr/>
+      </dsp:nvSpPr>
+      <dsp:spPr>
+        <a:xfrm>
+          <a:off x="9576863" y="748150"/>
+          <a:ext cx="771488" cy="560337"/>
+        </a:xfrm>
+        <a:custGeom>
+          <a:avLst/>
+          <a:gdLst/>
+          <a:ahLst/>
+          <a:cxnLst/>
+          <a:rect l="0" t="0" r="0" b="0"/>
+          <a:pathLst>
+            <a:path>
+              <a:moveTo>
+                <a:pt x="0" y="0"/>
+              </a:moveTo>
+              <a:lnTo>
+                <a:pt x="0" y="560337"/>
+              </a:lnTo>
+              <a:lnTo>
+                <a:pt x="771488" y="560337"/>
+              </a:lnTo>
+            </a:path>
+          </a:pathLst>
+        </a:custGeom>
+        <a:noFill/>
+        <a:ln w="12700" cap="flat" cmpd="sng" algn="ctr">
+          <a:solidFill>
+            <a:schemeClr val="accent1">
+              <a:shade val="60000"/>
+              <a:hueOff val="0"/>
+              <a:satOff val="0"/>
+              <a:lumOff val="0"/>
+              <a:alphaOff val="0"/>
+            </a:schemeClr>
+          </a:solidFill>
+          <a:prstDash val="solid"/>
+          <a:miter lim="800000"/>
+        </a:ln>
+        <a:effectLst/>
+      </dsp:spPr>
+      <dsp:style>
+        <a:lnRef idx="2">
+          <a:scrgbClr r="0" g="0" b="0"/>
+        </a:lnRef>
+        <a:fillRef idx="0">
+          <a:scrgbClr r="0" g="0" b="0"/>
+        </a:fillRef>
+        <a:effectRef idx="0">
+          <a:scrgbClr r="0" g="0" b="0"/>
+        </a:effectRef>
+        <a:fontRef idx="minor"/>
+      </dsp:style>
+    </dsp:sp>
+    <dsp:sp modelId="{39445053-7360-DA48-AEB9-07F2FD7B54C7}">
+      <dsp:nvSpPr>
+        <dsp:cNvPr id="0" name=""/>
+        <dsp:cNvSpPr/>
+      </dsp:nvSpPr>
+      <dsp:spPr>
+        <a:xfrm>
+          <a:off x="10348351" y="934930"/>
+          <a:ext cx="1195387" cy="747117"/>
+        </a:xfrm>
+        <a:prstGeom prst="roundRect">
+          <a:avLst>
+            <a:gd name="adj" fmla="val 10000"/>
+          </a:avLst>
+        </a:prstGeom>
+        <a:solidFill>
+          <a:schemeClr val="lt1">
+            <a:alpha val="90000"/>
+            <a:hueOff val="0"/>
+            <a:satOff val="0"/>
+            <a:lumOff val="0"/>
+            <a:alphaOff val="0"/>
+          </a:schemeClr>
+        </a:solidFill>
+        <a:ln w="12700" cap="flat" cmpd="sng" algn="ctr">
+          <a:solidFill>
+            <a:schemeClr val="accent1">
+              <a:hueOff val="0"/>
+              <a:satOff val="0"/>
+              <a:lumOff val="0"/>
+              <a:alphaOff val="0"/>
+            </a:schemeClr>
+          </a:solidFill>
+          <a:prstDash val="solid"/>
+          <a:miter lim="800000"/>
+        </a:ln>
+        <a:effectLst/>
+      </dsp:spPr>
+      <dsp:style>
+        <a:lnRef idx="2">
+          <a:scrgbClr r="0" g="0" b="0"/>
+        </a:lnRef>
+        <a:fillRef idx="1">
+          <a:scrgbClr r="0" g="0" b="0"/>
+        </a:fillRef>
+        <a:effectRef idx="0">
+          <a:scrgbClr r="0" g="0" b="0"/>
+        </a:effectRef>
+        <a:fontRef idx="minor"/>
+      </dsp:style>
+      <dsp:txBody>
+        <a:bodyPr spcFirstLastPara="0" vert="horz" wrap="square" lIns="26670" tIns="17780" rIns="26670" bIns="17780" numCol="1" spcCol="1270" anchor="ctr" anchorCtr="0">
+          <a:noAutofit/>
+        </a:bodyPr>
+        <a:lstStyle/>
+        <a:p>
+          <a:pPr lvl="0" algn="ctr" defTabSz="622300">
+            <a:lnSpc>
+              <a:spcPct val="90000"/>
+            </a:lnSpc>
+            <a:spcBef>
+              <a:spcPct val="0"/>
+            </a:spcBef>
+            <a:spcAft>
+              <a:spcPct val="35000"/>
+            </a:spcAft>
+          </a:pPr>
+          <a:r>
+            <a:rPr lang="en-US" sz="1400" kern="1200" dirty="0" smtClean="0">
+              <a:latin typeface="Arial" charset="0"/>
+              <a:ea typeface="Arial" charset="0"/>
+              <a:cs typeface="Arial" charset="0"/>
+            </a:rPr>
+            <a:t>Physical</a:t>
+          </a:r>
+          <a:endParaRPr lang="en-US" sz="1400" kern="1200" dirty="0">
+            <a:latin typeface="Arial" charset="0"/>
+            <a:ea typeface="Arial" charset="0"/>
+            <a:cs typeface="Arial" charset="0"/>
+          </a:endParaRPr>
+        </a:p>
+      </dsp:txBody>
+      <dsp:txXfrm>
+        <a:off x="10370233" y="956812"/>
+        <a:ext cx="1151623" cy="703353"/>
+      </dsp:txXfrm>
+    </dsp:sp>
+    <dsp:sp modelId="{8E91B9D2-2447-7346-B58E-4F0D9F3F3A6D}">
+      <dsp:nvSpPr>
+        <dsp:cNvPr id="0" name=""/>
+        <dsp:cNvSpPr/>
+      </dsp:nvSpPr>
+      <dsp:spPr>
+        <a:xfrm>
+          <a:off x="8887851" y="748150"/>
+          <a:ext cx="689012" cy="2334741"/>
+        </a:xfrm>
+        <a:custGeom>
+          <a:avLst/>
+          <a:gdLst/>
+          <a:ahLst/>
+          <a:cxnLst/>
+          <a:rect l="0" t="0" r="0" b="0"/>
+          <a:pathLst>
+            <a:path>
+              <a:moveTo>
+                <a:pt x="689012" y="0"/>
+              </a:moveTo>
+              <a:lnTo>
+                <a:pt x="0" y="2334741"/>
+              </a:lnTo>
+            </a:path>
+          </a:pathLst>
+        </a:custGeom>
+        <a:noFill/>
+        <a:ln w="12700" cap="flat" cmpd="sng" algn="ctr">
+          <a:solidFill>
+            <a:schemeClr val="accent1">
+              <a:shade val="60000"/>
+              <a:hueOff val="0"/>
+              <a:satOff val="0"/>
+              <a:lumOff val="0"/>
+              <a:alphaOff val="0"/>
+            </a:schemeClr>
+          </a:solidFill>
+          <a:prstDash val="solid"/>
+          <a:miter lim="800000"/>
+        </a:ln>
+        <a:effectLst/>
+      </dsp:spPr>
+      <dsp:style>
+        <a:lnRef idx="2">
+          <a:scrgbClr r="0" g="0" b="0"/>
+        </a:lnRef>
+        <a:fillRef idx="0">
+          <a:scrgbClr r="0" g="0" b="0"/>
+        </a:fillRef>
+        <a:effectRef idx="0">
+          <a:scrgbClr r="0" g="0" b="0"/>
+        </a:effectRef>
+        <a:fontRef idx="minor"/>
+      </dsp:style>
+    </dsp:sp>
+    <dsp:sp modelId="{1B911BA6-754C-9146-80F0-1AF6120E60AB}">
+      <dsp:nvSpPr>
+        <dsp:cNvPr id="0" name=""/>
+        <dsp:cNvSpPr/>
+      </dsp:nvSpPr>
+      <dsp:spPr>
+        <a:xfrm>
+          <a:off x="8887851" y="2709333"/>
+          <a:ext cx="1195387" cy="747117"/>
+        </a:xfrm>
+        <a:prstGeom prst="roundRect">
+          <a:avLst>
+            <a:gd name="adj" fmla="val 10000"/>
+          </a:avLst>
+        </a:prstGeom>
+        <a:solidFill>
+          <a:schemeClr val="lt1">
+            <a:alpha val="90000"/>
+            <a:hueOff val="0"/>
+            <a:satOff val="0"/>
+            <a:lumOff val="0"/>
+            <a:alphaOff val="0"/>
+          </a:schemeClr>
+        </a:solidFill>
+        <a:ln w="12700" cap="flat" cmpd="sng" algn="ctr">
+          <a:solidFill>
+            <a:schemeClr val="accent1">
+              <a:hueOff val="0"/>
+              <a:satOff val="0"/>
+              <a:lumOff val="0"/>
+              <a:alphaOff val="0"/>
+            </a:schemeClr>
+          </a:solidFill>
+          <a:prstDash val="solid"/>
+          <a:miter lim="800000"/>
+        </a:ln>
+        <a:effectLst/>
+      </dsp:spPr>
+      <dsp:style>
+        <a:lnRef idx="2">
+          <a:scrgbClr r="0" g="0" b="0"/>
+        </a:lnRef>
+        <a:fillRef idx="1">
+          <a:scrgbClr r="0" g="0" b="0"/>
+        </a:fillRef>
+        <a:effectRef idx="0">
+          <a:scrgbClr r="0" g="0" b="0"/>
+        </a:effectRef>
+        <a:fontRef idx="minor"/>
+      </dsp:style>
+      <dsp:txBody>
+        <a:bodyPr spcFirstLastPara="0" vert="horz" wrap="square" lIns="26670" tIns="17780" rIns="26670" bIns="17780" numCol="1" spcCol="1270" anchor="ctr" anchorCtr="0">
+          <a:noAutofit/>
+        </a:bodyPr>
+        <a:lstStyle/>
+        <a:p>
+          <a:pPr lvl="0" algn="ctr" defTabSz="622300">
+            <a:lnSpc>
+              <a:spcPct val="90000"/>
+            </a:lnSpc>
+            <a:spcBef>
+              <a:spcPct val="0"/>
+            </a:spcBef>
+            <a:spcAft>
+              <a:spcPct val="35000"/>
+            </a:spcAft>
+          </a:pPr>
+          <a:r>
+            <a:rPr lang="en-US" sz="1400" kern="1200" dirty="0" smtClean="0">
+              <a:latin typeface="Arial" charset="0"/>
+              <a:ea typeface="Arial" charset="0"/>
+              <a:cs typeface="Arial" charset="0"/>
+            </a:rPr>
+            <a:t>Language</a:t>
+          </a:r>
+          <a:endParaRPr lang="en-US" sz="1400" kern="1200" dirty="0">
+            <a:latin typeface="Arial" charset="0"/>
+            <a:ea typeface="Arial" charset="0"/>
+            <a:cs typeface="Arial" charset="0"/>
+          </a:endParaRPr>
+        </a:p>
+      </dsp:txBody>
+      <dsp:txXfrm>
+        <a:off x="8909733" y="2731215"/>
+        <a:ext cx="1151623" cy="703353"/>
+      </dsp:txXfrm>
+    </dsp:sp>
+    <dsp:sp modelId="{FA9E8C03-F4F5-6745-BD12-E9E5867A878E}">
+      <dsp:nvSpPr>
+        <dsp:cNvPr id="0" name=""/>
+        <dsp:cNvSpPr/>
+      </dsp:nvSpPr>
+      <dsp:spPr>
+        <a:xfrm>
+          <a:off x="8862449" y="748150"/>
+          <a:ext cx="714414" cy="1475631"/>
+        </a:xfrm>
+        <a:custGeom>
+          <a:avLst/>
+          <a:gdLst/>
+          <a:ahLst/>
+          <a:cxnLst/>
+          <a:rect l="0" t="0" r="0" b="0"/>
+          <a:pathLst>
+            <a:path>
+              <a:moveTo>
+                <a:pt x="714414" y="0"/>
+              </a:moveTo>
+              <a:lnTo>
+                <a:pt x="0" y="1475631"/>
+              </a:lnTo>
+            </a:path>
+          </a:pathLst>
+        </a:custGeom>
+        <a:noFill/>
+        <a:ln w="12700" cap="flat" cmpd="sng" algn="ctr">
+          <a:solidFill>
+            <a:schemeClr val="accent1">
+              <a:shade val="60000"/>
+              <a:hueOff val="0"/>
+              <a:satOff val="0"/>
+              <a:lumOff val="0"/>
+              <a:alphaOff val="0"/>
+            </a:schemeClr>
+          </a:solidFill>
+          <a:prstDash val="solid"/>
+          <a:miter lim="800000"/>
+        </a:ln>
+        <a:effectLst/>
+      </dsp:spPr>
+      <dsp:style>
+        <a:lnRef idx="2">
+          <a:scrgbClr r="0" g="0" b="0"/>
+        </a:lnRef>
+        <a:fillRef idx="0">
+          <a:scrgbClr r="0" g="0" b="0"/>
+        </a:fillRef>
+        <a:effectRef idx="0">
+          <a:scrgbClr r="0" g="0" b="0"/>
+        </a:effectRef>
+        <a:fontRef idx="minor"/>
+      </dsp:style>
+    </dsp:sp>
+    <dsp:sp modelId="{F4DD8FCC-EA79-3D4B-AC2A-A1D151F51E5F}">
+      <dsp:nvSpPr>
+        <dsp:cNvPr id="0" name=""/>
+        <dsp:cNvSpPr/>
+      </dsp:nvSpPr>
+      <dsp:spPr>
+        <a:xfrm>
+          <a:off x="8862449" y="1850223"/>
+          <a:ext cx="1195387" cy="747117"/>
+        </a:xfrm>
+        <a:prstGeom prst="roundRect">
+          <a:avLst>
+            <a:gd name="adj" fmla="val 10000"/>
+          </a:avLst>
+        </a:prstGeom>
+        <a:solidFill>
+          <a:schemeClr val="lt1">
+            <a:alpha val="90000"/>
+            <a:hueOff val="0"/>
+            <a:satOff val="0"/>
+            <a:lumOff val="0"/>
+            <a:alphaOff val="0"/>
+          </a:schemeClr>
+        </a:solidFill>
+        <a:ln w="12700" cap="flat" cmpd="sng" algn="ctr">
+          <a:solidFill>
+            <a:schemeClr val="accent1">
+              <a:hueOff val="0"/>
+              <a:satOff val="0"/>
+              <a:lumOff val="0"/>
+              <a:alphaOff val="0"/>
+            </a:schemeClr>
+          </a:solidFill>
+          <a:prstDash val="solid"/>
+          <a:miter lim="800000"/>
+        </a:ln>
+        <a:effectLst/>
+      </dsp:spPr>
+      <dsp:style>
+        <a:lnRef idx="2">
+          <a:scrgbClr r="0" g="0" b="0"/>
+        </a:lnRef>
+        <a:fillRef idx="1">
+          <a:scrgbClr r="0" g="0" b="0"/>
+        </a:fillRef>
+        <a:effectRef idx="0">
+          <a:scrgbClr r="0" g="0" b="0"/>
+        </a:effectRef>
+        <a:fontRef idx="minor"/>
+      </dsp:style>
+      <dsp:txBody>
+        <a:bodyPr spcFirstLastPara="0" vert="horz" wrap="square" lIns="26670" tIns="17780" rIns="26670" bIns="17780" numCol="1" spcCol="1270" anchor="ctr" anchorCtr="0">
+          <a:noAutofit/>
+        </a:bodyPr>
+        <a:lstStyle/>
+        <a:p>
+          <a:pPr lvl="0" algn="ctr" defTabSz="622300">
+            <a:lnSpc>
+              <a:spcPct val="90000"/>
+            </a:lnSpc>
+            <a:spcBef>
+              <a:spcPct val="0"/>
+            </a:spcBef>
+            <a:spcAft>
+              <a:spcPct val="35000"/>
+            </a:spcAft>
+          </a:pPr>
+          <a:r>
+            <a:rPr lang="en-US" sz="1400" kern="1200" dirty="0" smtClean="0">
+              <a:latin typeface="Arial" charset="0"/>
+              <a:ea typeface="Arial" charset="0"/>
+              <a:cs typeface="Arial" charset="0"/>
+            </a:rPr>
+            <a:t>Psychological</a:t>
+          </a:r>
+        </a:p>
+      </dsp:txBody>
+      <dsp:txXfrm>
+        <a:off x="8884331" y="1872105"/>
+        <a:ext cx="1151623" cy="703353"/>
+      </dsp:txXfrm>
+    </dsp:sp>
+    <dsp:sp modelId="{7179267B-045A-B446-8187-E278D4005E00}">
+      <dsp:nvSpPr>
+        <dsp:cNvPr id="0" name=""/>
+        <dsp:cNvSpPr/>
+      </dsp:nvSpPr>
+      <dsp:spPr>
+        <a:xfrm>
+          <a:off x="9576863" y="748150"/>
+          <a:ext cx="771488" cy="1471140"/>
+        </a:xfrm>
+        <a:custGeom>
+          <a:avLst/>
+          <a:gdLst/>
+          <a:ahLst/>
+          <a:cxnLst/>
+          <a:rect l="0" t="0" r="0" b="0"/>
+          <a:pathLst>
+            <a:path>
+              <a:moveTo>
+                <a:pt x="0" y="0"/>
+              </a:moveTo>
+              <a:lnTo>
+                <a:pt x="0" y="1471140"/>
+              </a:lnTo>
+              <a:lnTo>
+                <a:pt x="771488" y="1471140"/>
+              </a:lnTo>
+            </a:path>
+          </a:pathLst>
+        </a:custGeom>
+        <a:noFill/>
+        <a:ln w="12700" cap="flat" cmpd="sng" algn="ctr">
+          <a:solidFill>
+            <a:schemeClr val="accent1">
+              <a:shade val="60000"/>
+              <a:hueOff val="0"/>
+              <a:satOff val="0"/>
+              <a:lumOff val="0"/>
+              <a:alphaOff val="0"/>
+            </a:schemeClr>
+          </a:solidFill>
+          <a:prstDash val="solid"/>
+          <a:miter lim="800000"/>
+        </a:ln>
+        <a:effectLst/>
+      </dsp:spPr>
+      <dsp:style>
+        <a:lnRef idx="2">
+          <a:scrgbClr r="0" g="0" b="0"/>
+        </a:lnRef>
+        <a:fillRef idx="0">
+          <a:scrgbClr r="0" g="0" b="0"/>
+        </a:fillRef>
+        <a:effectRef idx="0">
+          <a:scrgbClr r="0" g="0" b="0"/>
+        </a:effectRef>
+        <a:fontRef idx="minor"/>
+      </dsp:style>
+    </dsp:sp>
+    <dsp:sp modelId="{F9AEC0E3-482D-B542-B042-6988C0EF11B7}">
+      <dsp:nvSpPr>
+        <dsp:cNvPr id="0" name=""/>
+        <dsp:cNvSpPr/>
+      </dsp:nvSpPr>
+      <dsp:spPr>
+        <a:xfrm>
+          <a:off x="10348351" y="1845733"/>
+          <a:ext cx="1195387" cy="747117"/>
+        </a:xfrm>
+        <a:prstGeom prst="roundRect">
+          <a:avLst>
+            <a:gd name="adj" fmla="val 10000"/>
+          </a:avLst>
+        </a:prstGeom>
+        <a:solidFill>
+          <a:schemeClr val="lt1">
+            <a:alpha val="90000"/>
+            <a:hueOff val="0"/>
+            <a:satOff val="0"/>
+            <a:lumOff val="0"/>
+            <a:alphaOff val="0"/>
+          </a:schemeClr>
+        </a:solidFill>
+        <a:ln w="12700" cap="flat" cmpd="sng" algn="ctr">
+          <a:solidFill>
+            <a:schemeClr val="accent1">
+              <a:hueOff val="0"/>
+              <a:satOff val="0"/>
+              <a:lumOff val="0"/>
+              <a:alphaOff val="0"/>
+            </a:schemeClr>
+          </a:solidFill>
+          <a:prstDash val="solid"/>
+          <a:miter lim="800000"/>
+        </a:ln>
+        <a:effectLst/>
+      </dsp:spPr>
+      <dsp:style>
+        <a:lnRef idx="2">
+          <a:scrgbClr r="0" g="0" b="0"/>
+        </a:lnRef>
+        <a:fillRef idx="1">
+          <a:scrgbClr r="0" g="0" b="0"/>
+        </a:fillRef>
+        <a:effectRef idx="0">
+          <a:scrgbClr r="0" g="0" b="0"/>
+        </a:effectRef>
+        <a:fontRef idx="minor"/>
+      </dsp:style>
+      <dsp:txBody>
+        <a:bodyPr spcFirstLastPara="0" vert="horz" wrap="square" lIns="26670" tIns="17780" rIns="26670" bIns="17780" numCol="1" spcCol="1270" anchor="ctr" anchorCtr="0">
+          <a:noAutofit/>
+        </a:bodyPr>
+        <a:lstStyle/>
+        <a:p>
+          <a:pPr lvl="0" algn="ctr" defTabSz="622300">
+            <a:lnSpc>
+              <a:spcPct val="90000"/>
+            </a:lnSpc>
+            <a:spcBef>
+              <a:spcPct val="0"/>
+            </a:spcBef>
+            <a:spcAft>
+              <a:spcPct val="35000"/>
+            </a:spcAft>
+          </a:pPr>
+          <a:r>
+            <a:rPr lang="en-US" sz="1400" kern="1200" dirty="0" smtClean="0">
+              <a:latin typeface="Arial" charset="0"/>
+              <a:ea typeface="Arial" charset="0"/>
+              <a:cs typeface="Arial" charset="0"/>
+            </a:rPr>
+            <a:t>Social Dynamics</a:t>
+          </a:r>
+          <a:endParaRPr lang="en-US" sz="1400" kern="1200" dirty="0">
+            <a:latin typeface="Arial" charset="0"/>
+            <a:ea typeface="Arial" charset="0"/>
+            <a:cs typeface="Arial" charset="0"/>
+          </a:endParaRPr>
+        </a:p>
+      </dsp:txBody>
+      <dsp:txXfrm>
+        <a:off x="10370233" y="1867615"/>
+        <a:ext cx="1151623" cy="703353"/>
+      </dsp:txXfrm>
+    </dsp:sp>
+    <dsp:sp modelId="{D1D1FA55-B075-A74F-9250-4C017824FA89}">
+      <dsp:nvSpPr>
+        <dsp:cNvPr id="0" name=""/>
+        <dsp:cNvSpPr/>
+      </dsp:nvSpPr>
+      <dsp:spPr>
+        <a:xfrm>
+          <a:off x="9576863" y="748150"/>
+          <a:ext cx="758793" cy="2334741"/>
+        </a:xfrm>
+        <a:custGeom>
+          <a:avLst/>
+          <a:gdLst/>
+          <a:ahLst/>
+          <a:cxnLst/>
+          <a:rect l="0" t="0" r="0" b="0"/>
+          <a:pathLst>
+            <a:path>
+              <a:moveTo>
+                <a:pt x="0" y="0"/>
+              </a:moveTo>
+              <a:lnTo>
+                <a:pt x="0" y="2334741"/>
+              </a:lnTo>
+              <a:lnTo>
+                <a:pt x="758793" y="2334741"/>
+              </a:lnTo>
+            </a:path>
+          </a:pathLst>
+        </a:custGeom>
+        <a:noFill/>
+        <a:ln w="12700" cap="flat" cmpd="sng" algn="ctr">
+          <a:solidFill>
+            <a:schemeClr val="accent1">
+              <a:shade val="60000"/>
+              <a:hueOff val="0"/>
+              <a:satOff val="0"/>
+              <a:lumOff val="0"/>
+              <a:alphaOff val="0"/>
+            </a:schemeClr>
+          </a:solidFill>
+          <a:prstDash val="solid"/>
+          <a:miter lim="800000"/>
+        </a:ln>
+        <a:effectLst/>
+      </dsp:spPr>
+      <dsp:style>
+        <a:lnRef idx="2">
+          <a:scrgbClr r="0" g="0" b="0"/>
+        </a:lnRef>
+        <a:fillRef idx="0">
+          <a:scrgbClr r="0" g="0" b="0"/>
+        </a:fillRef>
+        <a:effectRef idx="0">
+          <a:scrgbClr r="0" g="0" b="0"/>
+        </a:effectRef>
+        <a:fontRef idx="minor"/>
+      </dsp:style>
+    </dsp:sp>
+    <dsp:sp modelId="{FB28FB68-8CE3-8B44-BA7E-9EE942F0B9A3}">
+      <dsp:nvSpPr>
+        <dsp:cNvPr id="0" name=""/>
+        <dsp:cNvSpPr/>
+      </dsp:nvSpPr>
+      <dsp:spPr>
+        <a:xfrm>
+          <a:off x="10335656" y="2709333"/>
+          <a:ext cx="1195387" cy="747117"/>
+        </a:xfrm>
+        <a:prstGeom prst="roundRect">
+          <a:avLst>
+            <a:gd name="adj" fmla="val 10000"/>
+          </a:avLst>
+        </a:prstGeom>
+        <a:solidFill>
+          <a:schemeClr val="lt1">
+            <a:alpha val="90000"/>
+            <a:hueOff val="0"/>
+            <a:satOff val="0"/>
+            <a:lumOff val="0"/>
+            <a:alphaOff val="0"/>
+          </a:schemeClr>
+        </a:solidFill>
+        <a:ln w="12700" cap="flat" cmpd="sng" algn="ctr">
+          <a:solidFill>
+            <a:schemeClr val="accent1">
+              <a:hueOff val="0"/>
+              <a:satOff val="0"/>
+              <a:lumOff val="0"/>
+              <a:alphaOff val="0"/>
+            </a:schemeClr>
+          </a:solidFill>
+          <a:prstDash val="solid"/>
+          <a:miter lim="800000"/>
+        </a:ln>
+        <a:effectLst/>
+      </dsp:spPr>
+      <dsp:style>
+        <a:lnRef idx="2">
+          <a:scrgbClr r="0" g="0" b="0"/>
+        </a:lnRef>
+        <a:fillRef idx="1">
+          <a:scrgbClr r="0" g="0" b="0"/>
+        </a:fillRef>
+        <a:effectRef idx="0">
+          <a:scrgbClr r="0" g="0" b="0"/>
+        </a:effectRef>
+        <a:fontRef idx="minor"/>
+      </dsp:style>
+      <dsp:txBody>
+        <a:bodyPr spcFirstLastPara="0" vert="horz" wrap="square" lIns="26670" tIns="17780" rIns="26670" bIns="17780" numCol="1" spcCol="1270" anchor="ctr" anchorCtr="0">
+          <a:noAutofit/>
+        </a:bodyPr>
+        <a:lstStyle/>
+        <a:p>
+          <a:pPr lvl="0" algn="ctr" defTabSz="622300">
+            <a:lnSpc>
+              <a:spcPct val="90000"/>
+            </a:lnSpc>
+            <a:spcBef>
+              <a:spcPct val="0"/>
+            </a:spcBef>
+            <a:spcAft>
+              <a:spcPct val="35000"/>
+            </a:spcAft>
+          </a:pPr>
+          <a:r>
+            <a:rPr lang="en-US" sz="1400" kern="1200" dirty="0" smtClean="0">
+              <a:latin typeface="Arial" charset="0"/>
+              <a:ea typeface="Arial" charset="0"/>
+              <a:cs typeface="Arial" charset="0"/>
+            </a:rPr>
+            <a:t>Social Roles</a:t>
+          </a:r>
+          <a:endParaRPr lang="en-US" sz="1400" kern="1200" dirty="0">
+            <a:latin typeface="Arial" charset="0"/>
+            <a:ea typeface="Arial" charset="0"/>
+            <a:cs typeface="Arial" charset="0"/>
+          </a:endParaRPr>
+        </a:p>
+      </dsp:txBody>
+      <dsp:txXfrm>
+        <a:off x="10357538" y="2731215"/>
+        <a:ext cx="1151623" cy="703353"/>
+      </dsp:txXfrm>
+    </dsp:sp>
+  </dsp:spTree>
+</dsp:drawing>
+</file>
+
+<file path=ppt/diagrams/layout1.xml><?xml version="1.0" encoding="utf-8"?>
+<dgm:layoutDef xmlns:dgm="http://schemas.openxmlformats.org/drawingml/2006/diagram" xmlns:a="http://schemas.openxmlformats.org/drawingml/2006/main" uniqueId="urn:microsoft.com/office/officeart/2005/8/layout/hierarchy3">
+  <dgm:title val=""/>
+  <dgm:desc val=""/>
+  <dgm:catLst>
+    <dgm:cat type="hierarchy" pri="7000"/>
+    <dgm:cat type="list" pri="23000"/>
+    <dgm:cat type="relationship" pri="15000"/>
+    <dgm:cat type="convert" pri="7000"/>
+  </dgm:catLst>
+  <dgm:sampData>
+    <dgm:dataModel>
+      <dgm:ptLst>
+        <dgm:pt modelId="0" type="doc"/>
+        <dgm:pt modelId="1">
+          <dgm:prSet phldr="1"/>
+        </dgm:pt>
+        <dgm:pt modelId="11">
+          <dgm:prSet phldr="1"/>
+        </dgm:pt>
+        <dgm:pt modelId="12">
+          <dgm:prSet phldr="1"/>
+        </dgm:pt>
+        <dgm:pt modelId="2">
+          <dgm:prSet phldr="1"/>
+        </dgm:pt>
+        <dgm:pt modelId="21">
+          <dgm:prSet phldr="1"/>
+        </dgm:pt>
+        <dgm:pt modelId="22">
+          <dgm:prSet phldr="1"/>
+        </dgm:pt>
+      </dgm:ptLst>
+      <dgm:cxnLst>
+        <dgm:cxn modelId="4" srcId="0" destId="1" srcOrd="0" destOrd="0"/>
+        <dgm:cxn modelId="5" srcId="1" destId="11" srcOrd="0" destOrd="0"/>
+        <dgm:cxn modelId="6" srcId="1" destId="12" srcOrd="1" destOrd="0"/>
+        <dgm:cxn modelId="7" srcId="0" destId="2" srcOrd="1" destOrd="0"/>
+        <dgm:cxn modelId="8" srcId="2" destId="21" srcOrd="0" destOrd="0"/>
+        <dgm:cxn modelId="9" srcId="2" destId="22" srcOrd="1" destOrd="0"/>
+      </dgm:cxnLst>
+      <dgm:bg/>
+      <dgm:whole/>
+    </dgm:dataModel>
+  </dgm:sampData>
+  <dgm:styleData>
+    <dgm:dataModel>
+      <dgm:ptLst>
+        <dgm:pt modelId="0" type="doc"/>
+        <dgm:pt modelId="1"/>
+        <dgm:pt modelId="11"/>
+        <dgm:pt modelId="2"/>
+        <dgm:pt modelId="21"/>
+      </dgm:ptLst>
+      <dgm:cxnLst>
+        <dgm:cxn modelId="4" srcId="0" destId="1" srcOrd="0" destOrd="0"/>
+        <dgm:cxn modelId="5" srcId="0" destId="2" srcOrd="1" destOrd="0"/>
+        <dgm:cxn modelId="13" srcId="1" destId="11" srcOrd="0" destOrd="0"/>
+        <dgm:cxn modelId="23" srcId="2" destId="21" srcOrd="0" destOrd="0"/>
+      </dgm:cxnLst>
+      <dgm:bg/>
+      <dgm:whole/>
+    </dgm:dataModel>
+  </dgm:styleData>
+  <dgm:clrData>
+    <dgm:dataModel>
+      <dgm:ptLst>
+        <dgm:pt modelId="0" type="doc"/>
+        <dgm:pt modelId="1"/>
+        <dgm:pt modelId="11"/>
+        <dgm:pt modelId="2"/>
+        <dgm:pt modelId="21"/>
+        <dgm:pt modelId="3"/>
+        <dgm:pt modelId="31"/>
+        <dgm:pt modelId="4"/>
+        <dgm:pt modelId="41"/>
+      </dgm:ptLst>
+      <dgm:cxnLst>
+        <dgm:cxn modelId="5" srcId="0" destId="1" srcOrd="0" destOrd="0"/>
+        <dgm:cxn modelId="6" srcId="0" destId="2" srcOrd="1" destOrd="0"/>
+        <dgm:cxn modelId="7" srcId="0" destId="3" srcOrd="2" destOrd="0"/>
+        <dgm:cxn modelId="8" srcId="0" destId="4" srcOrd="3" destOrd="0"/>
+        <dgm:cxn modelId="13" srcId="1" destId="11" srcOrd="0" destOrd="0"/>
+        <dgm:cxn modelId="23" srcId="2" destId="21" srcOrd="0" destOrd="0"/>
+        <dgm:cxn modelId="33" srcId="3" destId="31" srcOrd="0" destOrd="0"/>
+        <dgm:cxn modelId="43" srcId="4" destId="41" srcOrd="0" destOrd="0"/>
+      </dgm:cxnLst>
+      <dgm:bg/>
+      <dgm:whole/>
+    </dgm:dataModel>
+  </dgm:clrData>
+  <dgm:layoutNode name="diagram">
+    <dgm:varLst>
+      <dgm:chPref val="1"/>
+      <dgm:dir/>
+      <dgm:animOne val="branch"/>
+      <dgm:animLvl val="lvl"/>
+      <dgm:resizeHandles/>
+    </dgm:varLst>
+    <dgm:choose name="Name0">
+      <dgm:if name="Name1" func="var" arg="dir" op="equ" val="norm">
+        <dgm:alg type="hierChild">
+          <dgm:param type="linDir" val="fromL"/>
+        </dgm:alg>
+      </dgm:if>
+      <dgm:else name="Name2">
+        <dgm:alg type="hierChild">
+          <dgm:param type="linDir" val="fromR"/>
+        </dgm:alg>
+      </dgm:else>
+    </dgm:choose>
+    <dgm:shape xmlns:r="http://schemas.openxmlformats.org/officeDocument/2006/relationships" r:blip="">
+      <dgm:adjLst/>
+    </dgm:shape>
+    <dgm:presOf/>
+    <dgm:constrLst>
+      <dgm:constr type="primFontSz" for="des" forName="rootText" op="equ" val="65"/>
+      <dgm:constr type="primFontSz" for="des" forName="childText" op="equ" val="65"/>
+      <dgm:constr type="w" for="des" forName="rootComposite" refType="w"/>
+      <dgm:constr type="h" for="des" forName="rootComposite" refType="w" fact="0.5"/>
+      <dgm:constr type="w" for="des" forName="childText" refType="w" refFor="des" refForName="rootComposite" fact="0.8"/>
+      <dgm:constr type="h" for="des" forName="childText" refType="h" refFor="des" refForName="rootComposite"/>
+      <dgm:constr type="sibSp" refType="w" refFor="des" refForName="rootComposite" fact="0.25"/>
+      <dgm:constr type="sibSp" for="des" forName="childShape" refType="h" refFor="des" refForName="childText" fact="0.25"/>
+      <dgm:constr type="sp" for="des" forName="root" refType="h" refFor="des" refForName="childText" fact="0.25"/>
+    </dgm:constrLst>
+    <dgm:ruleLst/>
+    <dgm:forEach name="Name3" axis="ch">
+      <dgm:forEach name="Name4" axis="self" ptType="node" cnt="1">
+        <dgm:layoutNode name="root">
+          <dgm:choose name="Name5">
+            <dgm:if name="Name6" func="var" arg="dir" op="equ" val="norm">
+              <dgm:alg type="hierRoot">
+                <dgm:param type="hierAlign" val="tL"/>
+              </dgm:alg>
+            </dgm:if>
+            <dgm:else name="Name7">
+              <dgm:alg type="hierRoot">
+                <dgm:param type="hierAlign" val="tR"/>
+              </dgm:alg>
+            </dgm:else>
+          </dgm:choose>
+          <dgm:shape xmlns:r="http://schemas.openxmlformats.org/officeDocument/2006/relationships" r:blip="">
+            <dgm:adjLst/>
+          </dgm:shape>
+          <dgm:presOf/>
+          <dgm:constrLst>
+            <dgm:constr type="alignOff" val="0.2"/>
+          </dgm:constrLst>
+          <dgm:ruleLst/>
+          <dgm:layoutNode name="rootComposite">
+            <dgm:alg type="composite"/>
+            <dgm:shape xmlns:r="http://schemas.openxmlformats.org/officeDocument/2006/relationships" r:blip="">
+              <dgm:adjLst/>
+            </dgm:shape>
+            <dgm:presOf axis="self" ptType="node" cnt="1"/>
+            <dgm:choose name="Name8">
+              <dgm:if name="Name9" func="var" arg="dir" op="equ" val="norm">
+                <dgm:constrLst>
+                  <dgm:constr type="l" for="ch" forName="rootText"/>
+                  <dgm:constr type="t" for="ch" forName="rootText"/>
+                  <dgm:constr type="w" for="ch" forName="rootText" refType="w"/>
+                  <dgm:constr type="h" for="ch" forName="rootText" refType="h"/>
+                  <dgm:constr type="l" for="ch" forName="rootConnector"/>
+                  <dgm:constr type="t" for="ch" forName="rootConnector"/>
+                  <dgm:constr type="w" for="ch" forName="rootConnector" refType="w" refFor="ch" refForName="rootText" fact="0.2"/>
+                  <dgm:constr type="h" for="ch" forName="rootConnector" refType="h" refFor="ch" refForName="rootText"/>
+                </dgm:constrLst>
+              </dgm:if>
+              <dgm:else name="Name10">
+                <dgm:constrLst>
+                  <dgm:constr type="l" for="ch" forName="rootText"/>
+                  <dgm:constr type="t" for="ch" forName="rootText"/>
+                  <dgm:constr type="w" for="ch" forName="rootText" refType="w"/>
+                  <dgm:constr type="h" for="ch" forName="rootText" refType="h"/>
+                  <dgm:constr type="r" for="ch" forName="rootConnector" refType="w"/>
+                  <dgm:constr type="t" for="ch" forName="rootConnector"/>
+                  <dgm:constr type="w" for="ch" forName="rootConnector" refType="w" refFor="ch" refForName="rootText" fact="0.2"/>
+                  <dgm:constr type="h" for="ch" forName="rootConnector" refType="h" refFor="ch" refForName="rootText"/>
+                </dgm:constrLst>
+              </dgm:else>
+            </dgm:choose>
+            <dgm:ruleLst/>
+            <dgm:layoutNode name="rootText" styleLbl="node1">
+              <dgm:alg type="tx"/>
+              <dgm:shape xmlns:r="http://schemas.openxmlformats.org/officeDocument/2006/relationships" type="roundRect" r:blip="">
+                <dgm:adjLst>
+                  <dgm:adj idx="1" val="0.1"/>
+                </dgm:adjLst>
+              </dgm:shape>
+              <dgm:presOf axis="self" ptType="node" cnt="1"/>
+              <dgm:constrLst>
+                <dgm:constr type="tMarg" refType="primFontSz" fact="0.1"/>
+                <dgm:constr type="bMarg" refType="primFontSz" fact="0.1"/>
+                <dgm:constr type="lMarg" refType="primFontSz" fact="0.15"/>
+                <dgm:constr type="rMarg" refType="primFontSz" fact="0.15"/>
+              </dgm:constrLst>
+              <dgm:ruleLst>
+                <dgm:rule type="primFontSz" val="5" fact="NaN" max="NaN"/>
+              </dgm:ruleLst>
+            </dgm:layoutNode>
+            <dgm:layoutNode name="rootConnector" moveWith="rootText">
+              <dgm:alg type="sp"/>
+              <dgm:shape xmlns:r="http://schemas.openxmlformats.org/officeDocument/2006/relationships" type="roundRect" r:blip="" hideGeom="1">
+                <dgm:adjLst>
+                  <dgm:adj idx="1" val="0.1"/>
+                </dgm:adjLst>
+              </dgm:shape>
+              <dgm:presOf axis="self" ptType="node" cnt="1"/>
+              <dgm:constrLst/>
+              <dgm:ruleLst/>
+            </dgm:layoutNode>
+          </dgm:layoutNode>
+          <dgm:layoutNode name="childShape">
+            <dgm:alg type="hierChild">
+              <dgm:param type="chAlign" val="l"/>
+              <dgm:param type="linDir" val="fromT"/>
+            </dgm:alg>
+            <dgm:shape xmlns:r="http://schemas.openxmlformats.org/officeDocument/2006/relationships" r:blip="">
+              <dgm:adjLst/>
+            </dgm:shape>
+            <dgm:presOf/>
+            <dgm:constrLst/>
+            <dgm:ruleLst/>
+            <dgm:forEach name="Name11" axis="ch">
+              <dgm:forEach name="Name12" axis="self" ptType="parTrans" cnt="1">
+                <dgm:layoutNode name="Name13">
+                  <dgm:choose name="Name14">
+                    <dgm:if name="Name15" func="var" arg="dir" op="equ" val="norm">
+                      <dgm:alg type="conn">
+                        <dgm:param type="dim" val="1D"/>
+                        <dgm:param type="endSty" val="noArr"/>
+                        <dgm:param type="connRout" val="bend"/>
+                        <dgm:param type="srcNode" val="rootConnector"/>
+                        <dgm:param type="begPts" val="bCtr"/>
+                        <dgm:param type="endPts" val="midL"/>
+                      </dgm:alg>
+                    </dgm:if>
+                    <dgm:else name="Name16">
+                      <dgm:alg type="conn">
+                        <dgm:param type="dim" val="1D"/>
+                        <dgm:param type="endSty" val="noArr"/>
+                        <dgm:param type="connRout" val="bend"/>
+                        <dgm:param type="srcNode" val="rootConnector"/>
+                        <dgm:param type="begPts" val="bCtr"/>
+                        <dgm:param type="endPts" val="midR"/>
+                      </dgm:alg>
+                    </dgm:else>
+                  </dgm:choose>
+                  <dgm:shape xmlns:r="http://schemas.openxmlformats.org/officeDocument/2006/relationships" type="conn" r:blip="">
+                    <dgm:adjLst/>
+                  </dgm:shape>
+                  <dgm:presOf axis="self"/>
+                  <dgm:constrLst>
+                    <dgm:constr type="begPad"/>
+                    <dgm:constr type="endPad"/>
+                  </dgm:constrLst>
+                  <dgm:ruleLst/>
+                </dgm:layoutNode>
+              </dgm:forEach>
+              <dgm:forEach name="Name17" axis="self" ptType="node">
+                <dgm:layoutNode name="childText" styleLbl="bgAcc1">
+                  <dgm:varLst>
+                    <dgm:bulletEnabled val="1"/>
+                  </dgm:varLst>
+                  <dgm:alg type="tx"/>
+                  <dgm:shape xmlns:r="http://schemas.openxmlformats.org/officeDocument/2006/relationships" type="roundRect" r:blip="">
+                    <dgm:adjLst>
+                      <dgm:adj idx="1" val="0.1"/>
+                    </dgm:adjLst>
+                  </dgm:shape>
+                  <dgm:presOf axis="self desOrSelf" ptType="node node" st="1 1" cnt="1 0"/>
+                  <dgm:constrLst>
+                    <dgm:constr type="tMarg" refType="primFontSz" fact="0.1"/>
+                    <dgm:constr type="bMarg" refType="primFontSz" fact="0.1"/>
+                    <dgm:constr type="lMarg" refType="primFontSz" fact="0.15"/>
+                    <dgm:constr type="rMarg" refType="primFontSz" fact="0.15"/>
+                  </dgm:constrLst>
+                  <dgm:ruleLst>
+                    <dgm:rule type="primFontSz" val="5" fact="NaN" max="NaN"/>
+                  </dgm:ruleLst>
+                </dgm:layoutNode>
+              </dgm:forEach>
+            </dgm:forEach>
+          </dgm:layoutNode>
+        </dgm:layoutNode>
+      </dgm:forEach>
+    </dgm:forEach>
+  </dgm:layoutNode>
+</dgm:layoutDef>
+</file>
+
+<file path=ppt/diagrams/quickStyle1.xml><?xml version="1.0" encoding="utf-8"?>
+<dgm:styleDef xmlns:dgm="http://schemas.openxmlformats.org/drawingml/2006/diagram" xmlns:a="http://schemas.openxmlformats.org/drawingml/2006/main" uniqueId="urn:microsoft.com/office/officeart/2005/8/quickstyle/simple1">
+  <dgm:title val=""/>
+  <dgm:desc val=""/>
+  <dgm:catLst>
+    <dgm:cat type="simple" pri="10100"/>
+  </dgm:catLst>
+  <dgm:scene3d>
+    <a:camera prst="orthographicFront"/>
+    <a:lightRig rig="threePt" dir="t"/>
+  </dgm:scene3d>
+  <dgm:styleLbl name="node0">
+    <dgm:scene3d>
+      <a:camera prst="orthographicFront"/>
+      <a:lightRig rig="threePt" dir="t"/>
+    </dgm:scene3d>
+    <dgm:sp3d/>
+    <dgm:txPr/>
+    <dgm:style>
+      <a:lnRef idx="2">
+        <a:scrgbClr r="0" g="0" b="0"/>
+      </a:lnRef>
+      <a:fillRef idx="1">
+        <a:scrgbClr r="0" g="0" b="0"/>
+      </a:fillRef>
+      <a:effectRef idx="0">
+        <a:scrgbClr r="0" g="0" b="0"/>
+      </a:effectRef>
+      <a:fontRef idx="minor">
+        <a:schemeClr val="lt1"/>
+      </a:fontRef>
+    </dgm:style>
+  </dgm:styleLbl>
+  <dgm:styleLbl name="lnNode1">
+    <dgm:scene3d>
+      <a:camera prst="orthographicFront"/>
+      <a:lightRig rig="threePt" dir="t"/>
+    </dgm:scene3d>
+    <dgm:sp3d/>
+    <dgm:txPr/>
+    <dgm:style>
+      <a:lnRef idx="2">
+        <a:scrgbClr r="0" g="0" b="0"/>
+      </a:lnRef>
+      <a:fillRef idx="1">
+        <a:scrgbClr r="0" g="0" b="0"/>
+      </a:fillRef>
+      <a:effectRef idx="0">
+        <a:scrgbClr r="0" g="0" b="0"/>
+      </a:effectRef>
+      <a:fontRef idx="minor">
+        <a:schemeClr val="lt1"/>
+      </a:fontRef>
+    </dgm:style>
+  </dgm:styleLbl>
+  <dgm:styleLbl name="vennNode1">
+    <dgm:scene3d>
+      <a:camera prst="orthographicFront"/>
+      <a:lightRig rig="threePt" dir="t"/>
+    </dgm:scene3d>
+    <dgm:sp3d/>
+    <dgm:txPr/>
+    <dgm:style>
+      <a:lnRef idx="2">
+        <a:scrgbClr r="0" g="0" b="0"/>
+      </a:lnRef>
+      <a:fillRef idx="1">
+        <a:scrgbClr r="0" g="0" b="0"/>
+      </a:fillRef>
+      <a:effectRef idx="0">
+        <a:scrgbClr r="0" g="0" b="0"/>
+      </a:effectRef>
+      <a:fontRef idx="minor">
+        <a:schemeClr val="tx1"/>
+      </a:fontRef>
+    </dgm:style>
+  </dgm:styleLbl>
+  <dgm:styleLbl name="alignNode1">
+    <dgm:scene3d>
+      <a:camera prst="orthographicFront"/>
+      <a:lightRig rig="threePt" dir="t"/>
+    </dgm:scene3d>
+    <dgm:sp3d/>
+    <dgm:txPr/>
+    <dgm:style>
+      <a:lnRef idx="2">
+        <a:scrgbClr r="0" g="0" b="0"/>
+      </a:lnRef>
+      <a:fillRef idx="1">
+        <a:scrgbClr r="0" g="0" b="0"/>
+      </a:fillRef>
+      <a:effectRef idx="0">
+        <a:scrgbClr r="0" g="0" b="0"/>
+      </a:effectRef>
+      <a:fontRef idx="minor">
+        <a:schemeClr val="lt1"/>
+      </a:fontRef>
+    </dgm:style>
+  </dgm:styleLbl>
+  <dgm:styleLbl name="node1">
+    <dgm:scene3d>
+      <a:camera prst="orthographicFront"/>
+      <a:lightRig rig="threePt" dir="t"/>
+    </dgm:scene3d>
+    <dgm:sp3d/>
+    <dgm:txPr/>
+    <dgm:style>
+      <a:lnRef idx="2">
+        <a:scrgbClr r="0" g="0" b="0"/>
+      </a:lnRef>
+      <a:fillRef idx="1">
+        <a:scrgbClr r="0" g="0" b="0"/>
+      </a:fillRef>
+      <a:effectRef idx="0">
+        <a:scrgbClr r="0" g="0" b="0"/>
+      </a:effectRef>
+      <a:fontRef idx="minor">
+        <a:schemeClr val="lt1"/>
+      </a:fontRef>
+    </dgm:style>
+  </dgm:styleLbl>
+  <dgm:styleLbl name="node2">
+    <dgm:scene3d>
+      <a:camera prst="orthographicFront"/>
+      <a:lightRig rig="threePt" dir="t"/>
+    </dgm:scene3d>
+    <dgm:sp3d/>
+    <dgm:txPr/>
+    <dgm:style>
+      <a:lnRef idx="2">
+        <a:scrgbClr r="0" g="0" b="0"/>
+      </a:lnRef>
+      <a:fillRef idx="1">
+        <a:scrgbClr r="0" g="0" b="0"/>
+      </a:fillRef>
+      <a:effectRef idx="0">
+        <a:scrgbClr r="0" g="0" b="0"/>
+      </a:effectRef>
+      <a:fontRef idx="minor">
+        <a:schemeClr val="lt1"/>
+      </a:fontRef>
+    </dgm:style>
+  </dgm:styleLbl>
+  <dgm:styleLbl name="node3">
+    <dgm:scene3d>
+      <a:camera prst="orthographicFront"/>
+      <a:lightRig rig="threePt" dir="t"/>
+    </dgm:scene3d>
+    <dgm:sp3d/>
+    <dgm:txPr/>
+    <dgm:style>
+      <a:lnRef idx="2">
+        <a:scrgbClr r="0" g="0" b="0"/>
+      </a:lnRef>
+      <a:fillRef idx="1">
+        <a:scrgbClr r="0" g="0" b="0"/>
+      </a:fillRef>
+      <a:effectRef idx="0">
+        <a:scrgbClr r="0" g="0" b="0"/>
+      </a:effectRef>
+      <a:fontRef idx="minor">
+        <a:schemeClr val="lt1"/>
+      </a:fontRef>
+    </dgm:style>
+  </dgm:styleLbl>
+  <dgm:styleLbl name="node4">
+    <dgm:scene3d>
+      <a:camera prst="orthographicFront"/>
+      <a:lightRig rig="threePt" dir="t"/>
+    </dgm:scene3d>
+    <dgm:sp3d/>
+    <dgm:txPr/>
+    <dgm:style>
+      <a:lnRef idx="2">
+        <a:scrgbClr r="0" g="0" b="0"/>
+      </a:lnRef>
+      <a:fillRef idx="1">
+        <a:scrgbClr r="0" g="0" b="0"/>
+      </a:fillRef>
+      <a:effectRef idx="0">
+        <a:scrgbClr r="0" g="0" b="0"/>
+      </a:effectRef>
+      <a:fontRef idx="minor">
+        <a:schemeClr val="lt1"/>
+      </a:fontRef>
+    </dgm:style>
+  </dgm:styleLbl>
+  <dgm:styleLbl name="fgImgPlace1">
+    <dgm:scene3d>
+      <a:camera prst="orthographicFront"/>
+      <a:lightRig rig="threePt" dir="t"/>
+    </dgm:scene3d>
+    <dgm:sp3d/>
+    <dgm:txPr/>
+    <dgm:style>
+      <a:lnRef idx="2">
+        <a:scrgbClr r="0" g="0" b="0"/>
+      </a:lnRef>
+      <a:fillRef idx="1">
+        <a:scrgbClr r="0" g="0" b="0"/>
+      </a:fillRef>
+      <a:effectRef idx="0">
+        <a:scrgbClr r="0" g="0" b="0"/>
+      </a:effectRef>
+      <a:fontRef idx="minor"/>
+    </dgm:style>
+  </dgm:styleLbl>
+  <dgm:styleLbl name="alignImgPlace1">
+    <dgm:scene3d>
+      <a:camera prst="orthographicFront"/>
+      <a:lightRig rig="threePt" dir="t"/>
+    </dgm:scene3d>
+    <dgm:sp3d/>
+    <dgm:txPr/>
+    <dgm:style>
+      <a:lnRef idx="2">
+        <a:scrgbClr r="0" g="0" b="0"/>
+      </a:lnRef>
+      <a:fillRef idx="1">
+        <a:scrgbClr r="0" g="0" b="0"/>
+      </a:fillRef>
+      <a:effectRef idx="0">
+        <a:scrgbClr r="0" g="0" b="0"/>
+      </a:effectRef>
+      <a:fontRef idx="minor"/>
+    </dgm:style>
+  </dgm:styleLbl>
+  <dgm:styleLbl name="bgImgPlace1">
+    <dgm:scene3d>
+      <a:camera prst="orthographicFront"/>
+      <a:lightRig rig="threePt" dir="t"/>
+    </dgm:scene3d>
+    <dgm:sp3d/>
+    <dgm:txPr/>
+    <dgm:style>
+      <a:lnRef idx="2">
+        <a:scrgbClr r="0" g="0" b="0"/>
+      </a:lnRef>
+      <a:fillRef idx="1">
+        <a:scrgbClr r="0" g="0" b="0"/>
+      </a:fillRef>
+      <a:effectRef idx="0">
+        <a:scrgbClr r="0" g="0" b="0"/>
+      </a:effectRef>
+      <a:fontRef idx="minor"/>
+    </dgm:style>
+  </dgm:styleLbl>
+  <dgm:styleLbl name="sibTrans2D1">
+    <dgm:scene3d>
+      <a:camera prst="orthographicFront"/>
+      <a:lightRig rig="threePt" dir="t"/>
+    </dgm:scene3d>
+    <dgm:sp3d/>
+    <dgm:txPr/>
+    <dgm:style>
+      <a:lnRef idx="0">
+        <a:scrgbClr r="0" g="0" b="0"/>
+      </a:lnRef>
+      <a:fillRef idx="1">
+        <a:scrgbClr r="0" g="0" b="0"/>
+      </a:fillRef>
+      <a:effectRef idx="0">
+        <a:scrgbClr r="0" g="0" b="0"/>
+      </a:effectRef>
+      <a:fontRef idx="minor">
+        <a:schemeClr val="lt1"/>
+      </a:fontRef>
+    </dgm:style>
+  </dgm:styleLbl>
+  <dgm:styleLbl name="fgSibTrans2D1">
+    <dgm:scene3d>
+      <a:camera prst="orthographicFront"/>
+      <a:lightRig rig="threePt" dir="t"/>
+    </dgm:scene3d>
+    <dgm:sp3d/>
+    <dgm:txPr/>
+    <dgm:style>
+      <a:lnRef idx="0">
+        <a:scrgbClr r="0" g="0" b="0"/>
+      </a:lnRef>
+      <a:fillRef idx="1">
+        <a:scrgbClr r="0" g="0" b="0"/>
+      </a:fillRef>
+      <a:effectRef idx="0">
+        <a:scrgbClr r="0" g="0" b="0"/>
+      </a:effectRef>
+      <a:fontRef idx="minor">
+        <a:schemeClr val="lt1"/>
+      </a:fontRef>
+    </dgm:style>
+  </dgm:styleLbl>
+  <dgm:styleLbl name="bgSibTrans2D1">
+    <dgm:scene3d>
+      <a:camera prst="orthographicFront"/>
+      <a:lightRig rig="threePt" dir="t"/>
+    </dgm:scene3d>
+    <dgm:sp3d/>
+    <dgm:txPr/>
+    <dgm:style>
+      <a:lnRef idx="0">
+        <a:scrgbClr r="0" g="0" b="0"/>
+      </a:lnRef>
+      <a:fillRef idx="1">
+        <a:scrgbClr r="0" g="0" b="0"/>
+      </a:fillRef>
+      <a:effectRef idx="0">
+        <a:scrgbClr r="0" g="0" b="0"/>
+      </a:effectRef>
+      <a:fontRef idx="minor">
+        <a:schemeClr val="lt1"/>
+      </a:fontRef>
+    </dgm:style>
+  </dgm:styleLbl>
+  <dgm:styleLbl name="sibTrans1D1">
+    <dgm:scene3d>
+      <a:camera prst="orthographicFront"/>
+      <a:lightRig rig="threePt" dir="t"/>
+    </dgm:scene3d>
+    <dgm:sp3d/>
+    <dgm:txPr/>
+    <dgm:style>
+      <a:lnRef idx="1">
+        <a:scrgbClr r="0" g="0" b="0"/>
+      </a:lnRef>
+      <a:fillRef idx="0">
+        <a:scrgbClr r="0" g="0" b="0"/>
+      </a:fillRef>
+      <a:effectRef idx="0">
+        <a:scrgbClr r="0" g="0" b="0"/>
+      </a:effectRef>
+      <a:fontRef idx="minor"/>
+    </dgm:style>
+  </dgm:styleLbl>
+  <dgm:styleLbl name="callout">
+    <dgm:scene3d>
+      <a:camera prst="orthographicFront"/>
+      <a:lightRig rig="threePt" dir="t"/>
+    </dgm:scene3d>
+    <dgm:sp3d/>
+    <dgm:txPr/>
+    <dgm:style>
+      <a:lnRef idx="2">
+        <a:scrgbClr r="0" g="0" b="0"/>
+      </a:lnRef>
+      <a:fillRef idx="1">
+        <a:scrgbClr r="0" g="0" b="0"/>
+      </a:fillRef>
+      <a:effectRef idx="0">
+        <a:scrgbClr r="0" g="0" b="0"/>
+      </a:effectRef>
+      <a:fontRef idx="minor"/>
+    </dgm:style>
+  </dgm:styleLbl>
+  <dgm:styleLbl name="asst0">
+    <dgm:scene3d>
+      <a:camera prst="orthographicFront"/>
+      <a:lightRig rig="threePt" dir="t"/>
+    </dgm:scene3d>
+    <dgm:sp3d/>
+    <dgm:txPr/>
+    <dgm:style>
+      <a:lnRef idx="2">
+        <a:scrgbClr r="0" g="0" b="0"/>
+      </a:lnRef>
+      <a:fillRef idx="1">
+        <a:scrgbClr r="0" g="0" b="0"/>
+      </a:fillRef>
+      <a:effectRef idx="0">
+        <a:scrgbClr r="0" g="0" b="0"/>
+      </a:effectRef>
+      <a:fontRef idx="minor">
+        <a:schemeClr val="lt1"/>
+      </a:fontRef>
+    </dgm:style>
+  </dgm:styleLbl>
+  <dgm:styleLbl name="asst1">
+    <dgm:scene3d>
+      <a:camera prst="orthographicFront"/>
+      <a:lightRig rig="threePt" dir="t"/>
+    </dgm:scene3d>
+    <dgm:sp3d/>
+    <dgm:txPr/>
+    <dgm:style>
+      <a:lnRef idx="2">
+        <a:scrgbClr r="0" g="0" b="0"/>
+      </a:lnRef>
+      <a:fillRef idx="1">
+        <a:scrgbClr r="0" g="0" b="0"/>
+      </a:fillRef>
+      <a:effectRef idx="0">
+        <a:scrgbClr r="0" g="0" b="0"/>
+      </a:effectRef>
+      <a:fontRef idx="minor">
+        <a:schemeClr val="lt1"/>
+      </a:fontRef>
+    </dgm:style>
+  </dgm:styleLbl>
+  <dgm:styleLbl name="asst2">
+    <dgm:scene3d>
+      <a:camera prst="orthographicFront"/>
+      <a:lightRig rig="threePt" dir="t"/>
+    </dgm:scene3d>
+    <dgm:sp3d/>
+    <dgm:txPr/>
+    <dgm:style>
+      <a:lnRef idx="2">
+        <a:scrgbClr r="0" g="0" b="0"/>
+      </a:lnRef>
+      <a:fillRef idx="1">
+        <a:scrgbClr r="0" g="0" b="0"/>
+      </a:fillRef>
+      <a:effectRef idx="0">
+        <a:scrgbClr r="0" g="0" b="0"/>
+      </a:effectRef>
+      <a:fontRef idx="minor">
+        <a:schemeClr val="lt1"/>
+      </a:fontRef>
+    </dgm:style>
+  </dgm:styleLbl>
+  <dgm:styleLbl name="asst3">
+    <dgm:scene3d>
+      <a:camera prst="orthographicFront"/>
+      <a:lightRig rig="threePt" dir="t"/>
+    </dgm:scene3d>
+    <dgm:sp3d/>
+    <dgm:txPr/>
+    <dgm:style>
+      <a:lnRef idx="2">
+        <a:scrgbClr r="0" g="0" b="0"/>
+      </a:lnRef>
+      <a:fillRef idx="1">
+        <a:scrgbClr r="0" g="0" b="0"/>
+      </a:fillRef>
+      <a:effectRef idx="0">
+        <a:scrgbClr r="0" g="0" b="0"/>
+      </a:effectRef>
+      <a:fontRef idx="minor">
+        <a:schemeClr val="lt1"/>
+      </a:fontRef>
+    </dgm:style>
+  </dgm:styleLbl>
+  <dgm:styleLbl name="asst4">
+    <dgm:scene3d>
+      <a:camera prst="orthographicFront"/>
+      <a:lightRig rig="threePt" dir="t"/>
+    </dgm:scene3d>
+    <dgm:sp3d/>
+    <dgm:txPr/>
+    <dgm:style>
+      <a:lnRef idx="2">
+        <a:scrgbClr r="0" g="0" b="0"/>
+      </a:lnRef>
+      <a:fillRef idx="1">
+        <a:scrgbClr r="0" g="0" b="0"/>
+      </a:fillRef>
+      <a:effectRef idx="0">
+        <a:scrgbClr r="0" g="0" b="0"/>
+      </a:effectRef>
+      <a:fontRef idx="minor">
+        <a:schemeClr val="lt1"/>
+      </a:fontRef>
+    </dgm:style>
+  </dgm:styleLbl>
+  <dgm:styleLbl name="parChTrans2D1">
+    <dgm:scene3d>
+      <a:camera prst="orthographicFront"/>
+      <a:lightRig rig="threePt" dir="t"/>
+    </dgm:scene3d>
+    <dgm:sp3d/>
+    <dgm:txPr/>
+    <dgm:style>
+      <a:lnRef idx="2">
+        <a:scrgbClr r="0" g="0" b="0"/>
+      </a:lnRef>
+      <a:fillRef idx="1">
+        <a:scrgbClr r="0" g="0" b="0"/>
+      </a:fillRef>
+      <a:effectRef idx="0">
+        <a:scrgbClr r="0" g="0" b="0"/>
+      </a:effectRef>
+      <a:fontRef idx="minor">
+        <a:schemeClr val="lt1"/>
+      </a:fontRef>
+    </dgm:style>
+  </dgm:styleLbl>
+  <dgm:styleLbl name="parChTrans2D2">
+    <dgm:scene3d>
+      <a:camera prst="orthographicFront"/>
+      <a:lightRig rig="threePt" dir="t"/>
+    </dgm:scene3d>
+    <dgm:sp3d/>
+    <dgm:txPr/>
+    <dgm:style>
+      <a:lnRef idx="2">
+        <a:scrgbClr r="0" g="0" b="0"/>
+      </a:lnRef>
+      <a:fillRef idx="1">
+        <a:scrgbClr r="0" g="0" b="0"/>
+      </a:fillRef>
+      <a:effectRef idx="0">
+        <a:scrgbClr r="0" g="0" b="0"/>
+      </a:effectRef>
+      <a:fontRef idx="minor">
+        <a:schemeClr val="lt1"/>
+      </a:fontRef>
+    </dgm:style>
+  </dgm:styleLbl>
+  <dgm:styleLbl name="parChTrans2D3">
+    <dgm:scene3d>
+      <a:camera prst="orthographicFront"/>
+      <a:lightRig rig="threePt" dir="t"/>
+    </dgm:scene3d>
+    <dgm:sp3d/>
+    <dgm:txPr/>
+    <dgm:style>
+      <a:lnRef idx="2">
+        <a:scrgbClr r="0" g="0" b="0"/>
+      </a:lnRef>
+      <a:fillRef idx="1">
+        <a:scrgbClr r="0" g="0" b="0"/>
+      </a:fillRef>
+      <a:effectRef idx="0">
+        <a:scrgbClr r="0" g="0" b="0"/>
+      </a:effectRef>
+      <a:fontRef idx="minor">
+        <a:schemeClr val="lt1"/>
+      </a:fontRef>
+    </dgm:style>
+  </dgm:styleLbl>
+  <dgm:styleLbl name="parChTrans2D4">
+    <dgm:scene3d>
+      <a:camera prst="orthographicFront"/>
+      <a:lightRig rig="threePt" dir="t"/>
+    </dgm:scene3d>
+    <dgm:sp3d/>
+    <dgm:txPr/>
+    <dgm:style>
+      <a:lnRef idx="2">
+        <a:scrgbClr r="0" g="0" b="0"/>
+      </a:lnRef>
+      <a:fillRef idx="1">
+        <a:scrgbClr r="0" g="0" b="0"/>
+      </a:fillRef>
+      <a:effectRef idx="0">
+        <a:scrgbClr r="0" g="0" b="0"/>
+      </a:effectRef>
+      <a:fontRef idx="minor">
+        <a:schemeClr val="lt1"/>
+      </a:fontRef>
+    </dgm:style>
+  </dgm:styleLbl>
+  <dgm:styleLbl name="parChTrans1D1">
+    <dgm:scene3d>
+      <a:camera prst="orthographicFront"/>
+      <a:lightRig rig="threePt" dir="t"/>
+    </dgm:scene3d>
+    <dgm:sp3d/>
+    <dgm:txPr/>
+    <dgm:style>
+      <a:lnRef idx="2">
+        <a:scrgbClr r="0" g="0" b="0"/>
+      </a:lnRef>
+      <a:fillRef idx="0">
+        <a:scrgbClr r="0" g="0" b="0"/>
+      </a:fillRef>
+      <a:effectRef idx="0">
+        <a:scrgbClr r="0" g="0" b="0"/>
+      </a:effectRef>
+      <a:fontRef idx="minor"/>
+    </dgm:style>
+  </dgm:styleLbl>
+  <dgm:styleLbl name="parChTrans1D2">
+    <dgm:scene3d>
+      <a:camera prst="orthographicFront"/>
+      <a:lightRig rig="threePt" dir="t"/>
+    </dgm:scene3d>
+    <dgm:sp3d/>
+    <dgm:txPr/>
+    <dgm:style>
+      <a:lnRef idx="2">
+        <a:scrgbClr r="0" g="0" b="0"/>
+      </a:lnRef>
+      <a:fillRef idx="0">
+        <a:scrgbClr r="0" g="0" b="0"/>
+      </a:fillRef>
+      <a:effectRef idx="0">
+        <a:scrgbClr r="0" g="0" b="0"/>
+      </a:effectRef>
+      <a:fontRef idx="minor"/>
+    </dgm:style>
+  </dgm:styleLbl>
+  <dgm:styleLbl name="parChTrans1D3">
+    <dgm:scene3d>
+      <a:camera prst="orthographicFront"/>
+      <a:lightRig rig="threePt" dir="t"/>
+    </dgm:scene3d>
+    <dgm:sp3d/>
+    <dgm:txPr/>
+    <dgm:style>
+      <a:lnRef idx="2">
+        <a:scrgbClr r="0" g="0" b="0"/>
+      </a:lnRef>
+      <a:fillRef idx="0">
+        <a:scrgbClr r="0" g="0" b="0"/>
+      </a:fillRef>
+      <a:effectRef idx="0">
+        <a:scrgbClr r="0" g="0" b="0"/>
+      </a:effectRef>
+      <a:fontRef idx="minor"/>
+    </dgm:style>
+  </dgm:styleLbl>
+  <dgm:styleLbl name="parChTrans1D4">
+    <dgm:scene3d>
+      <a:camera prst="orthographicFront"/>
+      <a:lightRig rig="threePt" dir="t"/>
+    </dgm:scene3d>
+    <dgm:sp3d/>
+    <dgm:txPr/>
+    <dgm:style>
+      <a:lnRef idx="2">
+        <a:scrgbClr r="0" g="0" b="0"/>
+      </a:lnRef>
+      <a:fillRef idx="0">
+        <a:scrgbClr r="0" g="0" b="0"/>
+      </a:fillRef>
+      <a:effectRef idx="0">
+        <a:scrgbClr r="0" g="0" b="0"/>
+      </a:effectRef>
+      <a:fontRef idx="minor"/>
+    </dgm:style>
+  </dgm:styleLbl>
+  <dgm:styleLbl name="fgAcc1">
+    <dgm:scene3d>
+      <a:camera prst="orthographicFront"/>
+      <a:lightRig rig="threePt" dir="t"/>
+    </dgm:scene3d>
+    <dgm:sp3d/>
+    <dgm:txPr/>
+    <dgm:style>
+      <a:lnRef idx="2">
+        <a:scrgbClr r="0" g="0" b="0"/>
+      </a:lnRef>
+      <a:fillRef idx="1">
+        <a:scrgbClr r="0" g="0" b="0"/>
+      </a:fillRef>
+      <a:effectRef idx="0">
+        <a:scrgbClr r="0" g="0" b="0"/>
+      </a:effectRef>
+      <a:fontRef idx="minor"/>
+    </dgm:style>
+  </dgm:styleLbl>
+  <dgm:styleLbl name="conFgAcc1">
+    <dgm:scene3d>
+      <a:camera prst="orthographicFront"/>
+      <a:lightRig rig="threePt" dir="t"/>
+    </dgm:scene3d>
+    <dgm:sp3d/>
+    <dgm:txPr/>
+    <dgm:style>
+      <a:lnRef idx="2">
+        <a:scrgbClr r="0" g="0" b="0"/>
+      </a:lnRef>
+      <a:fillRef idx="1">
+        <a:scrgbClr r="0" g="0" b="0"/>
+      </a:fillRef>
+      <a:effectRef idx="0">
+        <a:scrgbClr r="0" g="0" b="0"/>
+      </a:effectRef>
+      <a:fontRef idx="minor"/>
+    </dgm:style>
+  </dgm:styleLbl>
+  <dgm:styleLbl name="alignAcc1">
+    <dgm:scene3d>
+      <a:camera prst="orthographicFront"/>
+      <a:lightRig rig="threePt" dir="t"/>
+    </dgm:scene3d>
+    <dgm:sp3d/>
+    <dgm:txPr/>
+    <dgm:style>
+      <a:lnRef idx="2">
+        <a:scrgbClr r="0" g="0" b="0"/>
+      </a:lnRef>
+      <a:fillRef idx="1">
+        <a:scrgbClr r="0" g="0" b="0"/>
+      </a:fillRef>
+      <a:effectRef idx="0">
+        <a:scrgbClr r="0" g="0" b="0"/>
+      </a:effectRef>
+      <a:fontRef idx="minor"/>
+    </dgm:style>
+  </dgm:styleLbl>
+  <dgm:styleLbl name="trAlignAcc1">
+    <dgm:scene3d>
+      <a:camera prst="orthographicFront"/>
+      <a:lightRig rig="threePt" dir="t"/>
+    </dgm:scene3d>
+    <dgm:sp3d/>
+    <dgm:txPr/>
+    <dgm:style>
+      <a:lnRef idx="1">
+        <a:scrgbClr r="0" g="0" b="0"/>
+      </a:lnRef>
+      <a:fillRef idx="1">
+        <a:scrgbClr r="0" g="0" b="0"/>
+      </a:fillRef>
+      <a:effectRef idx="0">
+        <a:scrgbClr r="0" g="0" b="0"/>
+      </a:effectRef>
+      <a:fontRef idx="minor"/>
+    </dgm:style>
+  </dgm:styleLbl>
+  <dgm:styleLbl name="bgAcc1">
+    <dgm:scene3d>
+      <a:camera prst="orthographicFront"/>
+      <a:lightRig rig="threePt" dir="t"/>
+    </dgm:scene3d>
+    <dgm:sp3d/>
+    <dgm:txPr/>
+    <dgm:style>
+      <a:lnRef idx="2">
+        <a:scrgbClr r="0" g="0" b="0"/>
+      </a:lnRef>
+      <a:fillRef idx="1">
+        <a:scrgbClr r="0" g="0" b="0"/>
+      </a:fillRef>
+      <a:effectRef idx="0">
+        <a:scrgbClr r="0" g="0" b="0"/>
+      </a:effectRef>
+      <a:fontRef idx="minor"/>
+    </dgm:style>
+  </dgm:styleLbl>
+  <dgm:styleLbl name="solidFgAcc1">
+    <dgm:scene3d>
+      <a:camera prst="orthographicFront"/>
+      <a:lightRig rig="threePt" dir="t"/>
+    </dgm:scene3d>
+    <dgm:sp3d/>
+    <dgm:txPr/>
+    <dgm:style>
+      <a:lnRef idx="2">
+        <a:scrgbClr r="0" g="0" b="0"/>
+      </a:lnRef>
+      <a:fillRef idx="1">
+        <a:scrgbClr r="0" g="0" b="0"/>
+      </a:fillRef>
+      <a:effectRef idx="0">
+        <a:scrgbClr r="0" g="0" b="0"/>
+      </a:effectRef>
+      <a:fontRef idx="minor"/>
+    </dgm:style>
+  </dgm:styleLbl>
+  <dgm:styleLbl name="solidAlignAcc1">
+    <dgm:scene3d>
+      <a:camera prst="orthographicFront"/>
+      <a:lightRig rig="threePt" dir="t"/>
+    </dgm:scene3d>
+    <dgm:sp3d/>
+    <dgm:txPr/>
+    <dgm:style>
+      <a:lnRef idx="2">
+        <a:scrgbClr r="0" g="0" b="0"/>
+      </a:lnRef>
+      <a:fillRef idx="1">
+        <a:scrgbClr r="0" g="0" b="0"/>
+      </a:fillRef>
+      <a:effectRef idx="0">
+        <a:scrgbClr r="0" g="0" b="0"/>
+      </a:effectRef>
+      <a:fontRef idx="minor"/>
+    </dgm:style>
+  </dgm:styleLbl>
+  <dgm:styleLbl name="solidBgAcc1">
+    <dgm:scene3d>
+      <a:camera prst="orthographicFront"/>
+      <a:lightRig rig="threePt" dir="t"/>
+    </dgm:scene3d>
+    <dgm:sp3d/>
+    <dgm:txPr/>
+    <dgm:style>
+      <a:lnRef idx="2">
+        <a:scrgbClr r="0" g="0" b="0"/>
+      </a:lnRef>
+      <a:fillRef idx="1">
+        <a:scrgbClr r="0" g="0" b="0"/>
+      </a:fillRef>
+      <a:effectRef idx="0">
+        <a:scrgbClr r="0" g="0" b="0"/>
+      </a:effectRef>
+      <a:fontRef idx="minor"/>
+    </dgm:style>
+  </dgm:styleLbl>
+  <dgm:styleLbl name="fgAccFollowNode1">
+    <dgm:scene3d>
+      <a:camera prst="orthographicFront"/>
+      <a:lightRig rig="threePt" dir="t"/>
+    </dgm:scene3d>
+    <dgm:sp3d/>
+    <dgm:txPr/>
+    <dgm:style>
+      <a:lnRef idx="2">
+        <a:scrgbClr r="0" g="0" b="0"/>
+      </a:lnRef>
+      <a:fillRef idx="1">
+        <a:scrgbClr r="0" g="0" b="0"/>
+      </a:fillRef>
+      <a:effectRef idx="0">
+        <a:scrgbClr r="0" g="0" b="0"/>
+      </a:effectRef>
+      <a:fontRef idx="minor"/>
+    </dgm:style>
+  </dgm:styleLbl>
+  <dgm:styleLbl name="alignAccFollowNode1">
+    <dgm:scene3d>
+      <a:camera prst="orthographicFront"/>
+      <a:lightRig rig="threePt" dir="t"/>
+    </dgm:scene3d>
+    <dgm:sp3d/>
+    <dgm:txPr/>
+    <dgm:style>
+      <a:lnRef idx="2">
+        <a:scrgbClr r="0" g="0" b="0"/>
+      </a:lnRef>
+      <a:fillRef idx="1">
+        <a:scrgbClr r="0" g="0" b="0"/>
+      </a:fillRef>
+      <a:effectRef idx="0">
+        <a:scrgbClr r="0" g="0" b="0"/>
+      </a:effectRef>
+      <a:fontRef idx="minor"/>
+    </dgm:style>
+  </dgm:styleLbl>
+  <dgm:styleLbl name="bgAccFollowNode1">
+    <dgm:scene3d>
+      <a:camera prst="orthographicFront"/>
+      <a:lightRig rig="threePt" dir="t"/>
+    </dgm:scene3d>
+    <dgm:sp3d/>
+    <dgm:txPr/>
+    <dgm:style>
+      <a:lnRef idx="2">
+        <a:scrgbClr r="0" g="0" b="0"/>
+      </a:lnRef>
+      <a:fillRef idx="1">
+        <a:scrgbClr r="0" g="0" b="0"/>
+      </a:fillRef>
+      <a:effectRef idx="0">
+        <a:scrgbClr r="0" g="0" b="0"/>
+      </a:effectRef>
+      <a:fontRef idx="minor"/>
+    </dgm:style>
+  </dgm:styleLbl>
+  <dgm:styleLbl name="fgAcc0">
+    <dgm:scene3d>
+      <a:camera prst="orthographicFront"/>
+      <a:lightRig rig="threePt" dir="t"/>
+    </dgm:scene3d>
+    <dgm:sp3d/>
+    <dgm:txPr/>
+    <dgm:style>
+      <a:lnRef idx="2">
+        <a:scrgbClr r="0" g="0" b="0"/>
+      </a:lnRef>
+      <a:fillRef idx="1">
+        <a:scrgbClr r="0" g="0" b="0"/>
+      </a:fillRef>
+      <a:effectRef idx="0">
+        <a:scrgbClr r="0" g="0" b="0"/>
+      </a:effectRef>
+      <a:fontRef idx="minor"/>
+    </dgm:style>
+  </dgm:styleLbl>
+  <dgm:styleLbl name="fgAcc2">
+    <dgm:scene3d>
+      <a:camera prst="orthographicFront"/>
+      <a:lightRig rig="threePt" dir="t"/>
+    </dgm:scene3d>
+    <dgm:sp3d/>
+    <dgm:txPr/>
+    <dgm:style>
+      <a:lnRef idx="2">
+        <a:scrgbClr r="0" g="0" b="0"/>
+      </a:lnRef>
+      <a:fillRef idx="1">
+        <a:scrgbClr r="0" g="0" b="0"/>
+      </a:fillRef>
+      <a:effectRef idx="0">
+        <a:scrgbClr r="0" g="0" b="0"/>
+      </a:effectRef>
+      <a:fontRef idx="minor"/>
+    </dgm:style>
+  </dgm:styleLbl>
+  <dgm:styleLbl name="fgAcc3">
+    <dgm:scene3d>
+      <a:camera prst="orthographicFront"/>
+      <a:lightRig rig="threePt" dir="t"/>
+    </dgm:scene3d>
+    <dgm:sp3d/>
+    <dgm:txPr/>
+    <dgm:style>
+      <a:lnRef idx="2">
+        <a:scrgbClr r="0" g="0" b="0"/>
+      </a:lnRef>
+      <a:fillRef idx="1">
+        <a:scrgbClr r="0" g="0" b="0"/>
+      </a:fillRef>
+      <a:effectRef idx="0">
+        <a:scrgbClr r="0" g="0" b="0"/>
+      </a:effectRef>
+      <a:fontRef idx="minor"/>
+    </dgm:style>
+  </dgm:styleLbl>
+  <dgm:styleLbl name="fgAcc4">
+    <dgm:scene3d>
+      <a:camera prst="orthographicFront"/>
+      <a:lightRig rig="threePt" dir="t"/>
+    </dgm:scene3d>
+    <dgm:sp3d/>
+    <dgm:txPr/>
+    <dgm:style>
+      <a:lnRef idx="2">
+        <a:scrgbClr r="0" g="0" b="0"/>
+      </a:lnRef>
+      <a:fillRef idx="1">
+        <a:scrgbClr r="0" g="0" b="0"/>
+      </a:fillRef>
+      <a:effectRef idx="0">
+        <a:scrgbClr r="0" g="0" b="0"/>
+      </a:effectRef>
+      <a:fontRef idx="minor"/>
+    </dgm:style>
+  </dgm:styleLbl>
+  <dgm:styleLbl name="bgShp">
+    <dgm:scene3d>
+      <a:camera prst="orthographicFront"/>
+      <a:lightRig rig="threePt" dir="t"/>
+    </dgm:scene3d>
+    <dgm:sp3d/>
+    <dgm:txPr/>
+    <dgm:style>
+      <a:lnRef idx="0">
+        <a:scrgbClr r="0" g="0" b="0"/>
+      </a:lnRef>
+      <a:fillRef idx="1">
+        <a:scrgbClr r="0" g="0" b="0"/>
+      </a:fillRef>
+      <a:effectRef idx="0">
+        <a:scrgbClr r="0" g="0" b="0"/>
+      </a:effectRef>
+      <a:fontRef idx="minor"/>
+    </dgm:style>
+  </dgm:styleLbl>
+  <dgm:styleLbl name="dkBgShp">
+    <dgm:scene3d>
+      <a:camera prst="orthographicFront"/>
+      <a:lightRig rig="threePt" dir="t"/>
+    </dgm:scene3d>
+    <dgm:sp3d/>
+    <dgm:txPr/>
+    <dgm:style>
+      <a:lnRef idx="0">
+        <a:scrgbClr r="0" g="0" b="0"/>
+      </a:lnRef>
+      <a:fillRef idx="1">
+        <a:scrgbClr r="0" g="0" b="0"/>
+      </a:fillRef>
+      <a:effectRef idx="0">
+        <a:scrgbClr r="0" g="0" b="0"/>
+      </a:effectRef>
+      <a:fontRef idx="minor"/>
+    </dgm:style>
+  </dgm:styleLbl>
+  <dgm:styleLbl name="trBgShp">
+    <dgm:scene3d>
+      <a:camera prst="orthographicFront"/>
+      <a:lightRig rig="threePt" dir="t"/>
+    </dgm:scene3d>
+    <dgm:sp3d/>
+    <dgm:txPr/>
+    <dgm:style>
+      <a:lnRef idx="0">
+        <a:scrgbClr r="0" g="0" b="0"/>
+      </a:lnRef>
+      <a:fillRef idx="1">
+        <a:scrgbClr r="0" g="0" b="0"/>
+      </a:fillRef>
+      <a:effectRef idx="0">
+        <a:scrgbClr r="0" g="0" b="0"/>
+      </a:effectRef>
+      <a:fontRef idx="minor"/>
+    </dgm:style>
+  </dgm:styleLbl>
+  <dgm:styleLbl name="fgShp">
+    <dgm:scene3d>
+      <a:camera prst="orthographicFront"/>
+      <a:lightRig rig="threePt" dir="t"/>
+    </dgm:scene3d>
+    <dgm:sp3d/>
+    <dgm:txPr/>
+    <dgm:style>
+      <a:lnRef idx="2">
+        <a:scrgbClr r="0" g="0" b="0"/>
+      </a:lnRef>
+      <a:fillRef idx="1">
+        <a:scrgbClr r="0" g="0" b="0"/>
+      </a:fillRef>
+      <a:effectRef idx="0">
+        <a:scrgbClr r="0" g="0" b="0"/>
+      </a:effectRef>
+      <a:fontRef idx="minor"/>
+    </dgm:style>
+  </dgm:styleLbl>
+  <dgm:styleLbl name="revTx">
+    <dgm:scene3d>
+      <a:camera prst="orthographicFront"/>
+      <a:lightRig rig="threePt" dir="t"/>
+    </dgm:scene3d>
+    <dgm:sp3d/>
+    <dgm:txPr/>
+    <dgm:style>
+      <a:lnRef idx="0">
+        <a:scrgbClr r="0" g="0" b="0"/>
+      </a:lnRef>
+      <a:fillRef idx="0">
+        <a:scrgbClr r="0" g="0" b="0"/>
+      </a:fillRef>
+      <a:effectRef idx="0">
+        <a:scrgbClr r="0" g="0" b="0"/>
+      </a:effectRef>
+      <a:fontRef idx="minor"/>
+    </dgm:style>
+  </dgm:styleLbl>
+</dgm:styleDef>
 </file>
 
 <file path=ppt/slideLayouts/slideLayout1.xml><?xml version="1.0" encoding="utf-8"?>
@@ -4761,8 +10340,8 @@
         </p:nvSpPr>
         <p:spPr>
           <a:xfrm>
-            <a:off x="152400" y="2281451"/>
-            <a:ext cx="2699982" cy="914400"/>
+            <a:off x="-838200" y="2281451"/>
+            <a:ext cx="3182400" cy="720000"/>
           </a:xfrm>
           <a:prstGeom prst="rect">
             <a:avLst/>
@@ -4808,8 +10387,8 @@
         </p:nvSpPr>
         <p:spPr>
           <a:xfrm>
-            <a:off x="3045725" y="2281451"/>
-            <a:ext cx="2699982" cy="914400"/>
+            <a:off x="1569350" y="2281451"/>
+            <a:ext cx="3182400" cy="720000"/>
           </a:xfrm>
           <a:prstGeom prst="rect">
             <a:avLst/>
@@ -4855,8 +10434,8 @@
         </p:nvSpPr>
         <p:spPr>
           <a:xfrm>
-            <a:off x="5939050" y="2281451"/>
-            <a:ext cx="2699982" cy="914400"/>
+            <a:off x="3976900" y="2281451"/>
+            <a:ext cx="3182400" cy="720000"/>
           </a:xfrm>
           <a:prstGeom prst="rect">
             <a:avLst/>
@@ -4902,8 +10481,8 @@
         </p:nvSpPr>
         <p:spPr>
           <a:xfrm>
-            <a:off x="8832375" y="2281451"/>
-            <a:ext cx="2699982" cy="914400"/>
+            <a:off x="6384450" y="2281451"/>
+            <a:ext cx="3182400" cy="720000"/>
           </a:xfrm>
           <a:prstGeom prst="rect">
             <a:avLst/>
@@ -4949,8 +10528,8 @@
         </p:nvSpPr>
         <p:spPr>
           <a:xfrm>
-            <a:off x="11725700" y="2281451"/>
-            <a:ext cx="2699982" cy="914400"/>
+            <a:off x="10014461" y="2281451"/>
+            <a:ext cx="3183160" cy="720000"/>
           </a:xfrm>
           <a:prstGeom prst="rect">
             <a:avLst/>
@@ -4996,7 +10575,7 @@
         </p:nvSpPr>
         <p:spPr>
           <a:xfrm>
-            <a:off x="890685" y="3807725"/>
+            <a:off x="-556912" y="3435698"/>
             <a:ext cx="1223412" cy="369332"/>
           </a:xfrm>
           <a:prstGeom prst="rect">
@@ -5034,7 +10613,7 @@
         </p:nvSpPr>
         <p:spPr>
           <a:xfrm>
-            <a:off x="890685" y="4287671"/>
+            <a:off x="-556912" y="3917540"/>
             <a:ext cx="1240532" cy="369332"/>
           </a:xfrm>
           <a:prstGeom prst="rect">
@@ -5075,13 +10654,13 @@
         </p:nvCxnSpPr>
         <p:spPr>
           <a:xfrm rot="5400000">
-            <a:off x="798268" y="3288268"/>
-            <a:ext cx="796540" cy="611706"/>
+            <a:off x="-211412" y="2655951"/>
+            <a:ext cx="618913" cy="1309912"/>
           </a:xfrm>
           <a:prstGeom prst="bentConnector4">
             <a:avLst>
-              <a:gd name="adj1" fmla="val 38408"/>
-              <a:gd name="adj2" fmla="val 137371"/>
+              <a:gd name="adj1" fmla="val 35081"/>
+              <a:gd name="adj2" fmla="val 117452"/>
             </a:avLst>
           </a:prstGeom>
           <a:ln w="19050">
@@ -5118,13 +10697,13 @@
         </p:nvCxnSpPr>
         <p:spPr>
           <a:xfrm rot="5400000">
-            <a:off x="558295" y="3528241"/>
-            <a:ext cx="1276486" cy="611706"/>
+            <a:off x="-452333" y="2896872"/>
+            <a:ext cx="1100755" cy="1309912"/>
           </a:xfrm>
           <a:prstGeom prst="bentConnector4">
             <a:avLst>
-              <a:gd name="adj1" fmla="val 42767"/>
-              <a:gd name="adj2" fmla="val 137371"/>
+              <a:gd name="adj1" fmla="val 41612"/>
+              <a:gd name="adj2" fmla="val 117452"/>
             </a:avLst>
           </a:prstGeom>
           <a:ln w="19050">
@@ -5150,6 +10729,424 @@
           </a:fontRef>
         </p:style>
       </p:cxnSp>
+      <p:cxnSp>
+        <p:nvCxnSpPr>
+          <p:cNvPr id="16" name="Elbow Connector 15"/>
+          <p:cNvCxnSpPr>
+            <a:stCxn id="7" idx="2"/>
+            <a:endCxn id="17" idx="1"/>
+          </p:cNvCxnSpPr>
+          <p:nvPr/>
+        </p:nvCxnSpPr>
+        <p:spPr>
+          <a:xfrm rot="5400000">
+            <a:off x="2146976" y="2671069"/>
+            <a:ext cx="683192" cy="1343957"/>
+          </a:xfrm>
+          <a:prstGeom prst="bentConnector4">
+            <a:avLst>
+              <a:gd name="adj1" fmla="val 36485"/>
+              <a:gd name="adj2" fmla="val 117009"/>
+            </a:avLst>
+          </a:prstGeom>
+          <a:ln w="19050">
+            <a:solidFill>
+              <a:schemeClr val="accent1">
+                <a:lumMod val="50000"/>
+              </a:schemeClr>
+            </a:solidFill>
+          </a:ln>
+        </p:spPr>
+        <p:style>
+          <a:lnRef idx="1">
+            <a:schemeClr val="accent1"/>
+          </a:lnRef>
+          <a:fillRef idx="0">
+            <a:schemeClr val="accent1"/>
+          </a:fillRef>
+          <a:effectRef idx="0">
+            <a:schemeClr val="accent1"/>
+          </a:effectRef>
+          <a:fontRef idx="minor">
+            <a:schemeClr val="tx1"/>
+          </a:fontRef>
+        </p:style>
+      </p:cxnSp>
+      <p:sp>
+        <p:nvSpPr>
+          <p:cNvPr id="17" name="TextBox 16"/>
+          <p:cNvSpPr txBox="1"/>
+          <p:nvPr/>
+        </p:nvSpPr>
+        <p:spPr>
+          <a:xfrm>
+            <a:off x="1816593" y="3499977"/>
+            <a:ext cx="1044132" cy="369332"/>
+          </a:xfrm>
+          <a:prstGeom prst="rect">
+            <a:avLst/>
+          </a:prstGeom>
+          <a:noFill/>
+        </p:spPr>
+        <p:txBody>
+          <a:bodyPr wrap="none" rtlCol="0">
+            <a:spAutoFit/>
+          </a:bodyPr>
+          <a:lstStyle/>
+          <a:p>
+            <a:r>
+              <a:rPr lang="en-US" dirty="0" smtClean="0">
+                <a:latin typeface="Arial" charset="0"/>
+                <a:ea typeface="Arial" charset="0"/>
+                <a:cs typeface="Arial" charset="0"/>
+              </a:rPr>
+              <a:t>Tailoring</a:t>
+            </a:r>
+          </a:p>
+        </p:txBody>
+      </p:sp>
+      <p:sp>
+        <p:nvSpPr>
+          <p:cNvPr id="20" name="TextBox 19"/>
+          <p:cNvSpPr txBox="1"/>
+          <p:nvPr/>
+        </p:nvSpPr>
+        <p:spPr>
+          <a:xfrm>
+            <a:off x="1822767" y="3917540"/>
+            <a:ext cx="1338828" cy="369332"/>
+          </a:xfrm>
+          <a:prstGeom prst="rect">
+            <a:avLst/>
+          </a:prstGeom>
+          <a:noFill/>
+        </p:spPr>
+        <p:txBody>
+          <a:bodyPr wrap="none" rtlCol="0">
+            <a:spAutoFit/>
+          </a:bodyPr>
+          <a:lstStyle/>
+          <a:p>
+            <a:r>
+              <a:rPr lang="en-US" dirty="0" smtClean="0">
+                <a:latin typeface="Arial" charset="0"/>
+                <a:ea typeface="Arial" charset="0"/>
+                <a:cs typeface="Arial" charset="0"/>
+              </a:rPr>
+              <a:t>Suggestion</a:t>
+            </a:r>
+          </a:p>
+        </p:txBody>
+      </p:sp>
+      <p:cxnSp>
+        <p:nvCxnSpPr>
+          <p:cNvPr id="22" name="Elbow Connector 21"/>
+          <p:cNvCxnSpPr>
+            <a:stCxn id="7" idx="2"/>
+            <a:endCxn id="20" idx="1"/>
+          </p:cNvCxnSpPr>
+          <p:nvPr/>
+        </p:nvCxnSpPr>
+        <p:spPr>
+          <a:xfrm rot="5400000">
+            <a:off x="1941282" y="2882937"/>
+            <a:ext cx="1100755" cy="1337783"/>
+          </a:xfrm>
+          <a:prstGeom prst="bentConnector4">
+            <a:avLst>
+              <a:gd name="adj1" fmla="val 41612"/>
+              <a:gd name="adj2" fmla="val 117088"/>
+            </a:avLst>
+          </a:prstGeom>
+          <a:ln w="19050">
+            <a:solidFill>
+              <a:schemeClr val="accent1">
+                <a:lumMod val="50000"/>
+              </a:schemeClr>
+            </a:solidFill>
+          </a:ln>
+        </p:spPr>
+        <p:style>
+          <a:lnRef idx="1">
+            <a:schemeClr val="accent1"/>
+          </a:lnRef>
+          <a:fillRef idx="0">
+            <a:schemeClr val="accent1"/>
+          </a:fillRef>
+          <a:effectRef idx="0">
+            <a:schemeClr val="accent1"/>
+          </a:effectRef>
+          <a:fontRef idx="minor">
+            <a:schemeClr val="tx1"/>
+          </a:fontRef>
+        </p:style>
+      </p:cxnSp>
+      <p:sp>
+        <p:nvSpPr>
+          <p:cNvPr id="27" name="TextBox 26"/>
+          <p:cNvSpPr txBox="1"/>
+          <p:nvPr/>
+        </p:nvSpPr>
+        <p:spPr>
+          <a:xfrm>
+            <a:off x="4300742" y="3499977"/>
+            <a:ext cx="1736373" cy="369332"/>
+          </a:xfrm>
+          <a:prstGeom prst="rect">
+            <a:avLst/>
+          </a:prstGeom>
+          <a:noFill/>
+        </p:spPr>
+        <p:txBody>
+          <a:bodyPr wrap="none" rtlCol="0">
+            <a:spAutoFit/>
+          </a:bodyPr>
+          <a:lstStyle/>
+          <a:p>
+            <a:r>
+              <a:rPr lang="en-US" dirty="0" smtClean="0">
+                <a:latin typeface="Arial" charset="0"/>
+                <a:ea typeface="Arial" charset="0"/>
+                <a:cs typeface="Arial" charset="0"/>
+              </a:rPr>
+              <a:t>Self-monitoring</a:t>
+            </a:r>
+          </a:p>
+        </p:txBody>
+      </p:sp>
+      <p:sp>
+        <p:nvSpPr>
+          <p:cNvPr id="28" name="TextBox 27"/>
+          <p:cNvSpPr txBox="1"/>
+          <p:nvPr/>
+        </p:nvSpPr>
+        <p:spPr>
+          <a:xfrm>
+            <a:off x="4300742" y="3917540"/>
+            <a:ext cx="1441420" cy="369332"/>
+          </a:xfrm>
+          <a:prstGeom prst="rect">
+            <a:avLst/>
+          </a:prstGeom>
+          <a:noFill/>
+        </p:spPr>
+        <p:txBody>
+          <a:bodyPr wrap="none" rtlCol="0">
+            <a:spAutoFit/>
+          </a:bodyPr>
+          <a:lstStyle/>
+          <a:p>
+            <a:r>
+              <a:rPr lang="en-US" dirty="0" smtClean="0">
+                <a:latin typeface="Arial" charset="0"/>
+                <a:ea typeface="Arial" charset="0"/>
+                <a:cs typeface="Arial" charset="0"/>
+              </a:rPr>
+              <a:t>Surveillance</a:t>
+            </a:r>
+          </a:p>
+        </p:txBody>
+      </p:sp>
+      <p:sp>
+        <p:nvSpPr>
+          <p:cNvPr id="29" name="TextBox 28"/>
+          <p:cNvSpPr txBox="1"/>
+          <p:nvPr/>
+        </p:nvSpPr>
+        <p:spPr>
+          <a:xfrm>
+            <a:off x="6790772" y="3499977"/>
+            <a:ext cx="1467068" cy="369332"/>
+          </a:xfrm>
+          <a:prstGeom prst="rect">
+            <a:avLst/>
+          </a:prstGeom>
+          <a:noFill/>
+        </p:spPr>
+        <p:txBody>
+          <a:bodyPr wrap="none" rtlCol="0">
+            <a:spAutoFit/>
+          </a:bodyPr>
+          <a:lstStyle/>
+          <a:p>
+            <a:r>
+              <a:rPr lang="en-US" dirty="0" smtClean="0">
+                <a:latin typeface="Arial" charset="0"/>
+                <a:ea typeface="Arial" charset="0"/>
+                <a:cs typeface="Arial" charset="0"/>
+              </a:rPr>
+              <a:t>Conditioning</a:t>
+            </a:r>
+          </a:p>
+        </p:txBody>
+      </p:sp>
+      <p:sp>
+        <p:nvSpPr>
+          <p:cNvPr id="30" name="TextBox 29"/>
+          <p:cNvSpPr txBox="1"/>
+          <p:nvPr/>
+        </p:nvSpPr>
+        <p:spPr>
+          <a:xfrm>
+            <a:off x="10201700" y="3538077"/>
+            <a:ext cx="1043876" cy="369332"/>
+          </a:xfrm>
+          <a:prstGeom prst="rect">
+            <a:avLst/>
+          </a:prstGeom>
+          <a:noFill/>
+        </p:spPr>
+        <p:txBody>
+          <a:bodyPr wrap="none" rtlCol="0">
+            <a:spAutoFit/>
+          </a:bodyPr>
+          <a:lstStyle/>
+          <a:p>
+            <a:pPr algn="r"/>
+            <a:r>
+              <a:rPr lang="en-US" dirty="0" smtClean="0">
+                <a:latin typeface="Arial" charset="0"/>
+                <a:ea typeface="Arial" charset="0"/>
+                <a:cs typeface="Arial" charset="0"/>
+              </a:rPr>
+              <a:t>Physical</a:t>
+            </a:r>
+          </a:p>
+        </p:txBody>
+      </p:sp>
+      <p:sp>
+        <p:nvSpPr>
+          <p:cNvPr id="31" name="TextBox 30"/>
+          <p:cNvSpPr txBox="1"/>
+          <p:nvPr/>
+        </p:nvSpPr>
+        <p:spPr>
+          <a:xfrm>
+            <a:off x="11307360" y="3499977"/>
+            <a:ext cx="1595309" cy="369332"/>
+          </a:xfrm>
+          <a:prstGeom prst="rect">
+            <a:avLst/>
+          </a:prstGeom>
+          <a:noFill/>
+        </p:spPr>
+        <p:txBody>
+          <a:bodyPr wrap="none" rtlCol="0">
+            <a:spAutoFit/>
+          </a:bodyPr>
+          <a:lstStyle/>
+          <a:p>
+            <a:r>
+              <a:rPr lang="en-US" dirty="0" smtClean="0">
+                <a:latin typeface="Arial" charset="0"/>
+                <a:ea typeface="Arial" charset="0"/>
+                <a:cs typeface="Arial" charset="0"/>
+              </a:rPr>
+              <a:t>Psychological</a:t>
+            </a:r>
+          </a:p>
+        </p:txBody>
+      </p:sp>
+      <p:sp>
+        <p:nvSpPr>
+          <p:cNvPr id="32" name="TextBox 31"/>
+          <p:cNvSpPr txBox="1"/>
+          <p:nvPr/>
+        </p:nvSpPr>
+        <p:spPr>
+          <a:xfrm>
+            <a:off x="11307360" y="3869309"/>
+            <a:ext cx="1890261" cy="369332"/>
+          </a:xfrm>
+          <a:prstGeom prst="rect">
+            <a:avLst/>
+          </a:prstGeom>
+          <a:noFill/>
+        </p:spPr>
+        <p:txBody>
+          <a:bodyPr wrap="none" rtlCol="0">
+            <a:spAutoFit/>
+          </a:bodyPr>
+          <a:lstStyle/>
+          <a:p>
+            <a:r>
+              <a:rPr lang="en-US" dirty="0" smtClean="0">
+                <a:latin typeface="Arial" charset="0"/>
+                <a:ea typeface="Arial" charset="0"/>
+                <a:cs typeface="Arial" charset="0"/>
+              </a:rPr>
+              <a:t>Social Dynamics</a:t>
+            </a:r>
+          </a:p>
+        </p:txBody>
+      </p:sp>
+      <p:sp>
+        <p:nvSpPr>
+          <p:cNvPr id="33" name="TextBox 32"/>
+          <p:cNvSpPr txBox="1"/>
+          <p:nvPr/>
+        </p:nvSpPr>
+        <p:spPr>
+          <a:xfrm>
+            <a:off x="11307360" y="4286872"/>
+            <a:ext cx="1467068" cy="369332"/>
+          </a:xfrm>
+          <a:prstGeom prst="rect">
+            <a:avLst/>
+          </a:prstGeom>
+          <a:noFill/>
+        </p:spPr>
+        <p:txBody>
+          <a:bodyPr wrap="none" rtlCol="0">
+            <a:spAutoFit/>
+          </a:bodyPr>
+          <a:lstStyle/>
+          <a:p>
+            <a:r>
+              <a:rPr lang="en-US" smtClean="0">
+                <a:latin typeface="Arial" charset="0"/>
+                <a:ea typeface="Arial" charset="0"/>
+                <a:cs typeface="Arial" charset="0"/>
+              </a:rPr>
+              <a:t>Social Roles</a:t>
+            </a:r>
+          </a:p>
+        </p:txBody>
+      </p:sp>
+      <p:sp>
+        <p:nvSpPr>
+          <p:cNvPr id="34" name="TextBox 33"/>
+          <p:cNvSpPr txBox="1"/>
+          <p:nvPr/>
+        </p:nvSpPr>
+        <p:spPr>
+          <a:xfrm>
+            <a:off x="10014461" y="3955640"/>
+            <a:ext cx="1210588" cy="369332"/>
+          </a:xfrm>
+          <a:prstGeom prst="rect">
+            <a:avLst/>
+          </a:prstGeom>
+          <a:noFill/>
+        </p:spPr>
+        <p:txBody>
+          <a:bodyPr wrap="none" rtlCol="0">
+            <a:spAutoFit/>
+          </a:bodyPr>
+          <a:lstStyle/>
+          <a:p>
+            <a:pPr algn="r"/>
+            <a:r>
+              <a:rPr lang="en-US" dirty="0" smtClean="0">
+                <a:latin typeface="Arial" charset="0"/>
+                <a:ea typeface="Arial" charset="0"/>
+                <a:cs typeface="Arial" charset="0"/>
+              </a:rPr>
+              <a:t>Language</a:t>
+            </a:r>
+          </a:p>
+        </p:txBody>
+      </p:sp>
     </p:spTree>
     <p:extLst>
       <p:ext uri="{BB962C8B-B14F-4D97-AF65-F5344CB8AC3E}">
@@ -5164,6 +11161,3055 @@
 </file>
 
 <file path=ppt/slides/slide4.xml><?xml version="1.0" encoding="utf-8"?>
+<p:sld xmlns:a="http://schemas.openxmlformats.org/drawingml/2006/main" xmlns:r="http://schemas.openxmlformats.org/officeDocument/2006/relationships" xmlns:p="http://schemas.openxmlformats.org/presentationml/2006/main">
+  <p:cSld>
+    <p:spTree>
+      <p:nvGrpSpPr>
+        <p:cNvPr id="1" name=""/>
+        <p:cNvGrpSpPr/>
+        <p:nvPr/>
+      </p:nvGrpSpPr>
+      <p:grpSpPr>
+        <a:xfrm>
+          <a:off x="0" y="0"/>
+          <a:ext cx="0" cy="0"/>
+          <a:chOff x="0" y="0"/>
+          <a:chExt cx="0" cy="0"/>
+        </a:xfrm>
+      </p:grpSpPr>
+      <p:sp>
+        <p:nvSpPr>
+          <p:cNvPr id="4" name="Rounded Rectangle 3"/>
+          <p:cNvSpPr/>
+          <p:nvPr/>
+        </p:nvSpPr>
+        <p:spPr>
+          <a:xfrm>
+            <a:off x="1358900" y="393699"/>
+            <a:ext cx="10604500" cy="6070600"/>
+          </a:xfrm>
+          <a:prstGeom prst="roundRect">
+            <a:avLst>
+              <a:gd name="adj" fmla="val 4324"/>
+            </a:avLst>
+          </a:prstGeom>
+          <a:solidFill>
+            <a:schemeClr val="bg1">
+              <a:lumMod val="95000"/>
+            </a:schemeClr>
+          </a:solidFill>
+          <a:ln>
+            <a:noFill/>
+          </a:ln>
+        </p:spPr>
+        <p:style>
+          <a:lnRef idx="2">
+            <a:schemeClr val="accent1">
+              <a:shade val="50000"/>
+            </a:schemeClr>
+          </a:lnRef>
+          <a:fillRef idx="1">
+            <a:schemeClr val="accent1"/>
+          </a:fillRef>
+          <a:effectRef idx="0">
+            <a:schemeClr val="accent1"/>
+          </a:effectRef>
+          <a:fontRef idx="minor">
+            <a:schemeClr val="lt1"/>
+          </a:fontRef>
+        </p:style>
+        <p:txBody>
+          <a:bodyPr rtlCol="0" anchor="ctr"/>
+          <a:lstStyle/>
+          <a:p>
+            <a:pPr algn="ctr"/>
+            <a:endParaRPr lang="en-US"/>
+          </a:p>
+        </p:txBody>
+      </p:sp>
+      <p:graphicFrame>
+        <p:nvGraphicFramePr>
+          <p:cNvPr id="2" name="Diagram 1"/>
+          <p:cNvGraphicFramePr/>
+          <p:nvPr>
+            <p:extLst>
+              <p:ext uri="{D42A27DB-BD31-4B8C-83A1-F6EECF244321}">
+                <p14:modId xmlns:p14="http://schemas.microsoft.com/office/powerpoint/2010/main" val="1325991136"/>
+              </p:ext>
+            </p:extLst>
+          </p:nvPr>
+        </p:nvGraphicFramePr>
+        <p:xfrm>
+          <a:off x="0" y="719666"/>
+          <a:ext cx="12192000" cy="5418667"/>
+        </p:xfrm>
+        <a:graphic>
+          <a:graphicData uri="http://schemas.openxmlformats.org/drawingml/2006/diagram">
+            <dgm:relIds xmlns:dgm="http://schemas.openxmlformats.org/drawingml/2006/diagram" xmlns:r="http://schemas.openxmlformats.org/officeDocument/2006/relationships" r:dm="rId2" r:lo="rId3" r:qs="rId4" r:cs="rId5"/>
+          </a:graphicData>
+        </a:graphic>
+      </p:graphicFrame>
+      <p:sp>
+        <p:nvSpPr>
+          <p:cNvPr id="5" name="TextBox 4"/>
+          <p:cNvSpPr txBox="1"/>
+          <p:nvPr/>
+        </p:nvSpPr>
+        <p:spPr>
+          <a:xfrm>
+            <a:off x="1562100" y="5649151"/>
+            <a:ext cx="5526578" cy="461665"/>
+          </a:xfrm>
+          <a:prstGeom prst="rect">
+            <a:avLst/>
+          </a:prstGeom>
+          <a:noFill/>
+        </p:spPr>
+        <p:txBody>
+          <a:bodyPr wrap="none" rtlCol="0">
+            <a:spAutoFit/>
+          </a:bodyPr>
+          <a:lstStyle/>
+          <a:p>
+            <a:r>
+              <a:rPr lang="en-US" sz="2400" dirty="0" smtClean="0">
+                <a:latin typeface="Arial" charset="0"/>
+                <a:ea typeface="Arial" charset="0"/>
+                <a:cs typeface="Arial" charset="0"/>
+              </a:rPr>
+              <a:t>Persuasive Authentication Framework</a:t>
+            </a:r>
+            <a:endParaRPr lang="en-US" sz="2400" dirty="0">
+              <a:latin typeface="Arial" charset="0"/>
+              <a:ea typeface="Arial" charset="0"/>
+              <a:cs typeface="Arial" charset="0"/>
+            </a:endParaRPr>
+          </a:p>
+        </p:txBody>
+      </p:sp>
+    </p:spTree>
+    <p:extLst>
+      <p:ext uri="{BB962C8B-B14F-4D97-AF65-F5344CB8AC3E}">
+        <p14:creationId xmlns:p14="http://schemas.microsoft.com/office/powerpoint/2010/main" val="1725064609"/>
+      </p:ext>
+    </p:extLst>
+  </p:cSld>
+  <p:clrMapOvr>
+    <a:masterClrMapping/>
+  </p:clrMapOvr>
+</p:sld>
+</file>
+
+<file path=ppt/slides/slide5.xml><?xml version="1.0" encoding="utf-8"?>
+<p:sld xmlns:a="http://schemas.openxmlformats.org/drawingml/2006/main" xmlns:r="http://schemas.openxmlformats.org/officeDocument/2006/relationships" xmlns:p="http://schemas.openxmlformats.org/presentationml/2006/main">
+  <p:cSld>
+    <p:spTree>
+      <p:nvGrpSpPr>
+        <p:cNvPr id="1" name=""/>
+        <p:cNvGrpSpPr/>
+        <p:nvPr/>
+      </p:nvGrpSpPr>
+      <p:grpSpPr>
+        <a:xfrm>
+          <a:off x="0" y="0"/>
+          <a:ext cx="0" cy="0"/>
+          <a:chOff x="0" y="0"/>
+          <a:chExt cx="0" cy="0"/>
+        </a:xfrm>
+      </p:grpSpPr>
+      <p:grpSp>
+        <p:nvGrpSpPr>
+          <p:cNvPr id="103" name="Group 102"/>
+          <p:cNvGrpSpPr/>
+          <p:nvPr/>
+        </p:nvGrpSpPr>
+        <p:grpSpPr>
+          <a:xfrm>
+            <a:off x="165100" y="393699"/>
+            <a:ext cx="11861800" cy="4724401"/>
+            <a:chOff x="165100" y="393699"/>
+            <a:chExt cx="11861800" cy="4724401"/>
+          </a:xfrm>
+        </p:grpSpPr>
+        <p:sp>
+          <p:nvSpPr>
+            <p:cNvPr id="99" name="Rounded Rectangle 98"/>
+            <p:cNvSpPr/>
+            <p:nvPr/>
+          </p:nvSpPr>
+          <p:spPr>
+            <a:xfrm>
+              <a:off x="165100" y="393699"/>
+              <a:ext cx="11861800" cy="4724401"/>
+            </a:xfrm>
+            <a:prstGeom prst="roundRect">
+              <a:avLst>
+                <a:gd name="adj" fmla="val 4324"/>
+              </a:avLst>
+            </a:prstGeom>
+            <a:solidFill>
+              <a:srgbClr val="F8F8F8"/>
+            </a:solidFill>
+            <a:ln>
+              <a:noFill/>
+            </a:ln>
+          </p:spPr>
+          <p:style>
+            <a:lnRef idx="2">
+              <a:schemeClr val="accent1">
+                <a:shade val="50000"/>
+              </a:schemeClr>
+            </a:lnRef>
+            <a:fillRef idx="1">
+              <a:schemeClr val="accent1"/>
+            </a:fillRef>
+            <a:effectRef idx="0">
+              <a:schemeClr val="accent1"/>
+            </a:effectRef>
+            <a:fontRef idx="minor">
+              <a:schemeClr val="lt1"/>
+            </a:fontRef>
+          </p:style>
+          <p:txBody>
+            <a:bodyPr rtlCol="0" anchor="ctr"/>
+            <a:lstStyle/>
+            <a:p>
+              <a:pPr algn="ctr"/>
+              <a:endParaRPr lang="en-US"/>
+            </a:p>
+          </p:txBody>
+        </p:sp>
+        <p:grpSp>
+          <p:nvGrpSpPr>
+            <p:cNvPr id="102" name="Group 101"/>
+            <p:cNvGrpSpPr/>
+            <p:nvPr/>
+          </p:nvGrpSpPr>
+          <p:grpSpPr>
+            <a:xfrm>
+              <a:off x="624962" y="685552"/>
+              <a:ext cx="10942077" cy="4140695"/>
+              <a:chOff x="624962" y="588963"/>
+              <a:chExt cx="10942077" cy="4140695"/>
+            </a:xfrm>
+          </p:grpSpPr>
+          <p:grpSp>
+            <p:nvGrpSpPr>
+              <p:cNvPr id="101" name="Group 100"/>
+              <p:cNvGrpSpPr/>
+              <p:nvPr/>
+            </p:nvGrpSpPr>
+            <p:grpSpPr>
+              <a:xfrm>
+                <a:off x="624962" y="1274241"/>
+                <a:ext cx="10942077" cy="3455417"/>
+                <a:chOff x="560545" y="1274241"/>
+                <a:chExt cx="10942077" cy="3455417"/>
+              </a:xfrm>
+            </p:grpSpPr>
+            <p:grpSp>
+              <p:nvGrpSpPr>
+                <p:cNvPr id="94" name="Group 93"/>
+                <p:cNvGrpSpPr/>
+                <p:nvPr/>
+              </p:nvGrpSpPr>
+              <p:grpSpPr>
+                <a:xfrm>
+                  <a:off x="560545" y="1274241"/>
+                  <a:ext cx="1494235" cy="2614910"/>
+                  <a:chOff x="801845" y="944041"/>
+                  <a:chExt cx="1494235" cy="2614910"/>
+                </a:xfrm>
+              </p:grpSpPr>
+              <p:grpSp>
+                <p:nvGrpSpPr>
+                  <p:cNvPr id="2" name="Group 1"/>
+                  <p:cNvGrpSpPr/>
+                  <p:nvPr/>
+                </p:nvGrpSpPr>
+                <p:grpSpPr>
+                  <a:xfrm>
+                    <a:off x="801846" y="944041"/>
+                    <a:ext cx="1494234" cy="747117"/>
+                    <a:chOff x="1613296" y="1033"/>
+                    <a:chExt cx="1494234" cy="747117"/>
+                  </a:xfrm>
+                </p:grpSpPr>
+                <p:sp>
+                  <p:nvSpPr>
+                    <p:cNvPr id="49" name="Rounded Rectangle 48"/>
+                    <p:cNvSpPr/>
+                    <p:nvPr/>
+                  </p:nvSpPr>
+                  <p:spPr>
+                    <a:xfrm>
+                      <a:off x="1613296" y="1033"/>
+                      <a:ext cx="1494234" cy="747117"/>
+                    </a:xfrm>
+                    <a:prstGeom prst="roundRect">
+                      <a:avLst>
+                        <a:gd name="adj" fmla="val 10000"/>
+                      </a:avLst>
+                    </a:prstGeom>
+                  </p:spPr>
+                  <p:style>
+                    <a:lnRef idx="2">
+                      <a:schemeClr val="lt1">
+                        <a:hueOff val="0"/>
+                        <a:satOff val="0"/>
+                        <a:lumOff val="0"/>
+                        <a:alphaOff val="0"/>
+                      </a:schemeClr>
+                    </a:lnRef>
+                    <a:fillRef idx="1">
+                      <a:schemeClr val="accent1">
+                        <a:hueOff val="0"/>
+                        <a:satOff val="0"/>
+                        <a:lumOff val="0"/>
+                        <a:alphaOff val="0"/>
+                      </a:schemeClr>
+                    </a:fillRef>
+                    <a:effectRef idx="0">
+                      <a:schemeClr val="accent1">
+                        <a:hueOff val="0"/>
+                        <a:satOff val="0"/>
+                        <a:lumOff val="0"/>
+                        <a:alphaOff val="0"/>
+                      </a:schemeClr>
+                    </a:effectRef>
+                    <a:fontRef idx="minor">
+                      <a:schemeClr val="lt1"/>
+                    </a:fontRef>
+                  </p:style>
+                </p:sp>
+                <p:sp>
+                  <p:nvSpPr>
+                    <p:cNvPr id="50" name="Rounded Rectangle 4"/>
+                    <p:cNvSpPr/>
+                    <p:nvPr/>
+                  </p:nvSpPr>
+                  <p:spPr>
+                    <a:xfrm>
+                      <a:off x="1635178" y="22915"/>
+                      <a:ext cx="1450470" cy="703353"/>
+                    </a:xfrm>
+                    <a:prstGeom prst="rect">
+                      <a:avLst/>
+                    </a:prstGeom>
+                  </p:spPr>
+                  <p:style>
+                    <a:lnRef idx="0">
+                      <a:scrgbClr r="0" g="0" b="0"/>
+                    </a:lnRef>
+                    <a:fillRef idx="0">
+                      <a:scrgbClr r="0" g="0" b="0"/>
+                    </a:fillRef>
+                    <a:effectRef idx="0">
+                      <a:scrgbClr r="0" g="0" b="0"/>
+                    </a:effectRef>
+                    <a:fontRef idx="minor">
+                      <a:schemeClr val="lt1"/>
+                    </a:fontRef>
+                  </p:style>
+                  <p:txBody>
+                    <a:bodyPr spcFirstLastPara="0" vert="horz" wrap="square" lIns="30480" tIns="20320" rIns="30480" bIns="20320" numCol="1" spcCol="1270" anchor="ctr" anchorCtr="0">
+                      <a:noAutofit/>
+                    </a:bodyPr>
+                    <a:lstStyle/>
+                    <a:p>
+                      <a:pPr lvl="0" algn="ctr" defTabSz="711200">
+                        <a:lnSpc>
+                          <a:spcPct val="90000"/>
+                        </a:lnSpc>
+                        <a:spcBef>
+                          <a:spcPct val="0"/>
+                        </a:spcBef>
+                        <a:spcAft>
+                          <a:spcPct val="35000"/>
+                        </a:spcAft>
+                      </a:pPr>
+                      <a:r>
+                        <a:rPr lang="en-US" sz="1600" kern="1200" dirty="0" smtClean="0">
+                          <a:latin typeface="Arial" charset="0"/>
+                          <a:ea typeface="Arial" charset="0"/>
+                          <a:cs typeface="Arial" charset="0"/>
+                        </a:rPr>
+                        <a:t>Simplification</a:t>
+                      </a:r>
+                      <a:endParaRPr lang="en-US" sz="1600" kern="1200" dirty="0">
+                        <a:latin typeface="Arial" charset="0"/>
+                        <a:ea typeface="Arial" charset="0"/>
+                        <a:cs typeface="Arial" charset="0"/>
+                      </a:endParaRPr>
+                    </a:p>
+                  </p:txBody>
+                </p:sp>
+              </p:grpSp>
+              <p:grpSp>
+                <p:nvGrpSpPr>
+                  <p:cNvPr id="3" name="Group 2"/>
+                  <p:cNvGrpSpPr/>
+                  <p:nvPr/>
+                </p:nvGrpSpPr>
+                <p:grpSpPr>
+                  <a:xfrm>
+                    <a:off x="1100693" y="1877938"/>
+                    <a:ext cx="1195387" cy="747117"/>
+                    <a:chOff x="1912143" y="934930"/>
+                    <a:chExt cx="1195387" cy="747117"/>
+                  </a:xfrm>
+                </p:grpSpPr>
+                <p:sp>
+                  <p:nvSpPr>
+                    <p:cNvPr id="47" name="Rounded Rectangle 46"/>
+                    <p:cNvSpPr/>
+                    <p:nvPr/>
+                  </p:nvSpPr>
+                  <p:spPr>
+                    <a:xfrm>
+                      <a:off x="1912143" y="934930"/>
+                      <a:ext cx="1195387" cy="747117"/>
+                    </a:xfrm>
+                    <a:prstGeom prst="roundRect">
+                      <a:avLst>
+                        <a:gd name="adj" fmla="val 10000"/>
+                      </a:avLst>
+                    </a:prstGeom>
+                  </p:spPr>
+                  <p:style>
+                    <a:lnRef idx="2">
+                      <a:schemeClr val="accent1">
+                        <a:hueOff val="0"/>
+                        <a:satOff val="0"/>
+                        <a:lumOff val="0"/>
+                        <a:alphaOff val="0"/>
+                      </a:schemeClr>
+                    </a:lnRef>
+                    <a:fillRef idx="1">
+                      <a:schemeClr val="lt1">
+                        <a:alpha val="90000"/>
+                        <a:hueOff val="0"/>
+                        <a:satOff val="0"/>
+                        <a:lumOff val="0"/>
+                        <a:alphaOff val="0"/>
+                      </a:schemeClr>
+                    </a:fillRef>
+                    <a:effectRef idx="0">
+                      <a:schemeClr val="lt1">
+                        <a:alpha val="90000"/>
+                        <a:hueOff val="0"/>
+                        <a:satOff val="0"/>
+                        <a:lumOff val="0"/>
+                        <a:alphaOff val="0"/>
+                      </a:schemeClr>
+                    </a:effectRef>
+                    <a:fontRef idx="minor">
+                      <a:schemeClr val="dk1">
+                        <a:hueOff val="0"/>
+                        <a:satOff val="0"/>
+                        <a:lumOff val="0"/>
+                        <a:alphaOff val="0"/>
+                      </a:schemeClr>
+                    </a:fontRef>
+                  </p:style>
+                </p:sp>
+                <p:sp>
+                  <p:nvSpPr>
+                    <p:cNvPr id="48" name="Rounded Rectangle 6"/>
+                    <p:cNvSpPr/>
+                    <p:nvPr/>
+                  </p:nvSpPr>
+                  <p:spPr>
+                    <a:xfrm>
+                      <a:off x="1934025" y="956812"/>
+                      <a:ext cx="1151623" cy="703353"/>
+                    </a:xfrm>
+                    <a:prstGeom prst="rect">
+                      <a:avLst/>
+                    </a:prstGeom>
+                  </p:spPr>
+                  <p:style>
+                    <a:lnRef idx="0">
+                      <a:scrgbClr r="0" g="0" b="0"/>
+                    </a:lnRef>
+                    <a:fillRef idx="0">
+                      <a:scrgbClr r="0" g="0" b="0"/>
+                    </a:fillRef>
+                    <a:effectRef idx="0">
+                      <a:scrgbClr r="0" g="0" b="0"/>
+                    </a:effectRef>
+                    <a:fontRef idx="minor">
+                      <a:schemeClr val="dk1">
+                        <a:hueOff val="0"/>
+                        <a:satOff val="0"/>
+                        <a:lumOff val="0"/>
+                        <a:alphaOff val="0"/>
+                      </a:schemeClr>
+                    </a:fontRef>
+                  </p:style>
+                  <p:txBody>
+                    <a:bodyPr spcFirstLastPara="0" vert="horz" wrap="square" lIns="26670" tIns="17780" rIns="26670" bIns="17780" numCol="1" spcCol="1270" anchor="ctr" anchorCtr="0">
+                      <a:noAutofit/>
+                    </a:bodyPr>
+                    <a:lstStyle/>
+                    <a:p>
+                      <a:pPr lvl="0" algn="ctr" defTabSz="622300">
+                        <a:lnSpc>
+                          <a:spcPct val="90000"/>
+                        </a:lnSpc>
+                        <a:spcBef>
+                          <a:spcPct val="0"/>
+                        </a:spcBef>
+                        <a:spcAft>
+                          <a:spcPct val="35000"/>
+                        </a:spcAft>
+                      </a:pPr>
+                      <a:r>
+                        <a:rPr lang="en-US" sz="1400" kern="1200" dirty="0" smtClean="0">
+                          <a:latin typeface="Arial" charset="0"/>
+                          <a:ea typeface="Arial" charset="0"/>
+                          <a:cs typeface="Arial" charset="0"/>
+                        </a:rPr>
+                        <a:t>Reduction</a:t>
+                      </a:r>
+                      <a:endParaRPr lang="en-US" sz="1400" kern="1200" dirty="0">
+                        <a:latin typeface="Arial" charset="0"/>
+                        <a:ea typeface="Arial" charset="0"/>
+                        <a:cs typeface="Arial" charset="0"/>
+                      </a:endParaRPr>
+                    </a:p>
+                  </p:txBody>
+                </p:sp>
+              </p:grpSp>
+              <p:grpSp>
+                <p:nvGrpSpPr>
+                  <p:cNvPr id="4" name="Group 3"/>
+                  <p:cNvGrpSpPr/>
+                  <p:nvPr/>
+                </p:nvGrpSpPr>
+                <p:grpSpPr>
+                  <a:xfrm>
+                    <a:off x="1100693" y="2811834"/>
+                    <a:ext cx="1195387" cy="747117"/>
+                    <a:chOff x="1912143" y="1868826"/>
+                    <a:chExt cx="1195387" cy="747117"/>
+                  </a:xfrm>
+                </p:grpSpPr>
+                <p:sp>
+                  <p:nvSpPr>
+                    <p:cNvPr id="45" name="Rounded Rectangle 44"/>
+                    <p:cNvSpPr/>
+                    <p:nvPr/>
+                  </p:nvSpPr>
+                  <p:spPr>
+                    <a:xfrm>
+                      <a:off x="1912143" y="1868826"/>
+                      <a:ext cx="1195387" cy="747117"/>
+                    </a:xfrm>
+                    <a:prstGeom prst="roundRect">
+                      <a:avLst>
+                        <a:gd name="adj" fmla="val 10000"/>
+                      </a:avLst>
+                    </a:prstGeom>
+                  </p:spPr>
+                  <p:style>
+                    <a:lnRef idx="2">
+                      <a:schemeClr val="accent1">
+                        <a:hueOff val="0"/>
+                        <a:satOff val="0"/>
+                        <a:lumOff val="0"/>
+                        <a:alphaOff val="0"/>
+                      </a:schemeClr>
+                    </a:lnRef>
+                    <a:fillRef idx="1">
+                      <a:schemeClr val="lt1">
+                        <a:alpha val="90000"/>
+                        <a:hueOff val="0"/>
+                        <a:satOff val="0"/>
+                        <a:lumOff val="0"/>
+                        <a:alphaOff val="0"/>
+                      </a:schemeClr>
+                    </a:fillRef>
+                    <a:effectRef idx="0">
+                      <a:schemeClr val="lt1">
+                        <a:alpha val="90000"/>
+                        <a:hueOff val="0"/>
+                        <a:satOff val="0"/>
+                        <a:lumOff val="0"/>
+                        <a:alphaOff val="0"/>
+                      </a:schemeClr>
+                    </a:effectRef>
+                    <a:fontRef idx="minor">
+                      <a:schemeClr val="dk1">
+                        <a:hueOff val="0"/>
+                        <a:satOff val="0"/>
+                        <a:lumOff val="0"/>
+                        <a:alphaOff val="0"/>
+                      </a:schemeClr>
+                    </a:fontRef>
+                  </p:style>
+                </p:sp>
+                <p:sp>
+                  <p:nvSpPr>
+                    <p:cNvPr id="46" name="Rounded Rectangle 8"/>
+                    <p:cNvSpPr/>
+                    <p:nvPr/>
+                  </p:nvSpPr>
+                  <p:spPr>
+                    <a:xfrm>
+                      <a:off x="1934025" y="1890708"/>
+                      <a:ext cx="1151623" cy="703353"/>
+                    </a:xfrm>
+                    <a:prstGeom prst="rect">
+                      <a:avLst/>
+                    </a:prstGeom>
+                  </p:spPr>
+                  <p:style>
+                    <a:lnRef idx="0">
+                      <a:scrgbClr r="0" g="0" b="0"/>
+                    </a:lnRef>
+                    <a:fillRef idx="0">
+                      <a:scrgbClr r="0" g="0" b="0"/>
+                    </a:fillRef>
+                    <a:effectRef idx="0">
+                      <a:scrgbClr r="0" g="0" b="0"/>
+                    </a:effectRef>
+                    <a:fontRef idx="minor">
+                      <a:schemeClr val="dk1">
+                        <a:hueOff val="0"/>
+                        <a:satOff val="0"/>
+                        <a:lumOff val="0"/>
+                        <a:alphaOff val="0"/>
+                      </a:schemeClr>
+                    </a:fontRef>
+                  </p:style>
+                  <p:txBody>
+                    <a:bodyPr spcFirstLastPara="0" vert="horz" wrap="square" lIns="26670" tIns="17780" rIns="26670" bIns="17780" numCol="1" spcCol="1270" anchor="ctr" anchorCtr="0">
+                      <a:noAutofit/>
+                    </a:bodyPr>
+                    <a:lstStyle/>
+                    <a:p>
+                      <a:pPr lvl="0" algn="ctr" defTabSz="622300">
+                        <a:lnSpc>
+                          <a:spcPct val="90000"/>
+                        </a:lnSpc>
+                        <a:spcBef>
+                          <a:spcPct val="0"/>
+                        </a:spcBef>
+                        <a:spcAft>
+                          <a:spcPct val="35000"/>
+                        </a:spcAft>
+                      </a:pPr>
+                      <a:r>
+                        <a:rPr lang="en-US" sz="1400" kern="1200" dirty="0" smtClean="0">
+                          <a:latin typeface="Arial" charset="0"/>
+                          <a:ea typeface="Arial" charset="0"/>
+                          <a:cs typeface="Arial" charset="0"/>
+                        </a:rPr>
+                        <a:t>Tunneling</a:t>
+                      </a:r>
+                      <a:endParaRPr lang="en-US" sz="1400" kern="1200" dirty="0">
+                        <a:latin typeface="Arial" charset="0"/>
+                        <a:ea typeface="Arial" charset="0"/>
+                        <a:cs typeface="Arial" charset="0"/>
+                      </a:endParaRPr>
+                    </a:p>
+                  </p:txBody>
+                </p:sp>
+              </p:grpSp>
+              <p:cxnSp>
+                <p:nvCxnSpPr>
+                  <p:cNvPr id="55" name="Elbow Connector 54"/>
+                  <p:cNvCxnSpPr>
+                    <a:stCxn id="49" idx="1"/>
+                    <a:endCxn id="47" idx="1"/>
+                  </p:cNvCxnSpPr>
+                  <p:nvPr/>
+                </p:nvCxnSpPr>
+                <p:spPr>
+                  <a:xfrm rot="10800000" flipH="1" flipV="1">
+                    <a:off x="801845" y="1317599"/>
+                    <a:ext cx="298847" cy="933897"/>
+                  </a:xfrm>
+                  <a:prstGeom prst="bentConnector3">
+                    <a:avLst>
+                      <a:gd name="adj1" fmla="val -76494"/>
+                    </a:avLst>
+                  </a:prstGeom>
+                </p:spPr>
+                <p:style>
+                  <a:lnRef idx="1">
+                    <a:schemeClr val="accent1"/>
+                  </a:lnRef>
+                  <a:fillRef idx="0">
+                    <a:schemeClr val="accent1"/>
+                  </a:fillRef>
+                  <a:effectRef idx="0">
+                    <a:schemeClr val="accent1"/>
+                  </a:effectRef>
+                  <a:fontRef idx="minor">
+                    <a:schemeClr val="tx1"/>
+                  </a:fontRef>
+                </p:style>
+              </p:cxnSp>
+              <p:cxnSp>
+                <p:nvCxnSpPr>
+                  <p:cNvPr id="56" name="Elbow Connector 55"/>
+                  <p:cNvCxnSpPr>
+                    <a:stCxn id="49" idx="1"/>
+                    <a:endCxn id="45" idx="1"/>
+                  </p:cNvCxnSpPr>
+                  <p:nvPr/>
+                </p:nvCxnSpPr>
+                <p:spPr>
+                  <a:xfrm rot="10800000" flipH="1" flipV="1">
+                    <a:off x="801845" y="1317599"/>
+                    <a:ext cx="298847" cy="1867793"/>
+                  </a:xfrm>
+                  <a:prstGeom prst="bentConnector3">
+                    <a:avLst>
+                      <a:gd name="adj1" fmla="val -76494"/>
+                    </a:avLst>
+                  </a:prstGeom>
+                </p:spPr>
+                <p:style>
+                  <a:lnRef idx="1">
+                    <a:schemeClr val="accent1"/>
+                  </a:lnRef>
+                  <a:fillRef idx="0">
+                    <a:schemeClr val="accent1"/>
+                  </a:fillRef>
+                  <a:effectRef idx="0">
+                    <a:schemeClr val="accent1"/>
+                  </a:effectRef>
+                  <a:fontRef idx="minor">
+                    <a:schemeClr val="tx1"/>
+                  </a:fontRef>
+                </p:style>
+              </p:cxnSp>
+            </p:grpSp>
+            <p:grpSp>
+              <p:nvGrpSpPr>
+                <p:cNvPr id="95" name="Group 94"/>
+                <p:cNvGrpSpPr/>
+                <p:nvPr/>
+              </p:nvGrpSpPr>
+              <p:grpSpPr>
+                <a:xfrm>
+                  <a:off x="2655409" y="1274241"/>
+                  <a:ext cx="1494235" cy="2614910"/>
+                  <a:chOff x="2669638" y="944041"/>
+                  <a:chExt cx="1494235" cy="2614910"/>
+                </a:xfrm>
+              </p:grpSpPr>
+              <p:grpSp>
+                <p:nvGrpSpPr>
+                  <p:cNvPr id="5" name="Group 4"/>
+                  <p:cNvGrpSpPr/>
+                  <p:nvPr/>
+                </p:nvGrpSpPr>
+                <p:grpSpPr>
+                  <a:xfrm>
+                    <a:off x="2669639" y="944041"/>
+                    <a:ext cx="1494234" cy="747117"/>
+                    <a:chOff x="3481089" y="1033"/>
+                    <a:chExt cx="1494234" cy="747117"/>
+                  </a:xfrm>
+                </p:grpSpPr>
+                <p:sp>
+                  <p:nvSpPr>
+                    <p:cNvPr id="43" name="Rounded Rectangle 42"/>
+                    <p:cNvSpPr/>
+                    <p:nvPr/>
+                  </p:nvSpPr>
+                  <p:spPr>
+                    <a:xfrm>
+                      <a:off x="3481089" y="1033"/>
+                      <a:ext cx="1494234" cy="747117"/>
+                    </a:xfrm>
+                    <a:prstGeom prst="roundRect">
+                      <a:avLst>
+                        <a:gd name="adj" fmla="val 10000"/>
+                      </a:avLst>
+                    </a:prstGeom>
+                  </p:spPr>
+                  <p:style>
+                    <a:lnRef idx="2">
+                      <a:schemeClr val="lt1">
+                        <a:hueOff val="0"/>
+                        <a:satOff val="0"/>
+                        <a:lumOff val="0"/>
+                        <a:alphaOff val="0"/>
+                      </a:schemeClr>
+                    </a:lnRef>
+                    <a:fillRef idx="1">
+                      <a:schemeClr val="accent1">
+                        <a:hueOff val="0"/>
+                        <a:satOff val="0"/>
+                        <a:lumOff val="0"/>
+                        <a:alphaOff val="0"/>
+                      </a:schemeClr>
+                    </a:fillRef>
+                    <a:effectRef idx="0">
+                      <a:schemeClr val="accent1">
+                        <a:hueOff val="0"/>
+                        <a:satOff val="0"/>
+                        <a:lumOff val="0"/>
+                        <a:alphaOff val="0"/>
+                      </a:schemeClr>
+                    </a:effectRef>
+                    <a:fontRef idx="minor">
+                      <a:schemeClr val="lt1"/>
+                    </a:fontRef>
+                  </p:style>
+                </p:sp>
+                <p:sp>
+                  <p:nvSpPr>
+                    <p:cNvPr id="44" name="Rounded Rectangle 10"/>
+                    <p:cNvSpPr/>
+                    <p:nvPr/>
+                  </p:nvSpPr>
+                  <p:spPr>
+                    <a:xfrm>
+                      <a:off x="3502971" y="22915"/>
+                      <a:ext cx="1450470" cy="703353"/>
+                    </a:xfrm>
+                    <a:prstGeom prst="rect">
+                      <a:avLst/>
+                    </a:prstGeom>
+                  </p:spPr>
+                  <p:style>
+                    <a:lnRef idx="0">
+                      <a:scrgbClr r="0" g="0" b="0"/>
+                    </a:lnRef>
+                    <a:fillRef idx="0">
+                      <a:scrgbClr r="0" g="0" b="0"/>
+                    </a:fillRef>
+                    <a:effectRef idx="0">
+                      <a:scrgbClr r="0" g="0" b="0"/>
+                    </a:effectRef>
+                    <a:fontRef idx="minor">
+                      <a:schemeClr val="lt1"/>
+                    </a:fontRef>
+                  </p:style>
+                  <p:txBody>
+                    <a:bodyPr spcFirstLastPara="0" vert="horz" wrap="square" lIns="30480" tIns="20320" rIns="30480" bIns="20320" numCol="1" spcCol="1270" anchor="ctr" anchorCtr="0">
+                      <a:noAutofit/>
+                    </a:bodyPr>
+                    <a:lstStyle/>
+                    <a:p>
+                      <a:pPr lvl="0" algn="ctr" defTabSz="711200">
+                        <a:lnSpc>
+                          <a:spcPct val="90000"/>
+                        </a:lnSpc>
+                        <a:spcBef>
+                          <a:spcPct val="0"/>
+                        </a:spcBef>
+                        <a:spcAft>
+                          <a:spcPct val="35000"/>
+                        </a:spcAft>
+                      </a:pPr>
+                      <a:r>
+                        <a:rPr lang="en-US" sz="1600" kern="1200" dirty="0" smtClean="0">
+                          <a:latin typeface="Arial" charset="0"/>
+                          <a:ea typeface="Arial" charset="0"/>
+                          <a:cs typeface="Arial" charset="0"/>
+                        </a:rPr>
+                        <a:t>Personalization</a:t>
+                      </a:r>
+                      <a:endParaRPr lang="en-US" sz="1600" kern="1200" dirty="0">
+                        <a:latin typeface="Arial" charset="0"/>
+                        <a:ea typeface="Arial" charset="0"/>
+                        <a:cs typeface="Arial" charset="0"/>
+                      </a:endParaRPr>
+                    </a:p>
+                  </p:txBody>
+                </p:sp>
+              </p:grpSp>
+              <p:grpSp>
+                <p:nvGrpSpPr>
+                  <p:cNvPr id="6" name="Group 5"/>
+                  <p:cNvGrpSpPr/>
+                  <p:nvPr/>
+                </p:nvGrpSpPr>
+                <p:grpSpPr>
+                  <a:xfrm>
+                    <a:off x="2968486" y="1877938"/>
+                    <a:ext cx="1195387" cy="747117"/>
+                    <a:chOff x="3779936" y="934930"/>
+                    <a:chExt cx="1195387" cy="747117"/>
+                  </a:xfrm>
+                </p:grpSpPr>
+                <p:sp>
+                  <p:nvSpPr>
+                    <p:cNvPr id="41" name="Rounded Rectangle 40"/>
+                    <p:cNvSpPr/>
+                    <p:nvPr/>
+                  </p:nvSpPr>
+                  <p:spPr>
+                    <a:xfrm>
+                      <a:off x="3779936" y="934930"/>
+                      <a:ext cx="1195387" cy="747117"/>
+                    </a:xfrm>
+                    <a:prstGeom prst="roundRect">
+                      <a:avLst>
+                        <a:gd name="adj" fmla="val 10000"/>
+                      </a:avLst>
+                    </a:prstGeom>
+                  </p:spPr>
+                  <p:style>
+                    <a:lnRef idx="2">
+                      <a:schemeClr val="accent1">
+                        <a:hueOff val="0"/>
+                        <a:satOff val="0"/>
+                        <a:lumOff val="0"/>
+                        <a:alphaOff val="0"/>
+                      </a:schemeClr>
+                    </a:lnRef>
+                    <a:fillRef idx="1">
+                      <a:schemeClr val="lt1">
+                        <a:alpha val="90000"/>
+                        <a:hueOff val="0"/>
+                        <a:satOff val="0"/>
+                        <a:lumOff val="0"/>
+                        <a:alphaOff val="0"/>
+                      </a:schemeClr>
+                    </a:fillRef>
+                    <a:effectRef idx="0">
+                      <a:schemeClr val="lt1">
+                        <a:alpha val="90000"/>
+                        <a:hueOff val="0"/>
+                        <a:satOff val="0"/>
+                        <a:lumOff val="0"/>
+                        <a:alphaOff val="0"/>
+                      </a:schemeClr>
+                    </a:effectRef>
+                    <a:fontRef idx="minor">
+                      <a:schemeClr val="dk1">
+                        <a:hueOff val="0"/>
+                        <a:satOff val="0"/>
+                        <a:lumOff val="0"/>
+                        <a:alphaOff val="0"/>
+                      </a:schemeClr>
+                    </a:fontRef>
+                  </p:style>
+                </p:sp>
+                <p:sp>
+                  <p:nvSpPr>
+                    <p:cNvPr id="42" name="Rounded Rectangle 12"/>
+                    <p:cNvSpPr/>
+                    <p:nvPr/>
+                  </p:nvSpPr>
+                  <p:spPr>
+                    <a:xfrm>
+                      <a:off x="3801818" y="956812"/>
+                      <a:ext cx="1151623" cy="703353"/>
+                    </a:xfrm>
+                    <a:prstGeom prst="rect">
+                      <a:avLst/>
+                    </a:prstGeom>
+                  </p:spPr>
+                  <p:style>
+                    <a:lnRef idx="0">
+                      <a:scrgbClr r="0" g="0" b="0"/>
+                    </a:lnRef>
+                    <a:fillRef idx="0">
+                      <a:scrgbClr r="0" g="0" b="0"/>
+                    </a:fillRef>
+                    <a:effectRef idx="0">
+                      <a:scrgbClr r="0" g="0" b="0"/>
+                    </a:effectRef>
+                    <a:fontRef idx="minor">
+                      <a:schemeClr val="dk1">
+                        <a:hueOff val="0"/>
+                        <a:satOff val="0"/>
+                        <a:lumOff val="0"/>
+                        <a:alphaOff val="0"/>
+                      </a:schemeClr>
+                    </a:fontRef>
+                  </p:style>
+                  <p:txBody>
+                    <a:bodyPr spcFirstLastPara="0" vert="horz" wrap="square" lIns="26670" tIns="17780" rIns="26670" bIns="17780" numCol="1" spcCol="1270" anchor="ctr" anchorCtr="0">
+                      <a:noAutofit/>
+                    </a:bodyPr>
+                    <a:lstStyle/>
+                    <a:p>
+                      <a:pPr lvl="0" algn="ctr" defTabSz="622300">
+                        <a:lnSpc>
+                          <a:spcPct val="90000"/>
+                        </a:lnSpc>
+                        <a:spcBef>
+                          <a:spcPct val="0"/>
+                        </a:spcBef>
+                        <a:spcAft>
+                          <a:spcPct val="35000"/>
+                        </a:spcAft>
+                      </a:pPr>
+                      <a:r>
+                        <a:rPr lang="en-US" sz="1400" kern="1200" dirty="0" smtClean="0">
+                          <a:latin typeface="Arial" charset="0"/>
+                          <a:ea typeface="Arial" charset="0"/>
+                          <a:cs typeface="Arial" charset="0"/>
+                        </a:rPr>
+                        <a:t>Tailoring</a:t>
+                      </a:r>
+                      <a:endParaRPr lang="en-US" sz="1400" kern="1200" dirty="0">
+                        <a:latin typeface="Arial" charset="0"/>
+                        <a:ea typeface="Arial" charset="0"/>
+                        <a:cs typeface="Arial" charset="0"/>
+                      </a:endParaRPr>
+                    </a:p>
+                  </p:txBody>
+                </p:sp>
+              </p:grpSp>
+              <p:grpSp>
+                <p:nvGrpSpPr>
+                  <p:cNvPr id="7" name="Group 6"/>
+                  <p:cNvGrpSpPr/>
+                  <p:nvPr/>
+                </p:nvGrpSpPr>
+                <p:grpSpPr>
+                  <a:xfrm>
+                    <a:off x="2968486" y="2811834"/>
+                    <a:ext cx="1195387" cy="747117"/>
+                    <a:chOff x="3779936" y="1868826"/>
+                    <a:chExt cx="1195387" cy="747117"/>
+                  </a:xfrm>
+                </p:grpSpPr>
+                <p:sp>
+                  <p:nvSpPr>
+                    <p:cNvPr id="39" name="Rounded Rectangle 38"/>
+                    <p:cNvSpPr/>
+                    <p:nvPr/>
+                  </p:nvSpPr>
+                  <p:spPr>
+                    <a:xfrm>
+                      <a:off x="3779936" y="1868826"/>
+                      <a:ext cx="1195387" cy="747117"/>
+                    </a:xfrm>
+                    <a:prstGeom prst="roundRect">
+                      <a:avLst>
+                        <a:gd name="adj" fmla="val 10000"/>
+                      </a:avLst>
+                    </a:prstGeom>
+                  </p:spPr>
+                  <p:style>
+                    <a:lnRef idx="2">
+                      <a:schemeClr val="accent1">
+                        <a:hueOff val="0"/>
+                        <a:satOff val="0"/>
+                        <a:lumOff val="0"/>
+                        <a:alphaOff val="0"/>
+                      </a:schemeClr>
+                    </a:lnRef>
+                    <a:fillRef idx="1">
+                      <a:schemeClr val="lt1">
+                        <a:alpha val="90000"/>
+                        <a:hueOff val="0"/>
+                        <a:satOff val="0"/>
+                        <a:lumOff val="0"/>
+                        <a:alphaOff val="0"/>
+                      </a:schemeClr>
+                    </a:fillRef>
+                    <a:effectRef idx="0">
+                      <a:schemeClr val="lt1">
+                        <a:alpha val="90000"/>
+                        <a:hueOff val="0"/>
+                        <a:satOff val="0"/>
+                        <a:lumOff val="0"/>
+                        <a:alphaOff val="0"/>
+                      </a:schemeClr>
+                    </a:effectRef>
+                    <a:fontRef idx="minor">
+                      <a:schemeClr val="dk1">
+                        <a:hueOff val="0"/>
+                        <a:satOff val="0"/>
+                        <a:lumOff val="0"/>
+                        <a:alphaOff val="0"/>
+                      </a:schemeClr>
+                    </a:fontRef>
+                  </p:style>
+                </p:sp>
+                <p:sp>
+                  <p:nvSpPr>
+                    <p:cNvPr id="40" name="Rounded Rectangle 14"/>
+                    <p:cNvSpPr/>
+                    <p:nvPr/>
+                  </p:nvSpPr>
+                  <p:spPr>
+                    <a:xfrm>
+                      <a:off x="3801818" y="1890708"/>
+                      <a:ext cx="1151623" cy="703353"/>
+                    </a:xfrm>
+                    <a:prstGeom prst="rect">
+                      <a:avLst/>
+                    </a:prstGeom>
+                  </p:spPr>
+                  <p:style>
+                    <a:lnRef idx="0">
+                      <a:scrgbClr r="0" g="0" b="0"/>
+                    </a:lnRef>
+                    <a:fillRef idx="0">
+                      <a:scrgbClr r="0" g="0" b="0"/>
+                    </a:fillRef>
+                    <a:effectRef idx="0">
+                      <a:scrgbClr r="0" g="0" b="0"/>
+                    </a:effectRef>
+                    <a:fontRef idx="minor">
+                      <a:schemeClr val="dk1">
+                        <a:hueOff val="0"/>
+                        <a:satOff val="0"/>
+                        <a:lumOff val="0"/>
+                        <a:alphaOff val="0"/>
+                      </a:schemeClr>
+                    </a:fontRef>
+                  </p:style>
+                  <p:txBody>
+                    <a:bodyPr spcFirstLastPara="0" vert="horz" wrap="square" lIns="26670" tIns="17780" rIns="26670" bIns="17780" numCol="1" spcCol="1270" anchor="ctr" anchorCtr="0">
+                      <a:noAutofit/>
+                    </a:bodyPr>
+                    <a:lstStyle/>
+                    <a:p>
+                      <a:pPr lvl="0" algn="ctr" defTabSz="622300">
+                        <a:lnSpc>
+                          <a:spcPct val="90000"/>
+                        </a:lnSpc>
+                        <a:spcBef>
+                          <a:spcPct val="0"/>
+                        </a:spcBef>
+                        <a:spcAft>
+                          <a:spcPct val="35000"/>
+                        </a:spcAft>
+                      </a:pPr>
+                      <a:r>
+                        <a:rPr lang="en-US" sz="1400" kern="1200" dirty="0" smtClean="0">
+                          <a:latin typeface="Arial" charset="0"/>
+                          <a:ea typeface="Arial" charset="0"/>
+                          <a:cs typeface="Arial" charset="0"/>
+                        </a:rPr>
+                        <a:t>Suggestion</a:t>
+                      </a:r>
+                      <a:endParaRPr lang="en-US" sz="1400" kern="1200" dirty="0">
+                        <a:latin typeface="Arial" charset="0"/>
+                        <a:ea typeface="Arial" charset="0"/>
+                        <a:cs typeface="Arial" charset="0"/>
+                      </a:endParaRPr>
+                    </a:p>
+                  </p:txBody>
+                </p:sp>
+              </p:grpSp>
+              <p:cxnSp>
+                <p:nvCxnSpPr>
+                  <p:cNvPr id="61" name="Elbow Connector 60"/>
+                  <p:cNvCxnSpPr>
+                    <a:stCxn id="43" idx="1"/>
+                    <a:endCxn id="39" idx="1"/>
+                  </p:cNvCxnSpPr>
+                  <p:nvPr/>
+                </p:nvCxnSpPr>
+                <p:spPr>
+                  <a:xfrm rot="10800000" flipH="1" flipV="1">
+                    <a:off x="2669638" y="1317599"/>
+                    <a:ext cx="298847" cy="1867793"/>
+                  </a:xfrm>
+                  <a:prstGeom prst="bentConnector3">
+                    <a:avLst>
+                      <a:gd name="adj1" fmla="val -76494"/>
+                    </a:avLst>
+                  </a:prstGeom>
+                </p:spPr>
+                <p:style>
+                  <a:lnRef idx="1">
+                    <a:schemeClr val="accent1"/>
+                  </a:lnRef>
+                  <a:fillRef idx="0">
+                    <a:schemeClr val="accent1"/>
+                  </a:fillRef>
+                  <a:effectRef idx="0">
+                    <a:schemeClr val="accent1"/>
+                  </a:effectRef>
+                  <a:fontRef idx="minor">
+                    <a:schemeClr val="tx1"/>
+                  </a:fontRef>
+                </p:style>
+              </p:cxnSp>
+              <p:cxnSp>
+                <p:nvCxnSpPr>
+                  <p:cNvPr id="64" name="Elbow Connector 63"/>
+                  <p:cNvCxnSpPr>
+                    <a:stCxn id="43" idx="1"/>
+                    <a:endCxn id="41" idx="1"/>
+                  </p:cNvCxnSpPr>
+                  <p:nvPr/>
+                </p:nvCxnSpPr>
+                <p:spPr>
+                  <a:xfrm rot="10800000" flipH="1" flipV="1">
+                    <a:off x="2669638" y="1317599"/>
+                    <a:ext cx="298847" cy="933897"/>
+                  </a:xfrm>
+                  <a:prstGeom prst="bentConnector3">
+                    <a:avLst>
+                      <a:gd name="adj1" fmla="val -76494"/>
+                    </a:avLst>
+                  </a:prstGeom>
+                </p:spPr>
+                <p:style>
+                  <a:lnRef idx="1">
+                    <a:schemeClr val="accent1"/>
+                  </a:lnRef>
+                  <a:fillRef idx="0">
+                    <a:schemeClr val="accent1"/>
+                  </a:fillRef>
+                  <a:effectRef idx="0">
+                    <a:schemeClr val="accent1"/>
+                  </a:effectRef>
+                  <a:fontRef idx="minor">
+                    <a:schemeClr val="tx1"/>
+                  </a:fontRef>
+                </p:style>
+              </p:cxnSp>
+            </p:grpSp>
+            <p:grpSp>
+              <p:nvGrpSpPr>
+                <p:cNvPr id="96" name="Group 95"/>
+                <p:cNvGrpSpPr/>
+                <p:nvPr/>
+              </p:nvGrpSpPr>
+              <p:grpSpPr>
+                <a:xfrm>
+                  <a:off x="4750273" y="1274241"/>
+                  <a:ext cx="1494235" cy="2614910"/>
+                  <a:chOff x="4537431" y="944041"/>
+                  <a:chExt cx="1494235" cy="2614910"/>
+                </a:xfrm>
+              </p:grpSpPr>
+              <p:grpSp>
+                <p:nvGrpSpPr>
+                  <p:cNvPr id="8" name="Group 7"/>
+                  <p:cNvGrpSpPr/>
+                  <p:nvPr/>
+                </p:nvGrpSpPr>
+                <p:grpSpPr>
+                  <a:xfrm>
+                    <a:off x="4537432" y="944041"/>
+                    <a:ext cx="1494234" cy="747117"/>
+                    <a:chOff x="5348882" y="1033"/>
+                    <a:chExt cx="1494234" cy="747117"/>
+                  </a:xfrm>
+                </p:grpSpPr>
+                <p:sp>
+                  <p:nvSpPr>
+                    <p:cNvPr id="37" name="Rounded Rectangle 36"/>
+                    <p:cNvSpPr/>
+                    <p:nvPr/>
+                  </p:nvSpPr>
+                  <p:spPr>
+                    <a:xfrm>
+                      <a:off x="5348882" y="1033"/>
+                      <a:ext cx="1494234" cy="747117"/>
+                    </a:xfrm>
+                    <a:prstGeom prst="roundRect">
+                      <a:avLst>
+                        <a:gd name="adj" fmla="val 10000"/>
+                      </a:avLst>
+                    </a:prstGeom>
+                  </p:spPr>
+                  <p:style>
+                    <a:lnRef idx="2">
+                      <a:schemeClr val="lt1">
+                        <a:hueOff val="0"/>
+                        <a:satOff val="0"/>
+                        <a:lumOff val="0"/>
+                        <a:alphaOff val="0"/>
+                      </a:schemeClr>
+                    </a:lnRef>
+                    <a:fillRef idx="1">
+                      <a:schemeClr val="accent1">
+                        <a:hueOff val="0"/>
+                        <a:satOff val="0"/>
+                        <a:lumOff val="0"/>
+                        <a:alphaOff val="0"/>
+                      </a:schemeClr>
+                    </a:fillRef>
+                    <a:effectRef idx="0">
+                      <a:schemeClr val="accent1">
+                        <a:hueOff val="0"/>
+                        <a:satOff val="0"/>
+                        <a:lumOff val="0"/>
+                        <a:alphaOff val="0"/>
+                      </a:schemeClr>
+                    </a:effectRef>
+                    <a:fontRef idx="minor">
+                      <a:schemeClr val="lt1"/>
+                    </a:fontRef>
+                  </p:style>
+                </p:sp>
+                <p:sp>
+                  <p:nvSpPr>
+                    <p:cNvPr id="38" name="Rounded Rectangle 16"/>
+                    <p:cNvSpPr/>
+                    <p:nvPr/>
+                  </p:nvSpPr>
+                  <p:spPr>
+                    <a:xfrm>
+                      <a:off x="5370764" y="22915"/>
+                      <a:ext cx="1450470" cy="703353"/>
+                    </a:xfrm>
+                    <a:prstGeom prst="rect">
+                      <a:avLst/>
+                    </a:prstGeom>
+                  </p:spPr>
+                  <p:style>
+                    <a:lnRef idx="0">
+                      <a:scrgbClr r="0" g="0" b="0"/>
+                    </a:lnRef>
+                    <a:fillRef idx="0">
+                      <a:scrgbClr r="0" g="0" b="0"/>
+                    </a:fillRef>
+                    <a:effectRef idx="0">
+                      <a:scrgbClr r="0" g="0" b="0"/>
+                    </a:effectRef>
+                    <a:fontRef idx="minor">
+                      <a:schemeClr val="lt1"/>
+                    </a:fontRef>
+                  </p:style>
+                  <p:txBody>
+                    <a:bodyPr spcFirstLastPara="0" vert="horz" wrap="square" lIns="30480" tIns="20320" rIns="30480" bIns="20320" numCol="1" spcCol="1270" anchor="ctr" anchorCtr="0">
+                      <a:noAutofit/>
+                    </a:bodyPr>
+                    <a:lstStyle/>
+                    <a:p>
+                      <a:pPr lvl="0" algn="ctr" defTabSz="711200">
+                        <a:lnSpc>
+                          <a:spcPct val="90000"/>
+                        </a:lnSpc>
+                        <a:spcBef>
+                          <a:spcPct val="0"/>
+                        </a:spcBef>
+                        <a:spcAft>
+                          <a:spcPct val="35000"/>
+                        </a:spcAft>
+                      </a:pPr>
+                      <a:r>
+                        <a:rPr lang="en-US" sz="1600" kern="1200" dirty="0" smtClean="0">
+                          <a:latin typeface="Arial" charset="0"/>
+                          <a:ea typeface="Arial" charset="0"/>
+                          <a:cs typeface="Arial" charset="0"/>
+                        </a:rPr>
+                        <a:t>Monitoring</a:t>
+                      </a:r>
+                      <a:endParaRPr lang="en-US" sz="1600" kern="1200" dirty="0">
+                        <a:latin typeface="Arial" charset="0"/>
+                        <a:ea typeface="Arial" charset="0"/>
+                        <a:cs typeface="Arial" charset="0"/>
+                      </a:endParaRPr>
+                    </a:p>
+                  </p:txBody>
+                </p:sp>
+              </p:grpSp>
+              <p:grpSp>
+                <p:nvGrpSpPr>
+                  <p:cNvPr id="9" name="Group 8"/>
+                  <p:cNvGrpSpPr/>
+                  <p:nvPr/>
+                </p:nvGrpSpPr>
+                <p:grpSpPr>
+                  <a:xfrm>
+                    <a:off x="4836279" y="1877938"/>
+                    <a:ext cx="1195387" cy="747117"/>
+                    <a:chOff x="5647729" y="934930"/>
+                    <a:chExt cx="1195387" cy="747117"/>
+                  </a:xfrm>
+                </p:grpSpPr>
+                <p:sp>
+                  <p:nvSpPr>
+                    <p:cNvPr id="35" name="Rounded Rectangle 34"/>
+                    <p:cNvSpPr/>
+                    <p:nvPr/>
+                  </p:nvSpPr>
+                  <p:spPr>
+                    <a:xfrm>
+                      <a:off x="5647729" y="934930"/>
+                      <a:ext cx="1195387" cy="747117"/>
+                    </a:xfrm>
+                    <a:prstGeom prst="roundRect">
+                      <a:avLst>
+                        <a:gd name="adj" fmla="val 10000"/>
+                      </a:avLst>
+                    </a:prstGeom>
+                  </p:spPr>
+                  <p:style>
+                    <a:lnRef idx="2">
+                      <a:schemeClr val="accent1">
+                        <a:hueOff val="0"/>
+                        <a:satOff val="0"/>
+                        <a:lumOff val="0"/>
+                        <a:alphaOff val="0"/>
+                      </a:schemeClr>
+                    </a:lnRef>
+                    <a:fillRef idx="1">
+                      <a:schemeClr val="lt1">
+                        <a:alpha val="90000"/>
+                        <a:hueOff val="0"/>
+                        <a:satOff val="0"/>
+                        <a:lumOff val="0"/>
+                        <a:alphaOff val="0"/>
+                      </a:schemeClr>
+                    </a:fillRef>
+                    <a:effectRef idx="0">
+                      <a:schemeClr val="lt1">
+                        <a:alpha val="90000"/>
+                        <a:hueOff val="0"/>
+                        <a:satOff val="0"/>
+                        <a:lumOff val="0"/>
+                        <a:alphaOff val="0"/>
+                      </a:schemeClr>
+                    </a:effectRef>
+                    <a:fontRef idx="minor">
+                      <a:schemeClr val="dk1">
+                        <a:hueOff val="0"/>
+                        <a:satOff val="0"/>
+                        <a:lumOff val="0"/>
+                        <a:alphaOff val="0"/>
+                      </a:schemeClr>
+                    </a:fontRef>
+                  </p:style>
+                </p:sp>
+                <p:sp>
+                  <p:nvSpPr>
+                    <p:cNvPr id="36" name="Rounded Rectangle 18"/>
+                    <p:cNvSpPr/>
+                    <p:nvPr/>
+                  </p:nvSpPr>
+                  <p:spPr>
+                    <a:xfrm>
+                      <a:off x="5669611" y="956812"/>
+                      <a:ext cx="1151623" cy="703353"/>
+                    </a:xfrm>
+                    <a:prstGeom prst="rect">
+                      <a:avLst/>
+                    </a:prstGeom>
+                  </p:spPr>
+                  <p:style>
+                    <a:lnRef idx="0">
+                      <a:scrgbClr r="0" g="0" b="0"/>
+                    </a:lnRef>
+                    <a:fillRef idx="0">
+                      <a:scrgbClr r="0" g="0" b="0"/>
+                    </a:fillRef>
+                    <a:effectRef idx="0">
+                      <a:scrgbClr r="0" g="0" b="0"/>
+                    </a:effectRef>
+                    <a:fontRef idx="minor">
+                      <a:schemeClr val="dk1">
+                        <a:hueOff val="0"/>
+                        <a:satOff val="0"/>
+                        <a:lumOff val="0"/>
+                        <a:alphaOff val="0"/>
+                      </a:schemeClr>
+                    </a:fontRef>
+                  </p:style>
+                  <p:txBody>
+                    <a:bodyPr spcFirstLastPara="0" vert="horz" wrap="square" lIns="26670" tIns="17780" rIns="26670" bIns="17780" numCol="1" spcCol="1270" anchor="ctr" anchorCtr="0">
+                      <a:noAutofit/>
+                    </a:bodyPr>
+                    <a:lstStyle/>
+                    <a:p>
+                      <a:pPr lvl="0" algn="ctr" defTabSz="622300">
+                        <a:lnSpc>
+                          <a:spcPct val="90000"/>
+                        </a:lnSpc>
+                        <a:spcBef>
+                          <a:spcPct val="0"/>
+                        </a:spcBef>
+                        <a:spcAft>
+                          <a:spcPct val="35000"/>
+                        </a:spcAft>
+                      </a:pPr>
+                      <a:r>
+                        <a:rPr lang="en-US" sz="1400" kern="1200" dirty="0" smtClean="0">
+                          <a:latin typeface="Arial" charset="0"/>
+                          <a:ea typeface="Arial" charset="0"/>
+                          <a:cs typeface="Arial" charset="0"/>
+                        </a:rPr>
+                        <a:t>Self-monitoring</a:t>
+                      </a:r>
+                      <a:endParaRPr lang="en-US" sz="1400" kern="1200" dirty="0">
+                        <a:latin typeface="Arial" charset="0"/>
+                        <a:ea typeface="Arial" charset="0"/>
+                        <a:cs typeface="Arial" charset="0"/>
+                      </a:endParaRPr>
+                    </a:p>
+                  </p:txBody>
+                </p:sp>
+              </p:grpSp>
+              <p:grpSp>
+                <p:nvGrpSpPr>
+                  <p:cNvPr id="10" name="Group 9"/>
+                  <p:cNvGrpSpPr/>
+                  <p:nvPr/>
+                </p:nvGrpSpPr>
+                <p:grpSpPr>
+                  <a:xfrm>
+                    <a:off x="4836279" y="2811834"/>
+                    <a:ext cx="1195387" cy="747117"/>
+                    <a:chOff x="5647729" y="1868826"/>
+                    <a:chExt cx="1195387" cy="747117"/>
+                  </a:xfrm>
+                </p:grpSpPr>
+                <p:sp>
+                  <p:nvSpPr>
+                    <p:cNvPr id="33" name="Rounded Rectangle 32"/>
+                    <p:cNvSpPr/>
+                    <p:nvPr/>
+                  </p:nvSpPr>
+                  <p:spPr>
+                    <a:xfrm>
+                      <a:off x="5647729" y="1868826"/>
+                      <a:ext cx="1195387" cy="747117"/>
+                    </a:xfrm>
+                    <a:prstGeom prst="roundRect">
+                      <a:avLst>
+                        <a:gd name="adj" fmla="val 10000"/>
+                      </a:avLst>
+                    </a:prstGeom>
+                  </p:spPr>
+                  <p:style>
+                    <a:lnRef idx="2">
+                      <a:schemeClr val="accent1">
+                        <a:hueOff val="0"/>
+                        <a:satOff val="0"/>
+                        <a:lumOff val="0"/>
+                        <a:alphaOff val="0"/>
+                      </a:schemeClr>
+                    </a:lnRef>
+                    <a:fillRef idx="1">
+                      <a:schemeClr val="lt1">
+                        <a:alpha val="90000"/>
+                        <a:hueOff val="0"/>
+                        <a:satOff val="0"/>
+                        <a:lumOff val="0"/>
+                        <a:alphaOff val="0"/>
+                      </a:schemeClr>
+                    </a:fillRef>
+                    <a:effectRef idx="0">
+                      <a:schemeClr val="lt1">
+                        <a:alpha val="90000"/>
+                        <a:hueOff val="0"/>
+                        <a:satOff val="0"/>
+                        <a:lumOff val="0"/>
+                        <a:alphaOff val="0"/>
+                      </a:schemeClr>
+                    </a:effectRef>
+                    <a:fontRef idx="minor">
+                      <a:schemeClr val="dk1">
+                        <a:hueOff val="0"/>
+                        <a:satOff val="0"/>
+                        <a:lumOff val="0"/>
+                        <a:alphaOff val="0"/>
+                      </a:schemeClr>
+                    </a:fontRef>
+                  </p:style>
+                </p:sp>
+                <p:sp>
+                  <p:nvSpPr>
+                    <p:cNvPr id="34" name="Rounded Rectangle 20"/>
+                    <p:cNvSpPr/>
+                    <p:nvPr/>
+                  </p:nvSpPr>
+                  <p:spPr>
+                    <a:xfrm>
+                      <a:off x="5669611" y="1890708"/>
+                      <a:ext cx="1151623" cy="703353"/>
+                    </a:xfrm>
+                    <a:prstGeom prst="rect">
+                      <a:avLst/>
+                    </a:prstGeom>
+                  </p:spPr>
+                  <p:style>
+                    <a:lnRef idx="0">
+                      <a:scrgbClr r="0" g="0" b="0"/>
+                    </a:lnRef>
+                    <a:fillRef idx="0">
+                      <a:scrgbClr r="0" g="0" b="0"/>
+                    </a:fillRef>
+                    <a:effectRef idx="0">
+                      <a:scrgbClr r="0" g="0" b="0"/>
+                    </a:effectRef>
+                    <a:fontRef idx="minor">
+                      <a:schemeClr val="dk1">
+                        <a:hueOff val="0"/>
+                        <a:satOff val="0"/>
+                        <a:lumOff val="0"/>
+                        <a:alphaOff val="0"/>
+                      </a:schemeClr>
+                    </a:fontRef>
+                  </p:style>
+                  <p:txBody>
+                    <a:bodyPr spcFirstLastPara="0" vert="horz" wrap="square" lIns="26670" tIns="17780" rIns="26670" bIns="17780" numCol="1" spcCol="1270" anchor="ctr" anchorCtr="0">
+                      <a:noAutofit/>
+                    </a:bodyPr>
+                    <a:lstStyle/>
+                    <a:p>
+                      <a:pPr lvl="0" algn="ctr" defTabSz="622300">
+                        <a:lnSpc>
+                          <a:spcPct val="90000"/>
+                        </a:lnSpc>
+                        <a:spcBef>
+                          <a:spcPct val="0"/>
+                        </a:spcBef>
+                        <a:spcAft>
+                          <a:spcPct val="35000"/>
+                        </a:spcAft>
+                      </a:pPr>
+                      <a:r>
+                        <a:rPr lang="en-US" sz="1400" kern="1200" smtClean="0">
+                          <a:latin typeface="Arial" charset="0"/>
+                          <a:ea typeface="Arial" charset="0"/>
+                          <a:cs typeface="Arial" charset="0"/>
+                        </a:rPr>
+                        <a:t>Surveillance</a:t>
+                      </a:r>
+                      <a:endParaRPr lang="en-US" sz="1400" kern="1200" dirty="0">
+                        <a:latin typeface="Arial" charset="0"/>
+                        <a:ea typeface="Arial" charset="0"/>
+                        <a:cs typeface="Arial" charset="0"/>
+                      </a:endParaRPr>
+                    </a:p>
+                  </p:txBody>
+                </p:sp>
+              </p:grpSp>
+              <p:cxnSp>
+                <p:nvCxnSpPr>
+                  <p:cNvPr id="69" name="Elbow Connector 68"/>
+                  <p:cNvCxnSpPr>
+                    <a:stCxn id="37" idx="1"/>
+                    <a:endCxn id="35" idx="1"/>
+                  </p:cNvCxnSpPr>
+                  <p:nvPr/>
+                </p:nvCxnSpPr>
+                <p:spPr>
+                  <a:xfrm rot="10800000" flipH="1" flipV="1">
+                    <a:off x="4537431" y="1317599"/>
+                    <a:ext cx="298847" cy="933897"/>
+                  </a:xfrm>
+                  <a:prstGeom prst="bentConnector3">
+                    <a:avLst>
+                      <a:gd name="adj1" fmla="val -76494"/>
+                    </a:avLst>
+                  </a:prstGeom>
+                </p:spPr>
+                <p:style>
+                  <a:lnRef idx="1">
+                    <a:schemeClr val="accent1"/>
+                  </a:lnRef>
+                  <a:fillRef idx="0">
+                    <a:schemeClr val="accent1"/>
+                  </a:fillRef>
+                  <a:effectRef idx="0">
+                    <a:schemeClr val="accent1"/>
+                  </a:effectRef>
+                  <a:fontRef idx="minor">
+                    <a:schemeClr val="tx1"/>
+                  </a:fontRef>
+                </p:style>
+              </p:cxnSp>
+              <p:cxnSp>
+                <p:nvCxnSpPr>
+                  <p:cNvPr id="72" name="Elbow Connector 71"/>
+                  <p:cNvCxnSpPr>
+                    <a:stCxn id="37" idx="1"/>
+                    <a:endCxn id="33" idx="1"/>
+                  </p:cNvCxnSpPr>
+                  <p:nvPr/>
+                </p:nvCxnSpPr>
+                <p:spPr>
+                  <a:xfrm rot="10800000" flipH="1" flipV="1">
+                    <a:off x="4537431" y="1317599"/>
+                    <a:ext cx="298847" cy="1867793"/>
+                  </a:xfrm>
+                  <a:prstGeom prst="bentConnector3">
+                    <a:avLst>
+                      <a:gd name="adj1" fmla="val -76494"/>
+                    </a:avLst>
+                  </a:prstGeom>
+                </p:spPr>
+                <p:style>
+                  <a:lnRef idx="1">
+                    <a:schemeClr val="accent1"/>
+                  </a:lnRef>
+                  <a:fillRef idx="0">
+                    <a:schemeClr val="accent1"/>
+                  </a:fillRef>
+                  <a:effectRef idx="0">
+                    <a:schemeClr val="accent1"/>
+                  </a:effectRef>
+                  <a:fontRef idx="minor">
+                    <a:schemeClr val="tx1"/>
+                  </a:fontRef>
+                </p:style>
+              </p:cxnSp>
+            </p:grpSp>
+            <p:grpSp>
+              <p:nvGrpSpPr>
+                <p:cNvPr id="97" name="Group 96"/>
+                <p:cNvGrpSpPr/>
+                <p:nvPr/>
+              </p:nvGrpSpPr>
+              <p:grpSpPr>
+                <a:xfrm>
+                  <a:off x="6845137" y="1274241"/>
+                  <a:ext cx="1494235" cy="1681014"/>
+                  <a:chOff x="6405224" y="944041"/>
+                  <a:chExt cx="1494235" cy="1681014"/>
+                </a:xfrm>
+              </p:grpSpPr>
+              <p:grpSp>
+                <p:nvGrpSpPr>
+                  <p:cNvPr id="11" name="Group 10"/>
+                  <p:cNvGrpSpPr/>
+                  <p:nvPr/>
+                </p:nvGrpSpPr>
+                <p:grpSpPr>
+                  <a:xfrm>
+                    <a:off x="6405225" y="944041"/>
+                    <a:ext cx="1494234" cy="747117"/>
+                    <a:chOff x="7216675" y="1033"/>
+                    <a:chExt cx="1494234" cy="747117"/>
+                  </a:xfrm>
+                </p:grpSpPr>
+                <p:sp>
+                  <p:nvSpPr>
+                    <p:cNvPr id="31" name="Rounded Rectangle 30"/>
+                    <p:cNvSpPr/>
+                    <p:nvPr/>
+                  </p:nvSpPr>
+                  <p:spPr>
+                    <a:xfrm>
+                      <a:off x="7216675" y="1033"/>
+                      <a:ext cx="1494234" cy="747117"/>
+                    </a:xfrm>
+                    <a:prstGeom prst="roundRect">
+                      <a:avLst>
+                        <a:gd name="adj" fmla="val 10000"/>
+                      </a:avLst>
+                    </a:prstGeom>
+                  </p:spPr>
+                  <p:style>
+                    <a:lnRef idx="2">
+                      <a:schemeClr val="lt1">
+                        <a:hueOff val="0"/>
+                        <a:satOff val="0"/>
+                        <a:lumOff val="0"/>
+                        <a:alphaOff val="0"/>
+                      </a:schemeClr>
+                    </a:lnRef>
+                    <a:fillRef idx="1">
+                      <a:schemeClr val="accent1">
+                        <a:hueOff val="0"/>
+                        <a:satOff val="0"/>
+                        <a:lumOff val="0"/>
+                        <a:alphaOff val="0"/>
+                      </a:schemeClr>
+                    </a:fillRef>
+                    <a:effectRef idx="0">
+                      <a:schemeClr val="accent1">
+                        <a:hueOff val="0"/>
+                        <a:satOff val="0"/>
+                        <a:lumOff val="0"/>
+                        <a:alphaOff val="0"/>
+                      </a:schemeClr>
+                    </a:effectRef>
+                    <a:fontRef idx="minor">
+                      <a:schemeClr val="lt1"/>
+                    </a:fontRef>
+                  </p:style>
+                </p:sp>
+                <p:sp>
+                  <p:nvSpPr>
+                    <p:cNvPr id="32" name="Rounded Rectangle 22"/>
+                    <p:cNvSpPr/>
+                    <p:nvPr/>
+                  </p:nvSpPr>
+                  <p:spPr>
+                    <a:xfrm>
+                      <a:off x="7238557" y="22915"/>
+                      <a:ext cx="1450470" cy="703353"/>
+                    </a:xfrm>
+                    <a:prstGeom prst="rect">
+                      <a:avLst/>
+                    </a:prstGeom>
+                  </p:spPr>
+                  <p:style>
+                    <a:lnRef idx="0">
+                      <a:scrgbClr r="0" g="0" b="0"/>
+                    </a:lnRef>
+                    <a:fillRef idx="0">
+                      <a:scrgbClr r="0" g="0" b="0"/>
+                    </a:fillRef>
+                    <a:effectRef idx="0">
+                      <a:scrgbClr r="0" g="0" b="0"/>
+                    </a:effectRef>
+                    <a:fontRef idx="minor">
+                      <a:schemeClr val="lt1"/>
+                    </a:fontRef>
+                  </p:style>
+                  <p:txBody>
+                    <a:bodyPr spcFirstLastPara="0" vert="horz" wrap="square" lIns="30480" tIns="20320" rIns="30480" bIns="20320" numCol="1" spcCol="1270" anchor="ctr" anchorCtr="0">
+                      <a:noAutofit/>
+                    </a:bodyPr>
+                    <a:lstStyle/>
+                    <a:p>
+                      <a:pPr lvl="0" algn="ctr" defTabSz="711200">
+                        <a:lnSpc>
+                          <a:spcPct val="90000"/>
+                        </a:lnSpc>
+                        <a:spcBef>
+                          <a:spcPct val="0"/>
+                        </a:spcBef>
+                        <a:spcAft>
+                          <a:spcPct val="35000"/>
+                        </a:spcAft>
+                      </a:pPr>
+                      <a:r>
+                        <a:rPr lang="en-US" sz="1600" kern="1200" dirty="0" smtClean="0">
+                          <a:latin typeface="Arial" charset="0"/>
+                          <a:ea typeface="Arial" charset="0"/>
+                          <a:cs typeface="Arial" charset="0"/>
+                        </a:rPr>
+                        <a:t>Conditioning</a:t>
+                      </a:r>
+                      <a:endParaRPr lang="en-US" sz="1600" kern="1200" dirty="0">
+                        <a:latin typeface="Arial" charset="0"/>
+                        <a:ea typeface="Arial" charset="0"/>
+                        <a:cs typeface="Arial" charset="0"/>
+                      </a:endParaRPr>
+                    </a:p>
+                  </p:txBody>
+                </p:sp>
+              </p:grpSp>
+              <p:grpSp>
+                <p:nvGrpSpPr>
+                  <p:cNvPr id="12" name="Group 11"/>
+                  <p:cNvGrpSpPr/>
+                  <p:nvPr/>
+                </p:nvGrpSpPr>
+                <p:grpSpPr>
+                  <a:xfrm>
+                    <a:off x="6704072" y="1877938"/>
+                    <a:ext cx="1195387" cy="747117"/>
+                    <a:chOff x="7515522" y="934930"/>
+                    <a:chExt cx="1195387" cy="747117"/>
+                  </a:xfrm>
+                </p:grpSpPr>
+                <p:sp>
+                  <p:nvSpPr>
+                    <p:cNvPr id="29" name="Rounded Rectangle 28"/>
+                    <p:cNvSpPr/>
+                    <p:nvPr/>
+                  </p:nvSpPr>
+                  <p:spPr>
+                    <a:xfrm>
+                      <a:off x="7515522" y="934930"/>
+                      <a:ext cx="1195387" cy="747117"/>
+                    </a:xfrm>
+                    <a:prstGeom prst="roundRect">
+                      <a:avLst>
+                        <a:gd name="adj" fmla="val 10000"/>
+                      </a:avLst>
+                    </a:prstGeom>
+                  </p:spPr>
+                  <p:style>
+                    <a:lnRef idx="2">
+                      <a:schemeClr val="accent1">
+                        <a:hueOff val="0"/>
+                        <a:satOff val="0"/>
+                        <a:lumOff val="0"/>
+                        <a:alphaOff val="0"/>
+                      </a:schemeClr>
+                    </a:lnRef>
+                    <a:fillRef idx="1">
+                      <a:schemeClr val="lt1">
+                        <a:alpha val="90000"/>
+                        <a:hueOff val="0"/>
+                        <a:satOff val="0"/>
+                        <a:lumOff val="0"/>
+                        <a:alphaOff val="0"/>
+                      </a:schemeClr>
+                    </a:fillRef>
+                    <a:effectRef idx="0">
+                      <a:schemeClr val="lt1">
+                        <a:alpha val="90000"/>
+                        <a:hueOff val="0"/>
+                        <a:satOff val="0"/>
+                        <a:lumOff val="0"/>
+                        <a:alphaOff val="0"/>
+                      </a:schemeClr>
+                    </a:effectRef>
+                    <a:fontRef idx="minor">
+                      <a:schemeClr val="dk1">
+                        <a:hueOff val="0"/>
+                        <a:satOff val="0"/>
+                        <a:lumOff val="0"/>
+                        <a:alphaOff val="0"/>
+                      </a:schemeClr>
+                    </a:fontRef>
+                  </p:style>
+                </p:sp>
+                <p:sp>
+                  <p:nvSpPr>
+                    <p:cNvPr id="30" name="Rounded Rectangle 24"/>
+                    <p:cNvSpPr/>
+                    <p:nvPr/>
+                  </p:nvSpPr>
+                  <p:spPr>
+                    <a:xfrm>
+                      <a:off x="7537404" y="956812"/>
+                      <a:ext cx="1151623" cy="703353"/>
+                    </a:xfrm>
+                    <a:prstGeom prst="rect">
+                      <a:avLst/>
+                    </a:prstGeom>
+                  </p:spPr>
+                  <p:style>
+                    <a:lnRef idx="0">
+                      <a:scrgbClr r="0" g="0" b="0"/>
+                    </a:lnRef>
+                    <a:fillRef idx="0">
+                      <a:scrgbClr r="0" g="0" b="0"/>
+                    </a:fillRef>
+                    <a:effectRef idx="0">
+                      <a:scrgbClr r="0" g="0" b="0"/>
+                    </a:effectRef>
+                    <a:fontRef idx="minor">
+                      <a:schemeClr val="dk1">
+                        <a:hueOff val="0"/>
+                        <a:satOff val="0"/>
+                        <a:lumOff val="0"/>
+                        <a:alphaOff val="0"/>
+                      </a:schemeClr>
+                    </a:fontRef>
+                  </p:style>
+                  <p:txBody>
+                    <a:bodyPr spcFirstLastPara="0" vert="horz" wrap="square" lIns="26670" tIns="17780" rIns="26670" bIns="17780" numCol="1" spcCol="1270" anchor="ctr" anchorCtr="0">
+                      <a:noAutofit/>
+                    </a:bodyPr>
+                    <a:lstStyle/>
+                    <a:p>
+                      <a:pPr lvl="0" algn="ctr" defTabSz="622300">
+                        <a:lnSpc>
+                          <a:spcPct val="90000"/>
+                        </a:lnSpc>
+                        <a:spcBef>
+                          <a:spcPct val="0"/>
+                        </a:spcBef>
+                        <a:spcAft>
+                          <a:spcPct val="35000"/>
+                        </a:spcAft>
+                      </a:pPr>
+                      <a:r>
+                        <a:rPr lang="en-US" sz="1400" kern="1200" dirty="0" smtClean="0">
+                          <a:latin typeface="Arial" charset="0"/>
+                          <a:ea typeface="Arial" charset="0"/>
+                          <a:cs typeface="Arial" charset="0"/>
+                        </a:rPr>
+                        <a:t>Conditioning</a:t>
+                      </a:r>
+                      <a:endParaRPr lang="en-US" sz="1400" kern="1200" dirty="0">
+                        <a:latin typeface="Arial" charset="0"/>
+                        <a:ea typeface="Arial" charset="0"/>
+                        <a:cs typeface="Arial" charset="0"/>
+                      </a:endParaRPr>
+                    </a:p>
+                  </p:txBody>
+                </p:sp>
+              </p:grpSp>
+              <p:cxnSp>
+                <p:nvCxnSpPr>
+                  <p:cNvPr id="75" name="Elbow Connector 74"/>
+                  <p:cNvCxnSpPr>
+                    <a:stCxn id="31" idx="1"/>
+                    <a:endCxn id="29" idx="1"/>
+                  </p:cNvCxnSpPr>
+                  <p:nvPr/>
+                </p:nvCxnSpPr>
+                <p:spPr>
+                  <a:xfrm rot="10800000" flipH="1" flipV="1">
+                    <a:off x="6405224" y="1317599"/>
+                    <a:ext cx="298847" cy="933897"/>
+                  </a:xfrm>
+                  <a:prstGeom prst="bentConnector3">
+                    <a:avLst>
+                      <a:gd name="adj1" fmla="val -76494"/>
+                    </a:avLst>
+                  </a:prstGeom>
+                </p:spPr>
+                <p:style>
+                  <a:lnRef idx="1">
+                    <a:schemeClr val="accent1"/>
+                  </a:lnRef>
+                  <a:fillRef idx="0">
+                    <a:schemeClr val="accent1"/>
+                  </a:fillRef>
+                  <a:effectRef idx="0">
+                    <a:schemeClr val="accent1"/>
+                  </a:effectRef>
+                  <a:fontRef idx="minor">
+                    <a:schemeClr val="tx1"/>
+                  </a:fontRef>
+                </p:style>
+              </p:cxnSp>
+            </p:grpSp>
+            <p:grpSp>
+              <p:nvGrpSpPr>
+                <p:cNvPr id="98" name="Group 97"/>
+                <p:cNvGrpSpPr/>
+                <p:nvPr/>
+              </p:nvGrpSpPr>
+              <p:grpSpPr>
+                <a:xfrm>
+                  <a:off x="8940001" y="1274241"/>
+                  <a:ext cx="2562621" cy="3455417"/>
+                  <a:chOff x="8203401" y="944041"/>
+                  <a:chExt cx="2562621" cy="3455417"/>
+                </a:xfrm>
+              </p:grpSpPr>
+              <p:grpSp>
+                <p:nvGrpSpPr>
+                  <p:cNvPr id="13" name="Group 12"/>
+                  <p:cNvGrpSpPr/>
+                  <p:nvPr/>
+                </p:nvGrpSpPr>
+                <p:grpSpPr>
+                  <a:xfrm>
+                    <a:off x="8751088" y="944041"/>
+                    <a:ext cx="1494234" cy="747117"/>
+                    <a:chOff x="9427440" y="1033"/>
+                    <a:chExt cx="1494234" cy="747117"/>
+                  </a:xfrm>
+                </p:grpSpPr>
+                <p:sp>
+                  <p:nvSpPr>
+                    <p:cNvPr id="27" name="Rounded Rectangle 26"/>
+                    <p:cNvSpPr/>
+                    <p:nvPr/>
+                  </p:nvSpPr>
+                  <p:spPr>
+                    <a:xfrm>
+                      <a:off x="9427440" y="1033"/>
+                      <a:ext cx="1494234" cy="747117"/>
+                    </a:xfrm>
+                    <a:prstGeom prst="roundRect">
+                      <a:avLst>
+                        <a:gd name="adj" fmla="val 10000"/>
+                      </a:avLst>
+                    </a:prstGeom>
+                  </p:spPr>
+                  <p:style>
+                    <a:lnRef idx="2">
+                      <a:schemeClr val="lt1">
+                        <a:hueOff val="0"/>
+                        <a:satOff val="0"/>
+                        <a:lumOff val="0"/>
+                        <a:alphaOff val="0"/>
+                      </a:schemeClr>
+                    </a:lnRef>
+                    <a:fillRef idx="1">
+                      <a:schemeClr val="accent1">
+                        <a:hueOff val="0"/>
+                        <a:satOff val="0"/>
+                        <a:lumOff val="0"/>
+                        <a:alphaOff val="0"/>
+                      </a:schemeClr>
+                    </a:fillRef>
+                    <a:effectRef idx="0">
+                      <a:schemeClr val="accent1">
+                        <a:hueOff val="0"/>
+                        <a:satOff val="0"/>
+                        <a:lumOff val="0"/>
+                        <a:alphaOff val="0"/>
+                      </a:schemeClr>
+                    </a:effectRef>
+                    <a:fontRef idx="minor">
+                      <a:schemeClr val="lt1"/>
+                    </a:fontRef>
+                  </p:style>
+                </p:sp>
+                <p:sp>
+                  <p:nvSpPr>
+                    <p:cNvPr id="28" name="Rounded Rectangle 26"/>
+                    <p:cNvSpPr/>
+                    <p:nvPr/>
+                  </p:nvSpPr>
+                  <p:spPr>
+                    <a:xfrm>
+                      <a:off x="9449322" y="22915"/>
+                      <a:ext cx="1450470" cy="703353"/>
+                    </a:xfrm>
+                    <a:prstGeom prst="rect">
+                      <a:avLst/>
+                    </a:prstGeom>
+                  </p:spPr>
+                  <p:style>
+                    <a:lnRef idx="0">
+                      <a:scrgbClr r="0" g="0" b="0"/>
+                    </a:lnRef>
+                    <a:fillRef idx="0">
+                      <a:scrgbClr r="0" g="0" b="0"/>
+                    </a:fillRef>
+                    <a:effectRef idx="0">
+                      <a:scrgbClr r="0" g="0" b="0"/>
+                    </a:effectRef>
+                    <a:fontRef idx="minor">
+                      <a:schemeClr val="lt1"/>
+                    </a:fontRef>
+                  </p:style>
+                  <p:txBody>
+                    <a:bodyPr spcFirstLastPara="0" vert="horz" wrap="square" lIns="30480" tIns="20320" rIns="30480" bIns="20320" numCol="1" spcCol="1270" anchor="ctr" anchorCtr="0">
+                      <a:noAutofit/>
+                    </a:bodyPr>
+                    <a:lstStyle/>
+                    <a:p>
+                      <a:pPr lvl="0" algn="ctr" defTabSz="711200">
+                        <a:lnSpc>
+                          <a:spcPct val="90000"/>
+                        </a:lnSpc>
+                        <a:spcBef>
+                          <a:spcPct val="0"/>
+                        </a:spcBef>
+                        <a:spcAft>
+                          <a:spcPct val="35000"/>
+                        </a:spcAft>
+                      </a:pPr>
+                      <a:r>
+                        <a:rPr lang="en-US" sz="1600" kern="1200" dirty="0" smtClean="0">
+                          <a:latin typeface="Arial" charset="0"/>
+                          <a:ea typeface="Arial" charset="0"/>
+                          <a:cs typeface="Arial" charset="0"/>
+                        </a:rPr>
+                        <a:t>Social Interactions</a:t>
+                      </a:r>
+                      <a:endParaRPr lang="en-US" sz="1600" kern="1200" dirty="0">
+                        <a:latin typeface="Arial" charset="0"/>
+                        <a:ea typeface="Arial" charset="0"/>
+                        <a:cs typeface="Arial" charset="0"/>
+                      </a:endParaRPr>
+                    </a:p>
+                  </p:txBody>
+                </p:sp>
+              </p:grpSp>
+              <p:grpSp>
+                <p:nvGrpSpPr>
+                  <p:cNvPr id="14" name="Group 13"/>
+                  <p:cNvGrpSpPr/>
+                  <p:nvPr/>
+                </p:nvGrpSpPr>
+                <p:grpSpPr>
+                  <a:xfrm>
+                    <a:off x="8203401" y="1877938"/>
+                    <a:ext cx="1195387" cy="747117"/>
+                    <a:chOff x="10348351" y="934930"/>
+                    <a:chExt cx="1195387" cy="747117"/>
+                  </a:xfrm>
+                </p:grpSpPr>
+                <p:sp>
+                  <p:nvSpPr>
+                    <p:cNvPr id="25" name="Rounded Rectangle 24"/>
+                    <p:cNvSpPr/>
+                    <p:nvPr/>
+                  </p:nvSpPr>
+                  <p:spPr>
+                    <a:xfrm>
+                      <a:off x="10348351" y="934930"/>
+                      <a:ext cx="1195387" cy="747117"/>
+                    </a:xfrm>
+                    <a:prstGeom prst="roundRect">
+                      <a:avLst>
+                        <a:gd name="adj" fmla="val 10000"/>
+                      </a:avLst>
+                    </a:prstGeom>
+                  </p:spPr>
+                  <p:style>
+                    <a:lnRef idx="2">
+                      <a:schemeClr val="accent1">
+                        <a:hueOff val="0"/>
+                        <a:satOff val="0"/>
+                        <a:lumOff val="0"/>
+                        <a:alphaOff val="0"/>
+                      </a:schemeClr>
+                    </a:lnRef>
+                    <a:fillRef idx="1">
+                      <a:schemeClr val="lt1">
+                        <a:alpha val="90000"/>
+                        <a:hueOff val="0"/>
+                        <a:satOff val="0"/>
+                        <a:lumOff val="0"/>
+                        <a:alphaOff val="0"/>
+                      </a:schemeClr>
+                    </a:fillRef>
+                    <a:effectRef idx="0">
+                      <a:schemeClr val="lt1">
+                        <a:alpha val="90000"/>
+                        <a:hueOff val="0"/>
+                        <a:satOff val="0"/>
+                        <a:lumOff val="0"/>
+                        <a:alphaOff val="0"/>
+                      </a:schemeClr>
+                    </a:effectRef>
+                    <a:fontRef idx="minor">
+                      <a:schemeClr val="dk1">
+                        <a:hueOff val="0"/>
+                        <a:satOff val="0"/>
+                        <a:lumOff val="0"/>
+                        <a:alphaOff val="0"/>
+                      </a:schemeClr>
+                    </a:fontRef>
+                  </p:style>
+                </p:sp>
+                <p:sp>
+                  <p:nvSpPr>
+                    <p:cNvPr id="26" name="Rounded Rectangle 28"/>
+                    <p:cNvSpPr/>
+                    <p:nvPr/>
+                  </p:nvSpPr>
+                  <p:spPr>
+                    <a:xfrm>
+                      <a:off x="10370233" y="956812"/>
+                      <a:ext cx="1151623" cy="703353"/>
+                    </a:xfrm>
+                    <a:prstGeom prst="rect">
+                      <a:avLst/>
+                    </a:prstGeom>
+                  </p:spPr>
+                  <p:style>
+                    <a:lnRef idx="0">
+                      <a:scrgbClr r="0" g="0" b="0"/>
+                    </a:lnRef>
+                    <a:fillRef idx="0">
+                      <a:scrgbClr r="0" g="0" b="0"/>
+                    </a:fillRef>
+                    <a:effectRef idx="0">
+                      <a:scrgbClr r="0" g="0" b="0"/>
+                    </a:effectRef>
+                    <a:fontRef idx="minor">
+                      <a:schemeClr val="dk1">
+                        <a:hueOff val="0"/>
+                        <a:satOff val="0"/>
+                        <a:lumOff val="0"/>
+                        <a:alphaOff val="0"/>
+                      </a:schemeClr>
+                    </a:fontRef>
+                  </p:style>
+                  <p:txBody>
+                    <a:bodyPr spcFirstLastPara="0" vert="horz" wrap="square" lIns="26670" tIns="17780" rIns="26670" bIns="17780" numCol="1" spcCol="1270" anchor="ctr" anchorCtr="0">
+                      <a:noAutofit/>
+                    </a:bodyPr>
+                    <a:lstStyle/>
+                    <a:p>
+                      <a:pPr lvl="0" algn="ctr" defTabSz="622300">
+                        <a:lnSpc>
+                          <a:spcPct val="90000"/>
+                        </a:lnSpc>
+                        <a:spcBef>
+                          <a:spcPct val="0"/>
+                        </a:spcBef>
+                        <a:spcAft>
+                          <a:spcPct val="35000"/>
+                        </a:spcAft>
+                      </a:pPr>
+                      <a:r>
+                        <a:rPr lang="en-US" sz="1400" kern="1200" dirty="0" smtClean="0">
+                          <a:latin typeface="Arial" charset="0"/>
+                          <a:ea typeface="Arial" charset="0"/>
+                          <a:cs typeface="Arial" charset="0"/>
+                        </a:rPr>
+                        <a:t>Physical</a:t>
+                      </a:r>
+                      <a:endParaRPr lang="en-US" sz="1400" kern="1200" dirty="0">
+                        <a:latin typeface="Arial" charset="0"/>
+                        <a:ea typeface="Arial" charset="0"/>
+                        <a:cs typeface="Arial" charset="0"/>
+                      </a:endParaRPr>
+                    </a:p>
+                  </p:txBody>
+                </p:sp>
+              </p:grpSp>
+              <p:grpSp>
+                <p:nvGrpSpPr>
+                  <p:cNvPr id="15" name="Group 14"/>
+                  <p:cNvGrpSpPr/>
+                  <p:nvPr/>
+                </p:nvGrpSpPr>
+                <p:grpSpPr>
+                  <a:xfrm>
+                    <a:off x="8203401" y="2783482"/>
+                    <a:ext cx="1195387" cy="747117"/>
+                    <a:chOff x="8887851" y="2709333"/>
+                    <a:chExt cx="1195387" cy="747117"/>
+                  </a:xfrm>
+                </p:grpSpPr>
+                <p:sp>
+                  <p:nvSpPr>
+                    <p:cNvPr id="23" name="Rounded Rectangle 22"/>
+                    <p:cNvSpPr/>
+                    <p:nvPr/>
+                  </p:nvSpPr>
+                  <p:spPr>
+                    <a:xfrm>
+                      <a:off x="8887851" y="2709333"/>
+                      <a:ext cx="1195387" cy="747117"/>
+                    </a:xfrm>
+                    <a:prstGeom prst="roundRect">
+                      <a:avLst>
+                        <a:gd name="adj" fmla="val 10000"/>
+                      </a:avLst>
+                    </a:prstGeom>
+                  </p:spPr>
+                  <p:style>
+                    <a:lnRef idx="2">
+                      <a:schemeClr val="accent1">
+                        <a:hueOff val="0"/>
+                        <a:satOff val="0"/>
+                        <a:lumOff val="0"/>
+                        <a:alphaOff val="0"/>
+                      </a:schemeClr>
+                    </a:lnRef>
+                    <a:fillRef idx="1">
+                      <a:schemeClr val="lt1">
+                        <a:alpha val="90000"/>
+                        <a:hueOff val="0"/>
+                        <a:satOff val="0"/>
+                        <a:lumOff val="0"/>
+                        <a:alphaOff val="0"/>
+                      </a:schemeClr>
+                    </a:fillRef>
+                    <a:effectRef idx="0">
+                      <a:schemeClr val="lt1">
+                        <a:alpha val="90000"/>
+                        <a:hueOff val="0"/>
+                        <a:satOff val="0"/>
+                        <a:lumOff val="0"/>
+                        <a:alphaOff val="0"/>
+                      </a:schemeClr>
+                    </a:effectRef>
+                    <a:fontRef idx="minor">
+                      <a:schemeClr val="dk1">
+                        <a:hueOff val="0"/>
+                        <a:satOff val="0"/>
+                        <a:lumOff val="0"/>
+                        <a:alphaOff val="0"/>
+                      </a:schemeClr>
+                    </a:fontRef>
+                  </p:style>
+                </p:sp>
+                <p:sp>
+                  <p:nvSpPr>
+                    <p:cNvPr id="24" name="Rounded Rectangle 30"/>
+                    <p:cNvSpPr/>
+                    <p:nvPr/>
+                  </p:nvSpPr>
+                  <p:spPr>
+                    <a:xfrm>
+                      <a:off x="8909733" y="2731215"/>
+                      <a:ext cx="1151623" cy="703353"/>
+                    </a:xfrm>
+                    <a:prstGeom prst="rect">
+                      <a:avLst/>
+                    </a:prstGeom>
+                  </p:spPr>
+                  <p:style>
+                    <a:lnRef idx="0">
+                      <a:scrgbClr r="0" g="0" b="0"/>
+                    </a:lnRef>
+                    <a:fillRef idx="0">
+                      <a:scrgbClr r="0" g="0" b="0"/>
+                    </a:fillRef>
+                    <a:effectRef idx="0">
+                      <a:scrgbClr r="0" g="0" b="0"/>
+                    </a:effectRef>
+                    <a:fontRef idx="minor">
+                      <a:schemeClr val="dk1">
+                        <a:hueOff val="0"/>
+                        <a:satOff val="0"/>
+                        <a:lumOff val="0"/>
+                        <a:alphaOff val="0"/>
+                      </a:schemeClr>
+                    </a:fontRef>
+                  </p:style>
+                  <p:txBody>
+                    <a:bodyPr spcFirstLastPara="0" vert="horz" wrap="square" lIns="26670" tIns="17780" rIns="26670" bIns="17780" numCol="1" spcCol="1270" anchor="ctr" anchorCtr="0">
+                      <a:noAutofit/>
+                    </a:bodyPr>
+                    <a:lstStyle/>
+                    <a:p>
+                      <a:pPr lvl="0" algn="ctr" defTabSz="622300">
+                        <a:lnSpc>
+                          <a:spcPct val="90000"/>
+                        </a:lnSpc>
+                        <a:spcBef>
+                          <a:spcPct val="0"/>
+                        </a:spcBef>
+                        <a:spcAft>
+                          <a:spcPct val="35000"/>
+                        </a:spcAft>
+                      </a:pPr>
+                      <a:r>
+                        <a:rPr lang="en-US" sz="1400" kern="1200" dirty="0" smtClean="0">
+                          <a:latin typeface="Arial" charset="0"/>
+                          <a:ea typeface="Arial" charset="0"/>
+                          <a:cs typeface="Arial" charset="0"/>
+                        </a:rPr>
+                        <a:t>Language</a:t>
+                      </a:r>
+                      <a:endParaRPr lang="en-US" sz="1400" kern="1200" dirty="0">
+                        <a:latin typeface="Arial" charset="0"/>
+                        <a:ea typeface="Arial" charset="0"/>
+                        <a:cs typeface="Arial" charset="0"/>
+                      </a:endParaRPr>
+                    </a:p>
+                  </p:txBody>
+                </p:sp>
+              </p:grpSp>
+              <p:grpSp>
+                <p:nvGrpSpPr>
+                  <p:cNvPr id="17" name="Group 16"/>
+                  <p:cNvGrpSpPr/>
+                  <p:nvPr/>
+                </p:nvGrpSpPr>
+                <p:grpSpPr>
+                  <a:xfrm>
+                    <a:off x="9570635" y="2788741"/>
+                    <a:ext cx="1195387" cy="747117"/>
+                    <a:chOff x="10348351" y="1845733"/>
+                    <a:chExt cx="1195387" cy="747117"/>
+                  </a:xfrm>
+                </p:grpSpPr>
+                <p:sp>
+                  <p:nvSpPr>
+                    <p:cNvPr id="21" name="Rounded Rectangle 20"/>
+                    <p:cNvSpPr/>
+                    <p:nvPr/>
+                  </p:nvSpPr>
+                  <p:spPr>
+                    <a:xfrm>
+                      <a:off x="10348351" y="1845733"/>
+                      <a:ext cx="1195387" cy="747117"/>
+                    </a:xfrm>
+                    <a:prstGeom prst="roundRect">
+                      <a:avLst>
+                        <a:gd name="adj" fmla="val 10000"/>
+                      </a:avLst>
+                    </a:prstGeom>
+                  </p:spPr>
+                  <p:style>
+                    <a:lnRef idx="2">
+                      <a:schemeClr val="accent1">
+                        <a:hueOff val="0"/>
+                        <a:satOff val="0"/>
+                        <a:lumOff val="0"/>
+                        <a:alphaOff val="0"/>
+                      </a:schemeClr>
+                    </a:lnRef>
+                    <a:fillRef idx="1">
+                      <a:schemeClr val="lt1">
+                        <a:alpha val="90000"/>
+                        <a:hueOff val="0"/>
+                        <a:satOff val="0"/>
+                        <a:lumOff val="0"/>
+                        <a:alphaOff val="0"/>
+                      </a:schemeClr>
+                    </a:fillRef>
+                    <a:effectRef idx="0">
+                      <a:schemeClr val="lt1">
+                        <a:alpha val="90000"/>
+                        <a:hueOff val="0"/>
+                        <a:satOff val="0"/>
+                        <a:lumOff val="0"/>
+                        <a:alphaOff val="0"/>
+                      </a:schemeClr>
+                    </a:effectRef>
+                    <a:fontRef idx="minor">
+                      <a:schemeClr val="dk1">
+                        <a:hueOff val="0"/>
+                        <a:satOff val="0"/>
+                        <a:lumOff val="0"/>
+                        <a:alphaOff val="0"/>
+                      </a:schemeClr>
+                    </a:fontRef>
+                  </p:style>
+                </p:sp>
+                <p:sp>
+                  <p:nvSpPr>
+                    <p:cNvPr id="22" name="Rounded Rectangle 33"/>
+                    <p:cNvSpPr/>
+                    <p:nvPr/>
+                  </p:nvSpPr>
+                  <p:spPr>
+                    <a:xfrm>
+                      <a:off x="10370233" y="1867615"/>
+                      <a:ext cx="1151623" cy="703353"/>
+                    </a:xfrm>
+                    <a:prstGeom prst="rect">
+                      <a:avLst/>
+                    </a:prstGeom>
+                  </p:spPr>
+                  <p:style>
+                    <a:lnRef idx="0">
+                      <a:scrgbClr r="0" g="0" b="0"/>
+                    </a:lnRef>
+                    <a:fillRef idx="0">
+                      <a:scrgbClr r="0" g="0" b="0"/>
+                    </a:fillRef>
+                    <a:effectRef idx="0">
+                      <a:scrgbClr r="0" g="0" b="0"/>
+                    </a:effectRef>
+                    <a:fontRef idx="minor">
+                      <a:schemeClr val="dk1">
+                        <a:hueOff val="0"/>
+                        <a:satOff val="0"/>
+                        <a:lumOff val="0"/>
+                        <a:alphaOff val="0"/>
+                      </a:schemeClr>
+                    </a:fontRef>
+                  </p:style>
+                  <p:txBody>
+                    <a:bodyPr spcFirstLastPara="0" vert="horz" wrap="square" lIns="26670" tIns="17780" rIns="26670" bIns="17780" numCol="1" spcCol="1270" anchor="ctr" anchorCtr="0">
+                      <a:noAutofit/>
+                    </a:bodyPr>
+                    <a:lstStyle/>
+                    <a:p>
+                      <a:pPr lvl="0" algn="ctr" defTabSz="622300">
+                        <a:lnSpc>
+                          <a:spcPct val="90000"/>
+                        </a:lnSpc>
+                        <a:spcBef>
+                          <a:spcPct val="0"/>
+                        </a:spcBef>
+                        <a:spcAft>
+                          <a:spcPct val="35000"/>
+                        </a:spcAft>
+                      </a:pPr>
+                      <a:r>
+                        <a:rPr lang="en-US" sz="1400" kern="1200" dirty="0" smtClean="0">
+                          <a:latin typeface="Arial" charset="0"/>
+                          <a:ea typeface="Arial" charset="0"/>
+                          <a:cs typeface="Arial" charset="0"/>
+                        </a:rPr>
+                        <a:t>Social Dynamics</a:t>
+                      </a:r>
+                      <a:endParaRPr lang="en-US" sz="1400" kern="1200" dirty="0">
+                        <a:latin typeface="Arial" charset="0"/>
+                        <a:ea typeface="Arial" charset="0"/>
+                        <a:cs typeface="Arial" charset="0"/>
+                      </a:endParaRPr>
+                    </a:p>
+                  </p:txBody>
+                </p:sp>
+              </p:grpSp>
+              <p:grpSp>
+                <p:nvGrpSpPr>
+                  <p:cNvPr id="18" name="Group 17"/>
+                  <p:cNvGrpSpPr/>
+                  <p:nvPr/>
+                </p:nvGrpSpPr>
+                <p:grpSpPr>
+                  <a:xfrm>
+                    <a:off x="9570635" y="3652341"/>
+                    <a:ext cx="1195387" cy="747117"/>
+                    <a:chOff x="10335656" y="2709333"/>
+                    <a:chExt cx="1195387" cy="747117"/>
+                  </a:xfrm>
+                </p:grpSpPr>
+                <p:sp>
+                  <p:nvSpPr>
+                    <p:cNvPr id="19" name="Rounded Rectangle 18"/>
+                    <p:cNvSpPr/>
+                    <p:nvPr/>
+                  </p:nvSpPr>
+                  <p:spPr>
+                    <a:xfrm>
+                      <a:off x="10335656" y="2709333"/>
+                      <a:ext cx="1195387" cy="747117"/>
+                    </a:xfrm>
+                    <a:prstGeom prst="roundRect">
+                      <a:avLst>
+                        <a:gd name="adj" fmla="val 10000"/>
+                      </a:avLst>
+                    </a:prstGeom>
+                  </p:spPr>
+                  <p:style>
+                    <a:lnRef idx="2">
+                      <a:schemeClr val="accent1">
+                        <a:hueOff val="0"/>
+                        <a:satOff val="0"/>
+                        <a:lumOff val="0"/>
+                        <a:alphaOff val="0"/>
+                      </a:schemeClr>
+                    </a:lnRef>
+                    <a:fillRef idx="1">
+                      <a:schemeClr val="lt1">
+                        <a:alpha val="90000"/>
+                        <a:hueOff val="0"/>
+                        <a:satOff val="0"/>
+                        <a:lumOff val="0"/>
+                        <a:alphaOff val="0"/>
+                      </a:schemeClr>
+                    </a:fillRef>
+                    <a:effectRef idx="0">
+                      <a:schemeClr val="lt1">
+                        <a:alpha val="90000"/>
+                        <a:hueOff val="0"/>
+                        <a:satOff val="0"/>
+                        <a:lumOff val="0"/>
+                        <a:alphaOff val="0"/>
+                      </a:schemeClr>
+                    </a:effectRef>
+                    <a:fontRef idx="minor">
+                      <a:schemeClr val="dk1">
+                        <a:hueOff val="0"/>
+                        <a:satOff val="0"/>
+                        <a:lumOff val="0"/>
+                        <a:alphaOff val="0"/>
+                      </a:schemeClr>
+                    </a:fontRef>
+                  </p:style>
+                </p:sp>
+                <p:sp>
+                  <p:nvSpPr>
+                    <p:cNvPr id="20" name="Rounded Rectangle 35"/>
+                    <p:cNvSpPr/>
+                    <p:nvPr/>
+                  </p:nvSpPr>
+                  <p:spPr>
+                    <a:xfrm>
+                      <a:off x="10357538" y="2731215"/>
+                      <a:ext cx="1151623" cy="703353"/>
+                    </a:xfrm>
+                    <a:prstGeom prst="rect">
+                      <a:avLst/>
+                    </a:prstGeom>
+                  </p:spPr>
+                  <p:style>
+                    <a:lnRef idx="0">
+                      <a:scrgbClr r="0" g="0" b="0"/>
+                    </a:lnRef>
+                    <a:fillRef idx="0">
+                      <a:scrgbClr r="0" g="0" b="0"/>
+                    </a:fillRef>
+                    <a:effectRef idx="0">
+                      <a:scrgbClr r="0" g="0" b="0"/>
+                    </a:effectRef>
+                    <a:fontRef idx="minor">
+                      <a:schemeClr val="dk1">
+                        <a:hueOff val="0"/>
+                        <a:satOff val="0"/>
+                        <a:lumOff val="0"/>
+                        <a:alphaOff val="0"/>
+                      </a:schemeClr>
+                    </a:fontRef>
+                  </p:style>
+                  <p:txBody>
+                    <a:bodyPr spcFirstLastPara="0" vert="horz" wrap="square" lIns="26670" tIns="17780" rIns="26670" bIns="17780" numCol="1" spcCol="1270" anchor="ctr" anchorCtr="0">
+                      <a:noAutofit/>
+                    </a:bodyPr>
+                    <a:lstStyle/>
+                    <a:p>
+                      <a:pPr lvl="0" algn="ctr" defTabSz="622300">
+                        <a:lnSpc>
+                          <a:spcPct val="90000"/>
+                        </a:lnSpc>
+                        <a:spcBef>
+                          <a:spcPct val="0"/>
+                        </a:spcBef>
+                        <a:spcAft>
+                          <a:spcPct val="35000"/>
+                        </a:spcAft>
+                      </a:pPr>
+                      <a:r>
+                        <a:rPr lang="en-US" sz="1400" kern="1200" dirty="0" smtClean="0">
+                          <a:latin typeface="Arial" charset="0"/>
+                          <a:ea typeface="Arial" charset="0"/>
+                          <a:cs typeface="Arial" charset="0"/>
+                        </a:rPr>
+                        <a:t>Social Roles</a:t>
+                      </a:r>
+                      <a:endParaRPr lang="en-US" sz="1400" kern="1200" dirty="0">
+                        <a:latin typeface="Arial" charset="0"/>
+                        <a:ea typeface="Arial" charset="0"/>
+                        <a:cs typeface="Arial" charset="0"/>
+                      </a:endParaRPr>
+                    </a:p>
+                  </p:txBody>
+                </p:sp>
+              </p:grpSp>
+              <p:grpSp>
+                <p:nvGrpSpPr>
+                  <p:cNvPr id="51" name="Group 50"/>
+                  <p:cNvGrpSpPr/>
+                  <p:nvPr/>
+                </p:nvGrpSpPr>
+                <p:grpSpPr>
+                  <a:xfrm>
+                    <a:off x="9570635" y="1877938"/>
+                    <a:ext cx="1195387" cy="747117"/>
+                    <a:chOff x="10348351" y="1845733"/>
+                    <a:chExt cx="1195387" cy="747117"/>
+                  </a:xfrm>
+                </p:grpSpPr>
+                <p:sp>
+                  <p:nvSpPr>
+                    <p:cNvPr id="52" name="Rounded Rectangle 51"/>
+                    <p:cNvSpPr/>
+                    <p:nvPr/>
+                  </p:nvSpPr>
+                  <p:spPr>
+                    <a:xfrm>
+                      <a:off x="10348351" y="1845733"/>
+                      <a:ext cx="1195387" cy="747117"/>
+                    </a:xfrm>
+                    <a:prstGeom prst="roundRect">
+                      <a:avLst>
+                        <a:gd name="adj" fmla="val 10000"/>
+                      </a:avLst>
+                    </a:prstGeom>
+                  </p:spPr>
+                  <p:style>
+                    <a:lnRef idx="2">
+                      <a:schemeClr val="accent1">
+                        <a:hueOff val="0"/>
+                        <a:satOff val="0"/>
+                        <a:lumOff val="0"/>
+                        <a:alphaOff val="0"/>
+                      </a:schemeClr>
+                    </a:lnRef>
+                    <a:fillRef idx="1">
+                      <a:schemeClr val="lt1">
+                        <a:alpha val="90000"/>
+                        <a:hueOff val="0"/>
+                        <a:satOff val="0"/>
+                        <a:lumOff val="0"/>
+                        <a:alphaOff val="0"/>
+                      </a:schemeClr>
+                    </a:fillRef>
+                    <a:effectRef idx="0">
+                      <a:schemeClr val="lt1">
+                        <a:alpha val="90000"/>
+                        <a:hueOff val="0"/>
+                        <a:satOff val="0"/>
+                        <a:lumOff val="0"/>
+                        <a:alphaOff val="0"/>
+                      </a:schemeClr>
+                    </a:effectRef>
+                    <a:fontRef idx="minor">
+                      <a:schemeClr val="dk1">
+                        <a:hueOff val="0"/>
+                        <a:satOff val="0"/>
+                        <a:lumOff val="0"/>
+                        <a:alphaOff val="0"/>
+                      </a:schemeClr>
+                    </a:fontRef>
+                  </p:style>
+                </p:sp>
+                <p:sp>
+                  <p:nvSpPr>
+                    <p:cNvPr id="53" name="Rounded Rectangle 33"/>
+                    <p:cNvSpPr/>
+                    <p:nvPr/>
+                  </p:nvSpPr>
+                  <p:spPr>
+                    <a:xfrm>
+                      <a:off x="10370233" y="1867615"/>
+                      <a:ext cx="1151623" cy="703353"/>
+                    </a:xfrm>
+                    <a:prstGeom prst="rect">
+                      <a:avLst/>
+                    </a:prstGeom>
+                  </p:spPr>
+                  <p:style>
+                    <a:lnRef idx="0">
+                      <a:scrgbClr r="0" g="0" b="0"/>
+                    </a:lnRef>
+                    <a:fillRef idx="0">
+                      <a:scrgbClr r="0" g="0" b="0"/>
+                    </a:fillRef>
+                    <a:effectRef idx="0">
+                      <a:scrgbClr r="0" g="0" b="0"/>
+                    </a:effectRef>
+                    <a:fontRef idx="minor">
+                      <a:schemeClr val="dk1">
+                        <a:hueOff val="0"/>
+                        <a:satOff val="0"/>
+                        <a:lumOff val="0"/>
+                        <a:alphaOff val="0"/>
+                      </a:schemeClr>
+                    </a:fontRef>
+                  </p:style>
+                  <p:txBody>
+                    <a:bodyPr spcFirstLastPara="0" vert="horz" wrap="square" lIns="26670" tIns="17780" rIns="26670" bIns="17780" numCol="1" spcCol="1270" anchor="ctr" anchorCtr="0">
+                      <a:noAutofit/>
+                    </a:bodyPr>
+                    <a:lstStyle/>
+                    <a:p>
+                      <a:pPr lvl="0" algn="ctr" defTabSz="622300">
+                        <a:lnSpc>
+                          <a:spcPct val="90000"/>
+                        </a:lnSpc>
+                        <a:spcBef>
+                          <a:spcPct val="0"/>
+                        </a:spcBef>
+                        <a:spcAft>
+                          <a:spcPct val="35000"/>
+                        </a:spcAft>
+                      </a:pPr>
+                      <a:r>
+                        <a:rPr lang="en-US" sz="1400" dirty="0" smtClean="0">
+                          <a:latin typeface="Arial" charset="0"/>
+                          <a:ea typeface="Arial" charset="0"/>
+                          <a:cs typeface="Arial" charset="0"/>
+                        </a:rPr>
+                        <a:t>Psychological</a:t>
+                      </a:r>
+                      <a:endParaRPr lang="en-US" sz="1400" kern="1200" dirty="0">
+                        <a:latin typeface="Arial" charset="0"/>
+                        <a:ea typeface="Arial" charset="0"/>
+                        <a:cs typeface="Arial" charset="0"/>
+                      </a:endParaRPr>
+                    </a:p>
+                  </p:txBody>
+                </p:sp>
+              </p:grpSp>
+              <p:cxnSp>
+                <p:nvCxnSpPr>
+                  <p:cNvPr id="78" name="Elbow Connector 77"/>
+                  <p:cNvCxnSpPr>
+                    <a:stCxn id="27" idx="1"/>
+                    <a:endCxn id="25" idx="1"/>
+                  </p:cNvCxnSpPr>
+                  <p:nvPr/>
+                </p:nvCxnSpPr>
+                <p:spPr>
+                  <a:xfrm rot="10800000" flipV="1">
+                    <a:off x="8203402" y="1317599"/>
+                    <a:ext cx="547687" cy="933897"/>
+                  </a:xfrm>
+                  <a:prstGeom prst="bentConnector3">
+                    <a:avLst>
+                      <a:gd name="adj1" fmla="val 141739"/>
+                    </a:avLst>
+                  </a:prstGeom>
+                </p:spPr>
+                <p:style>
+                  <a:lnRef idx="1">
+                    <a:schemeClr val="accent1"/>
+                  </a:lnRef>
+                  <a:fillRef idx="0">
+                    <a:schemeClr val="accent1"/>
+                  </a:fillRef>
+                  <a:effectRef idx="0">
+                    <a:schemeClr val="accent1"/>
+                  </a:effectRef>
+                  <a:fontRef idx="minor">
+                    <a:schemeClr val="tx1"/>
+                  </a:fontRef>
+                </p:style>
+              </p:cxnSp>
+              <p:cxnSp>
+                <p:nvCxnSpPr>
+                  <p:cNvPr id="81" name="Elbow Connector 80"/>
+                  <p:cNvCxnSpPr>
+                    <a:stCxn id="27" idx="1"/>
+                    <a:endCxn id="23" idx="1"/>
+                  </p:cNvCxnSpPr>
+                  <p:nvPr/>
+                </p:nvCxnSpPr>
+                <p:spPr>
+                  <a:xfrm rot="10800000" flipV="1">
+                    <a:off x="8203402" y="1317599"/>
+                    <a:ext cx="547687" cy="1839441"/>
+                  </a:xfrm>
+                  <a:prstGeom prst="bentConnector3">
+                    <a:avLst>
+                      <a:gd name="adj1" fmla="val 141739"/>
+                    </a:avLst>
+                  </a:prstGeom>
+                </p:spPr>
+                <p:style>
+                  <a:lnRef idx="1">
+                    <a:schemeClr val="accent1"/>
+                  </a:lnRef>
+                  <a:fillRef idx="0">
+                    <a:schemeClr val="accent1"/>
+                  </a:fillRef>
+                  <a:effectRef idx="0">
+                    <a:schemeClr val="accent1"/>
+                  </a:effectRef>
+                  <a:fontRef idx="minor">
+                    <a:schemeClr val="tx1"/>
+                  </a:fontRef>
+                </p:style>
+              </p:cxnSp>
+              <p:cxnSp>
+                <p:nvCxnSpPr>
+                  <p:cNvPr id="84" name="Elbow Connector 83"/>
+                  <p:cNvCxnSpPr>
+                    <a:stCxn id="27" idx="3"/>
+                    <a:endCxn id="52" idx="3"/>
+                  </p:cNvCxnSpPr>
+                  <p:nvPr/>
+                </p:nvCxnSpPr>
+                <p:spPr>
+                  <a:xfrm>
+                    <a:off x="10245322" y="1317600"/>
+                    <a:ext cx="520700" cy="933897"/>
+                  </a:xfrm>
+                  <a:prstGeom prst="bentConnector3">
+                    <a:avLst>
+                      <a:gd name="adj1" fmla="val 143902"/>
+                    </a:avLst>
+                  </a:prstGeom>
+                </p:spPr>
+                <p:style>
+                  <a:lnRef idx="1">
+                    <a:schemeClr val="accent1"/>
+                  </a:lnRef>
+                  <a:fillRef idx="0">
+                    <a:schemeClr val="accent1"/>
+                  </a:fillRef>
+                  <a:effectRef idx="0">
+                    <a:schemeClr val="accent1"/>
+                  </a:effectRef>
+                  <a:fontRef idx="minor">
+                    <a:schemeClr val="tx1"/>
+                  </a:fontRef>
+                </p:style>
+              </p:cxnSp>
+              <p:cxnSp>
+                <p:nvCxnSpPr>
+                  <p:cNvPr id="87" name="Elbow Connector 86"/>
+                  <p:cNvCxnSpPr>
+                    <a:stCxn id="27" idx="3"/>
+                    <a:endCxn id="21" idx="3"/>
+                  </p:cNvCxnSpPr>
+                  <p:nvPr/>
+                </p:nvCxnSpPr>
+                <p:spPr>
+                  <a:xfrm>
+                    <a:off x="10245322" y="1317600"/>
+                    <a:ext cx="520700" cy="1844700"/>
+                  </a:xfrm>
+                  <a:prstGeom prst="bentConnector3">
+                    <a:avLst>
+                      <a:gd name="adj1" fmla="val 143902"/>
+                    </a:avLst>
+                  </a:prstGeom>
+                </p:spPr>
+                <p:style>
+                  <a:lnRef idx="1">
+                    <a:schemeClr val="accent1"/>
+                  </a:lnRef>
+                  <a:fillRef idx="0">
+                    <a:schemeClr val="accent1"/>
+                  </a:fillRef>
+                  <a:effectRef idx="0">
+                    <a:schemeClr val="accent1"/>
+                  </a:effectRef>
+                  <a:fontRef idx="minor">
+                    <a:schemeClr val="tx1"/>
+                  </a:fontRef>
+                </p:style>
+              </p:cxnSp>
+              <p:cxnSp>
+                <p:nvCxnSpPr>
+                  <p:cNvPr id="90" name="Elbow Connector 89"/>
+                  <p:cNvCxnSpPr>
+                    <a:stCxn id="27" idx="3"/>
+                    <a:endCxn id="19" idx="3"/>
+                  </p:cNvCxnSpPr>
+                  <p:nvPr/>
+                </p:nvCxnSpPr>
+                <p:spPr>
+                  <a:xfrm>
+                    <a:off x="10245322" y="1317600"/>
+                    <a:ext cx="520700" cy="2708300"/>
+                  </a:xfrm>
+                  <a:prstGeom prst="bentConnector3">
+                    <a:avLst>
+                      <a:gd name="adj1" fmla="val 143902"/>
+                    </a:avLst>
+                  </a:prstGeom>
+                </p:spPr>
+                <p:style>
+                  <a:lnRef idx="1">
+                    <a:schemeClr val="accent1"/>
+                  </a:lnRef>
+                  <a:fillRef idx="0">
+                    <a:schemeClr val="accent1"/>
+                  </a:fillRef>
+                  <a:effectRef idx="0">
+                    <a:schemeClr val="accent1"/>
+                  </a:effectRef>
+                  <a:fontRef idx="minor">
+                    <a:schemeClr val="tx1"/>
+                  </a:fontRef>
+                </p:style>
+              </p:cxnSp>
+            </p:grpSp>
+          </p:grpSp>
+          <p:sp>
+            <p:nvSpPr>
+              <p:cNvPr id="100" name="TextBox 99"/>
+              <p:cNvSpPr txBox="1"/>
+              <p:nvPr/>
+            </p:nvSpPr>
+            <p:spPr>
+              <a:xfrm>
+                <a:off x="3332711" y="588963"/>
+                <a:ext cx="5526578" cy="461665"/>
+              </a:xfrm>
+              <a:prstGeom prst="rect">
+                <a:avLst/>
+              </a:prstGeom>
+              <a:noFill/>
+            </p:spPr>
+            <p:txBody>
+              <a:bodyPr wrap="none" rtlCol="0">
+                <a:spAutoFit/>
+              </a:bodyPr>
+              <a:lstStyle/>
+              <a:p>
+                <a:pPr algn="ctr"/>
+                <a:r>
+                  <a:rPr lang="en-US" sz="2400" dirty="0" smtClean="0">
+                    <a:latin typeface="Arial" charset="0"/>
+                    <a:ea typeface="Arial" charset="0"/>
+                    <a:cs typeface="Arial" charset="0"/>
+                  </a:rPr>
+                  <a:t>Persuasive Authentication Framework</a:t>
+                </a:r>
+                <a:endParaRPr lang="en-US" sz="2400" dirty="0">
+                  <a:latin typeface="Arial" charset="0"/>
+                  <a:ea typeface="Arial" charset="0"/>
+                  <a:cs typeface="Arial" charset="0"/>
+                </a:endParaRPr>
+              </a:p>
+            </p:txBody>
+          </p:sp>
+        </p:grpSp>
+      </p:grpSp>
+    </p:spTree>
+    <p:extLst>
+      <p:ext uri="{BB962C8B-B14F-4D97-AF65-F5344CB8AC3E}">
+        <p14:creationId xmlns:p14="http://schemas.microsoft.com/office/powerpoint/2010/main" val="1170460455"/>
+      </p:ext>
+    </p:extLst>
+  </p:cSld>
+  <p:clrMapOvr>
+    <a:masterClrMapping/>
+  </p:clrMapOvr>
+</p:sld>
+</file>
+
+<file path=ppt/slides/slide6.xml><?xml version="1.0" encoding="utf-8"?>
 <p:sld xmlns:a="http://schemas.openxmlformats.org/drawingml/2006/main" xmlns:r="http://schemas.openxmlformats.org/officeDocument/2006/relationships" xmlns:p="http://schemas.openxmlformats.org/presentationml/2006/main">
   <p:cSld>
     <p:spTree>
